--- a/DETERMINED2022/Introduction to model validation and unbalanced datasets/DETERMINED2022-toelt-Model_Validation_lecture_michelucci.pptx
+++ b/DETERMINED2022/Introduction to model validation and unbalanced datasets/DETERMINED2022-toelt-Model_Validation_lecture_michelucci.pptx
@@ -5,7 +5,7 @@
     <p:sldMasterId id="2147483648" r:id="rId1"/>
   </p:sldMasterIdLst>
   <p:notesMasterIdLst>
-    <p:notesMasterId r:id="rId16"/>
+    <p:notesMasterId r:id="rId17"/>
   </p:notesMasterIdLst>
   <p:sldIdLst>
     <p:sldId id="257" r:id="rId2"/>
@@ -22,6 +22,7 @@
     <p:sldId id="269" r:id="rId13"/>
     <p:sldId id="265" r:id="rId14"/>
     <p:sldId id="266" r:id="rId15"/>
+    <p:sldId id="271" r:id="rId16"/>
   </p:sldIdLst>
   <p:sldSz cx="12192000" cy="6858000"/>
   <p:notesSz cx="6858000" cy="9144000"/>
@@ -7657,6 +7658,89 @@
 </p:sld>
 </file>
 
+<file path=ppt/slides/slide15.xml><?xml version="1.0" encoding="utf-8"?>
+<p:sld xmlns:a="http://schemas.openxmlformats.org/drawingml/2006/main" xmlns:r="http://schemas.openxmlformats.org/officeDocument/2006/relationships" xmlns:p="http://schemas.openxmlformats.org/presentationml/2006/main">
+  <p:cSld>
+    <p:spTree>
+      <p:nvGrpSpPr>
+        <p:cNvPr id="1" name=""/>
+        <p:cNvGrpSpPr/>
+        <p:nvPr/>
+      </p:nvGrpSpPr>
+      <p:grpSpPr>
+        <a:xfrm>
+          <a:off x="0" y="0"/>
+          <a:ext cx="0" cy="0"/>
+          <a:chOff x="0" y="0"/>
+          <a:chExt cx="0" cy="0"/>
+        </a:xfrm>
+      </p:grpSpPr>
+      <p:sp>
+        <p:nvSpPr>
+          <p:cNvPr id="2" name="Title 1">
+            <a:extLst>
+              <a:ext uri="{FF2B5EF4-FFF2-40B4-BE49-F238E27FC236}">
+                <a16:creationId xmlns:a16="http://schemas.microsoft.com/office/drawing/2014/main" id="{1705DA87-4F31-CD42-8746-7DA05C25D671}"/>
+              </a:ext>
+            </a:extLst>
+          </p:cNvPr>
+          <p:cNvSpPr>
+            <a:spLocks noGrp="1"/>
+          </p:cNvSpPr>
+          <p:nvPr>
+            <p:ph type="title"/>
+          </p:nvPr>
+        </p:nvSpPr>
+        <p:spPr/>
+        <p:txBody>
+          <a:bodyPr/>
+          <a:lstStyle/>
+          <a:p>
+            <a:r>
+              <a:rPr lang="en-CH"/>
+              <a:t>Effect of randomness in the data</a:t>
+            </a:r>
+          </a:p>
+        </p:txBody>
+      </p:sp>
+      <p:sp>
+        <p:nvSpPr>
+          <p:cNvPr id="3" name="Content Placeholder 2">
+            <a:extLst>
+              <a:ext uri="{FF2B5EF4-FFF2-40B4-BE49-F238E27FC236}">
+                <a16:creationId xmlns:a16="http://schemas.microsoft.com/office/drawing/2014/main" id="{8B322DF0-2CC9-0213-EDA2-2FB96A33E0E7}"/>
+              </a:ext>
+            </a:extLst>
+          </p:cNvPr>
+          <p:cNvSpPr>
+            <a:spLocks noGrp="1"/>
+          </p:cNvSpPr>
+          <p:nvPr>
+            <p:ph idx="1"/>
+          </p:nvPr>
+        </p:nvSpPr>
+        <p:spPr/>
+        <p:txBody>
+          <a:bodyPr/>
+          <a:lstStyle/>
+          <a:p>
+            <a:endParaRPr lang="en-CH"/>
+          </a:p>
+        </p:txBody>
+      </p:sp>
+    </p:spTree>
+    <p:extLst>
+      <p:ext uri="{BB962C8B-B14F-4D97-AF65-F5344CB8AC3E}">
+        <p14:creationId xmlns:p14="http://schemas.microsoft.com/office/powerpoint/2010/main" val="1555019688"/>
+      </p:ext>
+    </p:extLst>
+  </p:cSld>
+  <p:clrMapOvr>
+    <a:masterClrMapping/>
+  </p:clrMapOvr>
+</p:sld>
+</file>
+
 <file path=ppt/slides/slide2.xml><?xml version="1.0" encoding="utf-8"?>
 <p:sld xmlns:a="http://schemas.openxmlformats.org/drawingml/2006/main" xmlns:r="http://schemas.openxmlformats.org/officeDocument/2006/relationships" xmlns:p="http://schemas.openxmlformats.org/presentationml/2006/main">
   <p:cSld>

--- a/DETERMINED2022/Introduction to model validation and unbalanced datasets/DETERMINED2022-toelt-Model_Validation_lecture_michelucci.pptx
+++ b/DETERMINED2022/Introduction to model validation and unbalanced datasets/DETERMINED2022-toelt-Model_Validation_lecture_michelucci.pptx
@@ -5,24 +5,29 @@
     <p:sldMasterId id="2147483648" r:id="rId1"/>
   </p:sldMasterIdLst>
   <p:notesMasterIdLst>
-    <p:notesMasterId r:id="rId17"/>
+    <p:notesMasterId r:id="rId22"/>
   </p:notesMasterIdLst>
   <p:sldIdLst>
     <p:sldId id="257" r:id="rId2"/>
-    <p:sldId id="258" r:id="rId3"/>
-    <p:sldId id="259" r:id="rId4"/>
-    <p:sldId id="261" r:id="rId5"/>
-    <p:sldId id="260" r:id="rId6"/>
-    <p:sldId id="262" r:id="rId7"/>
-    <p:sldId id="263" r:id="rId8"/>
-    <p:sldId id="264" r:id="rId9"/>
-    <p:sldId id="270" r:id="rId10"/>
-    <p:sldId id="267" r:id="rId11"/>
-    <p:sldId id="268" r:id="rId12"/>
-    <p:sldId id="269" r:id="rId13"/>
-    <p:sldId id="265" r:id="rId14"/>
-    <p:sldId id="266" r:id="rId15"/>
-    <p:sldId id="271" r:id="rId16"/>
+    <p:sldId id="276" r:id="rId3"/>
+    <p:sldId id="278" r:id="rId4"/>
+    <p:sldId id="259" r:id="rId5"/>
+    <p:sldId id="261" r:id="rId6"/>
+    <p:sldId id="260" r:id="rId7"/>
+    <p:sldId id="262" r:id="rId8"/>
+    <p:sldId id="258" r:id="rId9"/>
+    <p:sldId id="263" r:id="rId10"/>
+    <p:sldId id="264" r:id="rId11"/>
+    <p:sldId id="270" r:id="rId12"/>
+    <p:sldId id="267" r:id="rId13"/>
+    <p:sldId id="268" r:id="rId14"/>
+    <p:sldId id="269" r:id="rId15"/>
+    <p:sldId id="277" r:id="rId16"/>
+    <p:sldId id="271" r:id="rId17"/>
+    <p:sldId id="275" r:id="rId18"/>
+    <p:sldId id="272" r:id="rId19"/>
+    <p:sldId id="273" r:id="rId20"/>
+    <p:sldId id="274" r:id="rId21"/>
   </p:sldIdLst>
   <p:sldSz cx="12192000" cy="6858000"/>
   <p:notesSz cx="6858000" cy="9144000"/>
@@ -6782,7 +6787,7 @@
           <p:cNvPr id="2" name="Title 1">
             <a:extLst>
               <a:ext uri="{FF2B5EF4-FFF2-40B4-BE49-F238E27FC236}">
-                <a16:creationId xmlns:a16="http://schemas.microsoft.com/office/drawing/2014/main" id="{FE02FA5B-E50A-6C8F-EEF6-67BF8D923F50}"/>
+                <a16:creationId xmlns:a16="http://schemas.microsoft.com/office/drawing/2014/main" id="{8BB9B4CC-2BA2-A3CA-C300-97474FB64365}"/>
               </a:ext>
             </a:extLst>
           </p:cNvPr>
@@ -6800,1993 +6805,7 @@
           <a:p>
             <a:r>
               <a:rPr lang="en-CH"/>
-              <a:t>Variance and Bias</a:t>
-            </a:r>
-          </a:p>
-        </p:txBody>
-      </p:sp>
-      <p:pic>
-        <p:nvPicPr>
-          <p:cNvPr id="4" name="Content Placeholder 3">
-            <a:extLst>
-              <a:ext uri="{FF2B5EF4-FFF2-40B4-BE49-F238E27FC236}">
-                <a16:creationId xmlns:a16="http://schemas.microsoft.com/office/drawing/2014/main" id="{D3B23091-3C08-110F-DFB6-F7FB639B000A}"/>
-              </a:ext>
-            </a:extLst>
-          </p:cNvPr>
-          <p:cNvPicPr>
-            <a:picLocks noGrp="1" noChangeAspect="1"/>
-          </p:cNvPicPr>
-          <p:nvPr>
-            <p:ph idx="1"/>
-          </p:nvPr>
-        </p:nvPicPr>
-        <p:blipFill>
-          <a:blip r:embed="rId2"/>
-          <a:stretch>
-            <a:fillRect/>
-          </a:stretch>
-        </p:blipFill>
-        <p:spPr>
-          <a:xfrm>
-            <a:off x="3338642" y="1825625"/>
-            <a:ext cx="5514716" cy="4351338"/>
-          </a:xfrm>
-          <a:prstGeom prst="rect">
-            <a:avLst/>
-          </a:prstGeom>
-        </p:spPr>
-      </p:pic>
-      <p:sp>
-        <p:nvSpPr>
-          <p:cNvPr id="5" name="TextBox 4">
-            <a:extLst>
-              <a:ext uri="{FF2B5EF4-FFF2-40B4-BE49-F238E27FC236}">
-                <a16:creationId xmlns:a16="http://schemas.microsoft.com/office/drawing/2014/main" id="{C6F57AF2-43E6-731D-9A6F-860181138FCD}"/>
-              </a:ext>
-            </a:extLst>
-          </p:cNvPr>
-          <p:cNvSpPr txBox="1"/>
-          <p:nvPr/>
-        </p:nvSpPr>
-        <p:spPr>
-          <a:xfrm>
-            <a:off x="7233585" y="6596390"/>
-            <a:ext cx="5572954" cy="261610"/>
-          </a:xfrm>
-          <a:prstGeom prst="rect">
-            <a:avLst/>
-          </a:prstGeom>
-          <a:noFill/>
-        </p:spPr>
-        <p:txBody>
-          <a:bodyPr wrap="square">
-            <a:spAutoFit/>
-          </a:bodyPr>
-          <a:lstStyle/>
-          <a:p>
-            <a:r>
-              <a:rPr lang="en-GB" sz="1050">
-                <a:latin typeface="Arial" panose="020B0604020202020204" pitchFamily="34" charset="0"/>
-              </a:rPr>
-              <a:t>U. Michelucci, </a:t>
-            </a:r>
-            <a:r>
-              <a:rPr lang="en-GB" sz="1050" i="1">
-                <a:latin typeface="Arial" panose="020B0604020202020204" pitchFamily="34" charset="0"/>
-              </a:rPr>
-              <a:t>Applied Deep Learning with TensorFlow 2</a:t>
-            </a:r>
-            <a:r>
-              <a:rPr lang="en-GB" sz="1050">
-                <a:latin typeface="Arial" panose="020B0604020202020204" pitchFamily="34" charset="0"/>
-              </a:rPr>
-              <a:t>, Springer Nature, 2022</a:t>
-            </a:r>
-          </a:p>
-        </p:txBody>
-      </p:sp>
-    </p:spTree>
-    <p:extLst>
-      <p:ext uri="{BB962C8B-B14F-4D97-AF65-F5344CB8AC3E}">
-        <p14:creationId xmlns:p14="http://schemas.microsoft.com/office/powerpoint/2010/main" val="2290454121"/>
-      </p:ext>
-    </p:extLst>
-  </p:cSld>
-  <p:clrMapOvr>
-    <a:masterClrMapping/>
-  </p:clrMapOvr>
-</p:sld>
-</file>
-
-<file path=ppt/slides/slide11.xml><?xml version="1.0" encoding="utf-8"?>
-<p:sld xmlns:a="http://schemas.openxmlformats.org/drawingml/2006/main" xmlns:r="http://schemas.openxmlformats.org/officeDocument/2006/relationships" xmlns:p="http://schemas.openxmlformats.org/presentationml/2006/main">
-  <p:cSld>
-    <p:spTree>
-      <p:nvGrpSpPr>
-        <p:cNvPr id="1" name=""/>
-        <p:cNvGrpSpPr/>
-        <p:nvPr/>
-      </p:nvGrpSpPr>
-      <p:grpSpPr>
-        <a:xfrm>
-          <a:off x="0" y="0"/>
-          <a:ext cx="0" cy="0"/>
-          <a:chOff x="0" y="0"/>
-          <a:chExt cx="0" cy="0"/>
-        </a:xfrm>
-      </p:grpSpPr>
-      <p:sp>
-        <p:nvSpPr>
-          <p:cNvPr id="2" name="Title 1">
-            <a:extLst>
-              <a:ext uri="{FF2B5EF4-FFF2-40B4-BE49-F238E27FC236}">
-                <a16:creationId xmlns:a16="http://schemas.microsoft.com/office/drawing/2014/main" id="{94FACC52-3218-DDEB-3FF2-D2D7228384AB}"/>
-              </a:ext>
-            </a:extLst>
-          </p:cNvPr>
-          <p:cNvSpPr>
-            <a:spLocks noGrp="1"/>
-          </p:cNvSpPr>
-          <p:nvPr>
-            <p:ph type="title"/>
-          </p:nvPr>
-        </p:nvSpPr>
-        <p:spPr/>
-        <p:txBody>
-          <a:bodyPr/>
-          <a:lstStyle/>
-          <a:p>
-            <a:r>
-              <a:rPr lang="en-CH"/>
-              <a:t>Essence of overfitting</a:t>
-            </a:r>
-          </a:p>
-        </p:txBody>
-      </p:sp>
-      <p:sp>
-        <p:nvSpPr>
-          <p:cNvPr id="3" name="Content Placeholder 2">
-            <a:extLst>
-              <a:ext uri="{FF2B5EF4-FFF2-40B4-BE49-F238E27FC236}">
-                <a16:creationId xmlns:a16="http://schemas.microsoft.com/office/drawing/2014/main" id="{3E564DD8-825B-74E7-B53E-695F0DFE9C59}"/>
-              </a:ext>
-            </a:extLst>
-          </p:cNvPr>
-          <p:cNvSpPr>
-            <a:spLocks noGrp="1"/>
-          </p:cNvSpPr>
-          <p:nvPr>
-            <p:ph idx="1"/>
-          </p:nvPr>
-        </p:nvSpPr>
-        <p:spPr>
-          <a:xfrm>
-            <a:off x="838200" y="2468879"/>
-            <a:ext cx="10515600" cy="3708083"/>
-          </a:xfrm>
-        </p:spPr>
-        <p:txBody>
-          <a:bodyPr/>
-          <a:lstStyle/>
-          <a:p>
-            <a:pPr marL="0" indent="0">
-              <a:buNone/>
-            </a:pPr>
-            <a:r>
-              <a:rPr lang="en-US" b="1"/>
-              <a:t>Note</a:t>
-            </a:r>
-            <a:r>
-              <a:rPr lang="en-US"/>
-              <a:t> The essence of </a:t>
-            </a:r>
-            <a:r>
-              <a:rPr lang="en-US" b="1"/>
-              <a:t>overfitting</a:t>
-            </a:r>
-            <a:r>
-              <a:rPr lang="en-US"/>
-              <a:t> is to have unknowingly extracted some of the residual variation (i.e. the noise) as if that variation represented underlying model structure [1]. The opposite is called </a:t>
-            </a:r>
-            <a:r>
-              <a:rPr lang="en-US" b="1"/>
-              <a:t>underfitting</a:t>
-            </a:r>
-            <a:r>
-              <a:rPr lang="en-US"/>
-              <a:t> when the model cannot capture the structure of the data</a:t>
-            </a:r>
-            <a:r>
-              <a:rPr lang="en-CH">
-                <a:effectLst/>
-              </a:rPr>
-              <a:t> </a:t>
-            </a:r>
-            <a:endParaRPr lang="en-CH"/>
-          </a:p>
-        </p:txBody>
-      </p:sp>
-    </p:spTree>
-    <p:extLst>
-      <p:ext uri="{BB962C8B-B14F-4D97-AF65-F5344CB8AC3E}">
-        <p14:creationId xmlns:p14="http://schemas.microsoft.com/office/powerpoint/2010/main" val="849770155"/>
-      </p:ext>
-    </p:extLst>
-  </p:cSld>
-  <p:clrMapOvr>
-    <a:masterClrMapping/>
-  </p:clrMapOvr>
-</p:sld>
-</file>
-
-<file path=ppt/slides/slide12.xml><?xml version="1.0" encoding="utf-8"?>
-<p:sld xmlns:a="http://schemas.openxmlformats.org/drawingml/2006/main" xmlns:r="http://schemas.openxmlformats.org/officeDocument/2006/relationships" xmlns:p="http://schemas.openxmlformats.org/presentationml/2006/main">
-  <p:cSld>
-    <p:spTree>
-      <p:nvGrpSpPr>
-        <p:cNvPr id="1" name=""/>
-        <p:cNvGrpSpPr/>
-        <p:nvPr/>
-      </p:nvGrpSpPr>
-      <p:grpSpPr>
-        <a:xfrm>
-          <a:off x="0" y="0"/>
-          <a:ext cx="0" cy="0"/>
-          <a:chOff x="0" y="0"/>
-          <a:chExt cx="0" cy="0"/>
-        </a:xfrm>
-      </p:grpSpPr>
-      <p:pic>
-        <p:nvPicPr>
-          <p:cNvPr id="4" name="Content Placeholder 3">
-            <a:extLst>
-              <a:ext uri="{FF2B5EF4-FFF2-40B4-BE49-F238E27FC236}">
-                <a16:creationId xmlns:a16="http://schemas.microsoft.com/office/drawing/2014/main" id="{BADBE0DF-89CE-2FC6-7FDC-B674A1DF7DBA}"/>
-              </a:ext>
-            </a:extLst>
-          </p:cNvPr>
-          <p:cNvPicPr>
-            <a:picLocks noGrp="1" noChangeAspect="1"/>
-          </p:cNvPicPr>
-          <p:nvPr>
-            <p:ph idx="1"/>
-          </p:nvPr>
-        </p:nvPicPr>
-        <p:blipFill>
-          <a:blip r:embed="rId2"/>
-          <a:stretch>
-            <a:fillRect/>
-          </a:stretch>
-        </p:blipFill>
-        <p:spPr>
-          <a:xfrm>
-            <a:off x="688571" y="974951"/>
-            <a:ext cx="10515600" cy="2029326"/>
-          </a:xfrm>
-          <a:prstGeom prst="rect">
-            <a:avLst/>
-          </a:prstGeom>
-        </p:spPr>
-      </p:pic>
-      <p:sp>
-        <p:nvSpPr>
-          <p:cNvPr id="8" name="TextBox 7">
-            <a:extLst>
-              <a:ext uri="{FF2B5EF4-FFF2-40B4-BE49-F238E27FC236}">
-                <a16:creationId xmlns:a16="http://schemas.microsoft.com/office/drawing/2014/main" id="{8C9F5C12-38E0-E6A3-3D8D-A73351F15033}"/>
-              </a:ext>
-            </a:extLst>
-          </p:cNvPr>
-          <p:cNvSpPr txBox="1"/>
-          <p:nvPr/>
-        </p:nvSpPr>
-        <p:spPr>
-          <a:xfrm>
-            <a:off x="916478" y="3429000"/>
-            <a:ext cx="10359044" cy="2350580"/>
-          </a:xfrm>
-          <a:prstGeom prst="rect">
-            <a:avLst/>
-          </a:prstGeom>
-          <a:noFill/>
-        </p:spPr>
-        <p:txBody>
-          <a:bodyPr wrap="square">
-            <a:spAutoFit/>
-          </a:bodyPr>
-          <a:lstStyle/>
-          <a:p>
-            <a:pPr marL="285750" marR="547370" lvl="0" indent="-285750">
-              <a:lnSpc>
-                <a:spcPts val="1600"/>
-              </a:lnSpc>
-              <a:spcBef>
-                <a:spcPts val="600"/>
-              </a:spcBef>
-              <a:spcAft>
-                <a:spcPts val="1000"/>
-              </a:spcAft>
-              <a:buFont typeface="Arial" panose="020B0604020202020204" pitchFamily="34" charset="0"/>
-              <a:buChar char="•"/>
-              <a:tabLst>
-                <a:tab pos="594360" algn="l"/>
-              </a:tabLst>
-            </a:pPr>
-            <a:r>
-              <a:rPr lang="en-GB" b="1">
-                <a:effectLst/>
-                <a:latin typeface="Arial" panose="020B0604020202020204" pitchFamily="34" charset="0"/>
-                <a:ea typeface="Calibri" panose="020F0502020204030204" pitchFamily="34" charset="0"/>
-                <a:cs typeface="Arial" panose="020B0604020202020204" pitchFamily="34" charset="0"/>
-              </a:rPr>
-              <a:t>Case A</a:t>
-            </a:r>
-            <a:r>
-              <a:rPr lang="en-GB">
-                <a:effectLst/>
-                <a:latin typeface="Arial" panose="020B0604020202020204" pitchFamily="34" charset="0"/>
-                <a:ea typeface="Calibri" panose="020F0502020204030204" pitchFamily="34" charset="0"/>
-                <a:cs typeface="Arial" panose="020B0604020202020204" pitchFamily="34" charset="0"/>
-              </a:rPr>
-              <a:t>: here we are overfitting (high variance), because we are doing very well on the training set, but our model generalizes very badly to our dev set (check again Figure 15-8).</a:t>
-            </a:r>
-          </a:p>
-          <a:p>
-            <a:pPr marL="285750" marR="547370" lvl="0" indent="-285750">
-              <a:lnSpc>
-                <a:spcPts val="1600"/>
-              </a:lnSpc>
-              <a:spcBef>
-                <a:spcPts val="600"/>
-              </a:spcBef>
-              <a:spcAft>
-                <a:spcPts val="1000"/>
-              </a:spcAft>
-              <a:buFont typeface="Arial" panose="020B0604020202020204" pitchFamily="34" charset="0"/>
-              <a:buChar char="•"/>
-              <a:tabLst>
-                <a:tab pos="594360" algn="l"/>
-              </a:tabLst>
-            </a:pPr>
-            <a:r>
-              <a:rPr lang="en-GB" b="1">
-                <a:effectLst/>
-                <a:latin typeface="Arial" panose="020B0604020202020204" pitchFamily="34" charset="0"/>
-                <a:ea typeface="Calibri" panose="020F0502020204030204" pitchFamily="34" charset="0"/>
-                <a:cs typeface="Arial" panose="020B0604020202020204" pitchFamily="34" charset="0"/>
-              </a:rPr>
-              <a:t>Case B</a:t>
-            </a:r>
-            <a:r>
-              <a:rPr lang="en-GB">
-                <a:effectLst/>
-                <a:latin typeface="Arial" panose="020B0604020202020204" pitchFamily="34" charset="0"/>
-                <a:ea typeface="Calibri" panose="020F0502020204030204" pitchFamily="34" charset="0"/>
-                <a:cs typeface="Arial" panose="020B0604020202020204" pitchFamily="34" charset="0"/>
-              </a:rPr>
-              <a:t>: here we see a problem with high bias, meaning that our model is not doing very well generally, on both datasets (check again Figure 15-9)</a:t>
-            </a:r>
-          </a:p>
-          <a:p>
-            <a:pPr marL="285750" marR="547370" lvl="0" indent="-285750">
-              <a:lnSpc>
-                <a:spcPts val="1600"/>
-              </a:lnSpc>
-              <a:spcBef>
-                <a:spcPts val="600"/>
-              </a:spcBef>
-              <a:spcAft>
-                <a:spcPts val="1000"/>
-              </a:spcAft>
-              <a:buFont typeface="Arial" panose="020B0604020202020204" pitchFamily="34" charset="0"/>
-              <a:buChar char="•"/>
-              <a:tabLst>
-                <a:tab pos="594360" algn="l"/>
-              </a:tabLst>
-            </a:pPr>
-            <a:r>
-              <a:rPr lang="en-GB" b="1">
-                <a:effectLst/>
-                <a:latin typeface="Arial" panose="020B0604020202020204" pitchFamily="34" charset="0"/>
-                <a:ea typeface="Calibri" panose="020F0502020204030204" pitchFamily="34" charset="0"/>
-                <a:cs typeface="Arial" panose="020B0604020202020204" pitchFamily="34" charset="0"/>
-              </a:rPr>
-              <a:t>Case C</a:t>
-            </a:r>
-            <a:r>
-              <a:rPr lang="en-GB">
-                <a:effectLst/>
-                <a:latin typeface="Arial" panose="020B0604020202020204" pitchFamily="34" charset="0"/>
-                <a:ea typeface="Calibri" panose="020F0502020204030204" pitchFamily="34" charset="0"/>
-                <a:cs typeface="Arial" panose="020B0604020202020204" pitchFamily="34" charset="0"/>
-              </a:rPr>
-              <a:t>: here we have a high bias (the model cannot predict very well the training set) and high variance (the model does not generalize well on the dev set).</a:t>
-            </a:r>
-          </a:p>
-          <a:p>
-            <a:pPr marL="285750" marR="547370" lvl="0" indent="-285750">
-              <a:lnSpc>
-                <a:spcPts val="1600"/>
-              </a:lnSpc>
-              <a:spcBef>
-                <a:spcPts val="600"/>
-              </a:spcBef>
-              <a:spcAft>
-                <a:spcPts val="1000"/>
-              </a:spcAft>
-              <a:buFont typeface="Arial" panose="020B0604020202020204" pitchFamily="34" charset="0"/>
-              <a:buChar char="•"/>
-              <a:tabLst>
-                <a:tab pos="594360" algn="l"/>
-              </a:tabLst>
-            </a:pPr>
-            <a:r>
-              <a:rPr lang="en-GB" b="1">
-                <a:effectLst/>
-                <a:latin typeface="Arial" panose="020B0604020202020204" pitchFamily="34" charset="0"/>
-                <a:ea typeface="Calibri" panose="020F0502020204030204" pitchFamily="34" charset="0"/>
-                <a:cs typeface="Arial" panose="020B0604020202020204" pitchFamily="34" charset="0"/>
-              </a:rPr>
-              <a:t>Case D</a:t>
-            </a:r>
-            <a:r>
-              <a:rPr lang="en-GB">
-                <a:effectLst/>
-                <a:latin typeface="Arial" panose="020B0604020202020204" pitchFamily="34" charset="0"/>
-                <a:ea typeface="Calibri" panose="020F0502020204030204" pitchFamily="34" charset="0"/>
-                <a:cs typeface="Arial" panose="020B0604020202020204" pitchFamily="34" charset="0"/>
-              </a:rPr>
-              <a:t>: here everything seems ok. Good error on the train set and good on the dev set. That is a good candidate for our best model.</a:t>
-            </a:r>
-          </a:p>
-        </p:txBody>
-      </p:sp>
-    </p:spTree>
-    <p:extLst>
-      <p:ext uri="{BB962C8B-B14F-4D97-AF65-F5344CB8AC3E}">
-        <p14:creationId xmlns:p14="http://schemas.microsoft.com/office/powerpoint/2010/main" val="3637424865"/>
-      </p:ext>
-    </p:extLst>
-  </p:cSld>
-  <p:clrMapOvr>
-    <a:masterClrMapping/>
-  </p:clrMapOvr>
-</p:sld>
-</file>
-
-<file path=ppt/slides/slide13.xml><?xml version="1.0" encoding="utf-8"?>
-<p:sld xmlns:a="http://schemas.openxmlformats.org/drawingml/2006/main" xmlns:r="http://schemas.openxmlformats.org/officeDocument/2006/relationships" xmlns:p="http://schemas.openxmlformats.org/presentationml/2006/main">
-  <p:cSld>
-    <p:spTree>
-      <p:nvGrpSpPr>
-        <p:cNvPr id="1" name=""/>
-        <p:cNvGrpSpPr/>
-        <p:nvPr/>
-      </p:nvGrpSpPr>
-      <p:grpSpPr>
-        <a:xfrm>
-          <a:off x="0" y="0"/>
-          <a:ext cx="0" cy="0"/>
-          <a:chOff x="0" y="0"/>
-          <a:chExt cx="0" cy="0"/>
-        </a:xfrm>
-      </p:grpSpPr>
-      <p:pic>
-        <p:nvPicPr>
-          <p:cNvPr id="4" name="Content Placeholder 3">
-            <a:extLst>
-              <a:ext uri="{FF2B5EF4-FFF2-40B4-BE49-F238E27FC236}">
-                <a16:creationId xmlns:a16="http://schemas.microsoft.com/office/drawing/2014/main" id="{E744077A-0CBA-5577-C4C2-75FBB7AA4981}"/>
-              </a:ext>
-            </a:extLst>
-          </p:cNvPr>
-          <p:cNvPicPr>
-            <a:picLocks noGrp="1" noChangeAspect="1"/>
-          </p:cNvPicPr>
-          <p:nvPr>
-            <p:ph idx="1"/>
-          </p:nvPr>
-        </p:nvPicPr>
-        <p:blipFill>
-          <a:blip r:embed="rId2"/>
-          <a:stretch>
-            <a:fillRect/>
-          </a:stretch>
-        </p:blipFill>
-        <p:spPr>
-          <a:xfrm>
-            <a:off x="2369004" y="1599594"/>
-            <a:ext cx="7104858" cy="4351338"/>
-          </a:xfrm>
-          <a:prstGeom prst="rect">
-            <a:avLst/>
-          </a:prstGeom>
-        </p:spPr>
-      </p:pic>
-      <p:sp>
-        <p:nvSpPr>
-          <p:cNvPr id="6" name="TextBox 5">
-            <a:extLst>
-              <a:ext uri="{FF2B5EF4-FFF2-40B4-BE49-F238E27FC236}">
-                <a16:creationId xmlns:a16="http://schemas.microsoft.com/office/drawing/2014/main" id="{A4E872BE-CE1B-0390-FF85-219E0124FF5E}"/>
-              </a:ext>
-            </a:extLst>
-          </p:cNvPr>
-          <p:cNvSpPr txBox="1"/>
-          <p:nvPr/>
-        </p:nvSpPr>
-        <p:spPr>
-          <a:xfrm>
-            <a:off x="1064681" y="5950932"/>
-            <a:ext cx="10581450" cy="646331"/>
-          </a:xfrm>
-          <a:prstGeom prst="rect">
-            <a:avLst/>
-          </a:prstGeom>
-          <a:noFill/>
-        </p:spPr>
-        <p:txBody>
-          <a:bodyPr wrap="square">
-            <a:spAutoFit/>
-          </a:bodyPr>
-          <a:lstStyle/>
-          <a:p>
-            <a:r>
-              <a:rPr lang="en-US" sz="1800">
-                <a:effectLst/>
-                <a:latin typeface="Arial" panose="020B0604020202020204" pitchFamily="34" charset="0"/>
-                <a:ea typeface="Calibri" panose="020F0502020204030204" pitchFamily="34" charset="0"/>
-                <a:cs typeface="Arial" panose="020B0604020202020204" pitchFamily="34" charset="0"/>
-              </a:rPr>
-              <a:t>The result of our model with a 21-degree polynomial fitted to 10 different datasets generated with different random noise values added (high variance).</a:t>
-            </a:r>
-            <a:r>
-              <a:rPr lang="en-CH">
-                <a:effectLst/>
-                <a:latin typeface="Arial" panose="020B0604020202020204" pitchFamily="34" charset="0"/>
-                <a:cs typeface="Arial" panose="020B0604020202020204" pitchFamily="34" charset="0"/>
-              </a:rPr>
-              <a:t> </a:t>
-            </a:r>
-            <a:endParaRPr lang="en-CH">
-              <a:latin typeface="Arial" panose="020B0604020202020204" pitchFamily="34" charset="0"/>
-              <a:cs typeface="Arial" panose="020B0604020202020204" pitchFamily="34" charset="0"/>
-            </a:endParaRPr>
-          </a:p>
-        </p:txBody>
-      </p:sp>
-      <p:sp>
-        <p:nvSpPr>
-          <p:cNvPr id="7" name="TextBox 6">
-            <a:extLst>
-              <a:ext uri="{FF2B5EF4-FFF2-40B4-BE49-F238E27FC236}">
-                <a16:creationId xmlns:a16="http://schemas.microsoft.com/office/drawing/2014/main" id="{4889968C-ED02-DA9D-BC2A-ED060126DB0B}"/>
-              </a:ext>
-            </a:extLst>
-          </p:cNvPr>
-          <p:cNvSpPr txBox="1"/>
-          <p:nvPr/>
-        </p:nvSpPr>
-        <p:spPr>
-          <a:xfrm>
-            <a:off x="7233585" y="6596390"/>
-            <a:ext cx="5572954" cy="261610"/>
-          </a:xfrm>
-          <a:prstGeom prst="rect">
-            <a:avLst/>
-          </a:prstGeom>
-          <a:noFill/>
-        </p:spPr>
-        <p:txBody>
-          <a:bodyPr wrap="square">
-            <a:spAutoFit/>
-          </a:bodyPr>
-          <a:lstStyle/>
-          <a:p>
-            <a:r>
-              <a:rPr lang="en-GB" sz="1050">
-                <a:latin typeface="Arial" panose="020B0604020202020204" pitchFamily="34" charset="0"/>
-              </a:rPr>
-              <a:t>U. Michelucci, </a:t>
-            </a:r>
-            <a:r>
-              <a:rPr lang="en-GB" sz="1050" i="1">
-                <a:latin typeface="Arial" panose="020B0604020202020204" pitchFamily="34" charset="0"/>
-              </a:rPr>
-              <a:t>Applied Deep Learning with TensorFlow 2</a:t>
-            </a:r>
-            <a:r>
-              <a:rPr lang="en-GB" sz="1050">
-                <a:latin typeface="Arial" panose="020B0604020202020204" pitchFamily="34" charset="0"/>
-              </a:rPr>
-              <a:t>, Springer Nature, 2022</a:t>
-            </a:r>
-          </a:p>
-        </p:txBody>
-      </p:sp>
-      <p:sp>
-        <p:nvSpPr>
-          <p:cNvPr id="8" name="Title 1">
-            <a:extLst>
-              <a:ext uri="{FF2B5EF4-FFF2-40B4-BE49-F238E27FC236}">
-                <a16:creationId xmlns:a16="http://schemas.microsoft.com/office/drawing/2014/main" id="{07589407-37D9-1EA0-904B-C6A9FDDE0BF3}"/>
-              </a:ext>
-            </a:extLst>
-          </p:cNvPr>
-          <p:cNvSpPr txBox="1">
-            <a:spLocks/>
-          </p:cNvSpPr>
-          <p:nvPr/>
-        </p:nvSpPr>
-        <p:spPr>
-          <a:xfrm>
-            <a:off x="414251" y="200804"/>
-            <a:ext cx="10515600" cy="1325563"/>
-          </a:xfrm>
-          <a:prstGeom prst="rect">
-            <a:avLst/>
-          </a:prstGeom>
-        </p:spPr>
-        <p:txBody>
-          <a:bodyPr vert="horz" lIns="91440" tIns="45720" rIns="91440" bIns="45720" rtlCol="0" anchor="ctr">
-            <a:normAutofit/>
-          </a:bodyPr>
-          <a:lstStyle>
-            <a:lvl1pPr algn="l" defTabSz="914400" rtl="0" eaLnBrk="1" latinLnBrk="0" hangingPunct="1">
-              <a:lnSpc>
-                <a:spcPct val="90000"/>
-              </a:lnSpc>
-              <a:spcBef>
-                <a:spcPct val="0"/>
-              </a:spcBef>
-              <a:buNone/>
-              <a:defRPr sz="4400" b="0" i="0" kern="1200">
-                <a:solidFill>
-                  <a:schemeClr val="tx1"/>
-                </a:solidFill>
-                <a:latin typeface="Arial" panose="020B0604020202020204" pitchFamily="34" charset="0"/>
-                <a:ea typeface="+mj-ea"/>
-                <a:cs typeface="+mj-cs"/>
-              </a:defRPr>
-            </a:lvl1pPr>
-          </a:lstStyle>
-          <a:p>
-            <a:r>
-              <a:rPr lang="en-CH"/>
-              <a:t>Things are more complicated…</a:t>
-            </a:r>
-          </a:p>
-        </p:txBody>
-      </p:sp>
-    </p:spTree>
-    <p:extLst>
-      <p:ext uri="{BB962C8B-B14F-4D97-AF65-F5344CB8AC3E}">
-        <p14:creationId xmlns:p14="http://schemas.microsoft.com/office/powerpoint/2010/main" val="440682871"/>
-      </p:ext>
-    </p:extLst>
-  </p:cSld>
-  <p:clrMapOvr>
-    <a:masterClrMapping/>
-  </p:clrMapOvr>
-</p:sld>
-</file>
-
-<file path=ppt/slides/slide14.xml><?xml version="1.0" encoding="utf-8"?>
-<p:sld xmlns:a="http://schemas.openxmlformats.org/drawingml/2006/main" xmlns:r="http://schemas.openxmlformats.org/officeDocument/2006/relationships" xmlns:p="http://schemas.openxmlformats.org/presentationml/2006/main">
-  <p:cSld>
-    <p:spTree>
-      <p:nvGrpSpPr>
-        <p:cNvPr id="1" name=""/>
-        <p:cNvGrpSpPr/>
-        <p:nvPr/>
-      </p:nvGrpSpPr>
-      <p:grpSpPr>
-        <a:xfrm>
-          <a:off x="0" y="0"/>
-          <a:ext cx="0" cy="0"/>
-          <a:chOff x="0" y="0"/>
-          <a:chExt cx="0" cy="0"/>
-        </a:xfrm>
-      </p:grpSpPr>
-      <p:sp>
-        <p:nvSpPr>
-          <p:cNvPr id="2" name="Title 1">
-            <a:extLst>
-              <a:ext uri="{FF2B5EF4-FFF2-40B4-BE49-F238E27FC236}">
-                <a16:creationId xmlns:a16="http://schemas.microsoft.com/office/drawing/2014/main" id="{8927182B-1E4E-CC0B-984F-E111A86B3EB6}"/>
-              </a:ext>
-            </a:extLst>
-          </p:cNvPr>
-          <p:cNvSpPr>
-            <a:spLocks noGrp="1"/>
-          </p:cNvSpPr>
-          <p:nvPr>
-            <p:ph type="title"/>
-          </p:nvPr>
-        </p:nvSpPr>
-        <p:spPr>
-          <a:xfrm>
-            <a:off x="414251" y="200804"/>
-            <a:ext cx="10515600" cy="1325563"/>
-          </a:xfrm>
-        </p:spPr>
-        <p:txBody>
-          <a:bodyPr/>
-          <a:lstStyle/>
-          <a:p>
-            <a:r>
-              <a:rPr lang="en-CH"/>
-              <a:t>Things are more complicated…</a:t>
-            </a:r>
-          </a:p>
-        </p:txBody>
-      </p:sp>
-      <p:sp>
-        <p:nvSpPr>
-          <p:cNvPr id="6" name="TextBox 5">
-            <a:extLst>
-              <a:ext uri="{FF2B5EF4-FFF2-40B4-BE49-F238E27FC236}">
-                <a16:creationId xmlns:a16="http://schemas.microsoft.com/office/drawing/2014/main" id="{A4E872BE-CE1B-0390-FF85-219E0124FF5E}"/>
-              </a:ext>
-            </a:extLst>
-          </p:cNvPr>
-          <p:cNvSpPr txBox="1"/>
-          <p:nvPr/>
-        </p:nvSpPr>
-        <p:spPr>
-          <a:xfrm>
-            <a:off x="1064681" y="5950932"/>
-            <a:ext cx="10581450" cy="369332"/>
-          </a:xfrm>
-          <a:prstGeom prst="rect">
-            <a:avLst/>
-          </a:prstGeom>
-          <a:noFill/>
-        </p:spPr>
-        <p:txBody>
-          <a:bodyPr wrap="square">
-            <a:spAutoFit/>
-          </a:bodyPr>
-          <a:lstStyle/>
-          <a:p>
-            <a:r>
-              <a:rPr lang="en-US">
-                <a:latin typeface="Arial" panose="020B0604020202020204" pitchFamily="34" charset="0"/>
-                <a:cs typeface="Arial" panose="020B0604020202020204" pitchFamily="34" charset="0"/>
-              </a:rPr>
-              <a:t>The result of a linear model applied to data where we have randomly changed the random noise. </a:t>
-            </a:r>
-            <a:endParaRPr lang="en-CH">
-              <a:latin typeface="Arial" panose="020B0604020202020204" pitchFamily="34" charset="0"/>
-              <a:cs typeface="Arial" panose="020B0604020202020204" pitchFamily="34" charset="0"/>
-            </a:endParaRPr>
-          </a:p>
-        </p:txBody>
-      </p:sp>
-      <p:sp>
-        <p:nvSpPr>
-          <p:cNvPr id="3" name="TextBox 2">
-            <a:extLst>
-              <a:ext uri="{FF2B5EF4-FFF2-40B4-BE49-F238E27FC236}">
-                <a16:creationId xmlns:a16="http://schemas.microsoft.com/office/drawing/2014/main" id="{93786804-E47B-85F5-45B5-9136525E4BA1}"/>
-              </a:ext>
-            </a:extLst>
-          </p:cNvPr>
-          <p:cNvSpPr txBox="1"/>
-          <p:nvPr/>
-        </p:nvSpPr>
-        <p:spPr>
-          <a:xfrm>
-            <a:off x="7233585" y="6596390"/>
-            <a:ext cx="5572954" cy="261610"/>
-          </a:xfrm>
-          <a:prstGeom prst="rect">
-            <a:avLst/>
-          </a:prstGeom>
-          <a:noFill/>
-        </p:spPr>
-        <p:txBody>
-          <a:bodyPr wrap="square">
-            <a:spAutoFit/>
-          </a:bodyPr>
-          <a:lstStyle/>
-          <a:p>
-            <a:r>
-              <a:rPr lang="en-GB" sz="1050">
-                <a:latin typeface="Arial" panose="020B0604020202020204" pitchFamily="34" charset="0"/>
-              </a:rPr>
-              <a:t>U. Michelucci, </a:t>
-            </a:r>
-            <a:r>
-              <a:rPr lang="en-GB" sz="1050" i="1">
-                <a:latin typeface="Arial" panose="020B0604020202020204" pitchFamily="34" charset="0"/>
-              </a:rPr>
-              <a:t>Applied Deep Learning with TensorFlow 2</a:t>
-            </a:r>
-            <a:r>
-              <a:rPr lang="en-GB" sz="1050">
-                <a:latin typeface="Arial" panose="020B0604020202020204" pitchFamily="34" charset="0"/>
-              </a:rPr>
-              <a:t>, Springer Nature, 2022</a:t>
-            </a:r>
-          </a:p>
-        </p:txBody>
-      </p:sp>
-      <p:pic>
-        <p:nvPicPr>
-          <p:cNvPr id="8" name="Content Placeholder 7">
-            <a:extLst>
-              <a:ext uri="{FF2B5EF4-FFF2-40B4-BE49-F238E27FC236}">
-                <a16:creationId xmlns:a16="http://schemas.microsoft.com/office/drawing/2014/main" id="{0C72F449-2963-3601-466E-3781DFE3CD54}"/>
-              </a:ext>
-            </a:extLst>
-          </p:cNvPr>
-          <p:cNvPicPr>
-            <a:picLocks noGrp="1" noChangeAspect="1"/>
-          </p:cNvPicPr>
-          <p:nvPr>
-            <p:ph idx="1"/>
-          </p:nvPr>
-        </p:nvPicPr>
-        <p:blipFill>
-          <a:blip r:embed="rId2"/>
-          <a:stretch>
-            <a:fillRect/>
-          </a:stretch>
-        </p:blipFill>
-        <p:spPr>
-          <a:xfrm>
-            <a:off x="2502612" y="1526367"/>
-            <a:ext cx="7186776" cy="4351338"/>
-          </a:xfrm>
-          <a:prstGeom prst="rect">
-            <a:avLst/>
-          </a:prstGeom>
-        </p:spPr>
-      </p:pic>
-    </p:spTree>
-    <p:extLst>
-      <p:ext uri="{BB962C8B-B14F-4D97-AF65-F5344CB8AC3E}">
-        <p14:creationId xmlns:p14="http://schemas.microsoft.com/office/powerpoint/2010/main" val="4282855742"/>
-      </p:ext>
-    </p:extLst>
-  </p:cSld>
-  <p:clrMapOvr>
-    <a:masterClrMapping/>
-  </p:clrMapOvr>
-</p:sld>
-</file>
-
-<file path=ppt/slides/slide15.xml><?xml version="1.0" encoding="utf-8"?>
-<p:sld xmlns:a="http://schemas.openxmlformats.org/drawingml/2006/main" xmlns:r="http://schemas.openxmlformats.org/officeDocument/2006/relationships" xmlns:p="http://schemas.openxmlformats.org/presentationml/2006/main">
-  <p:cSld>
-    <p:spTree>
-      <p:nvGrpSpPr>
-        <p:cNvPr id="1" name=""/>
-        <p:cNvGrpSpPr/>
-        <p:nvPr/>
-      </p:nvGrpSpPr>
-      <p:grpSpPr>
-        <a:xfrm>
-          <a:off x="0" y="0"/>
-          <a:ext cx="0" cy="0"/>
-          <a:chOff x="0" y="0"/>
-          <a:chExt cx="0" cy="0"/>
-        </a:xfrm>
-      </p:grpSpPr>
-      <p:sp>
-        <p:nvSpPr>
-          <p:cNvPr id="2" name="Title 1">
-            <a:extLst>
-              <a:ext uri="{FF2B5EF4-FFF2-40B4-BE49-F238E27FC236}">
-                <a16:creationId xmlns:a16="http://schemas.microsoft.com/office/drawing/2014/main" id="{1705DA87-4F31-CD42-8746-7DA05C25D671}"/>
-              </a:ext>
-            </a:extLst>
-          </p:cNvPr>
-          <p:cNvSpPr>
-            <a:spLocks noGrp="1"/>
-          </p:cNvSpPr>
-          <p:nvPr>
-            <p:ph type="title"/>
-          </p:nvPr>
-        </p:nvSpPr>
-        <p:spPr/>
-        <p:txBody>
-          <a:bodyPr/>
-          <a:lstStyle/>
-          <a:p>
-            <a:r>
-              <a:rPr lang="en-CH"/>
-              <a:t>Effect of randomness in the data</a:t>
-            </a:r>
-          </a:p>
-        </p:txBody>
-      </p:sp>
-      <p:sp>
-        <p:nvSpPr>
-          <p:cNvPr id="3" name="Content Placeholder 2">
-            <a:extLst>
-              <a:ext uri="{FF2B5EF4-FFF2-40B4-BE49-F238E27FC236}">
-                <a16:creationId xmlns:a16="http://schemas.microsoft.com/office/drawing/2014/main" id="{8B322DF0-2CC9-0213-EDA2-2FB96A33E0E7}"/>
-              </a:ext>
-            </a:extLst>
-          </p:cNvPr>
-          <p:cNvSpPr>
-            <a:spLocks noGrp="1"/>
-          </p:cNvSpPr>
-          <p:nvPr>
-            <p:ph idx="1"/>
-          </p:nvPr>
-        </p:nvSpPr>
-        <p:spPr/>
-        <p:txBody>
-          <a:bodyPr/>
-          <a:lstStyle/>
-          <a:p>
-            <a:endParaRPr lang="en-CH"/>
-          </a:p>
-        </p:txBody>
-      </p:sp>
-    </p:spTree>
-    <p:extLst>
-      <p:ext uri="{BB962C8B-B14F-4D97-AF65-F5344CB8AC3E}">
-        <p14:creationId xmlns:p14="http://schemas.microsoft.com/office/powerpoint/2010/main" val="1555019688"/>
-      </p:ext>
-    </p:extLst>
-  </p:cSld>
-  <p:clrMapOvr>
-    <a:masterClrMapping/>
-  </p:clrMapOvr>
-</p:sld>
-</file>
-
-<file path=ppt/slides/slide2.xml><?xml version="1.0" encoding="utf-8"?>
-<p:sld xmlns:a="http://schemas.openxmlformats.org/drawingml/2006/main" xmlns:r="http://schemas.openxmlformats.org/officeDocument/2006/relationships" xmlns:p="http://schemas.openxmlformats.org/presentationml/2006/main">
-  <p:cSld>
-    <p:spTree>
-      <p:nvGrpSpPr>
-        <p:cNvPr id="1" name=""/>
-        <p:cNvGrpSpPr/>
-        <p:nvPr/>
-      </p:nvGrpSpPr>
-      <p:grpSpPr>
-        <a:xfrm>
-          <a:off x="0" y="0"/>
-          <a:ext cx="0" cy="0"/>
-          <a:chOff x="0" y="0"/>
-          <a:chExt cx="0" cy="0"/>
-        </a:xfrm>
-      </p:grpSpPr>
-      <p:sp>
-        <p:nvSpPr>
-          <p:cNvPr id="2" name="Title 1">
-            <a:extLst>
-              <a:ext uri="{FF2B5EF4-FFF2-40B4-BE49-F238E27FC236}">
-                <a16:creationId xmlns:a16="http://schemas.microsoft.com/office/drawing/2014/main" id="{A5A1B1F8-6920-8C08-8E38-3E88B7F056F9}"/>
-              </a:ext>
-            </a:extLst>
-          </p:cNvPr>
-          <p:cNvSpPr>
-            <a:spLocks noGrp="1"/>
-          </p:cNvSpPr>
-          <p:nvPr>
-            <p:ph type="title"/>
-          </p:nvPr>
-        </p:nvSpPr>
-        <p:spPr/>
-        <p:txBody>
-          <a:bodyPr/>
-          <a:lstStyle/>
-          <a:p>
-            <a:r>
-              <a:rPr lang="en-CH"/>
-              <a:t>Overfitting</a:t>
-            </a:r>
-          </a:p>
-        </p:txBody>
-      </p:sp>
-      <p:sp>
-        <p:nvSpPr>
-          <p:cNvPr id="3" name="Content Placeholder 2">
-            <a:extLst>
-              <a:ext uri="{FF2B5EF4-FFF2-40B4-BE49-F238E27FC236}">
-                <a16:creationId xmlns:a16="http://schemas.microsoft.com/office/drawing/2014/main" id="{5ED86B54-C1EB-2C60-8E8A-2C5BA8292433}"/>
-              </a:ext>
-            </a:extLst>
-          </p:cNvPr>
-          <p:cNvSpPr>
-            <a:spLocks noGrp="1"/>
-          </p:cNvSpPr>
-          <p:nvPr>
-            <p:ph idx="1"/>
-          </p:nvPr>
-        </p:nvSpPr>
-        <p:spPr>
-          <a:xfrm>
-            <a:off x="838200" y="2103119"/>
-            <a:ext cx="10515600" cy="4073843"/>
-          </a:xfrm>
-        </p:spPr>
-        <p:txBody>
-          <a:bodyPr>
-            <a:normAutofit/>
-          </a:bodyPr>
-          <a:lstStyle/>
-          <a:p>
-            <a:pPr marL="0" indent="0">
-              <a:buNone/>
-            </a:pPr>
-            <a:r>
-              <a:rPr lang="en-US" sz="3200"/>
-              <a:t>A network may, due to its flexibility, learn patterns that are due to noise, errors or simply wrong data</a:t>
-            </a:r>
-            <a:r>
-              <a:rPr lang="en-CH" sz="3200"/>
-              <a:t>.</a:t>
-            </a:r>
-          </a:p>
-          <a:p>
-            <a:pPr marL="0" indent="0">
-              <a:buNone/>
-            </a:pPr>
-            <a:endParaRPr lang="en-CH" sz="3200"/>
-          </a:p>
-          <a:p>
-            <a:pPr marL="0" indent="0">
-              <a:buNone/>
-            </a:pPr>
-            <a:r>
-              <a:rPr lang="en-CH" sz="3200"/>
-              <a:t>How can we detect it? How can we visualise its occur</a:t>
-            </a:r>
-            <a:r>
-              <a:rPr lang="en-GB" sz="3200"/>
-              <a:t>r</a:t>
-            </a:r>
-            <a:r>
-              <a:rPr lang="en-CH" sz="3200"/>
-              <a:t>ence?</a:t>
-            </a:r>
-          </a:p>
-        </p:txBody>
-      </p:sp>
-    </p:spTree>
-    <p:extLst>
-      <p:ext uri="{BB962C8B-B14F-4D97-AF65-F5344CB8AC3E}">
-        <p14:creationId xmlns:p14="http://schemas.microsoft.com/office/powerpoint/2010/main" val="3184738573"/>
-      </p:ext>
-    </p:extLst>
-  </p:cSld>
-  <p:clrMapOvr>
-    <a:masterClrMapping/>
-  </p:clrMapOvr>
-</p:sld>
-</file>
-
-<file path=ppt/slides/slide3.xml><?xml version="1.0" encoding="utf-8"?>
-<p:sld xmlns:a="http://schemas.openxmlformats.org/drawingml/2006/main" xmlns:r="http://schemas.openxmlformats.org/officeDocument/2006/relationships" xmlns:p="http://schemas.openxmlformats.org/presentationml/2006/main">
-  <p:cSld>
-    <p:spTree>
-      <p:nvGrpSpPr>
-        <p:cNvPr id="1" name=""/>
-        <p:cNvGrpSpPr/>
-        <p:nvPr/>
-      </p:nvGrpSpPr>
-      <p:grpSpPr>
-        <a:xfrm>
-          <a:off x="0" y="0"/>
-          <a:ext cx="0" cy="0"/>
-          <a:chOff x="0" y="0"/>
-          <a:chExt cx="0" cy="0"/>
-        </a:xfrm>
-      </p:grpSpPr>
-      <p:sp>
-        <p:nvSpPr>
-          <p:cNvPr id="2" name="Title 1">
-            <a:extLst>
-              <a:ext uri="{FF2B5EF4-FFF2-40B4-BE49-F238E27FC236}">
-                <a16:creationId xmlns:a16="http://schemas.microsoft.com/office/drawing/2014/main" id="{494AAE05-9D9D-1F06-B892-AE81D0BB35BC}"/>
-              </a:ext>
-            </a:extLst>
-          </p:cNvPr>
-          <p:cNvSpPr>
-            <a:spLocks noGrp="1"/>
-          </p:cNvSpPr>
-          <p:nvPr>
-            <p:ph type="title"/>
-          </p:nvPr>
-        </p:nvSpPr>
-        <p:spPr/>
-        <p:txBody>
-          <a:bodyPr/>
-          <a:lstStyle/>
-          <a:p>
-            <a:r>
-              <a:rPr lang="en-CH"/>
-              <a:t>Overfitting I</a:t>
-            </a:r>
-          </a:p>
-        </p:txBody>
-      </p:sp>
-      <p:pic>
-        <p:nvPicPr>
-          <p:cNvPr id="4" name="Content Placeholder 3">
-            <a:extLst>
-              <a:ext uri="{FF2B5EF4-FFF2-40B4-BE49-F238E27FC236}">
-                <a16:creationId xmlns:a16="http://schemas.microsoft.com/office/drawing/2014/main" id="{3F722C38-A64D-F2CD-1780-51CEED6BA07A}"/>
-              </a:ext>
-            </a:extLst>
-          </p:cNvPr>
-          <p:cNvPicPr>
-            <a:picLocks noGrp="1" noChangeAspect="1"/>
-          </p:cNvPicPr>
-          <p:nvPr>
-            <p:ph idx="1"/>
-          </p:nvPr>
-        </p:nvPicPr>
-        <p:blipFill>
-          <a:blip r:embed="rId2"/>
-          <a:stretch>
-            <a:fillRect/>
-          </a:stretch>
-        </p:blipFill>
-        <p:spPr>
-          <a:xfrm>
-            <a:off x="1439993" y="1815351"/>
-            <a:ext cx="7236633" cy="4351338"/>
-          </a:xfrm>
-          <a:prstGeom prst="rect">
-            <a:avLst/>
-          </a:prstGeom>
-        </p:spPr>
-      </p:pic>
-      <p:sp>
-        <p:nvSpPr>
-          <p:cNvPr id="5" name="TextBox 4">
-            <a:extLst>
-              <a:ext uri="{FF2B5EF4-FFF2-40B4-BE49-F238E27FC236}">
-                <a16:creationId xmlns:a16="http://schemas.microsoft.com/office/drawing/2014/main" id="{8B1B0ADE-797E-09DB-B5D8-57ECE75BDBBA}"/>
-              </a:ext>
-            </a:extLst>
-          </p:cNvPr>
-          <p:cNvSpPr txBox="1"/>
-          <p:nvPr/>
-        </p:nvSpPr>
-        <p:spPr>
-          <a:xfrm>
-            <a:off x="8876871" y="2167847"/>
-            <a:ext cx="2630184" cy="646331"/>
-          </a:xfrm>
-          <a:prstGeom prst="rect">
-            <a:avLst/>
-          </a:prstGeom>
-          <a:noFill/>
-        </p:spPr>
-        <p:txBody>
-          <a:bodyPr wrap="square" rtlCol="0">
-            <a:spAutoFit/>
-          </a:bodyPr>
-          <a:lstStyle/>
-          <a:p>
-            <a:r>
-              <a:rPr lang="en-CH">
-                <a:latin typeface="Arial" panose="020B0604020202020204" pitchFamily="34" charset="0"/>
-                <a:cs typeface="Arial" panose="020B0604020202020204" pitchFamily="34" charset="0"/>
-              </a:rPr>
-              <a:t>Let us consider a set of data with some noise.</a:t>
-            </a:r>
-          </a:p>
-        </p:txBody>
-      </p:sp>
-      <p:sp>
-        <p:nvSpPr>
-          <p:cNvPr id="6" name="TextBox 5">
-            <a:extLst>
-              <a:ext uri="{FF2B5EF4-FFF2-40B4-BE49-F238E27FC236}">
-                <a16:creationId xmlns:a16="http://schemas.microsoft.com/office/drawing/2014/main" id="{F156AB80-EB6A-964F-F57A-548A294D2078}"/>
-              </a:ext>
-            </a:extLst>
-          </p:cNvPr>
-          <p:cNvSpPr txBox="1"/>
-          <p:nvPr/>
-        </p:nvSpPr>
-        <p:spPr>
-          <a:xfrm>
-            <a:off x="7233585" y="6596390"/>
-            <a:ext cx="5572954" cy="261610"/>
-          </a:xfrm>
-          <a:prstGeom prst="rect">
-            <a:avLst/>
-          </a:prstGeom>
-          <a:noFill/>
-        </p:spPr>
-        <p:txBody>
-          <a:bodyPr wrap="square">
-            <a:spAutoFit/>
-          </a:bodyPr>
-          <a:lstStyle/>
-          <a:p>
-            <a:r>
-              <a:rPr lang="en-GB" sz="1050">
-                <a:latin typeface="Arial" panose="020B0604020202020204" pitchFamily="34" charset="0"/>
-              </a:rPr>
-              <a:t>U. Michelucci, </a:t>
-            </a:r>
-            <a:r>
-              <a:rPr lang="en-GB" sz="1050" i="1">
-                <a:latin typeface="Arial" panose="020B0604020202020204" pitchFamily="34" charset="0"/>
-              </a:rPr>
-              <a:t>Applied Deep Learning with TensorFlow 2</a:t>
-            </a:r>
-            <a:r>
-              <a:rPr lang="en-GB" sz="1050">
-                <a:latin typeface="Arial" panose="020B0604020202020204" pitchFamily="34" charset="0"/>
-              </a:rPr>
-              <a:t>, Springer Nature, 2022</a:t>
-            </a:r>
-          </a:p>
-        </p:txBody>
-      </p:sp>
-    </p:spTree>
-    <p:extLst>
-      <p:ext uri="{BB962C8B-B14F-4D97-AF65-F5344CB8AC3E}">
-        <p14:creationId xmlns:p14="http://schemas.microsoft.com/office/powerpoint/2010/main" val="3547688039"/>
-      </p:ext>
-    </p:extLst>
-  </p:cSld>
-  <p:clrMapOvr>
-    <a:masterClrMapping/>
-  </p:clrMapOvr>
-</p:sld>
-</file>
-
-<file path=ppt/slides/slide4.xml><?xml version="1.0" encoding="utf-8"?>
-<p:sld xmlns:a="http://schemas.openxmlformats.org/drawingml/2006/main" xmlns:r="http://schemas.openxmlformats.org/officeDocument/2006/relationships" xmlns:p="http://schemas.openxmlformats.org/presentationml/2006/main">
-  <p:cSld>
-    <p:spTree>
-      <p:nvGrpSpPr>
-        <p:cNvPr id="1" name=""/>
-        <p:cNvGrpSpPr/>
-        <p:nvPr/>
-      </p:nvGrpSpPr>
-      <p:grpSpPr>
-        <a:xfrm>
-          <a:off x="0" y="0"/>
-          <a:ext cx="0" cy="0"/>
-          <a:chOff x="0" y="0"/>
-          <a:chExt cx="0" cy="0"/>
-        </a:xfrm>
-      </p:grpSpPr>
-      <p:sp>
-        <p:nvSpPr>
-          <p:cNvPr id="2" name="Title 1">
-            <a:extLst>
-              <a:ext uri="{FF2B5EF4-FFF2-40B4-BE49-F238E27FC236}">
-                <a16:creationId xmlns:a16="http://schemas.microsoft.com/office/drawing/2014/main" id="{494AAE05-9D9D-1F06-B892-AE81D0BB35BC}"/>
-              </a:ext>
-            </a:extLst>
-          </p:cNvPr>
-          <p:cNvSpPr>
-            <a:spLocks noGrp="1"/>
-          </p:cNvSpPr>
-          <p:nvPr>
-            <p:ph type="title"/>
-          </p:nvPr>
-        </p:nvSpPr>
-        <p:spPr/>
-        <p:txBody>
-          <a:bodyPr/>
-          <a:lstStyle/>
-          <a:p>
-            <a:r>
-              <a:rPr lang="en-CH"/>
-              <a:t>Overfitting II</a:t>
-            </a:r>
-          </a:p>
-        </p:txBody>
-      </p:sp>
-      <p:sp>
-        <p:nvSpPr>
-          <p:cNvPr id="5" name="TextBox 4">
-            <a:extLst>
-              <a:ext uri="{FF2B5EF4-FFF2-40B4-BE49-F238E27FC236}">
-                <a16:creationId xmlns:a16="http://schemas.microsoft.com/office/drawing/2014/main" id="{8B1B0ADE-797E-09DB-B5D8-57ECE75BDBBA}"/>
-              </a:ext>
-            </a:extLst>
-          </p:cNvPr>
-          <p:cNvSpPr txBox="1"/>
-          <p:nvPr/>
-        </p:nvSpPr>
-        <p:spPr>
-          <a:xfrm>
-            <a:off x="8876871" y="2167847"/>
-            <a:ext cx="2630184" cy="1754326"/>
-          </a:xfrm>
-          <a:prstGeom prst="rect">
-            <a:avLst/>
-          </a:prstGeom>
-          <a:noFill/>
-        </p:spPr>
-        <p:txBody>
-          <a:bodyPr wrap="square" rtlCol="0">
-            <a:spAutoFit/>
-          </a:bodyPr>
-          <a:lstStyle/>
-          <a:p>
-            <a:r>
-              <a:rPr lang="en-US">
-                <a:latin typeface="Arial" panose="020B0604020202020204" pitchFamily="34" charset="0"/>
-                <a:cs typeface="Arial" panose="020B0604020202020204" pitchFamily="34" charset="0"/>
-              </a:rPr>
-              <a:t>The linear model misses the main features of the data being too simple. In this case the model has </a:t>
-            </a:r>
-            <a:r>
-              <a:rPr lang="en-US" b="1">
-                <a:latin typeface="Arial" panose="020B0604020202020204" pitchFamily="34" charset="0"/>
-                <a:cs typeface="Arial" panose="020B0604020202020204" pitchFamily="34" charset="0"/>
-              </a:rPr>
-              <a:t>high bias</a:t>
-            </a:r>
-            <a:r>
-              <a:rPr lang="en-US">
-                <a:latin typeface="Arial" panose="020B0604020202020204" pitchFamily="34" charset="0"/>
-                <a:cs typeface="Arial" panose="020B0604020202020204" pitchFamily="34" charset="0"/>
-              </a:rPr>
-              <a:t>.</a:t>
-            </a:r>
-            <a:r>
-              <a:rPr lang="en-CH">
-                <a:effectLst/>
-                <a:latin typeface="Arial" panose="020B0604020202020204" pitchFamily="34" charset="0"/>
-                <a:cs typeface="Arial" panose="020B0604020202020204" pitchFamily="34" charset="0"/>
-              </a:rPr>
-              <a:t> </a:t>
-            </a:r>
-            <a:endParaRPr lang="en-CH">
-              <a:latin typeface="Arial" panose="020B0604020202020204" pitchFamily="34" charset="0"/>
-              <a:cs typeface="Arial" panose="020B0604020202020204" pitchFamily="34" charset="0"/>
-            </a:endParaRPr>
-          </a:p>
-        </p:txBody>
-      </p:sp>
-      <p:sp>
-        <p:nvSpPr>
-          <p:cNvPr id="6" name="TextBox 5">
-            <a:extLst>
-              <a:ext uri="{FF2B5EF4-FFF2-40B4-BE49-F238E27FC236}">
-                <a16:creationId xmlns:a16="http://schemas.microsoft.com/office/drawing/2014/main" id="{F156AB80-EB6A-964F-F57A-548A294D2078}"/>
-              </a:ext>
-            </a:extLst>
-          </p:cNvPr>
-          <p:cNvSpPr txBox="1"/>
-          <p:nvPr/>
-        </p:nvSpPr>
-        <p:spPr>
-          <a:xfrm>
-            <a:off x="7233585" y="6596390"/>
-            <a:ext cx="5572954" cy="261610"/>
-          </a:xfrm>
-          <a:prstGeom prst="rect">
-            <a:avLst/>
-          </a:prstGeom>
-          <a:noFill/>
-        </p:spPr>
-        <p:txBody>
-          <a:bodyPr wrap="square">
-            <a:spAutoFit/>
-          </a:bodyPr>
-          <a:lstStyle/>
-          <a:p>
-            <a:r>
-              <a:rPr lang="en-GB" sz="1050">
-                <a:latin typeface="Arial" panose="020B0604020202020204" pitchFamily="34" charset="0"/>
-              </a:rPr>
-              <a:t>U. Michelucci, </a:t>
-            </a:r>
-            <a:r>
-              <a:rPr lang="en-GB" sz="1050" i="1">
-                <a:latin typeface="Arial" panose="020B0604020202020204" pitchFamily="34" charset="0"/>
-              </a:rPr>
-              <a:t>Applied Deep Learning with TensorFlow 2</a:t>
-            </a:r>
-            <a:r>
-              <a:rPr lang="en-GB" sz="1050">
-                <a:latin typeface="Arial" panose="020B0604020202020204" pitchFamily="34" charset="0"/>
-              </a:rPr>
-              <a:t>, Springer Nature, 2022</a:t>
-            </a:r>
-          </a:p>
-        </p:txBody>
-      </p:sp>
-      <p:pic>
-        <p:nvPicPr>
-          <p:cNvPr id="9" name="Content Placeholder 8">
-            <a:extLst>
-              <a:ext uri="{FF2B5EF4-FFF2-40B4-BE49-F238E27FC236}">
-                <a16:creationId xmlns:a16="http://schemas.microsoft.com/office/drawing/2014/main" id="{F04F6FA2-8B91-D3B4-977D-B834A487AEB9}"/>
-              </a:ext>
-            </a:extLst>
-          </p:cNvPr>
-          <p:cNvPicPr>
-            <a:picLocks noGrp="1" noChangeAspect="1"/>
-          </p:cNvPicPr>
-          <p:nvPr>
-            <p:ph idx="1"/>
-          </p:nvPr>
-        </p:nvPicPr>
-        <p:blipFill>
-          <a:blip r:embed="rId2"/>
-          <a:stretch>
-            <a:fillRect/>
-          </a:stretch>
-        </p:blipFill>
-        <p:spPr>
-          <a:xfrm>
-            <a:off x="1424297" y="1835899"/>
-            <a:ext cx="6918704" cy="4351338"/>
-          </a:xfrm>
-          <a:prstGeom prst="rect">
-            <a:avLst/>
-          </a:prstGeom>
-        </p:spPr>
-      </p:pic>
-    </p:spTree>
-    <p:extLst>
-      <p:ext uri="{BB962C8B-B14F-4D97-AF65-F5344CB8AC3E}">
-        <p14:creationId xmlns:p14="http://schemas.microsoft.com/office/powerpoint/2010/main" val="922797232"/>
-      </p:ext>
-    </p:extLst>
-  </p:cSld>
-  <p:clrMapOvr>
-    <a:masterClrMapping/>
-  </p:clrMapOvr>
-</p:sld>
-</file>
-
-<file path=ppt/slides/slide5.xml><?xml version="1.0" encoding="utf-8"?>
-<p:sld xmlns:a="http://schemas.openxmlformats.org/drawingml/2006/main" xmlns:r="http://schemas.openxmlformats.org/officeDocument/2006/relationships" xmlns:p="http://schemas.openxmlformats.org/presentationml/2006/main">
-  <p:cSld>
-    <p:spTree>
-      <p:nvGrpSpPr>
-        <p:cNvPr id="1" name=""/>
-        <p:cNvGrpSpPr/>
-        <p:nvPr/>
-      </p:nvGrpSpPr>
-      <p:grpSpPr>
-        <a:xfrm>
-          <a:off x="0" y="0"/>
-          <a:ext cx="0" cy="0"/>
-          <a:chOff x="0" y="0"/>
-          <a:chExt cx="0" cy="0"/>
-        </a:xfrm>
-      </p:grpSpPr>
-      <p:sp>
-        <p:nvSpPr>
-          <p:cNvPr id="2" name="Title 1">
-            <a:extLst>
-              <a:ext uri="{FF2B5EF4-FFF2-40B4-BE49-F238E27FC236}">
-                <a16:creationId xmlns:a16="http://schemas.microsoft.com/office/drawing/2014/main" id="{494AAE05-9D9D-1F06-B892-AE81D0BB35BC}"/>
-              </a:ext>
-            </a:extLst>
-          </p:cNvPr>
-          <p:cNvSpPr>
-            <a:spLocks noGrp="1"/>
-          </p:cNvSpPr>
-          <p:nvPr>
-            <p:ph type="title"/>
-          </p:nvPr>
-        </p:nvSpPr>
-        <p:spPr/>
-        <p:txBody>
-          <a:bodyPr/>
-          <a:lstStyle/>
-          <a:p>
-            <a:r>
-              <a:rPr lang="en-CH"/>
-              <a:t>Overfitting III</a:t>
-            </a:r>
-          </a:p>
-        </p:txBody>
-      </p:sp>
-      <p:sp>
-        <p:nvSpPr>
-          <p:cNvPr id="5" name="TextBox 4">
-            <a:extLst>
-              <a:ext uri="{FF2B5EF4-FFF2-40B4-BE49-F238E27FC236}">
-                <a16:creationId xmlns:a16="http://schemas.microsoft.com/office/drawing/2014/main" id="{8B1B0ADE-797E-09DB-B5D8-57ECE75BDBBA}"/>
-              </a:ext>
-            </a:extLst>
-          </p:cNvPr>
-          <p:cNvSpPr txBox="1"/>
-          <p:nvPr/>
-        </p:nvSpPr>
-        <p:spPr>
-          <a:xfrm>
-            <a:off x="8644115" y="2126741"/>
-            <a:ext cx="2630184" cy="646331"/>
-          </a:xfrm>
-          <a:prstGeom prst="rect">
-            <a:avLst/>
-          </a:prstGeom>
-          <a:noFill/>
-        </p:spPr>
-        <p:txBody>
-          <a:bodyPr wrap="square" rtlCol="0">
-            <a:spAutoFit/>
-          </a:bodyPr>
-          <a:lstStyle/>
-          <a:p>
-            <a:r>
-              <a:rPr lang="en-US">
-                <a:latin typeface="Arial" panose="020B0604020202020204" pitchFamily="34" charset="0"/>
-                <a:cs typeface="Arial" panose="020B0604020202020204" pitchFamily="34" charset="0"/>
-              </a:rPr>
-              <a:t>The result (red line) for a 2-degree polynomial.</a:t>
-            </a:r>
-            <a:endParaRPr lang="en-CH">
-              <a:latin typeface="Arial" panose="020B0604020202020204" pitchFamily="34" charset="0"/>
-              <a:cs typeface="Arial" panose="020B0604020202020204" pitchFamily="34" charset="0"/>
-            </a:endParaRPr>
-          </a:p>
-        </p:txBody>
-      </p:sp>
-      <p:sp>
-        <p:nvSpPr>
-          <p:cNvPr id="6" name="TextBox 5">
-            <a:extLst>
-              <a:ext uri="{FF2B5EF4-FFF2-40B4-BE49-F238E27FC236}">
-                <a16:creationId xmlns:a16="http://schemas.microsoft.com/office/drawing/2014/main" id="{F156AB80-EB6A-964F-F57A-548A294D2078}"/>
-              </a:ext>
-            </a:extLst>
-          </p:cNvPr>
-          <p:cNvSpPr txBox="1"/>
-          <p:nvPr/>
-        </p:nvSpPr>
-        <p:spPr>
-          <a:xfrm>
-            <a:off x="7233585" y="6596390"/>
-            <a:ext cx="5572954" cy="261610"/>
-          </a:xfrm>
-          <a:prstGeom prst="rect">
-            <a:avLst/>
-          </a:prstGeom>
-          <a:noFill/>
-        </p:spPr>
-        <p:txBody>
-          <a:bodyPr wrap="square">
-            <a:spAutoFit/>
-          </a:bodyPr>
-          <a:lstStyle/>
-          <a:p>
-            <a:r>
-              <a:rPr lang="en-GB" sz="1050">
-                <a:latin typeface="Arial" panose="020B0604020202020204" pitchFamily="34" charset="0"/>
-              </a:rPr>
-              <a:t>U. Michelucci, </a:t>
-            </a:r>
-            <a:r>
-              <a:rPr lang="en-GB" sz="1050" i="1">
-                <a:latin typeface="Arial" panose="020B0604020202020204" pitchFamily="34" charset="0"/>
-              </a:rPr>
-              <a:t>Applied Deep Learning with TensorFlow 2</a:t>
-            </a:r>
-            <a:r>
-              <a:rPr lang="en-GB" sz="1050">
-                <a:latin typeface="Arial" panose="020B0604020202020204" pitchFamily="34" charset="0"/>
-              </a:rPr>
-              <a:t>, Springer Nature, 2022</a:t>
-            </a:r>
-          </a:p>
-        </p:txBody>
-      </p:sp>
-      <p:pic>
-        <p:nvPicPr>
-          <p:cNvPr id="12" name="Content Placeholder 11">
-            <a:extLst>
-              <a:ext uri="{FF2B5EF4-FFF2-40B4-BE49-F238E27FC236}">
-                <a16:creationId xmlns:a16="http://schemas.microsoft.com/office/drawing/2014/main" id="{3C118E95-B582-5A1A-5D0E-4C09EA668284}"/>
-              </a:ext>
-            </a:extLst>
-          </p:cNvPr>
-          <p:cNvPicPr>
-            <a:picLocks noGrp="1" noChangeAspect="1"/>
-          </p:cNvPicPr>
-          <p:nvPr>
-            <p:ph idx="1"/>
-          </p:nvPr>
-        </p:nvPicPr>
-        <p:blipFill>
-          <a:blip r:embed="rId2"/>
-          <a:stretch>
-            <a:fillRect/>
-          </a:stretch>
-        </p:blipFill>
-        <p:spPr>
-          <a:xfrm>
-            <a:off x="1222989" y="1808999"/>
-            <a:ext cx="7052697" cy="4351338"/>
-          </a:xfrm>
-          <a:prstGeom prst="rect">
-            <a:avLst/>
-          </a:prstGeom>
-        </p:spPr>
-      </p:pic>
-    </p:spTree>
-    <p:extLst>
-      <p:ext uri="{BB962C8B-B14F-4D97-AF65-F5344CB8AC3E}">
-        <p14:creationId xmlns:p14="http://schemas.microsoft.com/office/powerpoint/2010/main" val="4037209105"/>
-      </p:ext>
-    </p:extLst>
-  </p:cSld>
-  <p:clrMapOvr>
-    <a:masterClrMapping/>
-  </p:clrMapOvr>
-</p:sld>
-</file>
-
-<file path=ppt/slides/slide6.xml><?xml version="1.0" encoding="utf-8"?>
-<p:sld xmlns:a="http://schemas.openxmlformats.org/drawingml/2006/main" xmlns:r="http://schemas.openxmlformats.org/officeDocument/2006/relationships" xmlns:p="http://schemas.openxmlformats.org/presentationml/2006/main">
-  <p:cSld>
-    <p:spTree>
-      <p:nvGrpSpPr>
-        <p:cNvPr id="1" name=""/>
-        <p:cNvGrpSpPr/>
-        <p:nvPr/>
-      </p:nvGrpSpPr>
-      <p:grpSpPr>
-        <a:xfrm>
-          <a:off x="0" y="0"/>
-          <a:ext cx="0" cy="0"/>
-          <a:chOff x="0" y="0"/>
-          <a:chExt cx="0" cy="0"/>
-        </a:xfrm>
-      </p:grpSpPr>
-      <p:sp>
-        <p:nvSpPr>
-          <p:cNvPr id="2" name="Title 1">
-            <a:extLst>
-              <a:ext uri="{FF2B5EF4-FFF2-40B4-BE49-F238E27FC236}">
-                <a16:creationId xmlns:a16="http://schemas.microsoft.com/office/drawing/2014/main" id="{494AAE05-9D9D-1F06-B892-AE81D0BB35BC}"/>
-              </a:ext>
-            </a:extLst>
-          </p:cNvPr>
-          <p:cNvSpPr>
-            <a:spLocks noGrp="1"/>
-          </p:cNvSpPr>
-          <p:nvPr>
-            <p:ph type="title"/>
-          </p:nvPr>
-        </p:nvSpPr>
-        <p:spPr/>
-        <p:txBody>
-          <a:bodyPr/>
-          <a:lstStyle/>
-          <a:p>
-            <a:r>
-              <a:rPr lang="en-CH"/>
-              <a:t>Overfitting IV</a:t>
-            </a:r>
-          </a:p>
-        </p:txBody>
-      </p:sp>
-      <p:sp>
-        <p:nvSpPr>
-          <p:cNvPr id="5" name="TextBox 4">
-            <a:extLst>
-              <a:ext uri="{FF2B5EF4-FFF2-40B4-BE49-F238E27FC236}">
-                <a16:creationId xmlns:a16="http://schemas.microsoft.com/office/drawing/2014/main" id="{8B1B0ADE-797E-09DB-B5D8-57ECE75BDBBA}"/>
-              </a:ext>
-            </a:extLst>
-          </p:cNvPr>
-          <p:cNvSpPr txBox="1"/>
-          <p:nvPr/>
-        </p:nvSpPr>
-        <p:spPr>
-          <a:xfrm>
-            <a:off x="8644115" y="2126741"/>
-            <a:ext cx="2630184" cy="2308324"/>
-          </a:xfrm>
-          <a:prstGeom prst="rect">
-            <a:avLst/>
-          </a:prstGeom>
-          <a:noFill/>
-        </p:spPr>
-        <p:txBody>
-          <a:bodyPr wrap="square" rtlCol="0">
-            <a:spAutoFit/>
-          </a:bodyPr>
-          <a:lstStyle/>
-          <a:p>
-            <a:r>
-              <a:rPr lang="en-US">
-                <a:latin typeface="Arial" panose="020B0604020202020204" pitchFamily="34" charset="0"/>
-                <a:cs typeface="Arial" panose="020B0604020202020204" pitchFamily="34" charset="0"/>
-              </a:rPr>
-              <a:t>The result for a 21-degree polynomial model.</a:t>
-            </a:r>
-            <a:r>
-              <a:rPr lang="en-CH">
-                <a:effectLst/>
-                <a:latin typeface="Arial" panose="020B0604020202020204" pitchFamily="34" charset="0"/>
-                <a:cs typeface="Arial" panose="020B0604020202020204" pitchFamily="34" charset="0"/>
-              </a:rPr>
-              <a:t> </a:t>
-            </a:r>
-          </a:p>
-          <a:p>
-            <a:endParaRPr lang="en-CH">
-              <a:latin typeface="Arial" panose="020B0604020202020204" pitchFamily="34" charset="0"/>
-              <a:cs typeface="Arial" panose="020B0604020202020204" pitchFamily="34" charset="0"/>
-            </a:endParaRPr>
-          </a:p>
-          <a:p>
-            <a:r>
-              <a:rPr lang="en-CH">
-                <a:latin typeface="Arial" panose="020B0604020202020204" pitchFamily="34" charset="0"/>
-                <a:cs typeface="Arial" panose="020B0604020202020204" pitchFamily="34" charset="0"/>
-              </a:rPr>
-              <a:t>Here we talk about </a:t>
-            </a:r>
-            <a:r>
-              <a:rPr lang="en-CH" b="1">
-                <a:latin typeface="Arial" panose="020B0604020202020204" pitchFamily="34" charset="0"/>
-                <a:cs typeface="Arial" panose="020B0604020202020204" pitchFamily="34" charset="0"/>
-              </a:rPr>
-              <a:t>overfitting</a:t>
-            </a:r>
-            <a:r>
-              <a:rPr lang="en-CH">
-                <a:latin typeface="Arial" panose="020B0604020202020204" pitchFamily="34" charset="0"/>
-                <a:cs typeface="Arial" panose="020B0604020202020204" pitchFamily="34" charset="0"/>
-              </a:rPr>
-              <a:t>, since the model capture the noise present in the data.</a:t>
-            </a:r>
-          </a:p>
-        </p:txBody>
-      </p:sp>
-      <p:sp>
-        <p:nvSpPr>
-          <p:cNvPr id="6" name="TextBox 5">
-            <a:extLst>
-              <a:ext uri="{FF2B5EF4-FFF2-40B4-BE49-F238E27FC236}">
-                <a16:creationId xmlns:a16="http://schemas.microsoft.com/office/drawing/2014/main" id="{F156AB80-EB6A-964F-F57A-548A294D2078}"/>
-              </a:ext>
-            </a:extLst>
-          </p:cNvPr>
-          <p:cNvSpPr txBox="1"/>
-          <p:nvPr/>
-        </p:nvSpPr>
-        <p:spPr>
-          <a:xfrm>
-            <a:off x="7233585" y="6596390"/>
-            <a:ext cx="5572954" cy="261610"/>
-          </a:xfrm>
-          <a:prstGeom prst="rect">
-            <a:avLst/>
-          </a:prstGeom>
-          <a:noFill/>
-        </p:spPr>
-        <p:txBody>
-          <a:bodyPr wrap="square">
-            <a:spAutoFit/>
-          </a:bodyPr>
-          <a:lstStyle/>
-          <a:p>
-            <a:r>
-              <a:rPr lang="en-GB" sz="1050">
-                <a:latin typeface="Arial" panose="020B0604020202020204" pitchFamily="34" charset="0"/>
-              </a:rPr>
-              <a:t>U. Michelucci, </a:t>
-            </a:r>
-            <a:r>
-              <a:rPr lang="en-GB" sz="1050" i="1">
-                <a:latin typeface="Arial" panose="020B0604020202020204" pitchFamily="34" charset="0"/>
-              </a:rPr>
-              <a:t>Applied Deep Learning with TensorFlow 2</a:t>
-            </a:r>
-            <a:r>
-              <a:rPr lang="en-GB" sz="1050">
-                <a:latin typeface="Arial" panose="020B0604020202020204" pitchFamily="34" charset="0"/>
-              </a:rPr>
-              <a:t>, Springer Nature, 2022</a:t>
-            </a:r>
-          </a:p>
-        </p:txBody>
-      </p:sp>
-      <p:pic>
-        <p:nvPicPr>
-          <p:cNvPr id="7" name="Content Placeholder 6">
-            <a:extLst>
-              <a:ext uri="{FF2B5EF4-FFF2-40B4-BE49-F238E27FC236}">
-                <a16:creationId xmlns:a16="http://schemas.microsoft.com/office/drawing/2014/main" id="{DBE4EA75-B711-6D17-D9EC-FCF321BC5EB2}"/>
-              </a:ext>
-            </a:extLst>
-          </p:cNvPr>
-          <p:cNvPicPr>
-            <a:picLocks noGrp="1" noChangeAspect="1"/>
-          </p:cNvPicPr>
-          <p:nvPr>
-            <p:ph idx="1"/>
-          </p:nvPr>
-        </p:nvPicPr>
-        <p:blipFill>
-          <a:blip r:embed="rId2"/>
-          <a:stretch>
-            <a:fillRect/>
-          </a:stretch>
-        </p:blipFill>
-        <p:spPr>
-          <a:xfrm>
-            <a:off x="917701" y="1842250"/>
-            <a:ext cx="7236291" cy="4351338"/>
-          </a:xfrm>
-          <a:prstGeom prst="rect">
-            <a:avLst/>
-          </a:prstGeom>
-        </p:spPr>
-      </p:pic>
-    </p:spTree>
-    <p:extLst>
-      <p:ext uri="{BB962C8B-B14F-4D97-AF65-F5344CB8AC3E}">
-        <p14:creationId xmlns:p14="http://schemas.microsoft.com/office/powerpoint/2010/main" val="1426733995"/>
-      </p:ext>
-    </p:extLst>
-  </p:cSld>
-  <p:clrMapOvr>
-    <a:masterClrMapping/>
-  </p:clrMapOvr>
-</p:sld>
-</file>
-
-<file path=ppt/slides/slide7.xml><?xml version="1.0" encoding="utf-8"?>
-<p:sld xmlns:a="http://schemas.openxmlformats.org/drawingml/2006/main" xmlns:r="http://schemas.openxmlformats.org/officeDocument/2006/relationships" xmlns:p="http://schemas.openxmlformats.org/presentationml/2006/main">
-  <p:cSld>
-    <p:spTree>
-      <p:nvGrpSpPr>
-        <p:cNvPr id="1" name=""/>
-        <p:cNvGrpSpPr/>
-        <p:nvPr/>
-      </p:nvGrpSpPr>
-      <p:grpSpPr>
-        <a:xfrm>
-          <a:off x="0" y="0"/>
-          <a:ext cx="0" cy="0"/>
-          <a:chOff x="0" y="0"/>
-          <a:chExt cx="0" cy="0"/>
-        </a:xfrm>
-      </p:grpSpPr>
-      <p:sp>
-        <p:nvSpPr>
-          <p:cNvPr id="2" name="Title 1">
-            <a:extLst>
-              <a:ext uri="{FF2B5EF4-FFF2-40B4-BE49-F238E27FC236}">
-                <a16:creationId xmlns:a16="http://schemas.microsoft.com/office/drawing/2014/main" id="{8BB9B4CC-2BA2-A3CA-C300-97474FB64365}"/>
-              </a:ext>
-            </a:extLst>
-          </p:cNvPr>
-          <p:cNvSpPr>
-            <a:spLocks noGrp="1"/>
-          </p:cNvSpPr>
-          <p:nvPr>
-            <p:ph type="title"/>
-          </p:nvPr>
-        </p:nvSpPr>
-        <p:spPr/>
-        <p:txBody>
-          <a:bodyPr/>
-          <a:lstStyle/>
-          <a:p>
-            <a:r>
-              <a:rPr lang="en-CH"/>
-              <a:t>Overfitting V</a:t>
-            </a:r>
-          </a:p>
-        </p:txBody>
-      </p:sp>
-      <p:sp>
-        <p:nvSpPr>
-          <p:cNvPr id="3" name="Content Placeholder 2">
-            <a:extLst>
-              <a:ext uri="{FF2B5EF4-FFF2-40B4-BE49-F238E27FC236}">
-                <a16:creationId xmlns:a16="http://schemas.microsoft.com/office/drawing/2014/main" id="{BC0F699F-AA7D-6F7A-7B1D-0A71D8C6B16A}"/>
-              </a:ext>
-            </a:extLst>
-          </p:cNvPr>
-          <p:cNvSpPr>
-            <a:spLocks noGrp="1"/>
-          </p:cNvSpPr>
-          <p:nvPr>
-            <p:ph idx="1"/>
-          </p:nvPr>
-        </p:nvSpPr>
-        <p:spPr/>
-        <p:txBody>
-          <a:bodyPr/>
-          <a:lstStyle/>
-          <a:p>
-            <a:endParaRPr lang="en-CH"/>
-          </a:p>
-          <a:p>
-            <a:r>
-              <a:rPr lang="en-CH"/>
-              <a:t>In most cases a visualisation is not possible, so how can we detect it?</a:t>
-            </a:r>
-          </a:p>
-          <a:p>
-            <a:endParaRPr lang="en-CH"/>
-          </a:p>
-          <a:p>
-            <a:endParaRPr lang="en-CH"/>
-          </a:p>
-          <a:p>
-            <a:pPr marL="0" indent="0">
-              <a:buNone/>
-            </a:pPr>
-            <a:r>
-              <a:rPr lang="en-CH">
-                <a:sym typeface="Wingdings" pitchFamily="2" charset="2"/>
-              </a:rPr>
-              <a:t> To detect it we need to split our dataset in two portion, and use them in a smart way.</a:t>
-            </a:r>
-            <a:endParaRPr lang="en-CH"/>
-          </a:p>
-        </p:txBody>
-      </p:sp>
-    </p:spTree>
-    <p:extLst>
-      <p:ext uri="{BB962C8B-B14F-4D97-AF65-F5344CB8AC3E}">
-        <p14:creationId xmlns:p14="http://schemas.microsoft.com/office/powerpoint/2010/main" val="36811579"/>
-      </p:ext>
-    </p:extLst>
-  </p:cSld>
-  <p:clrMapOvr>
-    <a:masterClrMapping/>
-  </p:clrMapOvr>
-</p:sld>
-</file>
-
-<file path=ppt/slides/slide8.xml><?xml version="1.0" encoding="utf-8"?>
-<p:sld xmlns:a="http://schemas.openxmlformats.org/drawingml/2006/main" xmlns:r="http://schemas.openxmlformats.org/officeDocument/2006/relationships" xmlns:p="http://schemas.openxmlformats.org/presentationml/2006/main">
-  <p:cSld>
-    <p:spTree>
-      <p:nvGrpSpPr>
-        <p:cNvPr id="1" name=""/>
-        <p:cNvGrpSpPr/>
-        <p:nvPr/>
-      </p:nvGrpSpPr>
-      <p:grpSpPr>
-        <a:xfrm>
-          <a:off x="0" y="0"/>
-          <a:ext cx="0" cy="0"/>
-          <a:chOff x="0" y="0"/>
-          <a:chExt cx="0" cy="0"/>
-        </a:xfrm>
-      </p:grpSpPr>
-      <p:sp>
-        <p:nvSpPr>
-          <p:cNvPr id="2" name="Title 1">
-            <a:extLst>
-              <a:ext uri="{FF2B5EF4-FFF2-40B4-BE49-F238E27FC236}">
-                <a16:creationId xmlns:a16="http://schemas.microsoft.com/office/drawing/2014/main" id="{8BB9B4CC-2BA2-A3CA-C300-97474FB64365}"/>
-              </a:ext>
-            </a:extLst>
-          </p:cNvPr>
-          <p:cNvSpPr>
-            <a:spLocks noGrp="1"/>
-          </p:cNvSpPr>
-          <p:nvPr>
-            <p:ph type="title"/>
-          </p:nvPr>
-        </p:nvSpPr>
-        <p:spPr/>
-        <p:txBody>
-          <a:bodyPr/>
-          <a:lstStyle/>
-          <a:p>
-            <a:r>
-              <a:rPr lang="en-CH"/>
-              <a:t>Overfitting VI</a:t>
+              <a:t>Overfitting VII</a:t>
             </a:r>
           </a:p>
         </p:txBody>
@@ -8873,7 +6892,7 @@
 </p:sld>
 </file>
 
-<file path=ppt/slides/slide9.xml><?xml version="1.0" encoding="utf-8"?>
+<file path=ppt/slides/slide11.xml><?xml version="1.0" encoding="utf-8"?>
 <p:sld xmlns:a="http://schemas.openxmlformats.org/drawingml/2006/main" xmlns:r="http://schemas.openxmlformats.org/officeDocument/2006/relationships" xmlns:p="http://schemas.openxmlformats.org/presentationml/2006/main">
   <p:cSld>
     <p:spTree>
@@ -9188,10 +7207,2580 @@
           </a:p>
         </p:txBody>
       </p:sp>
+      <p:sp>
+        <p:nvSpPr>
+          <p:cNvPr id="10" name="TextBox 9">
+            <a:extLst>
+              <a:ext uri="{FF2B5EF4-FFF2-40B4-BE49-F238E27FC236}">
+                <a16:creationId xmlns:a16="http://schemas.microsoft.com/office/drawing/2014/main" id="{66219D28-49AE-9D42-99C0-067B8F670832}"/>
+              </a:ext>
+            </a:extLst>
+          </p:cNvPr>
+          <p:cNvSpPr txBox="1"/>
+          <p:nvPr/>
+        </p:nvSpPr>
+        <p:spPr>
+          <a:xfrm rot="16200000">
+            <a:off x="1044073" y="2803026"/>
+            <a:ext cx="582211" cy="307777"/>
+          </a:xfrm>
+          <a:prstGeom prst="rect">
+            <a:avLst/>
+          </a:prstGeom>
+          <a:noFill/>
+        </p:spPr>
+        <p:txBody>
+          <a:bodyPr wrap="none" rtlCol="0">
+            <a:spAutoFit/>
+          </a:bodyPr>
+          <a:lstStyle/>
+          <a:p>
+            <a:r>
+              <a:rPr lang="en-CH" sz="1400">
+                <a:latin typeface="Arial" panose="020B0604020202020204" pitchFamily="34" charset="0"/>
+                <a:cs typeface="Arial" panose="020B0604020202020204" pitchFamily="34" charset="0"/>
+              </a:rPr>
+              <a:t>Error</a:t>
+            </a:r>
+          </a:p>
+        </p:txBody>
+      </p:sp>
     </p:spTree>
     <p:extLst>
       <p:ext uri="{BB962C8B-B14F-4D97-AF65-F5344CB8AC3E}">
         <p14:creationId xmlns:p14="http://schemas.microsoft.com/office/powerpoint/2010/main" val="3344288166"/>
+      </p:ext>
+    </p:extLst>
+  </p:cSld>
+  <p:clrMapOvr>
+    <a:masterClrMapping/>
+  </p:clrMapOvr>
+</p:sld>
+</file>
+
+<file path=ppt/slides/slide12.xml><?xml version="1.0" encoding="utf-8"?>
+<p:sld xmlns:a="http://schemas.openxmlformats.org/drawingml/2006/main" xmlns:r="http://schemas.openxmlformats.org/officeDocument/2006/relationships" xmlns:p="http://schemas.openxmlformats.org/presentationml/2006/main">
+  <p:cSld>
+    <p:spTree>
+      <p:nvGrpSpPr>
+        <p:cNvPr id="1" name=""/>
+        <p:cNvGrpSpPr/>
+        <p:nvPr/>
+      </p:nvGrpSpPr>
+      <p:grpSpPr>
+        <a:xfrm>
+          <a:off x="0" y="0"/>
+          <a:ext cx="0" cy="0"/>
+          <a:chOff x="0" y="0"/>
+          <a:chExt cx="0" cy="0"/>
+        </a:xfrm>
+      </p:grpSpPr>
+      <p:sp>
+        <p:nvSpPr>
+          <p:cNvPr id="2" name="Title 1">
+            <a:extLst>
+              <a:ext uri="{FF2B5EF4-FFF2-40B4-BE49-F238E27FC236}">
+                <a16:creationId xmlns:a16="http://schemas.microsoft.com/office/drawing/2014/main" id="{FE02FA5B-E50A-6C8F-EEF6-67BF8D923F50}"/>
+              </a:ext>
+            </a:extLst>
+          </p:cNvPr>
+          <p:cNvSpPr>
+            <a:spLocks noGrp="1"/>
+          </p:cNvSpPr>
+          <p:nvPr>
+            <p:ph type="title"/>
+          </p:nvPr>
+        </p:nvSpPr>
+        <p:spPr/>
+        <p:txBody>
+          <a:bodyPr/>
+          <a:lstStyle/>
+          <a:p>
+            <a:r>
+              <a:rPr lang="en-CH"/>
+              <a:t>Variance and Bias</a:t>
+            </a:r>
+          </a:p>
+        </p:txBody>
+      </p:sp>
+      <p:pic>
+        <p:nvPicPr>
+          <p:cNvPr id="4" name="Content Placeholder 3">
+            <a:extLst>
+              <a:ext uri="{FF2B5EF4-FFF2-40B4-BE49-F238E27FC236}">
+                <a16:creationId xmlns:a16="http://schemas.microsoft.com/office/drawing/2014/main" id="{D3B23091-3C08-110F-DFB6-F7FB639B000A}"/>
+              </a:ext>
+            </a:extLst>
+          </p:cNvPr>
+          <p:cNvPicPr>
+            <a:picLocks noGrp="1" noChangeAspect="1"/>
+          </p:cNvPicPr>
+          <p:nvPr>
+            <p:ph idx="1"/>
+          </p:nvPr>
+        </p:nvPicPr>
+        <p:blipFill>
+          <a:blip r:embed="rId2"/>
+          <a:stretch>
+            <a:fillRect/>
+          </a:stretch>
+        </p:blipFill>
+        <p:spPr>
+          <a:xfrm>
+            <a:off x="3338642" y="1825625"/>
+            <a:ext cx="5514716" cy="4351338"/>
+          </a:xfrm>
+          <a:prstGeom prst="rect">
+            <a:avLst/>
+          </a:prstGeom>
+        </p:spPr>
+      </p:pic>
+      <p:sp>
+        <p:nvSpPr>
+          <p:cNvPr id="5" name="TextBox 4">
+            <a:extLst>
+              <a:ext uri="{FF2B5EF4-FFF2-40B4-BE49-F238E27FC236}">
+                <a16:creationId xmlns:a16="http://schemas.microsoft.com/office/drawing/2014/main" id="{C6F57AF2-43E6-731D-9A6F-860181138FCD}"/>
+              </a:ext>
+            </a:extLst>
+          </p:cNvPr>
+          <p:cNvSpPr txBox="1"/>
+          <p:nvPr/>
+        </p:nvSpPr>
+        <p:spPr>
+          <a:xfrm>
+            <a:off x="7233585" y="6596390"/>
+            <a:ext cx="5572954" cy="261610"/>
+          </a:xfrm>
+          <a:prstGeom prst="rect">
+            <a:avLst/>
+          </a:prstGeom>
+          <a:noFill/>
+        </p:spPr>
+        <p:txBody>
+          <a:bodyPr wrap="square">
+            <a:spAutoFit/>
+          </a:bodyPr>
+          <a:lstStyle/>
+          <a:p>
+            <a:r>
+              <a:rPr lang="en-GB" sz="1050">
+                <a:latin typeface="Arial" panose="020B0604020202020204" pitchFamily="34" charset="0"/>
+              </a:rPr>
+              <a:t>U. Michelucci, </a:t>
+            </a:r>
+            <a:r>
+              <a:rPr lang="en-GB" sz="1050" i="1">
+                <a:latin typeface="Arial" panose="020B0604020202020204" pitchFamily="34" charset="0"/>
+              </a:rPr>
+              <a:t>Applied Deep Learning with TensorFlow 2</a:t>
+            </a:r>
+            <a:r>
+              <a:rPr lang="en-GB" sz="1050">
+                <a:latin typeface="Arial" panose="020B0604020202020204" pitchFamily="34" charset="0"/>
+              </a:rPr>
+              <a:t>, Springer Nature, 2022</a:t>
+            </a:r>
+          </a:p>
+        </p:txBody>
+      </p:sp>
+    </p:spTree>
+    <p:extLst>
+      <p:ext uri="{BB962C8B-B14F-4D97-AF65-F5344CB8AC3E}">
+        <p14:creationId xmlns:p14="http://schemas.microsoft.com/office/powerpoint/2010/main" val="2290454121"/>
+      </p:ext>
+    </p:extLst>
+  </p:cSld>
+  <p:clrMapOvr>
+    <a:masterClrMapping/>
+  </p:clrMapOvr>
+</p:sld>
+</file>
+
+<file path=ppt/slides/slide13.xml><?xml version="1.0" encoding="utf-8"?>
+<p:sld xmlns:a="http://schemas.openxmlformats.org/drawingml/2006/main" xmlns:r="http://schemas.openxmlformats.org/officeDocument/2006/relationships" xmlns:p="http://schemas.openxmlformats.org/presentationml/2006/main">
+  <p:cSld>
+    <p:spTree>
+      <p:nvGrpSpPr>
+        <p:cNvPr id="1" name=""/>
+        <p:cNvGrpSpPr/>
+        <p:nvPr/>
+      </p:nvGrpSpPr>
+      <p:grpSpPr>
+        <a:xfrm>
+          <a:off x="0" y="0"/>
+          <a:ext cx="0" cy="0"/>
+          <a:chOff x="0" y="0"/>
+          <a:chExt cx="0" cy="0"/>
+        </a:xfrm>
+      </p:grpSpPr>
+      <p:sp>
+        <p:nvSpPr>
+          <p:cNvPr id="2" name="Title 1">
+            <a:extLst>
+              <a:ext uri="{FF2B5EF4-FFF2-40B4-BE49-F238E27FC236}">
+                <a16:creationId xmlns:a16="http://schemas.microsoft.com/office/drawing/2014/main" id="{94FACC52-3218-DDEB-3FF2-D2D7228384AB}"/>
+              </a:ext>
+            </a:extLst>
+          </p:cNvPr>
+          <p:cNvSpPr>
+            <a:spLocks noGrp="1"/>
+          </p:cNvSpPr>
+          <p:nvPr>
+            <p:ph type="title"/>
+          </p:nvPr>
+        </p:nvSpPr>
+        <p:spPr/>
+        <p:txBody>
+          <a:bodyPr/>
+          <a:lstStyle/>
+          <a:p>
+            <a:r>
+              <a:rPr lang="en-CH"/>
+              <a:t>Essence of overfitting</a:t>
+            </a:r>
+          </a:p>
+        </p:txBody>
+      </p:sp>
+      <p:sp>
+        <p:nvSpPr>
+          <p:cNvPr id="3" name="Content Placeholder 2">
+            <a:extLst>
+              <a:ext uri="{FF2B5EF4-FFF2-40B4-BE49-F238E27FC236}">
+                <a16:creationId xmlns:a16="http://schemas.microsoft.com/office/drawing/2014/main" id="{3E564DD8-825B-74E7-B53E-695F0DFE9C59}"/>
+              </a:ext>
+            </a:extLst>
+          </p:cNvPr>
+          <p:cNvSpPr>
+            <a:spLocks noGrp="1"/>
+          </p:cNvSpPr>
+          <p:nvPr>
+            <p:ph idx="1"/>
+          </p:nvPr>
+        </p:nvSpPr>
+        <p:spPr>
+          <a:xfrm>
+            <a:off x="838200" y="2468879"/>
+            <a:ext cx="10515600" cy="3708083"/>
+          </a:xfrm>
+        </p:spPr>
+        <p:txBody>
+          <a:bodyPr/>
+          <a:lstStyle/>
+          <a:p>
+            <a:pPr marL="0" indent="0">
+              <a:buNone/>
+            </a:pPr>
+            <a:r>
+              <a:rPr lang="en-US" b="1"/>
+              <a:t>Note</a:t>
+            </a:r>
+            <a:r>
+              <a:rPr lang="en-US"/>
+              <a:t> The essence of </a:t>
+            </a:r>
+            <a:r>
+              <a:rPr lang="en-US" b="1"/>
+              <a:t>overfitting</a:t>
+            </a:r>
+            <a:r>
+              <a:rPr lang="en-US"/>
+              <a:t> is to have unknowingly extracted some of the residual variation (i.e. the noise) as if that variation represented underlying model structure. The opposite is called </a:t>
+            </a:r>
+            <a:r>
+              <a:rPr lang="en-US" b="1"/>
+              <a:t>underfitting</a:t>
+            </a:r>
+            <a:r>
+              <a:rPr lang="en-US"/>
+              <a:t> when the model cannot capture the structure of the data</a:t>
+            </a:r>
+            <a:r>
+              <a:rPr lang="en-CH">
+                <a:effectLst/>
+              </a:rPr>
+              <a:t> </a:t>
+            </a:r>
+            <a:endParaRPr lang="en-CH"/>
+          </a:p>
+        </p:txBody>
+      </p:sp>
+    </p:spTree>
+    <p:extLst>
+      <p:ext uri="{BB962C8B-B14F-4D97-AF65-F5344CB8AC3E}">
+        <p14:creationId xmlns:p14="http://schemas.microsoft.com/office/powerpoint/2010/main" val="849770155"/>
+      </p:ext>
+    </p:extLst>
+  </p:cSld>
+  <p:clrMapOvr>
+    <a:masterClrMapping/>
+  </p:clrMapOvr>
+</p:sld>
+</file>
+
+<file path=ppt/slides/slide14.xml><?xml version="1.0" encoding="utf-8"?>
+<p:sld xmlns:a="http://schemas.openxmlformats.org/drawingml/2006/main" xmlns:r="http://schemas.openxmlformats.org/officeDocument/2006/relationships" xmlns:p="http://schemas.openxmlformats.org/presentationml/2006/main">
+  <p:cSld>
+    <p:spTree>
+      <p:nvGrpSpPr>
+        <p:cNvPr id="1" name=""/>
+        <p:cNvGrpSpPr/>
+        <p:nvPr/>
+      </p:nvGrpSpPr>
+      <p:grpSpPr>
+        <a:xfrm>
+          <a:off x="0" y="0"/>
+          <a:ext cx="0" cy="0"/>
+          <a:chOff x="0" y="0"/>
+          <a:chExt cx="0" cy="0"/>
+        </a:xfrm>
+      </p:grpSpPr>
+      <p:pic>
+        <p:nvPicPr>
+          <p:cNvPr id="4" name="Content Placeholder 3">
+            <a:extLst>
+              <a:ext uri="{FF2B5EF4-FFF2-40B4-BE49-F238E27FC236}">
+                <a16:creationId xmlns:a16="http://schemas.microsoft.com/office/drawing/2014/main" id="{BADBE0DF-89CE-2FC6-7FDC-B674A1DF7DBA}"/>
+              </a:ext>
+            </a:extLst>
+          </p:cNvPr>
+          <p:cNvPicPr>
+            <a:picLocks noGrp="1" noChangeAspect="1"/>
+          </p:cNvPicPr>
+          <p:nvPr>
+            <p:ph idx="1"/>
+          </p:nvPr>
+        </p:nvPicPr>
+        <p:blipFill rotWithShape="1">
+          <a:blip r:embed="rId2"/>
+          <a:srcRect t="5099"/>
+          <a:stretch/>
+        </p:blipFill>
+        <p:spPr>
+          <a:xfrm>
+            <a:off x="688571" y="1078419"/>
+            <a:ext cx="10515600" cy="1925857"/>
+          </a:xfrm>
+          <a:prstGeom prst="rect">
+            <a:avLst/>
+          </a:prstGeom>
+        </p:spPr>
+      </p:pic>
+      <p:sp>
+        <p:nvSpPr>
+          <p:cNvPr id="8" name="TextBox 7">
+            <a:extLst>
+              <a:ext uri="{FF2B5EF4-FFF2-40B4-BE49-F238E27FC236}">
+                <a16:creationId xmlns:a16="http://schemas.microsoft.com/office/drawing/2014/main" id="{8C9F5C12-38E0-E6A3-3D8D-A73351F15033}"/>
+              </a:ext>
+            </a:extLst>
+          </p:cNvPr>
+          <p:cNvSpPr txBox="1"/>
+          <p:nvPr/>
+        </p:nvSpPr>
+        <p:spPr>
+          <a:xfrm>
+            <a:off x="916478" y="3429000"/>
+            <a:ext cx="10359044" cy="2350580"/>
+          </a:xfrm>
+          <a:prstGeom prst="rect">
+            <a:avLst/>
+          </a:prstGeom>
+          <a:noFill/>
+        </p:spPr>
+        <p:txBody>
+          <a:bodyPr wrap="square">
+            <a:spAutoFit/>
+          </a:bodyPr>
+          <a:lstStyle/>
+          <a:p>
+            <a:pPr marL="285750" marR="547370" lvl="0" indent="-285750">
+              <a:lnSpc>
+                <a:spcPts val="1600"/>
+              </a:lnSpc>
+              <a:spcBef>
+                <a:spcPts val="600"/>
+              </a:spcBef>
+              <a:spcAft>
+                <a:spcPts val="1000"/>
+              </a:spcAft>
+              <a:buFont typeface="Arial" panose="020B0604020202020204" pitchFamily="34" charset="0"/>
+              <a:buChar char="•"/>
+              <a:tabLst>
+                <a:tab pos="594360" algn="l"/>
+              </a:tabLst>
+            </a:pPr>
+            <a:r>
+              <a:rPr lang="en-GB" b="1">
+                <a:effectLst/>
+                <a:latin typeface="Arial" panose="020B0604020202020204" pitchFamily="34" charset="0"/>
+                <a:ea typeface="Calibri" panose="020F0502020204030204" pitchFamily="34" charset="0"/>
+                <a:cs typeface="Arial" panose="020B0604020202020204" pitchFamily="34" charset="0"/>
+              </a:rPr>
+              <a:t>Case A</a:t>
+            </a:r>
+            <a:r>
+              <a:rPr lang="en-GB">
+                <a:effectLst/>
+                <a:latin typeface="Arial" panose="020B0604020202020204" pitchFamily="34" charset="0"/>
+                <a:ea typeface="Calibri" panose="020F0502020204030204" pitchFamily="34" charset="0"/>
+                <a:cs typeface="Arial" panose="020B0604020202020204" pitchFamily="34" charset="0"/>
+              </a:rPr>
+              <a:t>: here we are overfitting (high variance), because we are doing very well on the training set, but our model generalizes very badly to our dev set (check again Figure 15-8).</a:t>
+            </a:r>
+          </a:p>
+          <a:p>
+            <a:pPr marL="285750" marR="547370" lvl="0" indent="-285750">
+              <a:lnSpc>
+                <a:spcPts val="1600"/>
+              </a:lnSpc>
+              <a:spcBef>
+                <a:spcPts val="600"/>
+              </a:spcBef>
+              <a:spcAft>
+                <a:spcPts val="1000"/>
+              </a:spcAft>
+              <a:buFont typeface="Arial" panose="020B0604020202020204" pitchFamily="34" charset="0"/>
+              <a:buChar char="•"/>
+              <a:tabLst>
+                <a:tab pos="594360" algn="l"/>
+              </a:tabLst>
+            </a:pPr>
+            <a:r>
+              <a:rPr lang="en-GB" b="1">
+                <a:effectLst/>
+                <a:latin typeface="Arial" panose="020B0604020202020204" pitchFamily="34" charset="0"/>
+                <a:ea typeface="Calibri" panose="020F0502020204030204" pitchFamily="34" charset="0"/>
+                <a:cs typeface="Arial" panose="020B0604020202020204" pitchFamily="34" charset="0"/>
+              </a:rPr>
+              <a:t>Case B</a:t>
+            </a:r>
+            <a:r>
+              <a:rPr lang="en-GB">
+                <a:effectLst/>
+                <a:latin typeface="Arial" panose="020B0604020202020204" pitchFamily="34" charset="0"/>
+                <a:ea typeface="Calibri" panose="020F0502020204030204" pitchFamily="34" charset="0"/>
+                <a:cs typeface="Arial" panose="020B0604020202020204" pitchFamily="34" charset="0"/>
+              </a:rPr>
+              <a:t>: here we see a problem with high bias, meaning that our model is not doing very well generally, on both datasets (check again Figure 15-9)</a:t>
+            </a:r>
+          </a:p>
+          <a:p>
+            <a:pPr marL="285750" marR="547370" lvl="0" indent="-285750">
+              <a:lnSpc>
+                <a:spcPts val="1600"/>
+              </a:lnSpc>
+              <a:spcBef>
+                <a:spcPts val="600"/>
+              </a:spcBef>
+              <a:spcAft>
+                <a:spcPts val="1000"/>
+              </a:spcAft>
+              <a:buFont typeface="Arial" panose="020B0604020202020204" pitchFamily="34" charset="0"/>
+              <a:buChar char="•"/>
+              <a:tabLst>
+                <a:tab pos="594360" algn="l"/>
+              </a:tabLst>
+            </a:pPr>
+            <a:r>
+              <a:rPr lang="en-GB" b="1">
+                <a:effectLst/>
+                <a:latin typeface="Arial" panose="020B0604020202020204" pitchFamily="34" charset="0"/>
+                <a:ea typeface="Calibri" panose="020F0502020204030204" pitchFamily="34" charset="0"/>
+                <a:cs typeface="Arial" panose="020B0604020202020204" pitchFamily="34" charset="0"/>
+              </a:rPr>
+              <a:t>Case C</a:t>
+            </a:r>
+            <a:r>
+              <a:rPr lang="en-GB">
+                <a:effectLst/>
+                <a:latin typeface="Arial" panose="020B0604020202020204" pitchFamily="34" charset="0"/>
+                <a:ea typeface="Calibri" panose="020F0502020204030204" pitchFamily="34" charset="0"/>
+                <a:cs typeface="Arial" panose="020B0604020202020204" pitchFamily="34" charset="0"/>
+              </a:rPr>
+              <a:t>: here we have a high bias (the model cannot predict very well the training set) and high variance (the model does not generalize well on the dev set).</a:t>
+            </a:r>
+          </a:p>
+          <a:p>
+            <a:pPr marL="285750" marR="547370" lvl="0" indent="-285750">
+              <a:lnSpc>
+                <a:spcPts val="1600"/>
+              </a:lnSpc>
+              <a:spcBef>
+                <a:spcPts val="600"/>
+              </a:spcBef>
+              <a:spcAft>
+                <a:spcPts val="1000"/>
+              </a:spcAft>
+              <a:buFont typeface="Arial" panose="020B0604020202020204" pitchFamily="34" charset="0"/>
+              <a:buChar char="•"/>
+              <a:tabLst>
+                <a:tab pos="594360" algn="l"/>
+              </a:tabLst>
+            </a:pPr>
+            <a:r>
+              <a:rPr lang="en-GB" b="1">
+                <a:effectLst/>
+                <a:latin typeface="Arial" panose="020B0604020202020204" pitchFamily="34" charset="0"/>
+                <a:ea typeface="Calibri" panose="020F0502020204030204" pitchFamily="34" charset="0"/>
+                <a:cs typeface="Arial" panose="020B0604020202020204" pitchFamily="34" charset="0"/>
+              </a:rPr>
+              <a:t>Case D</a:t>
+            </a:r>
+            <a:r>
+              <a:rPr lang="en-GB">
+                <a:effectLst/>
+                <a:latin typeface="Arial" panose="020B0604020202020204" pitchFamily="34" charset="0"/>
+                <a:ea typeface="Calibri" panose="020F0502020204030204" pitchFamily="34" charset="0"/>
+                <a:cs typeface="Arial" panose="020B0604020202020204" pitchFamily="34" charset="0"/>
+              </a:rPr>
+              <a:t>: here everything seems ok. Good error on the train set and good on the dev set. That is a good candidate for our best model.</a:t>
+            </a:r>
+          </a:p>
+        </p:txBody>
+      </p:sp>
+      <p:sp>
+        <p:nvSpPr>
+          <p:cNvPr id="9" name="TextBox 8">
+            <a:extLst>
+              <a:ext uri="{FF2B5EF4-FFF2-40B4-BE49-F238E27FC236}">
+                <a16:creationId xmlns:a16="http://schemas.microsoft.com/office/drawing/2014/main" id="{8A69186B-8E61-59F9-D4CD-E5F55CDB9FFD}"/>
+              </a:ext>
+            </a:extLst>
+          </p:cNvPr>
+          <p:cNvSpPr txBox="1"/>
+          <p:nvPr/>
+        </p:nvSpPr>
+        <p:spPr>
+          <a:xfrm>
+            <a:off x="7233585" y="6596390"/>
+            <a:ext cx="5572954" cy="261610"/>
+          </a:xfrm>
+          <a:prstGeom prst="rect">
+            <a:avLst/>
+          </a:prstGeom>
+          <a:noFill/>
+        </p:spPr>
+        <p:txBody>
+          <a:bodyPr wrap="square">
+            <a:spAutoFit/>
+          </a:bodyPr>
+          <a:lstStyle/>
+          <a:p>
+            <a:r>
+              <a:rPr lang="en-GB" sz="1050">
+                <a:latin typeface="Arial" panose="020B0604020202020204" pitchFamily="34" charset="0"/>
+              </a:rPr>
+              <a:t>U. Michelucci, </a:t>
+            </a:r>
+            <a:r>
+              <a:rPr lang="en-GB" sz="1050" i="1">
+                <a:latin typeface="Arial" panose="020B0604020202020204" pitchFamily="34" charset="0"/>
+              </a:rPr>
+              <a:t>Applied Deep Learning with TensorFlow 2</a:t>
+            </a:r>
+            <a:r>
+              <a:rPr lang="en-GB" sz="1050">
+                <a:latin typeface="Arial" panose="020B0604020202020204" pitchFamily="34" charset="0"/>
+              </a:rPr>
+              <a:t>, Springer Nature, 2022</a:t>
+            </a:r>
+          </a:p>
+        </p:txBody>
+      </p:sp>
+    </p:spTree>
+    <p:extLst>
+      <p:ext uri="{BB962C8B-B14F-4D97-AF65-F5344CB8AC3E}">
+        <p14:creationId xmlns:p14="http://schemas.microsoft.com/office/powerpoint/2010/main" val="3637424865"/>
+      </p:ext>
+    </p:extLst>
+  </p:cSld>
+  <p:clrMapOvr>
+    <a:masterClrMapping/>
+  </p:clrMapOvr>
+</p:sld>
+</file>
+
+<file path=ppt/slides/slide15.xml><?xml version="1.0" encoding="utf-8"?>
+<p:sld xmlns:a="http://schemas.openxmlformats.org/drawingml/2006/main" xmlns:r="http://schemas.openxmlformats.org/officeDocument/2006/relationships" xmlns:p="http://schemas.openxmlformats.org/presentationml/2006/main">
+  <p:cSld>
+    <p:spTree>
+      <p:nvGrpSpPr>
+        <p:cNvPr id="1" name=""/>
+        <p:cNvGrpSpPr/>
+        <p:nvPr/>
+      </p:nvGrpSpPr>
+      <p:grpSpPr>
+        <a:xfrm>
+          <a:off x="0" y="0"/>
+          <a:ext cx="0" cy="0"/>
+          <a:chOff x="0" y="0"/>
+          <a:chExt cx="0" cy="0"/>
+        </a:xfrm>
+      </p:grpSpPr>
+      <p:sp>
+        <p:nvSpPr>
+          <p:cNvPr id="2" name="Title 1">
+            <a:extLst>
+              <a:ext uri="{FF2B5EF4-FFF2-40B4-BE49-F238E27FC236}">
+                <a16:creationId xmlns:a16="http://schemas.microsoft.com/office/drawing/2014/main" id="{074118A1-77C4-2B45-EF42-BCAE74AA1BEC}"/>
+              </a:ext>
+            </a:extLst>
+          </p:cNvPr>
+          <p:cNvSpPr>
+            <a:spLocks noGrp="1"/>
+          </p:cNvSpPr>
+          <p:nvPr>
+            <p:ph type="title"/>
+          </p:nvPr>
+        </p:nvSpPr>
+        <p:spPr/>
+        <p:txBody>
+          <a:bodyPr/>
+          <a:lstStyle/>
+          <a:p>
+            <a:r>
+              <a:rPr lang="en-CH"/>
+              <a:t>Model Validation</a:t>
+            </a:r>
+          </a:p>
+        </p:txBody>
+      </p:sp>
+      <p:sp>
+        <p:nvSpPr>
+          <p:cNvPr id="3" name="Content Placeholder 2">
+            <a:extLst>
+              <a:ext uri="{FF2B5EF4-FFF2-40B4-BE49-F238E27FC236}">
+                <a16:creationId xmlns:a16="http://schemas.microsoft.com/office/drawing/2014/main" id="{04C3597E-4B3E-B5E3-A87F-7B19EE1360E5}"/>
+              </a:ext>
+            </a:extLst>
+          </p:cNvPr>
+          <p:cNvSpPr>
+            <a:spLocks noGrp="1"/>
+          </p:cNvSpPr>
+          <p:nvPr>
+            <p:ph idx="1"/>
+          </p:nvPr>
+        </p:nvSpPr>
+        <p:spPr>
+          <a:xfrm>
+            <a:off x="838200" y="2194559"/>
+            <a:ext cx="10515600" cy="3982403"/>
+          </a:xfrm>
+        </p:spPr>
+        <p:txBody>
+          <a:bodyPr/>
+          <a:lstStyle/>
+          <a:p>
+            <a:pPr marL="0" indent="0">
+              <a:buNone/>
+            </a:pPr>
+            <a:r>
+              <a:rPr lang="en-GB"/>
+              <a:t>Model validation refers to </a:t>
+            </a:r>
+            <a:r>
+              <a:rPr lang="en-GB" b="1"/>
+              <a:t>the process of confirming that the model actually achieves its intended purpose.</a:t>
+            </a:r>
+          </a:p>
+          <a:p>
+            <a:pPr marL="0" indent="0">
+              <a:buNone/>
+            </a:pPr>
+            <a:endParaRPr lang="en-GB" b="1"/>
+          </a:p>
+          <a:p>
+            <a:pPr marL="0" indent="0">
+              <a:buNone/>
+            </a:pPr>
+            <a:r>
+              <a:rPr lang="en-GB"/>
+              <a:t>Often it involves checking how a model generalize on unseen data and that is not suffering from overfitting.</a:t>
+            </a:r>
+            <a:endParaRPr lang="en-CH"/>
+          </a:p>
+        </p:txBody>
+      </p:sp>
+    </p:spTree>
+    <p:extLst>
+      <p:ext uri="{BB962C8B-B14F-4D97-AF65-F5344CB8AC3E}">
+        <p14:creationId xmlns:p14="http://schemas.microsoft.com/office/powerpoint/2010/main" val="3819518866"/>
+      </p:ext>
+    </p:extLst>
+  </p:cSld>
+  <p:clrMapOvr>
+    <a:masterClrMapping/>
+  </p:clrMapOvr>
+</p:sld>
+</file>
+
+<file path=ppt/slides/slide16.xml><?xml version="1.0" encoding="utf-8"?>
+<p:sld xmlns:a="http://schemas.openxmlformats.org/drawingml/2006/main" xmlns:r="http://schemas.openxmlformats.org/officeDocument/2006/relationships" xmlns:p="http://schemas.openxmlformats.org/presentationml/2006/main">
+  <p:cSld>
+    <p:spTree>
+      <p:nvGrpSpPr>
+        <p:cNvPr id="1" name=""/>
+        <p:cNvGrpSpPr/>
+        <p:nvPr/>
+      </p:nvGrpSpPr>
+      <p:grpSpPr>
+        <a:xfrm>
+          <a:off x="0" y="0"/>
+          <a:ext cx="0" cy="0"/>
+          <a:chOff x="0" y="0"/>
+          <a:chExt cx="0" cy="0"/>
+        </a:xfrm>
+      </p:grpSpPr>
+      <p:sp>
+        <p:nvSpPr>
+          <p:cNvPr id="2" name="Title 1">
+            <a:extLst>
+              <a:ext uri="{FF2B5EF4-FFF2-40B4-BE49-F238E27FC236}">
+                <a16:creationId xmlns:a16="http://schemas.microsoft.com/office/drawing/2014/main" id="{1705DA87-4F31-CD42-8746-7DA05C25D671}"/>
+              </a:ext>
+            </a:extLst>
+          </p:cNvPr>
+          <p:cNvSpPr>
+            <a:spLocks noGrp="1"/>
+          </p:cNvSpPr>
+          <p:nvPr>
+            <p:ph type="title"/>
+          </p:nvPr>
+        </p:nvSpPr>
+        <p:spPr>
+          <a:xfrm>
+            <a:off x="838200" y="681037"/>
+            <a:ext cx="10515600" cy="1325563"/>
+          </a:xfrm>
+        </p:spPr>
+        <p:txBody>
+          <a:bodyPr/>
+          <a:lstStyle/>
+          <a:p>
+            <a:r>
+              <a:rPr lang="en-CH"/>
+              <a:t>Effect of randomness in the data – Hands-on Experiment</a:t>
+            </a:r>
+          </a:p>
+        </p:txBody>
+      </p:sp>
+      <p:sp>
+        <p:nvSpPr>
+          <p:cNvPr id="3" name="Content Placeholder 2">
+            <a:extLst>
+              <a:ext uri="{FF2B5EF4-FFF2-40B4-BE49-F238E27FC236}">
+                <a16:creationId xmlns:a16="http://schemas.microsoft.com/office/drawing/2014/main" id="{8B322DF0-2CC9-0213-EDA2-2FB96A33E0E7}"/>
+              </a:ext>
+            </a:extLst>
+          </p:cNvPr>
+          <p:cNvSpPr>
+            <a:spLocks noGrp="1"/>
+          </p:cNvSpPr>
+          <p:nvPr>
+            <p:ph idx="1"/>
+          </p:nvPr>
+        </p:nvSpPr>
+        <p:spPr>
+          <a:xfrm>
+            <a:off x="838200" y="2842953"/>
+            <a:ext cx="10515600" cy="3334010"/>
+          </a:xfrm>
+        </p:spPr>
+        <p:txBody>
+          <a:bodyPr/>
+          <a:lstStyle/>
+          <a:p>
+            <a:pPr marL="0" indent="0" algn="ctr">
+              <a:buNone/>
+            </a:pPr>
+            <a:r>
+              <a:rPr lang="en-GB">
+                <a:hlinkClick r:id="rId2"/>
+              </a:rPr>
+              <a:t>https://colab.research.google.com/github/toelt-llc/MSCA-ITN-PARENT/blob/main/DETERMINED2022/Introduction%20to%20model%20validation%20and%20unbalanced%20datasets/.ipynb_checkpoints/Metrics_Distributions_due_to_Datasetsplit-checkpoint.ipynb</a:t>
+            </a:r>
+            <a:r>
+              <a:rPr lang="en-GB"/>
+              <a:t> </a:t>
+            </a:r>
+            <a:endParaRPr lang="en-CH"/>
+          </a:p>
+        </p:txBody>
+      </p:sp>
+    </p:spTree>
+    <p:extLst>
+      <p:ext uri="{BB962C8B-B14F-4D97-AF65-F5344CB8AC3E}">
+        <p14:creationId xmlns:p14="http://schemas.microsoft.com/office/powerpoint/2010/main" val="1555019688"/>
+      </p:ext>
+    </p:extLst>
+  </p:cSld>
+  <p:clrMapOvr>
+    <a:masterClrMapping/>
+  </p:clrMapOvr>
+</p:sld>
+</file>
+
+<file path=ppt/slides/slide17.xml><?xml version="1.0" encoding="utf-8"?>
+<p:sld xmlns:a="http://schemas.openxmlformats.org/drawingml/2006/main" xmlns:r="http://schemas.openxmlformats.org/officeDocument/2006/relationships" xmlns:p="http://schemas.openxmlformats.org/presentationml/2006/main">
+  <p:cSld>
+    <p:spTree>
+      <p:nvGrpSpPr>
+        <p:cNvPr id="1" name=""/>
+        <p:cNvGrpSpPr/>
+        <p:nvPr/>
+      </p:nvGrpSpPr>
+      <p:grpSpPr>
+        <a:xfrm>
+          <a:off x="0" y="0"/>
+          <a:ext cx="0" cy="0"/>
+          <a:chOff x="0" y="0"/>
+          <a:chExt cx="0" cy="0"/>
+        </a:xfrm>
+      </p:grpSpPr>
+      <p:sp>
+        <p:nvSpPr>
+          <p:cNvPr id="2" name="Title 1">
+            <a:extLst>
+              <a:ext uri="{FF2B5EF4-FFF2-40B4-BE49-F238E27FC236}">
+                <a16:creationId xmlns:a16="http://schemas.microsoft.com/office/drawing/2014/main" id="{A4FCF0FC-8349-2418-7816-F08CE876E67B}"/>
+              </a:ext>
+            </a:extLst>
+          </p:cNvPr>
+          <p:cNvSpPr>
+            <a:spLocks noGrp="1"/>
+          </p:cNvSpPr>
+          <p:nvPr>
+            <p:ph type="title"/>
+          </p:nvPr>
+        </p:nvSpPr>
+        <p:spPr>
+          <a:xfrm>
+            <a:off x="239683" y="689321"/>
+            <a:ext cx="10515600" cy="1325563"/>
+          </a:xfrm>
+        </p:spPr>
+        <p:txBody>
+          <a:bodyPr/>
+          <a:lstStyle/>
+          <a:p>
+            <a:r>
+              <a:rPr lang="en-CH"/>
+              <a:t>How to communicate results from ML models</a:t>
+            </a:r>
+          </a:p>
+        </p:txBody>
+      </p:sp>
+      <p:sp>
+        <p:nvSpPr>
+          <p:cNvPr id="3" name="Content Placeholder 2">
+            <a:extLst>
+              <a:ext uri="{FF2B5EF4-FFF2-40B4-BE49-F238E27FC236}">
+                <a16:creationId xmlns:a16="http://schemas.microsoft.com/office/drawing/2014/main" id="{453B4384-689E-0387-368F-83B706E481B7}"/>
+              </a:ext>
+            </a:extLst>
+          </p:cNvPr>
+          <p:cNvSpPr>
+            <a:spLocks noGrp="1"/>
+          </p:cNvSpPr>
+          <p:nvPr>
+            <p:ph idx="1"/>
+          </p:nvPr>
+        </p:nvSpPr>
+        <p:spPr>
+          <a:xfrm>
+            <a:off x="846512" y="2224636"/>
+            <a:ext cx="10515600" cy="4351338"/>
+          </a:xfrm>
+        </p:spPr>
+        <p:txBody>
+          <a:bodyPr>
+            <a:normAutofit/>
+          </a:bodyPr>
+          <a:lstStyle/>
+          <a:p>
+            <a:pPr marL="0" indent="0">
+              <a:buNone/>
+            </a:pPr>
+            <a:r>
+              <a:rPr lang="en-CH" sz="3200"/>
+              <a:t>When communicating results from ML models:</a:t>
+            </a:r>
+          </a:p>
+          <a:p>
+            <a:pPr marL="0" indent="0">
+              <a:buNone/>
+            </a:pPr>
+            <a:endParaRPr lang="en-CH" sz="3200"/>
+          </a:p>
+          <a:p>
+            <a:pPr>
+              <a:buFont typeface="Wingdings" pitchFamily="2" charset="2"/>
+              <a:buChar char="à"/>
+            </a:pPr>
+            <a:r>
+              <a:rPr lang="en-CH" sz="3200">
+                <a:sym typeface="Wingdings" pitchFamily="2" charset="2"/>
+              </a:rPr>
+              <a:t>Always estimate expected value (mean) and variance (or standard deviations) of relevant metrics.</a:t>
+            </a:r>
+          </a:p>
+          <a:p>
+            <a:pPr marL="0" indent="0">
+              <a:buNone/>
+            </a:pPr>
+            <a:r>
+              <a:rPr lang="en-CH" sz="3200">
+                <a:sym typeface="Wingdings" pitchFamily="2" charset="2"/>
+              </a:rPr>
+              <a:t>Never only communicate one single number.</a:t>
+            </a:r>
+            <a:endParaRPr lang="en-CH" sz="3200"/>
+          </a:p>
+        </p:txBody>
+      </p:sp>
+    </p:spTree>
+    <p:extLst>
+      <p:ext uri="{BB962C8B-B14F-4D97-AF65-F5344CB8AC3E}">
+        <p14:creationId xmlns:p14="http://schemas.microsoft.com/office/powerpoint/2010/main" val="3586848883"/>
+      </p:ext>
+    </p:extLst>
+  </p:cSld>
+  <p:clrMapOvr>
+    <a:masterClrMapping/>
+  </p:clrMapOvr>
+</p:sld>
+</file>
+
+<file path=ppt/slides/slide18.xml><?xml version="1.0" encoding="utf-8"?>
+<p:sld xmlns:a="http://schemas.openxmlformats.org/drawingml/2006/main" xmlns:r="http://schemas.openxmlformats.org/officeDocument/2006/relationships" xmlns:p="http://schemas.openxmlformats.org/presentationml/2006/main">
+  <p:cSld>
+    <p:spTree>
+      <p:nvGrpSpPr>
+        <p:cNvPr id="1" name=""/>
+        <p:cNvGrpSpPr/>
+        <p:nvPr/>
+      </p:nvGrpSpPr>
+      <p:grpSpPr>
+        <a:xfrm>
+          <a:off x="0" y="0"/>
+          <a:ext cx="0" cy="0"/>
+          <a:chOff x="0" y="0"/>
+          <a:chExt cx="0" cy="0"/>
+        </a:xfrm>
+      </p:grpSpPr>
+      <p:sp>
+        <p:nvSpPr>
+          <p:cNvPr id="2" name="Title 1">
+            <a:extLst>
+              <a:ext uri="{FF2B5EF4-FFF2-40B4-BE49-F238E27FC236}">
+                <a16:creationId xmlns:a16="http://schemas.microsoft.com/office/drawing/2014/main" id="{6ED076FA-A1B8-DE87-9EE2-156C783B9242}"/>
+              </a:ext>
+            </a:extLst>
+          </p:cNvPr>
+          <p:cNvSpPr>
+            <a:spLocks noGrp="1"/>
+          </p:cNvSpPr>
+          <p:nvPr>
+            <p:ph type="title"/>
+          </p:nvPr>
+        </p:nvSpPr>
+        <p:spPr/>
+        <p:txBody>
+          <a:bodyPr/>
+          <a:lstStyle/>
+          <a:p>
+            <a:r>
+              <a:rPr lang="en-CH"/>
+              <a:t>Main Validation techniques</a:t>
+            </a:r>
+          </a:p>
+        </p:txBody>
+      </p:sp>
+      <p:sp>
+        <p:nvSpPr>
+          <p:cNvPr id="3" name="Content Placeholder 2">
+            <a:extLst>
+              <a:ext uri="{FF2B5EF4-FFF2-40B4-BE49-F238E27FC236}">
+                <a16:creationId xmlns:a16="http://schemas.microsoft.com/office/drawing/2014/main" id="{BFF4B53A-A6EC-9924-E843-8340E72F82D4}"/>
+              </a:ext>
+            </a:extLst>
+          </p:cNvPr>
+          <p:cNvSpPr>
+            <a:spLocks noGrp="1"/>
+          </p:cNvSpPr>
+          <p:nvPr>
+            <p:ph idx="1"/>
+          </p:nvPr>
+        </p:nvSpPr>
+        <p:spPr>
+          <a:xfrm>
+            <a:off x="838200" y="2034283"/>
+            <a:ext cx="10515600" cy="4142680"/>
+          </a:xfrm>
+        </p:spPr>
+        <p:txBody>
+          <a:bodyPr>
+            <a:normAutofit/>
+          </a:bodyPr>
+          <a:lstStyle/>
+          <a:p>
+            <a:r>
+              <a:rPr lang="en-CH" sz="3600"/>
+              <a:t>Hold-out approach (multiple Train-test split approach)</a:t>
+            </a:r>
+          </a:p>
+          <a:p>
+            <a:r>
+              <a:rPr lang="en-GB" sz="3600"/>
+              <a:t>K</a:t>
+            </a:r>
+            <a:r>
+              <a:rPr lang="en-CH" sz="3600"/>
+              <a:t>-fold cross validation</a:t>
+            </a:r>
+          </a:p>
+          <a:p>
+            <a:pPr marL="0" indent="0">
+              <a:buNone/>
+            </a:pPr>
+            <a:r>
+              <a:rPr lang="en-CH" sz="3600"/>
+              <a:t>Additional Methods not discussed today:</a:t>
+            </a:r>
+          </a:p>
+          <a:p>
+            <a:r>
+              <a:rPr lang="en-CH" sz="3600"/>
+              <a:t>Bootstrap, Leave-one-out Cross Validation, k-Fold Cross Validation, Jackknife, Subsampling…</a:t>
+            </a:r>
+          </a:p>
+        </p:txBody>
+      </p:sp>
+      <p:sp>
+        <p:nvSpPr>
+          <p:cNvPr id="5" name="TextBox 4">
+            <a:extLst>
+              <a:ext uri="{FF2B5EF4-FFF2-40B4-BE49-F238E27FC236}">
+                <a16:creationId xmlns:a16="http://schemas.microsoft.com/office/drawing/2014/main" id="{0323073E-2EC2-8B7B-562E-51D6BF1C7103}"/>
+              </a:ext>
+            </a:extLst>
+          </p:cNvPr>
+          <p:cNvSpPr txBox="1"/>
+          <p:nvPr/>
+        </p:nvSpPr>
+        <p:spPr>
+          <a:xfrm>
+            <a:off x="714893" y="6311900"/>
+            <a:ext cx="11177850" cy="461665"/>
+          </a:xfrm>
+          <a:prstGeom prst="rect">
+            <a:avLst/>
+          </a:prstGeom>
+          <a:noFill/>
+        </p:spPr>
+        <p:txBody>
+          <a:bodyPr wrap="square">
+            <a:spAutoFit/>
+          </a:bodyPr>
+          <a:lstStyle/>
+          <a:p>
+            <a:r>
+              <a:rPr lang="en-GB" sz="1200" b="0" i="0" u="none" strike="noStrike">
+                <a:solidFill>
+                  <a:srgbClr val="222222"/>
+                </a:solidFill>
+                <a:effectLst/>
+                <a:latin typeface="Arial" panose="020B0604020202020204" pitchFamily="34" charset="0"/>
+              </a:rPr>
+              <a:t>Michelucci, Umberto, and Francesca Venturini. "Estimating neural network’s performance with bootstrap: A tutorial." </a:t>
+            </a:r>
+            <a:r>
+              <a:rPr lang="en-GB" sz="1200" b="0" i="1" u="none" strike="noStrike">
+                <a:solidFill>
+                  <a:srgbClr val="222222"/>
+                </a:solidFill>
+                <a:effectLst/>
+                <a:latin typeface="Arial" panose="020B0604020202020204" pitchFamily="34" charset="0"/>
+              </a:rPr>
+              <a:t>Machine Learning and Knowledge Extraction</a:t>
+            </a:r>
+            <a:r>
+              <a:rPr lang="en-GB" sz="1200" b="0" i="0" u="none" strike="noStrike">
+                <a:solidFill>
+                  <a:srgbClr val="222222"/>
+                </a:solidFill>
+                <a:effectLst/>
+                <a:latin typeface="Arial" panose="020B0604020202020204" pitchFamily="34" charset="0"/>
+              </a:rPr>
+              <a:t> 3.2 (2021): 357-373.</a:t>
+            </a:r>
+            <a:endParaRPr lang="en-CH" sz="1200"/>
+          </a:p>
+        </p:txBody>
+      </p:sp>
+    </p:spTree>
+    <p:extLst>
+      <p:ext uri="{BB962C8B-B14F-4D97-AF65-F5344CB8AC3E}">
+        <p14:creationId xmlns:p14="http://schemas.microsoft.com/office/powerpoint/2010/main" val="4114002545"/>
+      </p:ext>
+    </p:extLst>
+  </p:cSld>
+  <p:clrMapOvr>
+    <a:masterClrMapping/>
+  </p:clrMapOvr>
+</p:sld>
+</file>
+
+<file path=ppt/slides/slide19.xml><?xml version="1.0" encoding="utf-8"?>
+<p:sld xmlns:a="http://schemas.openxmlformats.org/drawingml/2006/main" xmlns:r="http://schemas.openxmlformats.org/officeDocument/2006/relationships" xmlns:p="http://schemas.openxmlformats.org/presentationml/2006/main">
+  <p:cSld>
+    <p:spTree>
+      <p:nvGrpSpPr>
+        <p:cNvPr id="1" name=""/>
+        <p:cNvGrpSpPr/>
+        <p:nvPr/>
+      </p:nvGrpSpPr>
+      <p:grpSpPr>
+        <a:xfrm>
+          <a:off x="0" y="0"/>
+          <a:ext cx="0" cy="0"/>
+          <a:chOff x="0" y="0"/>
+          <a:chExt cx="0" cy="0"/>
+        </a:xfrm>
+      </p:grpSpPr>
+      <p:sp>
+        <p:nvSpPr>
+          <p:cNvPr id="2" name="Title 1">
+            <a:extLst>
+              <a:ext uri="{FF2B5EF4-FFF2-40B4-BE49-F238E27FC236}">
+                <a16:creationId xmlns:a16="http://schemas.microsoft.com/office/drawing/2014/main" id="{31DA2FAD-F752-2AA6-4A02-DEDA4AA6BE7A}"/>
+              </a:ext>
+            </a:extLst>
+          </p:cNvPr>
+          <p:cNvSpPr>
+            <a:spLocks noGrp="1"/>
+          </p:cNvSpPr>
+          <p:nvPr>
+            <p:ph type="title"/>
+          </p:nvPr>
+        </p:nvSpPr>
+        <p:spPr/>
+        <p:txBody>
+          <a:bodyPr/>
+          <a:lstStyle/>
+          <a:p>
+            <a:r>
+              <a:rPr lang="en-CH"/>
+              <a:t>Hold-out Approach</a:t>
+            </a:r>
+          </a:p>
+        </p:txBody>
+      </p:sp>
+      <p:pic>
+        <p:nvPicPr>
+          <p:cNvPr id="5" name="Content Placeholder 4">
+            <a:extLst>
+              <a:ext uri="{FF2B5EF4-FFF2-40B4-BE49-F238E27FC236}">
+                <a16:creationId xmlns:a16="http://schemas.microsoft.com/office/drawing/2014/main" id="{2006C99D-0A03-657A-7D7C-68EFD204B27C}"/>
+              </a:ext>
+            </a:extLst>
+          </p:cNvPr>
+          <p:cNvPicPr>
+            <a:picLocks noGrp="1" noChangeAspect="1"/>
+          </p:cNvPicPr>
+          <p:nvPr>
+            <p:ph idx="1"/>
+          </p:nvPr>
+        </p:nvPicPr>
+        <p:blipFill>
+          <a:blip r:embed="rId2"/>
+          <a:stretch>
+            <a:fillRect/>
+          </a:stretch>
+        </p:blipFill>
+        <p:spPr>
+          <a:xfrm>
+            <a:off x="838200" y="1924844"/>
+            <a:ext cx="10515600" cy="4152900"/>
+          </a:xfrm>
+          <a:prstGeom prst="rect">
+            <a:avLst/>
+          </a:prstGeom>
+        </p:spPr>
+      </p:pic>
+    </p:spTree>
+    <p:extLst>
+      <p:ext uri="{BB962C8B-B14F-4D97-AF65-F5344CB8AC3E}">
+        <p14:creationId xmlns:p14="http://schemas.microsoft.com/office/powerpoint/2010/main" val="2679928314"/>
+      </p:ext>
+    </p:extLst>
+  </p:cSld>
+  <p:clrMapOvr>
+    <a:masterClrMapping/>
+  </p:clrMapOvr>
+</p:sld>
+</file>
+
+<file path=ppt/slides/slide2.xml><?xml version="1.0" encoding="utf-8"?>
+<p:sld xmlns:a="http://schemas.openxmlformats.org/drawingml/2006/main" xmlns:r="http://schemas.openxmlformats.org/officeDocument/2006/relationships" xmlns:p="http://schemas.openxmlformats.org/presentationml/2006/main">
+  <p:cSld>
+    <p:spTree>
+      <p:nvGrpSpPr>
+        <p:cNvPr id="1" name=""/>
+        <p:cNvGrpSpPr/>
+        <p:nvPr/>
+      </p:nvGrpSpPr>
+      <p:grpSpPr>
+        <a:xfrm>
+          <a:off x="0" y="0"/>
+          <a:ext cx="0" cy="0"/>
+          <a:chOff x="0" y="0"/>
+          <a:chExt cx="0" cy="0"/>
+        </a:xfrm>
+      </p:grpSpPr>
+      <p:sp>
+        <p:nvSpPr>
+          <p:cNvPr id="2" name="Title 1">
+            <a:extLst>
+              <a:ext uri="{FF2B5EF4-FFF2-40B4-BE49-F238E27FC236}">
+                <a16:creationId xmlns:a16="http://schemas.microsoft.com/office/drawing/2014/main" id="{AA362325-4A8E-C1A9-FDE1-E5AF98D35C02}"/>
+              </a:ext>
+            </a:extLst>
+          </p:cNvPr>
+          <p:cNvSpPr>
+            <a:spLocks noGrp="1"/>
+          </p:cNvSpPr>
+          <p:nvPr>
+            <p:ph type="title"/>
+          </p:nvPr>
+        </p:nvSpPr>
+        <p:spPr>
+          <a:xfrm>
+            <a:off x="472440" y="148996"/>
+            <a:ext cx="10515600" cy="881784"/>
+          </a:xfrm>
+        </p:spPr>
+        <p:txBody>
+          <a:bodyPr/>
+          <a:lstStyle/>
+          <a:p>
+            <a:r>
+              <a:rPr lang="en-CH"/>
+              <a:t>Learning goals</a:t>
+            </a:r>
+          </a:p>
+        </p:txBody>
+      </p:sp>
+      <p:sp>
+        <p:nvSpPr>
+          <p:cNvPr id="3" name="Content Placeholder 2">
+            <a:extLst>
+              <a:ext uri="{FF2B5EF4-FFF2-40B4-BE49-F238E27FC236}">
+                <a16:creationId xmlns:a16="http://schemas.microsoft.com/office/drawing/2014/main" id="{13A51617-CBD1-8745-4FF0-36CFD2594EFD}"/>
+              </a:ext>
+            </a:extLst>
+          </p:cNvPr>
+          <p:cNvSpPr>
+            <a:spLocks noGrp="1"/>
+          </p:cNvSpPr>
+          <p:nvPr>
+            <p:ph idx="1"/>
+          </p:nvPr>
+        </p:nvSpPr>
+        <p:spPr>
+          <a:xfrm>
+            <a:off x="838200" y="1463040"/>
+            <a:ext cx="10515600" cy="4971011"/>
+          </a:xfrm>
+        </p:spPr>
+        <p:txBody>
+          <a:bodyPr>
+            <a:normAutofit/>
+          </a:bodyPr>
+          <a:lstStyle/>
+          <a:p>
+            <a:r>
+              <a:rPr lang="en-CH"/>
+              <a:t>The student understand and can explain what is overfitting</a:t>
+            </a:r>
+          </a:p>
+          <a:p>
+            <a:r>
+              <a:rPr lang="en-CH"/>
+              <a:t>The student understand the most basic technique to detect overfitting</a:t>
+            </a:r>
+          </a:p>
+          <a:p>
+            <a:r>
+              <a:rPr lang="en-CH"/>
+              <a:t>T</a:t>
+            </a:r>
+            <a:r>
+              <a:rPr lang="en-GB"/>
+              <a:t>h</a:t>
+            </a:r>
+            <a:r>
+              <a:rPr lang="en-CH"/>
+              <a:t>e student understand how to communicate results of ML models</a:t>
+            </a:r>
+          </a:p>
+          <a:p>
+            <a:r>
+              <a:rPr lang="en-CH"/>
+              <a:t>The student can explain what is model validation</a:t>
+            </a:r>
+          </a:p>
+          <a:p>
+            <a:r>
+              <a:rPr lang="en-CH"/>
+              <a:t>T</a:t>
+            </a:r>
+            <a:r>
+              <a:rPr lang="en-GB"/>
+              <a:t>h</a:t>
+            </a:r>
+            <a:r>
+              <a:rPr lang="en-CH"/>
+              <a:t>e student can explain what hold-out and k-Fold cross validation are and how they work</a:t>
+            </a:r>
+          </a:p>
+          <a:p>
+            <a:r>
+              <a:rPr lang="en-CH"/>
+              <a:t>The student understand the complexity related to validating and comparing models</a:t>
+            </a:r>
+          </a:p>
+        </p:txBody>
+      </p:sp>
+    </p:spTree>
+    <p:extLst>
+      <p:ext uri="{BB962C8B-B14F-4D97-AF65-F5344CB8AC3E}">
+        <p14:creationId xmlns:p14="http://schemas.microsoft.com/office/powerpoint/2010/main" val="3684254605"/>
+      </p:ext>
+    </p:extLst>
+  </p:cSld>
+  <p:clrMapOvr>
+    <a:masterClrMapping/>
+  </p:clrMapOvr>
+</p:sld>
+</file>
+
+<file path=ppt/slides/slide20.xml><?xml version="1.0" encoding="utf-8"?>
+<p:sld xmlns:a="http://schemas.openxmlformats.org/drawingml/2006/main" xmlns:r="http://schemas.openxmlformats.org/officeDocument/2006/relationships" xmlns:p="http://schemas.openxmlformats.org/presentationml/2006/main">
+  <p:cSld>
+    <p:spTree>
+      <p:nvGrpSpPr>
+        <p:cNvPr id="1" name=""/>
+        <p:cNvGrpSpPr/>
+        <p:nvPr/>
+      </p:nvGrpSpPr>
+      <p:grpSpPr>
+        <a:xfrm>
+          <a:off x="0" y="0"/>
+          <a:ext cx="0" cy="0"/>
+          <a:chOff x="0" y="0"/>
+          <a:chExt cx="0" cy="0"/>
+        </a:xfrm>
+      </p:grpSpPr>
+      <p:sp>
+        <p:nvSpPr>
+          <p:cNvPr id="2" name="Title 1">
+            <a:extLst>
+              <a:ext uri="{FF2B5EF4-FFF2-40B4-BE49-F238E27FC236}">
+                <a16:creationId xmlns:a16="http://schemas.microsoft.com/office/drawing/2014/main" id="{31DA2FAD-F752-2AA6-4A02-DEDA4AA6BE7A}"/>
+              </a:ext>
+            </a:extLst>
+          </p:cNvPr>
+          <p:cNvSpPr>
+            <a:spLocks noGrp="1"/>
+          </p:cNvSpPr>
+          <p:nvPr>
+            <p:ph type="title"/>
+          </p:nvPr>
+        </p:nvSpPr>
+        <p:spPr>
+          <a:xfrm>
+            <a:off x="169556" y="0"/>
+            <a:ext cx="10515600" cy="755328"/>
+          </a:xfrm>
+        </p:spPr>
+        <p:txBody>
+          <a:bodyPr/>
+          <a:lstStyle/>
+          <a:p>
+            <a:r>
+              <a:rPr lang="en-GB"/>
+              <a:t>K</a:t>
+            </a:r>
+            <a:r>
+              <a:rPr lang="en-CH"/>
+              <a:t>-Fold Approach</a:t>
+            </a:r>
+          </a:p>
+        </p:txBody>
+      </p:sp>
+      <p:pic>
+        <p:nvPicPr>
+          <p:cNvPr id="9" name="Picture 8">
+            <a:extLst>
+              <a:ext uri="{FF2B5EF4-FFF2-40B4-BE49-F238E27FC236}">
+                <a16:creationId xmlns:a16="http://schemas.microsoft.com/office/drawing/2014/main" id="{958E777D-BC4D-B46D-6081-F936C2607C02}"/>
+              </a:ext>
+            </a:extLst>
+          </p:cNvPr>
+          <p:cNvPicPr>
+            <a:picLocks noChangeAspect="1"/>
+          </p:cNvPicPr>
+          <p:nvPr/>
+        </p:nvPicPr>
+        <p:blipFill>
+          <a:blip r:embed="rId2"/>
+          <a:stretch>
+            <a:fillRect/>
+          </a:stretch>
+        </p:blipFill>
+        <p:spPr>
+          <a:xfrm>
+            <a:off x="2527442" y="755328"/>
+            <a:ext cx="6277511" cy="5808966"/>
+          </a:xfrm>
+          <a:prstGeom prst="rect">
+            <a:avLst/>
+          </a:prstGeom>
+        </p:spPr>
+      </p:pic>
+    </p:spTree>
+    <p:extLst>
+      <p:ext uri="{BB962C8B-B14F-4D97-AF65-F5344CB8AC3E}">
+        <p14:creationId xmlns:p14="http://schemas.microsoft.com/office/powerpoint/2010/main" val="4118317656"/>
+      </p:ext>
+    </p:extLst>
+  </p:cSld>
+  <p:clrMapOvr>
+    <a:masterClrMapping/>
+  </p:clrMapOvr>
+</p:sld>
+</file>
+
+<file path=ppt/slides/slide3.xml><?xml version="1.0" encoding="utf-8"?>
+<p:sld xmlns:a="http://schemas.openxmlformats.org/drawingml/2006/main" xmlns:r="http://schemas.openxmlformats.org/officeDocument/2006/relationships" xmlns:p="http://schemas.openxmlformats.org/presentationml/2006/main">
+  <p:cSld>
+    <p:spTree>
+      <p:nvGrpSpPr>
+        <p:cNvPr id="1" name=""/>
+        <p:cNvGrpSpPr/>
+        <p:nvPr/>
+      </p:nvGrpSpPr>
+      <p:grpSpPr>
+        <a:xfrm>
+          <a:off x="0" y="0"/>
+          <a:ext cx="0" cy="0"/>
+          <a:chOff x="0" y="0"/>
+          <a:chExt cx="0" cy="0"/>
+        </a:xfrm>
+      </p:grpSpPr>
+      <p:sp>
+        <p:nvSpPr>
+          <p:cNvPr id="2" name="Title 1">
+            <a:extLst>
+              <a:ext uri="{FF2B5EF4-FFF2-40B4-BE49-F238E27FC236}">
+                <a16:creationId xmlns:a16="http://schemas.microsoft.com/office/drawing/2014/main" id="{B221511D-C15C-D484-8F93-2D874AFC4FEE}"/>
+              </a:ext>
+            </a:extLst>
+          </p:cNvPr>
+          <p:cNvSpPr>
+            <a:spLocks noGrp="1"/>
+          </p:cNvSpPr>
+          <p:nvPr>
+            <p:ph type="title"/>
+          </p:nvPr>
+        </p:nvSpPr>
+        <p:spPr/>
+        <p:txBody>
+          <a:bodyPr/>
+          <a:lstStyle/>
+          <a:p>
+            <a:r>
+              <a:rPr lang="en-CH"/>
+              <a:t>Agenda</a:t>
+            </a:r>
+          </a:p>
+        </p:txBody>
+      </p:sp>
+      <p:sp>
+        <p:nvSpPr>
+          <p:cNvPr id="3" name="Content Placeholder 2">
+            <a:extLst>
+              <a:ext uri="{FF2B5EF4-FFF2-40B4-BE49-F238E27FC236}">
+                <a16:creationId xmlns:a16="http://schemas.microsoft.com/office/drawing/2014/main" id="{6CCA6937-055C-7EE6-73CF-5CFDA79493B0}"/>
+              </a:ext>
+            </a:extLst>
+          </p:cNvPr>
+          <p:cNvSpPr>
+            <a:spLocks noGrp="1"/>
+          </p:cNvSpPr>
+          <p:nvPr>
+            <p:ph idx="1"/>
+          </p:nvPr>
+        </p:nvSpPr>
+        <p:spPr/>
+        <p:txBody>
+          <a:bodyPr/>
+          <a:lstStyle/>
+          <a:p>
+            <a:r>
+              <a:rPr lang="en-CH"/>
+              <a:t>Definition of overfitting</a:t>
+            </a:r>
+          </a:p>
+          <a:p>
+            <a:r>
+              <a:rPr lang="en-CH"/>
+              <a:t>Detection of overfitting with two datasets</a:t>
+            </a:r>
+          </a:p>
+          <a:p>
+            <a:r>
+              <a:rPr lang="en-CH"/>
+              <a:t>Definition of Variance and Bias</a:t>
+            </a:r>
+          </a:p>
+          <a:p>
+            <a:r>
+              <a:rPr lang="en-CH"/>
+              <a:t>Bias-Variance trade-off</a:t>
+            </a:r>
+          </a:p>
+          <a:p>
+            <a:r>
+              <a:rPr lang="en-CH"/>
+              <a:t>Exercise and Experiment (hands-on)</a:t>
+            </a:r>
+          </a:p>
+          <a:p>
+            <a:r>
+              <a:rPr lang="en-CH"/>
+              <a:t>How to present results from ML Models</a:t>
+            </a:r>
+          </a:p>
+          <a:p>
+            <a:r>
+              <a:rPr lang="en-CH"/>
+              <a:t>Main validation techniques (hold-out and K-fold cross validation)</a:t>
+            </a:r>
+          </a:p>
+        </p:txBody>
+      </p:sp>
+    </p:spTree>
+    <p:extLst>
+      <p:ext uri="{BB962C8B-B14F-4D97-AF65-F5344CB8AC3E}">
+        <p14:creationId xmlns:p14="http://schemas.microsoft.com/office/powerpoint/2010/main" val="3680011005"/>
+      </p:ext>
+    </p:extLst>
+  </p:cSld>
+  <p:clrMapOvr>
+    <a:masterClrMapping/>
+  </p:clrMapOvr>
+</p:sld>
+</file>
+
+<file path=ppt/slides/slide4.xml><?xml version="1.0" encoding="utf-8"?>
+<p:sld xmlns:a="http://schemas.openxmlformats.org/drawingml/2006/main" xmlns:r="http://schemas.openxmlformats.org/officeDocument/2006/relationships" xmlns:p="http://schemas.openxmlformats.org/presentationml/2006/main">
+  <p:cSld>
+    <p:spTree>
+      <p:nvGrpSpPr>
+        <p:cNvPr id="1" name=""/>
+        <p:cNvGrpSpPr/>
+        <p:nvPr/>
+      </p:nvGrpSpPr>
+      <p:grpSpPr>
+        <a:xfrm>
+          <a:off x="0" y="0"/>
+          <a:ext cx="0" cy="0"/>
+          <a:chOff x="0" y="0"/>
+          <a:chExt cx="0" cy="0"/>
+        </a:xfrm>
+      </p:grpSpPr>
+      <p:sp>
+        <p:nvSpPr>
+          <p:cNvPr id="2" name="Title 1">
+            <a:extLst>
+              <a:ext uri="{FF2B5EF4-FFF2-40B4-BE49-F238E27FC236}">
+                <a16:creationId xmlns:a16="http://schemas.microsoft.com/office/drawing/2014/main" id="{494AAE05-9D9D-1F06-B892-AE81D0BB35BC}"/>
+              </a:ext>
+            </a:extLst>
+          </p:cNvPr>
+          <p:cNvSpPr>
+            <a:spLocks noGrp="1"/>
+          </p:cNvSpPr>
+          <p:nvPr>
+            <p:ph type="title"/>
+          </p:nvPr>
+        </p:nvSpPr>
+        <p:spPr/>
+        <p:txBody>
+          <a:bodyPr/>
+          <a:lstStyle/>
+          <a:p>
+            <a:r>
+              <a:rPr lang="en-CH"/>
+              <a:t>Overfitting I</a:t>
+            </a:r>
+          </a:p>
+        </p:txBody>
+      </p:sp>
+      <p:pic>
+        <p:nvPicPr>
+          <p:cNvPr id="4" name="Content Placeholder 3">
+            <a:extLst>
+              <a:ext uri="{FF2B5EF4-FFF2-40B4-BE49-F238E27FC236}">
+                <a16:creationId xmlns:a16="http://schemas.microsoft.com/office/drawing/2014/main" id="{3F722C38-A64D-F2CD-1780-51CEED6BA07A}"/>
+              </a:ext>
+            </a:extLst>
+          </p:cNvPr>
+          <p:cNvPicPr>
+            <a:picLocks noGrp="1" noChangeAspect="1"/>
+          </p:cNvPicPr>
+          <p:nvPr>
+            <p:ph idx="1"/>
+          </p:nvPr>
+        </p:nvPicPr>
+        <p:blipFill>
+          <a:blip r:embed="rId2"/>
+          <a:stretch>
+            <a:fillRect/>
+          </a:stretch>
+        </p:blipFill>
+        <p:spPr>
+          <a:xfrm>
+            <a:off x="1439993" y="1815351"/>
+            <a:ext cx="7236633" cy="4351338"/>
+          </a:xfrm>
+          <a:prstGeom prst="rect">
+            <a:avLst/>
+          </a:prstGeom>
+        </p:spPr>
+      </p:pic>
+      <p:sp>
+        <p:nvSpPr>
+          <p:cNvPr id="5" name="TextBox 4">
+            <a:extLst>
+              <a:ext uri="{FF2B5EF4-FFF2-40B4-BE49-F238E27FC236}">
+                <a16:creationId xmlns:a16="http://schemas.microsoft.com/office/drawing/2014/main" id="{8B1B0ADE-797E-09DB-B5D8-57ECE75BDBBA}"/>
+              </a:ext>
+            </a:extLst>
+          </p:cNvPr>
+          <p:cNvSpPr txBox="1"/>
+          <p:nvPr/>
+        </p:nvSpPr>
+        <p:spPr>
+          <a:xfrm>
+            <a:off x="8876871" y="2167847"/>
+            <a:ext cx="2630184" cy="646331"/>
+          </a:xfrm>
+          <a:prstGeom prst="rect">
+            <a:avLst/>
+          </a:prstGeom>
+          <a:noFill/>
+        </p:spPr>
+        <p:txBody>
+          <a:bodyPr wrap="square" rtlCol="0">
+            <a:spAutoFit/>
+          </a:bodyPr>
+          <a:lstStyle/>
+          <a:p>
+            <a:r>
+              <a:rPr lang="en-CH">
+                <a:latin typeface="Arial" panose="020B0604020202020204" pitchFamily="34" charset="0"/>
+                <a:cs typeface="Arial" panose="020B0604020202020204" pitchFamily="34" charset="0"/>
+              </a:rPr>
+              <a:t>Let us consider a set of data with some noise.</a:t>
+            </a:r>
+          </a:p>
+        </p:txBody>
+      </p:sp>
+      <p:sp>
+        <p:nvSpPr>
+          <p:cNvPr id="6" name="TextBox 5">
+            <a:extLst>
+              <a:ext uri="{FF2B5EF4-FFF2-40B4-BE49-F238E27FC236}">
+                <a16:creationId xmlns:a16="http://schemas.microsoft.com/office/drawing/2014/main" id="{F156AB80-EB6A-964F-F57A-548A294D2078}"/>
+              </a:ext>
+            </a:extLst>
+          </p:cNvPr>
+          <p:cNvSpPr txBox="1"/>
+          <p:nvPr/>
+        </p:nvSpPr>
+        <p:spPr>
+          <a:xfrm>
+            <a:off x="7233585" y="6596390"/>
+            <a:ext cx="5572954" cy="261610"/>
+          </a:xfrm>
+          <a:prstGeom prst="rect">
+            <a:avLst/>
+          </a:prstGeom>
+          <a:noFill/>
+        </p:spPr>
+        <p:txBody>
+          <a:bodyPr wrap="square">
+            <a:spAutoFit/>
+          </a:bodyPr>
+          <a:lstStyle/>
+          <a:p>
+            <a:r>
+              <a:rPr lang="en-GB" sz="1050">
+                <a:latin typeface="Arial" panose="020B0604020202020204" pitchFamily="34" charset="0"/>
+              </a:rPr>
+              <a:t>U. Michelucci, </a:t>
+            </a:r>
+            <a:r>
+              <a:rPr lang="en-GB" sz="1050" i="1">
+                <a:latin typeface="Arial" panose="020B0604020202020204" pitchFamily="34" charset="0"/>
+              </a:rPr>
+              <a:t>Applied Deep Learning with TensorFlow 2</a:t>
+            </a:r>
+            <a:r>
+              <a:rPr lang="en-GB" sz="1050">
+                <a:latin typeface="Arial" panose="020B0604020202020204" pitchFamily="34" charset="0"/>
+              </a:rPr>
+              <a:t>, Springer Nature, 2022</a:t>
+            </a:r>
+          </a:p>
+        </p:txBody>
+      </p:sp>
+    </p:spTree>
+    <p:extLst>
+      <p:ext uri="{BB962C8B-B14F-4D97-AF65-F5344CB8AC3E}">
+        <p14:creationId xmlns:p14="http://schemas.microsoft.com/office/powerpoint/2010/main" val="3547688039"/>
+      </p:ext>
+    </p:extLst>
+  </p:cSld>
+  <p:clrMapOvr>
+    <a:masterClrMapping/>
+  </p:clrMapOvr>
+</p:sld>
+</file>
+
+<file path=ppt/slides/slide5.xml><?xml version="1.0" encoding="utf-8"?>
+<p:sld xmlns:a="http://schemas.openxmlformats.org/drawingml/2006/main" xmlns:r="http://schemas.openxmlformats.org/officeDocument/2006/relationships" xmlns:p="http://schemas.openxmlformats.org/presentationml/2006/main">
+  <p:cSld>
+    <p:spTree>
+      <p:nvGrpSpPr>
+        <p:cNvPr id="1" name=""/>
+        <p:cNvGrpSpPr/>
+        <p:nvPr/>
+      </p:nvGrpSpPr>
+      <p:grpSpPr>
+        <a:xfrm>
+          <a:off x="0" y="0"/>
+          <a:ext cx="0" cy="0"/>
+          <a:chOff x="0" y="0"/>
+          <a:chExt cx="0" cy="0"/>
+        </a:xfrm>
+      </p:grpSpPr>
+      <p:sp>
+        <p:nvSpPr>
+          <p:cNvPr id="2" name="Title 1">
+            <a:extLst>
+              <a:ext uri="{FF2B5EF4-FFF2-40B4-BE49-F238E27FC236}">
+                <a16:creationId xmlns:a16="http://schemas.microsoft.com/office/drawing/2014/main" id="{494AAE05-9D9D-1F06-B892-AE81D0BB35BC}"/>
+              </a:ext>
+            </a:extLst>
+          </p:cNvPr>
+          <p:cNvSpPr>
+            <a:spLocks noGrp="1"/>
+          </p:cNvSpPr>
+          <p:nvPr>
+            <p:ph type="title"/>
+          </p:nvPr>
+        </p:nvSpPr>
+        <p:spPr/>
+        <p:txBody>
+          <a:bodyPr/>
+          <a:lstStyle/>
+          <a:p>
+            <a:r>
+              <a:rPr lang="en-CH"/>
+              <a:t>Overfitting II</a:t>
+            </a:r>
+          </a:p>
+        </p:txBody>
+      </p:sp>
+      <p:sp>
+        <p:nvSpPr>
+          <p:cNvPr id="5" name="TextBox 4">
+            <a:extLst>
+              <a:ext uri="{FF2B5EF4-FFF2-40B4-BE49-F238E27FC236}">
+                <a16:creationId xmlns:a16="http://schemas.microsoft.com/office/drawing/2014/main" id="{8B1B0ADE-797E-09DB-B5D8-57ECE75BDBBA}"/>
+              </a:ext>
+            </a:extLst>
+          </p:cNvPr>
+          <p:cNvSpPr txBox="1"/>
+          <p:nvPr/>
+        </p:nvSpPr>
+        <p:spPr>
+          <a:xfrm>
+            <a:off x="8876871" y="2167847"/>
+            <a:ext cx="2630184" cy="1754326"/>
+          </a:xfrm>
+          <a:prstGeom prst="rect">
+            <a:avLst/>
+          </a:prstGeom>
+          <a:noFill/>
+        </p:spPr>
+        <p:txBody>
+          <a:bodyPr wrap="square" rtlCol="0">
+            <a:spAutoFit/>
+          </a:bodyPr>
+          <a:lstStyle/>
+          <a:p>
+            <a:r>
+              <a:rPr lang="en-US">
+                <a:latin typeface="Arial" panose="020B0604020202020204" pitchFamily="34" charset="0"/>
+                <a:cs typeface="Arial" panose="020B0604020202020204" pitchFamily="34" charset="0"/>
+              </a:rPr>
+              <a:t>The linear model misses the main features of the data being too simple. In this case the model has </a:t>
+            </a:r>
+            <a:r>
+              <a:rPr lang="en-US" b="1">
+                <a:latin typeface="Arial" panose="020B0604020202020204" pitchFamily="34" charset="0"/>
+                <a:cs typeface="Arial" panose="020B0604020202020204" pitchFamily="34" charset="0"/>
+              </a:rPr>
+              <a:t>high bias</a:t>
+            </a:r>
+            <a:r>
+              <a:rPr lang="en-US">
+                <a:latin typeface="Arial" panose="020B0604020202020204" pitchFamily="34" charset="0"/>
+                <a:cs typeface="Arial" panose="020B0604020202020204" pitchFamily="34" charset="0"/>
+              </a:rPr>
+              <a:t>.</a:t>
+            </a:r>
+            <a:r>
+              <a:rPr lang="en-CH">
+                <a:effectLst/>
+                <a:latin typeface="Arial" panose="020B0604020202020204" pitchFamily="34" charset="0"/>
+                <a:cs typeface="Arial" panose="020B0604020202020204" pitchFamily="34" charset="0"/>
+              </a:rPr>
+              <a:t> </a:t>
+            </a:r>
+            <a:endParaRPr lang="en-CH">
+              <a:latin typeface="Arial" panose="020B0604020202020204" pitchFamily="34" charset="0"/>
+              <a:cs typeface="Arial" panose="020B0604020202020204" pitchFamily="34" charset="0"/>
+            </a:endParaRPr>
+          </a:p>
+        </p:txBody>
+      </p:sp>
+      <p:sp>
+        <p:nvSpPr>
+          <p:cNvPr id="6" name="TextBox 5">
+            <a:extLst>
+              <a:ext uri="{FF2B5EF4-FFF2-40B4-BE49-F238E27FC236}">
+                <a16:creationId xmlns:a16="http://schemas.microsoft.com/office/drawing/2014/main" id="{F156AB80-EB6A-964F-F57A-548A294D2078}"/>
+              </a:ext>
+            </a:extLst>
+          </p:cNvPr>
+          <p:cNvSpPr txBox="1"/>
+          <p:nvPr/>
+        </p:nvSpPr>
+        <p:spPr>
+          <a:xfrm>
+            <a:off x="7233585" y="6596390"/>
+            <a:ext cx="5572954" cy="261610"/>
+          </a:xfrm>
+          <a:prstGeom prst="rect">
+            <a:avLst/>
+          </a:prstGeom>
+          <a:noFill/>
+        </p:spPr>
+        <p:txBody>
+          <a:bodyPr wrap="square">
+            <a:spAutoFit/>
+          </a:bodyPr>
+          <a:lstStyle/>
+          <a:p>
+            <a:r>
+              <a:rPr lang="en-GB" sz="1050">
+                <a:latin typeface="Arial" panose="020B0604020202020204" pitchFamily="34" charset="0"/>
+              </a:rPr>
+              <a:t>U. Michelucci, </a:t>
+            </a:r>
+            <a:r>
+              <a:rPr lang="en-GB" sz="1050" i="1">
+                <a:latin typeface="Arial" panose="020B0604020202020204" pitchFamily="34" charset="0"/>
+              </a:rPr>
+              <a:t>Applied Deep Learning with TensorFlow 2</a:t>
+            </a:r>
+            <a:r>
+              <a:rPr lang="en-GB" sz="1050">
+                <a:latin typeface="Arial" panose="020B0604020202020204" pitchFamily="34" charset="0"/>
+              </a:rPr>
+              <a:t>, Springer Nature, 2022</a:t>
+            </a:r>
+          </a:p>
+        </p:txBody>
+      </p:sp>
+      <p:pic>
+        <p:nvPicPr>
+          <p:cNvPr id="9" name="Content Placeholder 8">
+            <a:extLst>
+              <a:ext uri="{FF2B5EF4-FFF2-40B4-BE49-F238E27FC236}">
+                <a16:creationId xmlns:a16="http://schemas.microsoft.com/office/drawing/2014/main" id="{F04F6FA2-8B91-D3B4-977D-B834A487AEB9}"/>
+              </a:ext>
+            </a:extLst>
+          </p:cNvPr>
+          <p:cNvPicPr>
+            <a:picLocks noGrp="1" noChangeAspect="1"/>
+          </p:cNvPicPr>
+          <p:nvPr>
+            <p:ph idx="1"/>
+          </p:nvPr>
+        </p:nvPicPr>
+        <p:blipFill>
+          <a:blip r:embed="rId2"/>
+          <a:stretch>
+            <a:fillRect/>
+          </a:stretch>
+        </p:blipFill>
+        <p:spPr>
+          <a:xfrm>
+            <a:off x="1424297" y="1835899"/>
+            <a:ext cx="6918704" cy="4351338"/>
+          </a:xfrm>
+          <a:prstGeom prst="rect">
+            <a:avLst/>
+          </a:prstGeom>
+        </p:spPr>
+      </p:pic>
+    </p:spTree>
+    <p:extLst>
+      <p:ext uri="{BB962C8B-B14F-4D97-AF65-F5344CB8AC3E}">
+        <p14:creationId xmlns:p14="http://schemas.microsoft.com/office/powerpoint/2010/main" val="922797232"/>
+      </p:ext>
+    </p:extLst>
+  </p:cSld>
+  <p:clrMapOvr>
+    <a:masterClrMapping/>
+  </p:clrMapOvr>
+</p:sld>
+</file>
+
+<file path=ppt/slides/slide6.xml><?xml version="1.0" encoding="utf-8"?>
+<p:sld xmlns:a="http://schemas.openxmlformats.org/drawingml/2006/main" xmlns:r="http://schemas.openxmlformats.org/officeDocument/2006/relationships" xmlns:p="http://schemas.openxmlformats.org/presentationml/2006/main">
+  <p:cSld>
+    <p:spTree>
+      <p:nvGrpSpPr>
+        <p:cNvPr id="1" name=""/>
+        <p:cNvGrpSpPr/>
+        <p:nvPr/>
+      </p:nvGrpSpPr>
+      <p:grpSpPr>
+        <a:xfrm>
+          <a:off x="0" y="0"/>
+          <a:ext cx="0" cy="0"/>
+          <a:chOff x="0" y="0"/>
+          <a:chExt cx="0" cy="0"/>
+        </a:xfrm>
+      </p:grpSpPr>
+      <p:sp>
+        <p:nvSpPr>
+          <p:cNvPr id="2" name="Title 1">
+            <a:extLst>
+              <a:ext uri="{FF2B5EF4-FFF2-40B4-BE49-F238E27FC236}">
+                <a16:creationId xmlns:a16="http://schemas.microsoft.com/office/drawing/2014/main" id="{494AAE05-9D9D-1F06-B892-AE81D0BB35BC}"/>
+              </a:ext>
+            </a:extLst>
+          </p:cNvPr>
+          <p:cNvSpPr>
+            <a:spLocks noGrp="1"/>
+          </p:cNvSpPr>
+          <p:nvPr>
+            <p:ph type="title"/>
+          </p:nvPr>
+        </p:nvSpPr>
+        <p:spPr/>
+        <p:txBody>
+          <a:bodyPr/>
+          <a:lstStyle/>
+          <a:p>
+            <a:r>
+              <a:rPr lang="en-CH"/>
+              <a:t>Overfitting III</a:t>
+            </a:r>
+          </a:p>
+        </p:txBody>
+      </p:sp>
+      <p:sp>
+        <p:nvSpPr>
+          <p:cNvPr id="5" name="TextBox 4">
+            <a:extLst>
+              <a:ext uri="{FF2B5EF4-FFF2-40B4-BE49-F238E27FC236}">
+                <a16:creationId xmlns:a16="http://schemas.microsoft.com/office/drawing/2014/main" id="{8B1B0ADE-797E-09DB-B5D8-57ECE75BDBBA}"/>
+              </a:ext>
+            </a:extLst>
+          </p:cNvPr>
+          <p:cNvSpPr txBox="1"/>
+          <p:nvPr/>
+        </p:nvSpPr>
+        <p:spPr>
+          <a:xfrm>
+            <a:off x="8644115" y="2126741"/>
+            <a:ext cx="2630184" cy="646331"/>
+          </a:xfrm>
+          <a:prstGeom prst="rect">
+            <a:avLst/>
+          </a:prstGeom>
+          <a:noFill/>
+        </p:spPr>
+        <p:txBody>
+          <a:bodyPr wrap="square" rtlCol="0">
+            <a:spAutoFit/>
+          </a:bodyPr>
+          <a:lstStyle/>
+          <a:p>
+            <a:r>
+              <a:rPr lang="en-US">
+                <a:latin typeface="Arial" panose="020B0604020202020204" pitchFamily="34" charset="0"/>
+                <a:cs typeface="Arial" panose="020B0604020202020204" pitchFamily="34" charset="0"/>
+              </a:rPr>
+              <a:t>The result (red line) for a 2-degree polynomial.</a:t>
+            </a:r>
+            <a:endParaRPr lang="en-CH">
+              <a:latin typeface="Arial" panose="020B0604020202020204" pitchFamily="34" charset="0"/>
+              <a:cs typeface="Arial" panose="020B0604020202020204" pitchFamily="34" charset="0"/>
+            </a:endParaRPr>
+          </a:p>
+        </p:txBody>
+      </p:sp>
+      <p:sp>
+        <p:nvSpPr>
+          <p:cNvPr id="6" name="TextBox 5">
+            <a:extLst>
+              <a:ext uri="{FF2B5EF4-FFF2-40B4-BE49-F238E27FC236}">
+                <a16:creationId xmlns:a16="http://schemas.microsoft.com/office/drawing/2014/main" id="{F156AB80-EB6A-964F-F57A-548A294D2078}"/>
+              </a:ext>
+            </a:extLst>
+          </p:cNvPr>
+          <p:cNvSpPr txBox="1"/>
+          <p:nvPr/>
+        </p:nvSpPr>
+        <p:spPr>
+          <a:xfrm>
+            <a:off x="7233585" y="6596390"/>
+            <a:ext cx="5572954" cy="261610"/>
+          </a:xfrm>
+          <a:prstGeom prst="rect">
+            <a:avLst/>
+          </a:prstGeom>
+          <a:noFill/>
+        </p:spPr>
+        <p:txBody>
+          <a:bodyPr wrap="square">
+            <a:spAutoFit/>
+          </a:bodyPr>
+          <a:lstStyle/>
+          <a:p>
+            <a:r>
+              <a:rPr lang="en-GB" sz="1050">
+                <a:latin typeface="Arial" panose="020B0604020202020204" pitchFamily="34" charset="0"/>
+              </a:rPr>
+              <a:t>U. Michelucci, </a:t>
+            </a:r>
+            <a:r>
+              <a:rPr lang="en-GB" sz="1050" i="1">
+                <a:latin typeface="Arial" panose="020B0604020202020204" pitchFamily="34" charset="0"/>
+              </a:rPr>
+              <a:t>Applied Deep Learning with TensorFlow 2</a:t>
+            </a:r>
+            <a:r>
+              <a:rPr lang="en-GB" sz="1050">
+                <a:latin typeface="Arial" panose="020B0604020202020204" pitchFamily="34" charset="0"/>
+              </a:rPr>
+              <a:t>, Springer Nature, 2022</a:t>
+            </a:r>
+          </a:p>
+        </p:txBody>
+      </p:sp>
+      <p:pic>
+        <p:nvPicPr>
+          <p:cNvPr id="12" name="Content Placeholder 11">
+            <a:extLst>
+              <a:ext uri="{FF2B5EF4-FFF2-40B4-BE49-F238E27FC236}">
+                <a16:creationId xmlns:a16="http://schemas.microsoft.com/office/drawing/2014/main" id="{3C118E95-B582-5A1A-5D0E-4C09EA668284}"/>
+              </a:ext>
+            </a:extLst>
+          </p:cNvPr>
+          <p:cNvPicPr>
+            <a:picLocks noGrp="1" noChangeAspect="1"/>
+          </p:cNvPicPr>
+          <p:nvPr>
+            <p:ph idx="1"/>
+          </p:nvPr>
+        </p:nvPicPr>
+        <p:blipFill>
+          <a:blip r:embed="rId2"/>
+          <a:stretch>
+            <a:fillRect/>
+          </a:stretch>
+        </p:blipFill>
+        <p:spPr>
+          <a:xfrm>
+            <a:off x="1222989" y="1808999"/>
+            <a:ext cx="7052697" cy="4351338"/>
+          </a:xfrm>
+          <a:prstGeom prst="rect">
+            <a:avLst/>
+          </a:prstGeom>
+        </p:spPr>
+      </p:pic>
+    </p:spTree>
+    <p:extLst>
+      <p:ext uri="{BB962C8B-B14F-4D97-AF65-F5344CB8AC3E}">
+        <p14:creationId xmlns:p14="http://schemas.microsoft.com/office/powerpoint/2010/main" val="4037209105"/>
+      </p:ext>
+    </p:extLst>
+  </p:cSld>
+  <p:clrMapOvr>
+    <a:masterClrMapping/>
+  </p:clrMapOvr>
+</p:sld>
+</file>
+
+<file path=ppt/slides/slide7.xml><?xml version="1.0" encoding="utf-8"?>
+<p:sld xmlns:a="http://schemas.openxmlformats.org/drawingml/2006/main" xmlns:r="http://schemas.openxmlformats.org/officeDocument/2006/relationships" xmlns:p="http://schemas.openxmlformats.org/presentationml/2006/main">
+  <p:cSld>
+    <p:spTree>
+      <p:nvGrpSpPr>
+        <p:cNvPr id="1" name=""/>
+        <p:cNvGrpSpPr/>
+        <p:nvPr/>
+      </p:nvGrpSpPr>
+      <p:grpSpPr>
+        <a:xfrm>
+          <a:off x="0" y="0"/>
+          <a:ext cx="0" cy="0"/>
+          <a:chOff x="0" y="0"/>
+          <a:chExt cx="0" cy="0"/>
+        </a:xfrm>
+      </p:grpSpPr>
+      <p:sp>
+        <p:nvSpPr>
+          <p:cNvPr id="2" name="Title 1">
+            <a:extLst>
+              <a:ext uri="{FF2B5EF4-FFF2-40B4-BE49-F238E27FC236}">
+                <a16:creationId xmlns:a16="http://schemas.microsoft.com/office/drawing/2014/main" id="{494AAE05-9D9D-1F06-B892-AE81D0BB35BC}"/>
+              </a:ext>
+            </a:extLst>
+          </p:cNvPr>
+          <p:cNvSpPr>
+            <a:spLocks noGrp="1"/>
+          </p:cNvSpPr>
+          <p:nvPr>
+            <p:ph type="title"/>
+          </p:nvPr>
+        </p:nvSpPr>
+        <p:spPr/>
+        <p:txBody>
+          <a:bodyPr/>
+          <a:lstStyle/>
+          <a:p>
+            <a:r>
+              <a:rPr lang="en-CH"/>
+              <a:t>Overfitting IV</a:t>
+            </a:r>
+          </a:p>
+        </p:txBody>
+      </p:sp>
+      <p:sp>
+        <p:nvSpPr>
+          <p:cNvPr id="5" name="TextBox 4">
+            <a:extLst>
+              <a:ext uri="{FF2B5EF4-FFF2-40B4-BE49-F238E27FC236}">
+                <a16:creationId xmlns:a16="http://schemas.microsoft.com/office/drawing/2014/main" id="{8B1B0ADE-797E-09DB-B5D8-57ECE75BDBBA}"/>
+              </a:ext>
+            </a:extLst>
+          </p:cNvPr>
+          <p:cNvSpPr txBox="1"/>
+          <p:nvPr/>
+        </p:nvSpPr>
+        <p:spPr>
+          <a:xfrm>
+            <a:off x="8644115" y="2126741"/>
+            <a:ext cx="2630184" cy="2308324"/>
+          </a:xfrm>
+          <a:prstGeom prst="rect">
+            <a:avLst/>
+          </a:prstGeom>
+          <a:noFill/>
+        </p:spPr>
+        <p:txBody>
+          <a:bodyPr wrap="square" rtlCol="0">
+            <a:spAutoFit/>
+          </a:bodyPr>
+          <a:lstStyle/>
+          <a:p>
+            <a:r>
+              <a:rPr lang="en-US">
+                <a:latin typeface="Arial" panose="020B0604020202020204" pitchFamily="34" charset="0"/>
+                <a:cs typeface="Arial" panose="020B0604020202020204" pitchFamily="34" charset="0"/>
+              </a:rPr>
+              <a:t>The result for a 21-degree polynomial model.</a:t>
+            </a:r>
+            <a:r>
+              <a:rPr lang="en-CH">
+                <a:effectLst/>
+                <a:latin typeface="Arial" panose="020B0604020202020204" pitchFamily="34" charset="0"/>
+                <a:cs typeface="Arial" panose="020B0604020202020204" pitchFamily="34" charset="0"/>
+              </a:rPr>
+              <a:t> </a:t>
+            </a:r>
+          </a:p>
+          <a:p>
+            <a:endParaRPr lang="en-CH">
+              <a:latin typeface="Arial" panose="020B0604020202020204" pitchFamily="34" charset="0"/>
+              <a:cs typeface="Arial" panose="020B0604020202020204" pitchFamily="34" charset="0"/>
+            </a:endParaRPr>
+          </a:p>
+          <a:p>
+            <a:r>
+              <a:rPr lang="en-CH">
+                <a:latin typeface="Arial" panose="020B0604020202020204" pitchFamily="34" charset="0"/>
+                <a:cs typeface="Arial" panose="020B0604020202020204" pitchFamily="34" charset="0"/>
+              </a:rPr>
+              <a:t>Here we talk about </a:t>
+            </a:r>
+            <a:r>
+              <a:rPr lang="en-CH" b="1">
+                <a:latin typeface="Arial" panose="020B0604020202020204" pitchFamily="34" charset="0"/>
+                <a:cs typeface="Arial" panose="020B0604020202020204" pitchFamily="34" charset="0"/>
+              </a:rPr>
+              <a:t>overfitting</a:t>
+            </a:r>
+            <a:r>
+              <a:rPr lang="en-CH">
+                <a:latin typeface="Arial" panose="020B0604020202020204" pitchFamily="34" charset="0"/>
+                <a:cs typeface="Arial" panose="020B0604020202020204" pitchFamily="34" charset="0"/>
+              </a:rPr>
+              <a:t>, since the model capture the noise present in the data.</a:t>
+            </a:r>
+          </a:p>
+        </p:txBody>
+      </p:sp>
+      <p:sp>
+        <p:nvSpPr>
+          <p:cNvPr id="6" name="TextBox 5">
+            <a:extLst>
+              <a:ext uri="{FF2B5EF4-FFF2-40B4-BE49-F238E27FC236}">
+                <a16:creationId xmlns:a16="http://schemas.microsoft.com/office/drawing/2014/main" id="{F156AB80-EB6A-964F-F57A-548A294D2078}"/>
+              </a:ext>
+            </a:extLst>
+          </p:cNvPr>
+          <p:cNvSpPr txBox="1"/>
+          <p:nvPr/>
+        </p:nvSpPr>
+        <p:spPr>
+          <a:xfrm>
+            <a:off x="7233585" y="6596390"/>
+            <a:ext cx="5572954" cy="261610"/>
+          </a:xfrm>
+          <a:prstGeom prst="rect">
+            <a:avLst/>
+          </a:prstGeom>
+          <a:noFill/>
+        </p:spPr>
+        <p:txBody>
+          <a:bodyPr wrap="square">
+            <a:spAutoFit/>
+          </a:bodyPr>
+          <a:lstStyle/>
+          <a:p>
+            <a:r>
+              <a:rPr lang="en-GB" sz="1050">
+                <a:latin typeface="Arial" panose="020B0604020202020204" pitchFamily="34" charset="0"/>
+              </a:rPr>
+              <a:t>U. Michelucci, </a:t>
+            </a:r>
+            <a:r>
+              <a:rPr lang="en-GB" sz="1050" i="1">
+                <a:latin typeface="Arial" panose="020B0604020202020204" pitchFamily="34" charset="0"/>
+              </a:rPr>
+              <a:t>Applied Deep Learning with TensorFlow 2</a:t>
+            </a:r>
+            <a:r>
+              <a:rPr lang="en-GB" sz="1050">
+                <a:latin typeface="Arial" panose="020B0604020202020204" pitchFamily="34" charset="0"/>
+              </a:rPr>
+              <a:t>, Springer Nature, 2022</a:t>
+            </a:r>
+          </a:p>
+        </p:txBody>
+      </p:sp>
+      <p:pic>
+        <p:nvPicPr>
+          <p:cNvPr id="7" name="Content Placeholder 6">
+            <a:extLst>
+              <a:ext uri="{FF2B5EF4-FFF2-40B4-BE49-F238E27FC236}">
+                <a16:creationId xmlns:a16="http://schemas.microsoft.com/office/drawing/2014/main" id="{DBE4EA75-B711-6D17-D9EC-FCF321BC5EB2}"/>
+              </a:ext>
+            </a:extLst>
+          </p:cNvPr>
+          <p:cNvPicPr>
+            <a:picLocks noGrp="1" noChangeAspect="1"/>
+          </p:cNvPicPr>
+          <p:nvPr>
+            <p:ph idx="1"/>
+          </p:nvPr>
+        </p:nvPicPr>
+        <p:blipFill>
+          <a:blip r:embed="rId2"/>
+          <a:stretch>
+            <a:fillRect/>
+          </a:stretch>
+        </p:blipFill>
+        <p:spPr>
+          <a:xfrm>
+            <a:off x="917701" y="1842250"/>
+            <a:ext cx="7236291" cy="4351338"/>
+          </a:xfrm>
+          <a:prstGeom prst="rect">
+            <a:avLst/>
+          </a:prstGeom>
+        </p:spPr>
+      </p:pic>
+    </p:spTree>
+    <p:extLst>
+      <p:ext uri="{BB962C8B-B14F-4D97-AF65-F5344CB8AC3E}">
+        <p14:creationId xmlns:p14="http://schemas.microsoft.com/office/powerpoint/2010/main" val="1426733995"/>
+      </p:ext>
+    </p:extLst>
+  </p:cSld>
+  <p:clrMapOvr>
+    <a:masterClrMapping/>
+  </p:clrMapOvr>
+</p:sld>
+</file>
+
+<file path=ppt/slides/slide8.xml><?xml version="1.0" encoding="utf-8"?>
+<p:sld xmlns:a="http://schemas.openxmlformats.org/drawingml/2006/main" xmlns:r="http://schemas.openxmlformats.org/officeDocument/2006/relationships" xmlns:p="http://schemas.openxmlformats.org/presentationml/2006/main">
+  <p:cSld>
+    <p:spTree>
+      <p:nvGrpSpPr>
+        <p:cNvPr id="1" name=""/>
+        <p:cNvGrpSpPr/>
+        <p:nvPr/>
+      </p:nvGrpSpPr>
+      <p:grpSpPr>
+        <a:xfrm>
+          <a:off x="0" y="0"/>
+          <a:ext cx="0" cy="0"/>
+          <a:chOff x="0" y="0"/>
+          <a:chExt cx="0" cy="0"/>
+        </a:xfrm>
+      </p:grpSpPr>
+      <p:sp>
+        <p:nvSpPr>
+          <p:cNvPr id="2" name="Title 1">
+            <a:extLst>
+              <a:ext uri="{FF2B5EF4-FFF2-40B4-BE49-F238E27FC236}">
+                <a16:creationId xmlns:a16="http://schemas.microsoft.com/office/drawing/2014/main" id="{A5A1B1F8-6920-8C08-8E38-3E88B7F056F9}"/>
+              </a:ext>
+            </a:extLst>
+          </p:cNvPr>
+          <p:cNvSpPr>
+            <a:spLocks noGrp="1"/>
+          </p:cNvSpPr>
+          <p:nvPr>
+            <p:ph type="title"/>
+          </p:nvPr>
+        </p:nvSpPr>
+        <p:spPr/>
+        <p:txBody>
+          <a:bodyPr/>
+          <a:lstStyle/>
+          <a:p>
+            <a:r>
+              <a:rPr lang="en-CH"/>
+              <a:t>Overfitting V</a:t>
+            </a:r>
+          </a:p>
+        </p:txBody>
+      </p:sp>
+      <p:sp>
+        <p:nvSpPr>
+          <p:cNvPr id="3" name="Content Placeholder 2">
+            <a:extLst>
+              <a:ext uri="{FF2B5EF4-FFF2-40B4-BE49-F238E27FC236}">
+                <a16:creationId xmlns:a16="http://schemas.microsoft.com/office/drawing/2014/main" id="{5ED86B54-C1EB-2C60-8E8A-2C5BA8292433}"/>
+              </a:ext>
+            </a:extLst>
+          </p:cNvPr>
+          <p:cNvSpPr>
+            <a:spLocks noGrp="1"/>
+          </p:cNvSpPr>
+          <p:nvPr>
+            <p:ph idx="1"/>
+          </p:nvPr>
+        </p:nvSpPr>
+        <p:spPr>
+          <a:xfrm>
+            <a:off x="838200" y="2103119"/>
+            <a:ext cx="10515600" cy="4073843"/>
+          </a:xfrm>
+        </p:spPr>
+        <p:txBody>
+          <a:bodyPr>
+            <a:normAutofit/>
+          </a:bodyPr>
+          <a:lstStyle/>
+          <a:p>
+            <a:pPr marL="0" indent="0">
+              <a:buNone/>
+            </a:pPr>
+            <a:r>
+              <a:rPr lang="en-US" sz="3200"/>
+              <a:t>A network may, due to its flexibility, learn patterns that are due to noise, errors or simply wrong data</a:t>
+            </a:r>
+            <a:r>
+              <a:rPr lang="en-CH" sz="3200"/>
+              <a:t>.</a:t>
+            </a:r>
+          </a:p>
+          <a:p>
+            <a:pPr marL="0" indent="0">
+              <a:buNone/>
+            </a:pPr>
+            <a:endParaRPr lang="en-CH" sz="3200"/>
+          </a:p>
+          <a:p>
+            <a:pPr marL="0" indent="0">
+              <a:buNone/>
+            </a:pPr>
+            <a:r>
+              <a:rPr lang="en-CH" sz="3200"/>
+              <a:t>How can we detect it? How can we visualise its occur</a:t>
+            </a:r>
+            <a:r>
+              <a:rPr lang="en-GB" sz="3200"/>
+              <a:t>r</a:t>
+            </a:r>
+            <a:r>
+              <a:rPr lang="en-CH" sz="3200"/>
+              <a:t>ence?</a:t>
+            </a:r>
+          </a:p>
+        </p:txBody>
+      </p:sp>
+    </p:spTree>
+    <p:extLst>
+      <p:ext uri="{BB962C8B-B14F-4D97-AF65-F5344CB8AC3E}">
+        <p14:creationId xmlns:p14="http://schemas.microsoft.com/office/powerpoint/2010/main" val="3184738573"/>
+      </p:ext>
+    </p:extLst>
+  </p:cSld>
+  <p:clrMapOvr>
+    <a:masterClrMapping/>
+  </p:clrMapOvr>
+</p:sld>
+</file>
+
+<file path=ppt/slides/slide9.xml><?xml version="1.0" encoding="utf-8"?>
+<p:sld xmlns:a="http://schemas.openxmlformats.org/drawingml/2006/main" xmlns:r="http://schemas.openxmlformats.org/officeDocument/2006/relationships" xmlns:p="http://schemas.openxmlformats.org/presentationml/2006/main">
+  <p:cSld>
+    <p:spTree>
+      <p:nvGrpSpPr>
+        <p:cNvPr id="1" name=""/>
+        <p:cNvGrpSpPr/>
+        <p:nvPr/>
+      </p:nvGrpSpPr>
+      <p:grpSpPr>
+        <a:xfrm>
+          <a:off x="0" y="0"/>
+          <a:ext cx="0" cy="0"/>
+          <a:chOff x="0" y="0"/>
+          <a:chExt cx="0" cy="0"/>
+        </a:xfrm>
+      </p:grpSpPr>
+      <p:sp>
+        <p:nvSpPr>
+          <p:cNvPr id="2" name="Title 1">
+            <a:extLst>
+              <a:ext uri="{FF2B5EF4-FFF2-40B4-BE49-F238E27FC236}">
+                <a16:creationId xmlns:a16="http://schemas.microsoft.com/office/drawing/2014/main" id="{8BB9B4CC-2BA2-A3CA-C300-97474FB64365}"/>
+              </a:ext>
+            </a:extLst>
+          </p:cNvPr>
+          <p:cNvSpPr>
+            <a:spLocks noGrp="1"/>
+          </p:cNvSpPr>
+          <p:nvPr>
+            <p:ph type="title"/>
+          </p:nvPr>
+        </p:nvSpPr>
+        <p:spPr/>
+        <p:txBody>
+          <a:bodyPr/>
+          <a:lstStyle/>
+          <a:p>
+            <a:r>
+              <a:rPr lang="en-CH"/>
+              <a:t>Overfitting VI</a:t>
+            </a:r>
+          </a:p>
+        </p:txBody>
+      </p:sp>
+      <p:sp>
+        <p:nvSpPr>
+          <p:cNvPr id="3" name="Content Placeholder 2">
+            <a:extLst>
+              <a:ext uri="{FF2B5EF4-FFF2-40B4-BE49-F238E27FC236}">
+                <a16:creationId xmlns:a16="http://schemas.microsoft.com/office/drawing/2014/main" id="{BC0F699F-AA7D-6F7A-7B1D-0A71D8C6B16A}"/>
+              </a:ext>
+            </a:extLst>
+          </p:cNvPr>
+          <p:cNvSpPr>
+            <a:spLocks noGrp="1"/>
+          </p:cNvSpPr>
+          <p:nvPr>
+            <p:ph idx="1"/>
+          </p:nvPr>
+        </p:nvSpPr>
+        <p:spPr/>
+        <p:txBody>
+          <a:bodyPr/>
+          <a:lstStyle/>
+          <a:p>
+            <a:endParaRPr lang="en-CH"/>
+          </a:p>
+          <a:p>
+            <a:r>
+              <a:rPr lang="en-CH"/>
+              <a:t>In most cases a visualisation is not possible, so how can we detect it?</a:t>
+            </a:r>
+          </a:p>
+          <a:p>
+            <a:endParaRPr lang="en-CH"/>
+          </a:p>
+          <a:p>
+            <a:endParaRPr lang="en-CH"/>
+          </a:p>
+          <a:p>
+            <a:pPr marL="0" indent="0">
+              <a:buNone/>
+            </a:pPr>
+            <a:r>
+              <a:rPr lang="en-CH">
+                <a:sym typeface="Wingdings" pitchFamily="2" charset="2"/>
+              </a:rPr>
+              <a:t> To detect it we need to split our dataset in two portion, and use them in a smart way.</a:t>
+            </a:r>
+            <a:endParaRPr lang="en-CH"/>
+          </a:p>
+        </p:txBody>
+      </p:sp>
+    </p:spTree>
+    <p:extLst>
+      <p:ext uri="{BB962C8B-B14F-4D97-AF65-F5344CB8AC3E}">
+        <p14:creationId xmlns:p14="http://schemas.microsoft.com/office/powerpoint/2010/main" val="36811579"/>
       </p:ext>
     </p:extLst>
   </p:cSld>

--- a/DETERMINED2022/Introduction to model validation and unbalanced datasets/DETERMINED2022-toelt-Model_Validation_lecture_michelucci.pptx
+++ b/DETERMINED2022/Introduction to model validation and unbalanced datasets/DETERMINED2022-toelt-Model_Validation_lecture_michelucci.pptx
@@ -5,29 +5,30 @@
     <p:sldMasterId id="2147483648" r:id="rId1"/>
   </p:sldMasterIdLst>
   <p:notesMasterIdLst>
-    <p:notesMasterId r:id="rId22"/>
+    <p:notesMasterId r:id="rId23"/>
   </p:notesMasterIdLst>
   <p:sldIdLst>
     <p:sldId id="257" r:id="rId2"/>
     <p:sldId id="276" r:id="rId3"/>
-    <p:sldId id="278" r:id="rId4"/>
-    <p:sldId id="259" r:id="rId5"/>
-    <p:sldId id="261" r:id="rId6"/>
-    <p:sldId id="260" r:id="rId7"/>
-    <p:sldId id="262" r:id="rId8"/>
-    <p:sldId id="258" r:id="rId9"/>
-    <p:sldId id="263" r:id="rId10"/>
-    <p:sldId id="264" r:id="rId11"/>
-    <p:sldId id="270" r:id="rId12"/>
-    <p:sldId id="267" r:id="rId13"/>
-    <p:sldId id="268" r:id="rId14"/>
-    <p:sldId id="269" r:id="rId15"/>
+    <p:sldId id="259" r:id="rId4"/>
+    <p:sldId id="261" r:id="rId5"/>
+    <p:sldId id="260" r:id="rId6"/>
+    <p:sldId id="262" r:id="rId7"/>
+    <p:sldId id="258" r:id="rId8"/>
+    <p:sldId id="263" r:id="rId9"/>
+    <p:sldId id="282" r:id="rId10"/>
+    <p:sldId id="283" r:id="rId11"/>
+    <p:sldId id="269" r:id="rId12"/>
+    <p:sldId id="270" r:id="rId13"/>
+    <p:sldId id="267" r:id="rId14"/>
+    <p:sldId id="268" r:id="rId15"/>
     <p:sldId id="277" r:id="rId16"/>
     <p:sldId id="271" r:id="rId17"/>
-    <p:sldId id="275" r:id="rId18"/>
-    <p:sldId id="272" r:id="rId19"/>
-    <p:sldId id="273" r:id="rId20"/>
+    <p:sldId id="279" r:id="rId18"/>
+    <p:sldId id="275" r:id="rId19"/>
+    <p:sldId id="272" r:id="rId20"/>
     <p:sldId id="274" r:id="rId21"/>
+    <p:sldId id="284" r:id="rId22"/>
   </p:sldIdLst>
   <p:sldSz cx="12192000" cy="6858000"/>
   <p:notesSz cx="6858000" cy="9144000"/>
@@ -126,2730 +127,12 @@
       </a:defRPr>
     </a:lvl9pPr>
   </p:defaultTextStyle>
+  <p:extLst>
+    <p:ext uri="{EFAFB233-063F-42B5-8137-9DF3F51BA10A}">
+      <p15:sldGuideLst xmlns:p15="http://schemas.microsoft.com/office/powerpoint/2012/main"/>
+    </p:ext>
+  </p:extLst>
 </p:presentation>
-</file>
-
-<file path=ppt/diagrams/colors1.xml><?xml version="1.0" encoding="utf-8"?>
-<dgm:colorsDef xmlns:dgm="http://schemas.openxmlformats.org/drawingml/2006/diagram" xmlns:a="http://schemas.openxmlformats.org/drawingml/2006/main" uniqueId="urn:microsoft.com/office/officeart/2005/8/colors/accent1_2">
-  <dgm:title val=""/>
-  <dgm:desc val=""/>
-  <dgm:catLst>
-    <dgm:cat type="accent1" pri="11200"/>
-  </dgm:catLst>
-  <dgm:styleLbl name="node0">
-    <dgm:fillClrLst meth="repeat">
-      <a:schemeClr val="accent1"/>
-    </dgm:fillClrLst>
-    <dgm:linClrLst meth="repeat">
-      <a:schemeClr val="lt1"/>
-    </dgm:linClrLst>
-    <dgm:effectClrLst/>
-    <dgm:txLinClrLst/>
-    <dgm:txFillClrLst/>
-    <dgm:txEffectClrLst/>
-  </dgm:styleLbl>
-  <dgm:styleLbl name="alignNode1">
-    <dgm:fillClrLst meth="repeat">
-      <a:schemeClr val="accent1"/>
-    </dgm:fillClrLst>
-    <dgm:linClrLst meth="repeat">
-      <a:schemeClr val="accent1"/>
-    </dgm:linClrLst>
-    <dgm:effectClrLst/>
-    <dgm:txLinClrLst/>
-    <dgm:txFillClrLst/>
-    <dgm:txEffectClrLst/>
-  </dgm:styleLbl>
-  <dgm:styleLbl name="node1">
-    <dgm:fillClrLst meth="repeat">
-      <a:schemeClr val="accent1"/>
-    </dgm:fillClrLst>
-    <dgm:linClrLst meth="repeat">
-      <a:schemeClr val="lt1"/>
-    </dgm:linClrLst>
-    <dgm:effectClrLst/>
-    <dgm:txLinClrLst/>
-    <dgm:txFillClrLst/>
-    <dgm:txEffectClrLst/>
-  </dgm:styleLbl>
-  <dgm:styleLbl name="lnNode1">
-    <dgm:fillClrLst meth="repeat">
-      <a:schemeClr val="accent1"/>
-    </dgm:fillClrLst>
-    <dgm:linClrLst meth="repeat">
-      <a:schemeClr val="lt1"/>
-    </dgm:linClrLst>
-    <dgm:effectClrLst/>
-    <dgm:txLinClrLst/>
-    <dgm:txFillClrLst/>
-    <dgm:txEffectClrLst/>
-  </dgm:styleLbl>
-  <dgm:styleLbl name="vennNode1">
-    <dgm:fillClrLst meth="repeat">
-      <a:schemeClr val="accent1">
-        <a:alpha val="50000"/>
-      </a:schemeClr>
-    </dgm:fillClrLst>
-    <dgm:linClrLst meth="repeat">
-      <a:schemeClr val="lt1"/>
-    </dgm:linClrLst>
-    <dgm:effectClrLst/>
-    <dgm:txLinClrLst/>
-    <dgm:txFillClrLst/>
-    <dgm:txEffectClrLst/>
-  </dgm:styleLbl>
-  <dgm:styleLbl name="node2">
-    <dgm:fillClrLst meth="repeat">
-      <a:schemeClr val="accent1"/>
-    </dgm:fillClrLst>
-    <dgm:linClrLst meth="repeat">
-      <a:schemeClr val="lt1"/>
-    </dgm:linClrLst>
-    <dgm:effectClrLst/>
-    <dgm:txLinClrLst/>
-    <dgm:txFillClrLst/>
-    <dgm:txEffectClrLst/>
-  </dgm:styleLbl>
-  <dgm:styleLbl name="node3">
-    <dgm:fillClrLst meth="repeat">
-      <a:schemeClr val="accent1"/>
-    </dgm:fillClrLst>
-    <dgm:linClrLst meth="repeat">
-      <a:schemeClr val="lt1"/>
-    </dgm:linClrLst>
-    <dgm:effectClrLst/>
-    <dgm:txLinClrLst/>
-    <dgm:txFillClrLst/>
-    <dgm:txEffectClrLst/>
-  </dgm:styleLbl>
-  <dgm:styleLbl name="node4">
-    <dgm:fillClrLst meth="repeat">
-      <a:schemeClr val="accent1"/>
-    </dgm:fillClrLst>
-    <dgm:linClrLst meth="repeat">
-      <a:schemeClr val="lt1"/>
-    </dgm:linClrLst>
-    <dgm:effectClrLst/>
-    <dgm:txLinClrLst/>
-    <dgm:txFillClrLst/>
-    <dgm:txEffectClrLst/>
-  </dgm:styleLbl>
-  <dgm:styleLbl name="fgImgPlace1">
-    <dgm:fillClrLst meth="repeat">
-      <a:schemeClr val="accent1">
-        <a:tint val="50000"/>
-      </a:schemeClr>
-    </dgm:fillClrLst>
-    <dgm:linClrLst meth="repeat">
-      <a:schemeClr val="lt1"/>
-    </dgm:linClrLst>
-    <dgm:effectClrLst/>
-    <dgm:txLinClrLst/>
-    <dgm:txFillClrLst meth="repeat">
-      <a:schemeClr val="lt1"/>
-    </dgm:txFillClrLst>
-    <dgm:txEffectClrLst/>
-  </dgm:styleLbl>
-  <dgm:styleLbl name="alignImgPlace1">
-    <dgm:fillClrLst meth="repeat">
-      <a:schemeClr val="accent1">
-        <a:tint val="50000"/>
-      </a:schemeClr>
-    </dgm:fillClrLst>
-    <dgm:linClrLst meth="repeat">
-      <a:schemeClr val="lt1"/>
-    </dgm:linClrLst>
-    <dgm:effectClrLst/>
-    <dgm:txLinClrLst/>
-    <dgm:txFillClrLst meth="repeat">
-      <a:schemeClr val="lt1"/>
-    </dgm:txFillClrLst>
-    <dgm:txEffectClrLst/>
-  </dgm:styleLbl>
-  <dgm:styleLbl name="bgImgPlace1">
-    <dgm:fillClrLst meth="repeat">
-      <a:schemeClr val="accent1">
-        <a:tint val="50000"/>
-      </a:schemeClr>
-    </dgm:fillClrLst>
-    <dgm:linClrLst meth="repeat">
-      <a:schemeClr val="lt1"/>
-    </dgm:linClrLst>
-    <dgm:effectClrLst/>
-    <dgm:txLinClrLst/>
-    <dgm:txFillClrLst meth="repeat">
-      <a:schemeClr val="lt1"/>
-    </dgm:txFillClrLst>
-    <dgm:txEffectClrLst/>
-  </dgm:styleLbl>
-  <dgm:styleLbl name="sibTrans2D1">
-    <dgm:fillClrLst meth="repeat">
-      <a:schemeClr val="accent1">
-        <a:tint val="60000"/>
-      </a:schemeClr>
-    </dgm:fillClrLst>
-    <dgm:linClrLst meth="repeat">
-      <a:schemeClr val="accent1">
-        <a:tint val="60000"/>
-      </a:schemeClr>
-    </dgm:linClrLst>
-    <dgm:effectClrLst/>
-    <dgm:txLinClrLst/>
-    <dgm:txFillClrLst/>
-    <dgm:txEffectClrLst/>
-  </dgm:styleLbl>
-  <dgm:styleLbl name="fgSibTrans2D1">
-    <dgm:fillClrLst meth="repeat">
-      <a:schemeClr val="accent1">
-        <a:tint val="60000"/>
-      </a:schemeClr>
-    </dgm:fillClrLst>
-    <dgm:linClrLst meth="repeat">
-      <a:schemeClr val="accent1">
-        <a:tint val="60000"/>
-      </a:schemeClr>
-    </dgm:linClrLst>
-    <dgm:effectClrLst/>
-    <dgm:txLinClrLst/>
-    <dgm:txFillClrLst/>
-    <dgm:txEffectClrLst/>
-  </dgm:styleLbl>
-  <dgm:styleLbl name="bgSibTrans2D1">
-    <dgm:fillClrLst meth="repeat">
-      <a:schemeClr val="accent1">
-        <a:tint val="60000"/>
-      </a:schemeClr>
-    </dgm:fillClrLst>
-    <dgm:linClrLst meth="repeat">
-      <a:schemeClr val="accent1">
-        <a:tint val="60000"/>
-      </a:schemeClr>
-    </dgm:linClrLst>
-    <dgm:effectClrLst/>
-    <dgm:txLinClrLst/>
-    <dgm:txFillClrLst/>
-    <dgm:txEffectClrLst/>
-  </dgm:styleLbl>
-  <dgm:styleLbl name="sibTrans1D1">
-    <dgm:fillClrLst meth="repeat">
-      <a:schemeClr val="accent1"/>
-    </dgm:fillClrLst>
-    <dgm:linClrLst meth="repeat">
-      <a:schemeClr val="accent1"/>
-    </dgm:linClrLst>
-    <dgm:effectClrLst/>
-    <dgm:txLinClrLst/>
-    <dgm:txFillClrLst meth="repeat">
-      <a:schemeClr val="tx1"/>
-    </dgm:txFillClrLst>
-    <dgm:txEffectClrLst/>
-  </dgm:styleLbl>
-  <dgm:styleLbl name="callout">
-    <dgm:fillClrLst meth="repeat">
-      <a:schemeClr val="accent1"/>
-    </dgm:fillClrLst>
-    <dgm:linClrLst meth="repeat">
-      <a:schemeClr val="accent1">
-        <a:tint val="50000"/>
-      </a:schemeClr>
-    </dgm:linClrLst>
-    <dgm:effectClrLst/>
-    <dgm:txLinClrLst/>
-    <dgm:txFillClrLst meth="repeat">
-      <a:schemeClr val="tx1"/>
-    </dgm:txFillClrLst>
-    <dgm:txEffectClrLst/>
-  </dgm:styleLbl>
-  <dgm:styleLbl name="asst0">
-    <dgm:fillClrLst meth="repeat">
-      <a:schemeClr val="accent1"/>
-    </dgm:fillClrLst>
-    <dgm:linClrLst meth="repeat">
-      <a:schemeClr val="lt1"/>
-    </dgm:linClrLst>
-    <dgm:effectClrLst/>
-    <dgm:txLinClrLst/>
-    <dgm:txFillClrLst/>
-    <dgm:txEffectClrLst/>
-  </dgm:styleLbl>
-  <dgm:styleLbl name="asst1">
-    <dgm:fillClrLst meth="repeat">
-      <a:schemeClr val="accent1"/>
-    </dgm:fillClrLst>
-    <dgm:linClrLst meth="repeat">
-      <a:schemeClr val="lt1"/>
-    </dgm:linClrLst>
-    <dgm:effectClrLst/>
-    <dgm:txLinClrLst/>
-    <dgm:txFillClrLst/>
-    <dgm:txEffectClrLst/>
-  </dgm:styleLbl>
-  <dgm:styleLbl name="asst2">
-    <dgm:fillClrLst meth="repeat">
-      <a:schemeClr val="accent1"/>
-    </dgm:fillClrLst>
-    <dgm:linClrLst meth="repeat">
-      <a:schemeClr val="lt1"/>
-    </dgm:linClrLst>
-    <dgm:effectClrLst/>
-    <dgm:txLinClrLst/>
-    <dgm:txFillClrLst/>
-    <dgm:txEffectClrLst/>
-  </dgm:styleLbl>
-  <dgm:styleLbl name="asst3">
-    <dgm:fillClrLst meth="repeat">
-      <a:schemeClr val="accent1"/>
-    </dgm:fillClrLst>
-    <dgm:linClrLst meth="repeat">
-      <a:schemeClr val="lt1"/>
-    </dgm:linClrLst>
-    <dgm:effectClrLst/>
-    <dgm:txLinClrLst/>
-    <dgm:txFillClrLst/>
-    <dgm:txEffectClrLst/>
-  </dgm:styleLbl>
-  <dgm:styleLbl name="asst4">
-    <dgm:fillClrLst meth="repeat">
-      <a:schemeClr val="accent1"/>
-    </dgm:fillClrLst>
-    <dgm:linClrLst meth="repeat">
-      <a:schemeClr val="lt1"/>
-    </dgm:linClrLst>
-    <dgm:effectClrLst/>
-    <dgm:txLinClrLst/>
-    <dgm:txFillClrLst/>
-    <dgm:txEffectClrLst/>
-  </dgm:styleLbl>
-  <dgm:styleLbl name="parChTrans2D1">
-    <dgm:fillClrLst meth="repeat">
-      <a:schemeClr val="accent1">
-        <a:tint val="60000"/>
-      </a:schemeClr>
-    </dgm:fillClrLst>
-    <dgm:linClrLst meth="repeat">
-      <a:schemeClr val="accent1">
-        <a:tint val="60000"/>
-      </a:schemeClr>
-    </dgm:linClrLst>
-    <dgm:effectClrLst/>
-    <dgm:txLinClrLst/>
-    <dgm:txFillClrLst meth="repeat">
-      <a:schemeClr val="lt1"/>
-    </dgm:txFillClrLst>
-    <dgm:txEffectClrLst/>
-  </dgm:styleLbl>
-  <dgm:styleLbl name="parChTrans2D2">
-    <dgm:fillClrLst meth="repeat">
-      <a:schemeClr val="accent1"/>
-    </dgm:fillClrLst>
-    <dgm:linClrLst meth="repeat">
-      <a:schemeClr val="accent1"/>
-    </dgm:linClrLst>
-    <dgm:effectClrLst/>
-    <dgm:txLinClrLst/>
-    <dgm:txFillClrLst meth="repeat">
-      <a:schemeClr val="lt1"/>
-    </dgm:txFillClrLst>
-    <dgm:txEffectClrLst/>
-  </dgm:styleLbl>
-  <dgm:styleLbl name="parChTrans2D3">
-    <dgm:fillClrLst meth="repeat">
-      <a:schemeClr val="accent1"/>
-    </dgm:fillClrLst>
-    <dgm:linClrLst meth="repeat">
-      <a:schemeClr val="accent1"/>
-    </dgm:linClrLst>
-    <dgm:effectClrLst/>
-    <dgm:txLinClrLst/>
-    <dgm:txFillClrLst meth="repeat">
-      <a:schemeClr val="lt1"/>
-    </dgm:txFillClrLst>
-    <dgm:txEffectClrLst/>
-  </dgm:styleLbl>
-  <dgm:styleLbl name="parChTrans2D4">
-    <dgm:fillClrLst meth="repeat">
-      <a:schemeClr val="accent1"/>
-    </dgm:fillClrLst>
-    <dgm:linClrLst meth="repeat">
-      <a:schemeClr val="accent1"/>
-    </dgm:linClrLst>
-    <dgm:effectClrLst/>
-    <dgm:txLinClrLst/>
-    <dgm:txFillClrLst meth="repeat">
-      <a:schemeClr val="lt1"/>
-    </dgm:txFillClrLst>
-    <dgm:txEffectClrLst/>
-  </dgm:styleLbl>
-  <dgm:styleLbl name="parChTrans1D1">
-    <dgm:fillClrLst meth="repeat">
-      <a:schemeClr val="accent1"/>
-    </dgm:fillClrLst>
-    <dgm:linClrLst meth="repeat">
-      <a:schemeClr val="accent1">
-        <a:shade val="60000"/>
-      </a:schemeClr>
-    </dgm:linClrLst>
-    <dgm:effectClrLst/>
-    <dgm:txLinClrLst/>
-    <dgm:txFillClrLst meth="repeat">
-      <a:schemeClr val="tx1"/>
-    </dgm:txFillClrLst>
-    <dgm:txEffectClrLst/>
-  </dgm:styleLbl>
-  <dgm:styleLbl name="parChTrans1D2">
-    <dgm:fillClrLst meth="repeat">
-      <a:schemeClr val="accent1"/>
-    </dgm:fillClrLst>
-    <dgm:linClrLst meth="repeat">
-      <a:schemeClr val="accent1">
-        <a:shade val="60000"/>
-      </a:schemeClr>
-    </dgm:linClrLst>
-    <dgm:effectClrLst/>
-    <dgm:txLinClrLst/>
-    <dgm:txFillClrLst meth="repeat">
-      <a:schemeClr val="tx1"/>
-    </dgm:txFillClrLst>
-    <dgm:txEffectClrLst/>
-  </dgm:styleLbl>
-  <dgm:styleLbl name="parChTrans1D3">
-    <dgm:fillClrLst meth="repeat">
-      <a:schemeClr val="accent1"/>
-    </dgm:fillClrLst>
-    <dgm:linClrLst meth="repeat">
-      <a:schemeClr val="accent1">
-        <a:shade val="80000"/>
-      </a:schemeClr>
-    </dgm:linClrLst>
-    <dgm:effectClrLst/>
-    <dgm:txLinClrLst/>
-    <dgm:txFillClrLst meth="repeat">
-      <a:schemeClr val="tx1"/>
-    </dgm:txFillClrLst>
-    <dgm:txEffectClrLst/>
-  </dgm:styleLbl>
-  <dgm:styleLbl name="parChTrans1D4">
-    <dgm:fillClrLst meth="repeat">
-      <a:schemeClr val="accent1"/>
-    </dgm:fillClrLst>
-    <dgm:linClrLst meth="repeat">
-      <a:schemeClr val="accent1">
-        <a:shade val="80000"/>
-      </a:schemeClr>
-    </dgm:linClrLst>
-    <dgm:effectClrLst/>
-    <dgm:txLinClrLst/>
-    <dgm:txFillClrLst meth="repeat">
-      <a:schemeClr val="tx1"/>
-    </dgm:txFillClrLst>
-    <dgm:txEffectClrLst/>
-  </dgm:styleLbl>
-  <dgm:styleLbl name="fgAcc1">
-    <dgm:fillClrLst meth="repeat">
-      <a:schemeClr val="lt1">
-        <a:alpha val="90000"/>
-      </a:schemeClr>
-    </dgm:fillClrLst>
-    <dgm:linClrLst meth="repeat">
-      <a:schemeClr val="accent1"/>
-    </dgm:linClrLst>
-    <dgm:effectClrLst/>
-    <dgm:txLinClrLst/>
-    <dgm:txFillClrLst meth="repeat">
-      <a:schemeClr val="dk1"/>
-    </dgm:txFillClrLst>
-    <dgm:txEffectClrLst/>
-  </dgm:styleLbl>
-  <dgm:styleLbl name="conFgAcc1">
-    <dgm:fillClrLst meth="repeat">
-      <a:schemeClr val="lt1">
-        <a:alpha val="90000"/>
-      </a:schemeClr>
-    </dgm:fillClrLst>
-    <dgm:linClrLst meth="repeat">
-      <a:schemeClr val="accent1"/>
-    </dgm:linClrLst>
-    <dgm:effectClrLst/>
-    <dgm:txLinClrLst/>
-    <dgm:txFillClrLst meth="repeat">
-      <a:schemeClr val="dk1"/>
-    </dgm:txFillClrLst>
-    <dgm:txEffectClrLst/>
-  </dgm:styleLbl>
-  <dgm:styleLbl name="alignAcc1">
-    <dgm:fillClrLst meth="repeat">
-      <a:schemeClr val="lt1">
-        <a:alpha val="90000"/>
-      </a:schemeClr>
-    </dgm:fillClrLst>
-    <dgm:linClrLst meth="repeat">
-      <a:schemeClr val="accent1"/>
-    </dgm:linClrLst>
-    <dgm:effectClrLst/>
-    <dgm:txLinClrLst/>
-    <dgm:txFillClrLst meth="repeat">
-      <a:schemeClr val="dk1"/>
-    </dgm:txFillClrLst>
-    <dgm:txEffectClrLst/>
-  </dgm:styleLbl>
-  <dgm:styleLbl name="trAlignAcc1">
-    <dgm:fillClrLst meth="repeat">
-      <a:schemeClr val="lt1">
-        <a:alpha val="40000"/>
-      </a:schemeClr>
-    </dgm:fillClrLst>
-    <dgm:linClrLst meth="repeat">
-      <a:schemeClr val="accent1"/>
-    </dgm:linClrLst>
-    <dgm:effectClrLst/>
-    <dgm:txLinClrLst/>
-    <dgm:txFillClrLst meth="repeat">
-      <a:schemeClr val="dk1"/>
-    </dgm:txFillClrLst>
-    <dgm:txEffectClrLst/>
-  </dgm:styleLbl>
-  <dgm:styleLbl name="bgAcc1">
-    <dgm:fillClrLst meth="repeat">
-      <a:schemeClr val="lt1">
-        <a:alpha val="90000"/>
-      </a:schemeClr>
-    </dgm:fillClrLst>
-    <dgm:linClrLst meth="repeat">
-      <a:schemeClr val="accent1"/>
-    </dgm:linClrLst>
-    <dgm:effectClrLst/>
-    <dgm:txLinClrLst/>
-    <dgm:txFillClrLst meth="repeat">
-      <a:schemeClr val="dk1"/>
-    </dgm:txFillClrLst>
-    <dgm:txEffectClrLst/>
-  </dgm:styleLbl>
-  <dgm:styleLbl name="solidFgAcc1">
-    <dgm:fillClrLst meth="repeat">
-      <a:schemeClr val="lt1"/>
-    </dgm:fillClrLst>
-    <dgm:linClrLst meth="repeat">
-      <a:schemeClr val="accent1"/>
-    </dgm:linClrLst>
-    <dgm:effectClrLst/>
-    <dgm:txLinClrLst/>
-    <dgm:txFillClrLst meth="repeat">
-      <a:schemeClr val="dk1"/>
-    </dgm:txFillClrLst>
-    <dgm:txEffectClrLst/>
-  </dgm:styleLbl>
-  <dgm:styleLbl name="solidAlignAcc1">
-    <dgm:fillClrLst meth="repeat">
-      <a:schemeClr val="lt1"/>
-    </dgm:fillClrLst>
-    <dgm:linClrLst meth="repeat">
-      <a:schemeClr val="accent1"/>
-    </dgm:linClrLst>
-    <dgm:effectClrLst/>
-    <dgm:txLinClrLst/>
-    <dgm:txFillClrLst meth="repeat">
-      <a:schemeClr val="dk1"/>
-    </dgm:txFillClrLst>
-    <dgm:txEffectClrLst/>
-  </dgm:styleLbl>
-  <dgm:styleLbl name="solidBgAcc1">
-    <dgm:fillClrLst meth="repeat">
-      <a:schemeClr val="lt1"/>
-    </dgm:fillClrLst>
-    <dgm:linClrLst meth="repeat">
-      <a:schemeClr val="accent1"/>
-    </dgm:linClrLst>
-    <dgm:effectClrLst/>
-    <dgm:txLinClrLst/>
-    <dgm:txFillClrLst meth="repeat">
-      <a:schemeClr val="dk1"/>
-    </dgm:txFillClrLst>
-    <dgm:txEffectClrLst/>
-  </dgm:styleLbl>
-  <dgm:styleLbl name="fgAccFollowNode1">
-    <dgm:fillClrLst meth="repeat">
-      <a:schemeClr val="accent1">
-        <a:alpha val="90000"/>
-        <a:tint val="40000"/>
-      </a:schemeClr>
-    </dgm:fillClrLst>
-    <dgm:linClrLst meth="repeat">
-      <a:schemeClr val="accent1">
-        <a:alpha val="90000"/>
-        <a:tint val="40000"/>
-      </a:schemeClr>
-    </dgm:linClrLst>
-    <dgm:effectClrLst/>
-    <dgm:txLinClrLst/>
-    <dgm:txFillClrLst meth="repeat">
-      <a:schemeClr val="dk1"/>
-    </dgm:txFillClrLst>
-    <dgm:txEffectClrLst/>
-  </dgm:styleLbl>
-  <dgm:styleLbl name="alignAccFollowNode1">
-    <dgm:fillClrLst meth="repeat">
-      <a:schemeClr val="accent1">
-        <a:alpha val="90000"/>
-        <a:tint val="40000"/>
-      </a:schemeClr>
-    </dgm:fillClrLst>
-    <dgm:linClrLst meth="repeat">
-      <a:schemeClr val="accent1">
-        <a:alpha val="90000"/>
-        <a:tint val="40000"/>
-      </a:schemeClr>
-    </dgm:linClrLst>
-    <dgm:effectClrLst/>
-    <dgm:txLinClrLst/>
-    <dgm:txFillClrLst meth="repeat">
-      <a:schemeClr val="dk1"/>
-    </dgm:txFillClrLst>
-    <dgm:txEffectClrLst/>
-  </dgm:styleLbl>
-  <dgm:styleLbl name="bgAccFollowNode1">
-    <dgm:fillClrLst meth="repeat">
-      <a:schemeClr val="accent1">
-        <a:alpha val="90000"/>
-        <a:tint val="40000"/>
-      </a:schemeClr>
-    </dgm:fillClrLst>
-    <dgm:linClrLst meth="repeat">
-      <a:schemeClr val="accent1">
-        <a:alpha val="90000"/>
-        <a:tint val="40000"/>
-      </a:schemeClr>
-    </dgm:linClrLst>
-    <dgm:effectClrLst/>
-    <dgm:txLinClrLst/>
-    <dgm:txFillClrLst meth="repeat">
-      <a:schemeClr val="dk1"/>
-    </dgm:txFillClrLst>
-    <dgm:txEffectClrLst/>
-  </dgm:styleLbl>
-  <dgm:styleLbl name="fgAcc0">
-    <dgm:fillClrLst meth="repeat">
-      <a:schemeClr val="lt1">
-        <a:alpha val="90000"/>
-      </a:schemeClr>
-    </dgm:fillClrLst>
-    <dgm:linClrLst meth="repeat">
-      <a:schemeClr val="accent1"/>
-    </dgm:linClrLst>
-    <dgm:effectClrLst/>
-    <dgm:txLinClrLst/>
-    <dgm:txFillClrLst meth="repeat">
-      <a:schemeClr val="dk1"/>
-    </dgm:txFillClrLst>
-    <dgm:txEffectClrLst/>
-  </dgm:styleLbl>
-  <dgm:styleLbl name="fgAcc2">
-    <dgm:fillClrLst meth="repeat">
-      <a:schemeClr val="lt1">
-        <a:alpha val="90000"/>
-      </a:schemeClr>
-    </dgm:fillClrLst>
-    <dgm:linClrLst meth="repeat">
-      <a:schemeClr val="accent1"/>
-    </dgm:linClrLst>
-    <dgm:effectClrLst/>
-    <dgm:txLinClrLst/>
-    <dgm:txFillClrLst meth="repeat">
-      <a:schemeClr val="dk1"/>
-    </dgm:txFillClrLst>
-    <dgm:txEffectClrLst/>
-  </dgm:styleLbl>
-  <dgm:styleLbl name="fgAcc3">
-    <dgm:fillClrLst meth="repeat">
-      <a:schemeClr val="lt1">
-        <a:alpha val="90000"/>
-      </a:schemeClr>
-    </dgm:fillClrLst>
-    <dgm:linClrLst meth="repeat">
-      <a:schemeClr val="accent1"/>
-    </dgm:linClrLst>
-    <dgm:effectClrLst/>
-    <dgm:txLinClrLst/>
-    <dgm:txFillClrLst meth="repeat">
-      <a:schemeClr val="dk1"/>
-    </dgm:txFillClrLst>
-    <dgm:txEffectClrLst/>
-  </dgm:styleLbl>
-  <dgm:styleLbl name="fgAcc4">
-    <dgm:fillClrLst meth="repeat">
-      <a:schemeClr val="lt1">
-        <a:alpha val="90000"/>
-      </a:schemeClr>
-    </dgm:fillClrLst>
-    <dgm:linClrLst meth="repeat">
-      <a:schemeClr val="accent1"/>
-    </dgm:linClrLst>
-    <dgm:effectClrLst/>
-    <dgm:txLinClrLst/>
-    <dgm:txFillClrLst meth="repeat">
-      <a:schemeClr val="dk1"/>
-    </dgm:txFillClrLst>
-    <dgm:txEffectClrLst/>
-  </dgm:styleLbl>
-  <dgm:styleLbl name="bgShp">
-    <dgm:fillClrLst meth="repeat">
-      <a:schemeClr val="accent1">
-        <a:tint val="40000"/>
-      </a:schemeClr>
-    </dgm:fillClrLst>
-    <dgm:linClrLst meth="repeat">
-      <a:schemeClr val="accent1"/>
-    </dgm:linClrLst>
-    <dgm:effectClrLst/>
-    <dgm:txLinClrLst/>
-    <dgm:txFillClrLst meth="repeat">
-      <a:schemeClr val="dk1"/>
-    </dgm:txFillClrLst>
-    <dgm:txEffectClrLst/>
-  </dgm:styleLbl>
-  <dgm:styleLbl name="dkBgShp">
-    <dgm:fillClrLst meth="repeat">
-      <a:schemeClr val="accent1">
-        <a:shade val="80000"/>
-      </a:schemeClr>
-    </dgm:fillClrLst>
-    <dgm:linClrLst meth="repeat">
-      <a:schemeClr val="accent1"/>
-    </dgm:linClrLst>
-    <dgm:effectClrLst/>
-    <dgm:txLinClrLst/>
-    <dgm:txFillClrLst meth="repeat">
-      <a:schemeClr val="lt1"/>
-    </dgm:txFillClrLst>
-    <dgm:txEffectClrLst/>
-  </dgm:styleLbl>
-  <dgm:styleLbl name="trBgShp">
-    <dgm:fillClrLst meth="repeat">
-      <a:schemeClr val="accent1">
-        <a:tint val="50000"/>
-        <a:alpha val="40000"/>
-      </a:schemeClr>
-    </dgm:fillClrLst>
-    <dgm:linClrLst meth="repeat">
-      <a:schemeClr val="accent1"/>
-    </dgm:linClrLst>
-    <dgm:effectClrLst/>
-    <dgm:txLinClrLst/>
-    <dgm:txFillClrLst meth="repeat">
-      <a:schemeClr val="lt1"/>
-    </dgm:txFillClrLst>
-    <dgm:txEffectClrLst/>
-  </dgm:styleLbl>
-  <dgm:styleLbl name="fgShp">
-    <dgm:fillClrLst meth="repeat">
-      <a:schemeClr val="accent1">
-        <a:tint val="60000"/>
-      </a:schemeClr>
-    </dgm:fillClrLst>
-    <dgm:linClrLst meth="repeat">
-      <a:schemeClr val="lt1"/>
-    </dgm:linClrLst>
-    <dgm:effectClrLst/>
-    <dgm:txLinClrLst/>
-    <dgm:txFillClrLst meth="repeat">
-      <a:schemeClr val="dk1"/>
-    </dgm:txFillClrLst>
-    <dgm:txEffectClrLst/>
-  </dgm:styleLbl>
-  <dgm:styleLbl name="revTx">
-    <dgm:fillClrLst meth="repeat">
-      <a:schemeClr val="lt1">
-        <a:alpha val="0"/>
-      </a:schemeClr>
-    </dgm:fillClrLst>
-    <dgm:linClrLst meth="repeat">
-      <a:schemeClr val="dk1">
-        <a:alpha val="0"/>
-      </a:schemeClr>
-    </dgm:linClrLst>
-    <dgm:effectClrLst/>
-    <dgm:txLinClrLst/>
-    <dgm:txFillClrLst meth="repeat">
-      <a:schemeClr val="tx1"/>
-    </dgm:txFillClrLst>
-    <dgm:txEffectClrLst/>
-  </dgm:styleLbl>
-</dgm:colorsDef>
-</file>
-
-<file path=ppt/diagrams/data1.xml><?xml version="1.0" encoding="utf-8"?>
-<dgm:dataModel xmlns:dgm="http://schemas.openxmlformats.org/drawingml/2006/diagram" xmlns:a="http://schemas.openxmlformats.org/drawingml/2006/main">
-  <dgm:ptLst>
-    <dgm:pt modelId="{EB9F3DB7-389E-D845-9FF1-32412173BCA7}" type="doc">
-      <dgm:prSet loTypeId="urn:microsoft.com/office/officeart/2005/8/layout/process1" loCatId="" qsTypeId="urn:microsoft.com/office/officeart/2005/8/quickstyle/simple1" qsCatId="simple" csTypeId="urn:microsoft.com/office/officeart/2005/8/colors/accent1_2" csCatId="accent1" phldr="1"/>
-      <dgm:spPr/>
-    </dgm:pt>
-    <dgm:pt modelId="{0FBED606-3061-4141-A0EC-E99187C769F9}">
-      <dgm:prSet phldrT="[Text]"/>
-      <dgm:spPr/>
-      <dgm:t>
-        <a:bodyPr/>
-        <a:lstStyle/>
-        <a:p>
-          <a:r>
-            <a:rPr lang="en-GB"/>
-            <a:t>Split the dataset in two (Train and Test portions)</a:t>
-          </a:r>
-        </a:p>
-      </dgm:t>
-    </dgm:pt>
-    <dgm:pt modelId="{C3C0C1C7-BCDC-CE4C-89F6-DA7B8F020568}" type="parTrans" cxnId="{E5BA511A-8CAB-DC49-8F43-B6DF4D86E1B2}">
-      <dgm:prSet/>
-      <dgm:spPr/>
-      <dgm:t>
-        <a:bodyPr/>
-        <a:lstStyle/>
-        <a:p>
-          <a:endParaRPr lang="en-GB"/>
-        </a:p>
-      </dgm:t>
-    </dgm:pt>
-    <dgm:pt modelId="{F520500D-0EA2-5745-8363-306174DABC65}" type="sibTrans" cxnId="{E5BA511A-8CAB-DC49-8F43-B6DF4D86E1B2}">
-      <dgm:prSet/>
-      <dgm:spPr/>
-      <dgm:t>
-        <a:bodyPr/>
-        <a:lstStyle/>
-        <a:p>
-          <a:endParaRPr lang="en-GB"/>
-        </a:p>
-      </dgm:t>
-    </dgm:pt>
-    <dgm:pt modelId="{7F1BD98B-69ED-454A-81DD-69950A0F7B9B}">
-      <dgm:prSet phldrT="[Text]"/>
-      <dgm:spPr/>
-      <dgm:t>
-        <a:bodyPr/>
-        <a:lstStyle/>
-        <a:p>
-          <a:r>
-            <a:rPr lang="en-GB"/>
-            <a:t>Train the model on the "Train" portion</a:t>
-          </a:r>
-        </a:p>
-      </dgm:t>
-    </dgm:pt>
-    <dgm:pt modelId="{95138967-A092-3F4E-B22A-AC3A6D0C4254}" type="parTrans" cxnId="{C9B31B02-22E3-6E41-8BCF-6D97EAA94307}">
-      <dgm:prSet/>
-      <dgm:spPr/>
-      <dgm:t>
-        <a:bodyPr/>
-        <a:lstStyle/>
-        <a:p>
-          <a:endParaRPr lang="en-GB"/>
-        </a:p>
-      </dgm:t>
-    </dgm:pt>
-    <dgm:pt modelId="{71585441-9F71-514F-AFC1-97E0B758EF27}" type="sibTrans" cxnId="{C9B31B02-22E3-6E41-8BCF-6D97EAA94307}">
-      <dgm:prSet/>
-      <dgm:spPr/>
-      <dgm:t>
-        <a:bodyPr/>
-        <a:lstStyle/>
-        <a:p>
-          <a:endParaRPr lang="en-GB"/>
-        </a:p>
-      </dgm:t>
-    </dgm:pt>
-    <dgm:pt modelId="{8B96D376-A9EA-A04E-BB1F-6EAC2650C0E7}">
-      <dgm:prSet phldrT="[Text]"/>
-      <dgm:spPr/>
-      <dgm:t>
-        <a:bodyPr/>
-        <a:lstStyle/>
-        <a:p>
-          <a:r>
-            <a:rPr lang="en-GB"/>
-            <a:t>Evaluate the model on the "Test" portion</a:t>
-          </a:r>
-        </a:p>
-      </dgm:t>
-    </dgm:pt>
-    <dgm:pt modelId="{36E3A620-11B3-624B-9FD8-2BF58035179A}" type="parTrans" cxnId="{5861ECA9-11A4-4041-8E4F-992AECD15148}">
-      <dgm:prSet/>
-      <dgm:spPr/>
-      <dgm:t>
-        <a:bodyPr/>
-        <a:lstStyle/>
-        <a:p>
-          <a:endParaRPr lang="en-GB"/>
-        </a:p>
-      </dgm:t>
-    </dgm:pt>
-    <dgm:pt modelId="{2EB244B7-48C6-4F4F-8A40-3B40261F57BB}" type="sibTrans" cxnId="{5861ECA9-11A4-4041-8E4F-992AECD15148}">
-      <dgm:prSet/>
-      <dgm:spPr/>
-      <dgm:t>
-        <a:bodyPr/>
-        <a:lstStyle/>
-        <a:p>
-          <a:endParaRPr lang="en-GB"/>
-        </a:p>
-      </dgm:t>
-    </dgm:pt>
-    <dgm:pt modelId="{FCBEFEE0-B235-6445-95E7-336EFBECB389}">
-      <dgm:prSet phldrT="[Text]"/>
-      <dgm:spPr/>
-      <dgm:t>
-        <a:bodyPr/>
-        <a:lstStyle/>
-        <a:p>
-          <a:r>
-            <a:rPr lang="en-GB"/>
-            <a:t>Compare the metrics on the "Train" and on the "Test" portion of the dataset</a:t>
-          </a:r>
-        </a:p>
-      </dgm:t>
-    </dgm:pt>
-    <dgm:pt modelId="{2EB44408-32A4-B940-9B6D-02C22741EEEB}" type="parTrans" cxnId="{F688A589-3F22-0847-83CA-78E7150CA521}">
-      <dgm:prSet/>
-      <dgm:spPr/>
-      <dgm:t>
-        <a:bodyPr/>
-        <a:lstStyle/>
-        <a:p>
-          <a:endParaRPr lang="en-GB"/>
-        </a:p>
-      </dgm:t>
-    </dgm:pt>
-    <dgm:pt modelId="{40348CCE-E91F-AB40-8519-79E534EEA5BB}" type="sibTrans" cxnId="{F688A589-3F22-0847-83CA-78E7150CA521}">
-      <dgm:prSet/>
-      <dgm:spPr/>
-      <dgm:t>
-        <a:bodyPr/>
-        <a:lstStyle/>
-        <a:p>
-          <a:endParaRPr lang="en-GB"/>
-        </a:p>
-      </dgm:t>
-    </dgm:pt>
-    <dgm:pt modelId="{E4E6AB97-69BB-4F4B-ADEF-ECAAD1231BA5}" type="pres">
-      <dgm:prSet presAssocID="{EB9F3DB7-389E-D845-9FF1-32412173BCA7}" presName="Name0" presStyleCnt="0">
-        <dgm:presLayoutVars>
-          <dgm:dir/>
-          <dgm:resizeHandles val="exact"/>
-        </dgm:presLayoutVars>
-      </dgm:prSet>
-      <dgm:spPr/>
-    </dgm:pt>
-    <dgm:pt modelId="{67F7B3B3-0A9D-F14E-BB6A-D109338CE527}" type="pres">
-      <dgm:prSet presAssocID="{0FBED606-3061-4141-A0EC-E99187C769F9}" presName="node" presStyleLbl="node1" presStyleIdx="0" presStyleCnt="4">
-        <dgm:presLayoutVars>
-          <dgm:bulletEnabled val="1"/>
-        </dgm:presLayoutVars>
-      </dgm:prSet>
-      <dgm:spPr/>
-    </dgm:pt>
-    <dgm:pt modelId="{15487FBF-598E-7A42-A3CD-21F2FF1753E4}" type="pres">
-      <dgm:prSet presAssocID="{F520500D-0EA2-5745-8363-306174DABC65}" presName="sibTrans" presStyleLbl="sibTrans2D1" presStyleIdx="0" presStyleCnt="3"/>
-      <dgm:spPr/>
-    </dgm:pt>
-    <dgm:pt modelId="{ACB15B25-097F-754C-9CBB-1E20EF8D7151}" type="pres">
-      <dgm:prSet presAssocID="{F520500D-0EA2-5745-8363-306174DABC65}" presName="connectorText" presStyleLbl="sibTrans2D1" presStyleIdx="0" presStyleCnt="3"/>
-      <dgm:spPr/>
-    </dgm:pt>
-    <dgm:pt modelId="{3A294F9D-D636-9B43-B415-06E9CAD0F552}" type="pres">
-      <dgm:prSet presAssocID="{7F1BD98B-69ED-454A-81DD-69950A0F7B9B}" presName="node" presStyleLbl="node1" presStyleIdx="1" presStyleCnt="4">
-        <dgm:presLayoutVars>
-          <dgm:bulletEnabled val="1"/>
-        </dgm:presLayoutVars>
-      </dgm:prSet>
-      <dgm:spPr/>
-    </dgm:pt>
-    <dgm:pt modelId="{E9F619BD-4076-E64B-B391-D47F7F10F680}" type="pres">
-      <dgm:prSet presAssocID="{71585441-9F71-514F-AFC1-97E0B758EF27}" presName="sibTrans" presStyleLbl="sibTrans2D1" presStyleIdx="1" presStyleCnt="3"/>
-      <dgm:spPr/>
-    </dgm:pt>
-    <dgm:pt modelId="{CFD06D10-7926-5549-BCCB-2CE3CCCBCDDB}" type="pres">
-      <dgm:prSet presAssocID="{71585441-9F71-514F-AFC1-97E0B758EF27}" presName="connectorText" presStyleLbl="sibTrans2D1" presStyleIdx="1" presStyleCnt="3"/>
-      <dgm:spPr/>
-    </dgm:pt>
-    <dgm:pt modelId="{BDCF990A-B367-BD49-BEF2-9218403EC3E8}" type="pres">
-      <dgm:prSet presAssocID="{8B96D376-A9EA-A04E-BB1F-6EAC2650C0E7}" presName="node" presStyleLbl="node1" presStyleIdx="2" presStyleCnt="4">
-        <dgm:presLayoutVars>
-          <dgm:bulletEnabled val="1"/>
-        </dgm:presLayoutVars>
-      </dgm:prSet>
-      <dgm:spPr/>
-    </dgm:pt>
-    <dgm:pt modelId="{E6668D6B-03E5-0841-88B3-001E65CF5C90}" type="pres">
-      <dgm:prSet presAssocID="{2EB244B7-48C6-4F4F-8A40-3B40261F57BB}" presName="sibTrans" presStyleLbl="sibTrans2D1" presStyleIdx="2" presStyleCnt="3"/>
-      <dgm:spPr/>
-    </dgm:pt>
-    <dgm:pt modelId="{6368B223-15C2-8946-AB23-C1C1D6E30108}" type="pres">
-      <dgm:prSet presAssocID="{2EB244B7-48C6-4F4F-8A40-3B40261F57BB}" presName="connectorText" presStyleLbl="sibTrans2D1" presStyleIdx="2" presStyleCnt="3"/>
-      <dgm:spPr/>
-    </dgm:pt>
-    <dgm:pt modelId="{E3D48B01-FC7F-9C48-9813-9ED0190360B1}" type="pres">
-      <dgm:prSet presAssocID="{FCBEFEE0-B235-6445-95E7-336EFBECB389}" presName="node" presStyleLbl="node1" presStyleIdx="3" presStyleCnt="4">
-        <dgm:presLayoutVars>
-          <dgm:bulletEnabled val="1"/>
-        </dgm:presLayoutVars>
-      </dgm:prSet>
-      <dgm:spPr/>
-    </dgm:pt>
-  </dgm:ptLst>
-  <dgm:cxnLst>
-    <dgm:cxn modelId="{C9B31B02-22E3-6E41-8BCF-6D97EAA94307}" srcId="{EB9F3DB7-389E-D845-9FF1-32412173BCA7}" destId="{7F1BD98B-69ED-454A-81DD-69950A0F7B9B}" srcOrd="1" destOrd="0" parTransId="{95138967-A092-3F4E-B22A-AC3A6D0C4254}" sibTransId="{71585441-9F71-514F-AFC1-97E0B758EF27}"/>
-    <dgm:cxn modelId="{AC6CB415-856C-9948-91DB-E1980778C99B}" type="presOf" srcId="{EB9F3DB7-389E-D845-9FF1-32412173BCA7}" destId="{E4E6AB97-69BB-4F4B-ADEF-ECAAD1231BA5}" srcOrd="0" destOrd="0" presId="urn:microsoft.com/office/officeart/2005/8/layout/process1"/>
-    <dgm:cxn modelId="{E5BA511A-8CAB-DC49-8F43-B6DF4D86E1B2}" srcId="{EB9F3DB7-389E-D845-9FF1-32412173BCA7}" destId="{0FBED606-3061-4141-A0EC-E99187C769F9}" srcOrd="0" destOrd="0" parTransId="{C3C0C1C7-BCDC-CE4C-89F6-DA7B8F020568}" sibTransId="{F520500D-0EA2-5745-8363-306174DABC65}"/>
-    <dgm:cxn modelId="{D7F9F533-8728-6B4F-9DCC-5A57D8173E95}" type="presOf" srcId="{7F1BD98B-69ED-454A-81DD-69950A0F7B9B}" destId="{3A294F9D-D636-9B43-B415-06E9CAD0F552}" srcOrd="0" destOrd="0" presId="urn:microsoft.com/office/officeart/2005/8/layout/process1"/>
-    <dgm:cxn modelId="{97BA536F-D791-5F47-83FD-DB1D8ECA6D40}" type="presOf" srcId="{2EB244B7-48C6-4F4F-8A40-3B40261F57BB}" destId="{6368B223-15C2-8946-AB23-C1C1D6E30108}" srcOrd="1" destOrd="0" presId="urn:microsoft.com/office/officeart/2005/8/layout/process1"/>
-    <dgm:cxn modelId="{D28A9177-AA28-5541-909F-291EC64CC38B}" type="presOf" srcId="{8B96D376-A9EA-A04E-BB1F-6EAC2650C0E7}" destId="{BDCF990A-B367-BD49-BEF2-9218403EC3E8}" srcOrd="0" destOrd="0" presId="urn:microsoft.com/office/officeart/2005/8/layout/process1"/>
-    <dgm:cxn modelId="{F688A589-3F22-0847-83CA-78E7150CA521}" srcId="{EB9F3DB7-389E-D845-9FF1-32412173BCA7}" destId="{FCBEFEE0-B235-6445-95E7-336EFBECB389}" srcOrd="3" destOrd="0" parTransId="{2EB44408-32A4-B940-9B6D-02C22741EEEB}" sibTransId="{40348CCE-E91F-AB40-8519-79E534EEA5BB}"/>
-    <dgm:cxn modelId="{6334D99F-12CE-574E-80CC-3FB2CB779192}" type="presOf" srcId="{0FBED606-3061-4141-A0EC-E99187C769F9}" destId="{67F7B3B3-0A9D-F14E-BB6A-D109338CE527}" srcOrd="0" destOrd="0" presId="urn:microsoft.com/office/officeart/2005/8/layout/process1"/>
-    <dgm:cxn modelId="{7385BEA1-39FE-EA42-8BCF-89564E51B635}" type="presOf" srcId="{71585441-9F71-514F-AFC1-97E0B758EF27}" destId="{CFD06D10-7926-5549-BCCB-2CE3CCCBCDDB}" srcOrd="1" destOrd="0" presId="urn:microsoft.com/office/officeart/2005/8/layout/process1"/>
-    <dgm:cxn modelId="{5861ECA9-11A4-4041-8E4F-992AECD15148}" srcId="{EB9F3DB7-389E-D845-9FF1-32412173BCA7}" destId="{8B96D376-A9EA-A04E-BB1F-6EAC2650C0E7}" srcOrd="2" destOrd="0" parTransId="{36E3A620-11B3-624B-9FD8-2BF58035179A}" sibTransId="{2EB244B7-48C6-4F4F-8A40-3B40261F57BB}"/>
-    <dgm:cxn modelId="{58587BAF-5A30-EF47-A15F-1660E717DF18}" type="presOf" srcId="{F520500D-0EA2-5745-8363-306174DABC65}" destId="{15487FBF-598E-7A42-A3CD-21F2FF1753E4}" srcOrd="0" destOrd="0" presId="urn:microsoft.com/office/officeart/2005/8/layout/process1"/>
-    <dgm:cxn modelId="{CCFB16B5-3E1D-7849-9903-5A7D8E88DB41}" type="presOf" srcId="{2EB244B7-48C6-4F4F-8A40-3B40261F57BB}" destId="{E6668D6B-03E5-0841-88B3-001E65CF5C90}" srcOrd="0" destOrd="0" presId="urn:microsoft.com/office/officeart/2005/8/layout/process1"/>
-    <dgm:cxn modelId="{A8ABEECF-5DE9-334E-9F45-B257D3A71D40}" type="presOf" srcId="{F520500D-0EA2-5745-8363-306174DABC65}" destId="{ACB15B25-097F-754C-9CBB-1E20EF8D7151}" srcOrd="1" destOrd="0" presId="urn:microsoft.com/office/officeart/2005/8/layout/process1"/>
-    <dgm:cxn modelId="{84DBA7DE-E414-C248-B401-9EE3114C05D1}" type="presOf" srcId="{71585441-9F71-514F-AFC1-97E0B758EF27}" destId="{E9F619BD-4076-E64B-B391-D47F7F10F680}" srcOrd="0" destOrd="0" presId="urn:microsoft.com/office/officeart/2005/8/layout/process1"/>
-    <dgm:cxn modelId="{21B523E2-26B6-674D-868C-A50207A5D1D1}" type="presOf" srcId="{FCBEFEE0-B235-6445-95E7-336EFBECB389}" destId="{E3D48B01-FC7F-9C48-9813-9ED0190360B1}" srcOrd="0" destOrd="0" presId="urn:microsoft.com/office/officeart/2005/8/layout/process1"/>
-    <dgm:cxn modelId="{5325156C-036F-1A4A-839F-10818DE0A495}" type="presParOf" srcId="{E4E6AB97-69BB-4F4B-ADEF-ECAAD1231BA5}" destId="{67F7B3B3-0A9D-F14E-BB6A-D109338CE527}" srcOrd="0" destOrd="0" presId="urn:microsoft.com/office/officeart/2005/8/layout/process1"/>
-    <dgm:cxn modelId="{D7A7EEE4-2554-F348-B2E8-D4406354BEA8}" type="presParOf" srcId="{E4E6AB97-69BB-4F4B-ADEF-ECAAD1231BA5}" destId="{15487FBF-598E-7A42-A3CD-21F2FF1753E4}" srcOrd="1" destOrd="0" presId="urn:microsoft.com/office/officeart/2005/8/layout/process1"/>
-    <dgm:cxn modelId="{B38DD768-9492-654B-82DB-3E044ED222CF}" type="presParOf" srcId="{15487FBF-598E-7A42-A3CD-21F2FF1753E4}" destId="{ACB15B25-097F-754C-9CBB-1E20EF8D7151}" srcOrd="0" destOrd="0" presId="urn:microsoft.com/office/officeart/2005/8/layout/process1"/>
-    <dgm:cxn modelId="{27DE6C4F-D798-9B40-886C-B18736F6E707}" type="presParOf" srcId="{E4E6AB97-69BB-4F4B-ADEF-ECAAD1231BA5}" destId="{3A294F9D-D636-9B43-B415-06E9CAD0F552}" srcOrd="2" destOrd="0" presId="urn:microsoft.com/office/officeart/2005/8/layout/process1"/>
-    <dgm:cxn modelId="{FD6DD70E-96C4-A142-9D0C-D7C5123446DB}" type="presParOf" srcId="{E4E6AB97-69BB-4F4B-ADEF-ECAAD1231BA5}" destId="{E9F619BD-4076-E64B-B391-D47F7F10F680}" srcOrd="3" destOrd="0" presId="urn:microsoft.com/office/officeart/2005/8/layout/process1"/>
-    <dgm:cxn modelId="{63A593B9-A5BE-844D-91B7-11F0BD3A59A6}" type="presParOf" srcId="{E9F619BD-4076-E64B-B391-D47F7F10F680}" destId="{CFD06D10-7926-5549-BCCB-2CE3CCCBCDDB}" srcOrd="0" destOrd="0" presId="urn:microsoft.com/office/officeart/2005/8/layout/process1"/>
-    <dgm:cxn modelId="{33E70FDF-A16D-9146-928B-E8C9478BE9B9}" type="presParOf" srcId="{E4E6AB97-69BB-4F4B-ADEF-ECAAD1231BA5}" destId="{BDCF990A-B367-BD49-BEF2-9218403EC3E8}" srcOrd="4" destOrd="0" presId="urn:microsoft.com/office/officeart/2005/8/layout/process1"/>
-    <dgm:cxn modelId="{19026F78-3395-8449-A46F-608FBE005448}" type="presParOf" srcId="{E4E6AB97-69BB-4F4B-ADEF-ECAAD1231BA5}" destId="{E6668D6B-03E5-0841-88B3-001E65CF5C90}" srcOrd="5" destOrd="0" presId="urn:microsoft.com/office/officeart/2005/8/layout/process1"/>
-    <dgm:cxn modelId="{A4840FF5-55BA-EF44-932D-B40ECB9C3A82}" type="presParOf" srcId="{E6668D6B-03E5-0841-88B3-001E65CF5C90}" destId="{6368B223-15C2-8946-AB23-C1C1D6E30108}" srcOrd="0" destOrd="0" presId="urn:microsoft.com/office/officeart/2005/8/layout/process1"/>
-    <dgm:cxn modelId="{2CB0804D-7A96-1A4F-A414-4E0A8FBD7964}" type="presParOf" srcId="{E4E6AB97-69BB-4F4B-ADEF-ECAAD1231BA5}" destId="{E3D48B01-FC7F-9C48-9813-9ED0190360B1}" srcOrd="6" destOrd="0" presId="urn:microsoft.com/office/officeart/2005/8/layout/process1"/>
-  </dgm:cxnLst>
-  <dgm:bg/>
-  <dgm:whole/>
-  <dgm:extLst>
-    <a:ext uri="http://schemas.microsoft.com/office/drawing/2008/diagram">
-      <dsp:dataModelExt xmlns:dsp="http://schemas.microsoft.com/office/drawing/2008/diagram" relId="rId6" minVer="http://schemas.openxmlformats.org/drawingml/2006/diagram"/>
-    </a:ext>
-  </dgm:extLst>
-</dgm:dataModel>
-</file>
-
-<file path=ppt/diagrams/drawing1.xml><?xml version="1.0" encoding="utf-8"?>
-<dsp:drawing xmlns:dgm="http://schemas.openxmlformats.org/drawingml/2006/diagram" xmlns:dsp="http://schemas.microsoft.com/office/drawing/2008/diagram" xmlns:a="http://schemas.openxmlformats.org/drawingml/2006/main">
-  <dsp:spTree>
-    <dsp:nvGrpSpPr>
-      <dsp:cNvPr id="0" name=""/>
-      <dsp:cNvGrpSpPr/>
-    </dsp:nvGrpSpPr>
-    <dsp:grpSpPr/>
-    <dsp:sp modelId="{67F7B3B3-0A9D-F14E-BB6A-D109338CE527}">
-      <dsp:nvSpPr>
-        <dsp:cNvPr id="0" name=""/>
-        <dsp:cNvSpPr/>
-      </dsp:nvSpPr>
-      <dsp:spPr>
-        <a:xfrm>
-          <a:off x="4621" y="997776"/>
-          <a:ext cx="2020453" cy="1496398"/>
-        </a:xfrm>
-        <a:prstGeom prst="roundRect">
-          <a:avLst>
-            <a:gd name="adj" fmla="val 10000"/>
-          </a:avLst>
-        </a:prstGeom>
-        <a:solidFill>
-          <a:schemeClr val="accent1">
-            <a:hueOff val="0"/>
-            <a:satOff val="0"/>
-            <a:lumOff val="0"/>
-            <a:alphaOff val="0"/>
-          </a:schemeClr>
-        </a:solidFill>
-        <a:ln w="12700" cap="flat" cmpd="sng" algn="ctr">
-          <a:solidFill>
-            <a:schemeClr val="lt1">
-              <a:hueOff val="0"/>
-              <a:satOff val="0"/>
-              <a:lumOff val="0"/>
-              <a:alphaOff val="0"/>
-            </a:schemeClr>
-          </a:solidFill>
-          <a:prstDash val="solid"/>
-          <a:miter lim="800000"/>
-        </a:ln>
-        <a:effectLst/>
-      </dsp:spPr>
-      <dsp:style>
-        <a:lnRef idx="2">
-          <a:scrgbClr r="0" g="0" b="0"/>
-        </a:lnRef>
-        <a:fillRef idx="1">
-          <a:scrgbClr r="0" g="0" b="0"/>
-        </a:fillRef>
-        <a:effectRef idx="0">
-          <a:scrgbClr r="0" g="0" b="0"/>
-        </a:effectRef>
-        <a:fontRef idx="minor">
-          <a:schemeClr val="lt1"/>
-        </a:fontRef>
-      </dsp:style>
-      <dsp:txBody>
-        <a:bodyPr spcFirstLastPara="0" vert="horz" wrap="square" lIns="68580" tIns="68580" rIns="68580" bIns="68580" numCol="1" spcCol="1270" anchor="ctr" anchorCtr="0">
-          <a:noAutofit/>
-        </a:bodyPr>
-        <a:lstStyle/>
-        <a:p>
-          <a:pPr marL="0" lvl="0" indent="0" algn="ctr" defTabSz="800100">
-            <a:lnSpc>
-              <a:spcPct val="90000"/>
-            </a:lnSpc>
-            <a:spcBef>
-              <a:spcPct val="0"/>
-            </a:spcBef>
-            <a:spcAft>
-              <a:spcPct val="35000"/>
-            </a:spcAft>
-            <a:buNone/>
-          </a:pPr>
-          <a:r>
-            <a:rPr lang="en-GB" sz="1800" kern="1200"/>
-            <a:t>Split the dataset in two (Train and Test portions)</a:t>
-          </a:r>
-        </a:p>
-      </dsp:txBody>
-      <dsp:txXfrm>
-        <a:off x="48449" y="1041604"/>
-        <a:ext cx="1932797" cy="1408742"/>
-      </dsp:txXfrm>
-    </dsp:sp>
-    <dsp:sp modelId="{15487FBF-598E-7A42-A3CD-21F2FF1753E4}">
-      <dsp:nvSpPr>
-        <dsp:cNvPr id="0" name=""/>
-        <dsp:cNvSpPr/>
-      </dsp:nvSpPr>
-      <dsp:spPr>
-        <a:xfrm>
-          <a:off x="2227119" y="1495439"/>
-          <a:ext cx="428336" cy="501072"/>
-        </a:xfrm>
-        <a:prstGeom prst="rightArrow">
-          <a:avLst>
-            <a:gd name="adj1" fmla="val 60000"/>
-            <a:gd name="adj2" fmla="val 50000"/>
-          </a:avLst>
-        </a:prstGeom>
-        <a:solidFill>
-          <a:schemeClr val="accent1">
-            <a:tint val="60000"/>
-            <a:hueOff val="0"/>
-            <a:satOff val="0"/>
-            <a:lumOff val="0"/>
-            <a:alphaOff val="0"/>
-          </a:schemeClr>
-        </a:solidFill>
-        <a:ln>
-          <a:noFill/>
-        </a:ln>
-        <a:effectLst/>
-      </dsp:spPr>
-      <dsp:style>
-        <a:lnRef idx="0">
-          <a:scrgbClr r="0" g="0" b="0"/>
-        </a:lnRef>
-        <a:fillRef idx="1">
-          <a:scrgbClr r="0" g="0" b="0"/>
-        </a:fillRef>
-        <a:effectRef idx="0">
-          <a:scrgbClr r="0" g="0" b="0"/>
-        </a:effectRef>
-        <a:fontRef idx="minor">
-          <a:schemeClr val="lt1"/>
-        </a:fontRef>
-      </dsp:style>
-      <dsp:txBody>
-        <a:bodyPr spcFirstLastPara="0" vert="horz" wrap="square" lIns="0" tIns="0" rIns="0" bIns="0" numCol="1" spcCol="1270" anchor="ctr" anchorCtr="0">
-          <a:noAutofit/>
-        </a:bodyPr>
-        <a:lstStyle/>
-        <a:p>
-          <a:pPr marL="0" lvl="0" indent="0" algn="ctr" defTabSz="622300">
-            <a:lnSpc>
-              <a:spcPct val="90000"/>
-            </a:lnSpc>
-            <a:spcBef>
-              <a:spcPct val="0"/>
-            </a:spcBef>
-            <a:spcAft>
-              <a:spcPct val="35000"/>
-            </a:spcAft>
-            <a:buNone/>
-          </a:pPr>
-          <a:endParaRPr lang="en-GB" sz="1400" kern="1200"/>
-        </a:p>
-      </dsp:txBody>
-      <dsp:txXfrm>
-        <a:off x="2227119" y="1595653"/>
-        <a:ext cx="299835" cy="300644"/>
-      </dsp:txXfrm>
-    </dsp:sp>
-    <dsp:sp modelId="{3A294F9D-D636-9B43-B415-06E9CAD0F552}">
-      <dsp:nvSpPr>
-        <dsp:cNvPr id="0" name=""/>
-        <dsp:cNvSpPr/>
-      </dsp:nvSpPr>
-      <dsp:spPr>
-        <a:xfrm>
-          <a:off x="2833255" y="997776"/>
-          <a:ext cx="2020453" cy="1496398"/>
-        </a:xfrm>
-        <a:prstGeom prst="roundRect">
-          <a:avLst>
-            <a:gd name="adj" fmla="val 10000"/>
-          </a:avLst>
-        </a:prstGeom>
-        <a:solidFill>
-          <a:schemeClr val="accent1">
-            <a:hueOff val="0"/>
-            <a:satOff val="0"/>
-            <a:lumOff val="0"/>
-            <a:alphaOff val="0"/>
-          </a:schemeClr>
-        </a:solidFill>
-        <a:ln w="12700" cap="flat" cmpd="sng" algn="ctr">
-          <a:solidFill>
-            <a:schemeClr val="lt1">
-              <a:hueOff val="0"/>
-              <a:satOff val="0"/>
-              <a:lumOff val="0"/>
-              <a:alphaOff val="0"/>
-            </a:schemeClr>
-          </a:solidFill>
-          <a:prstDash val="solid"/>
-          <a:miter lim="800000"/>
-        </a:ln>
-        <a:effectLst/>
-      </dsp:spPr>
-      <dsp:style>
-        <a:lnRef idx="2">
-          <a:scrgbClr r="0" g="0" b="0"/>
-        </a:lnRef>
-        <a:fillRef idx="1">
-          <a:scrgbClr r="0" g="0" b="0"/>
-        </a:fillRef>
-        <a:effectRef idx="0">
-          <a:scrgbClr r="0" g="0" b="0"/>
-        </a:effectRef>
-        <a:fontRef idx="minor">
-          <a:schemeClr val="lt1"/>
-        </a:fontRef>
-      </dsp:style>
-      <dsp:txBody>
-        <a:bodyPr spcFirstLastPara="0" vert="horz" wrap="square" lIns="68580" tIns="68580" rIns="68580" bIns="68580" numCol="1" spcCol="1270" anchor="ctr" anchorCtr="0">
-          <a:noAutofit/>
-        </a:bodyPr>
-        <a:lstStyle/>
-        <a:p>
-          <a:pPr marL="0" lvl="0" indent="0" algn="ctr" defTabSz="800100">
-            <a:lnSpc>
-              <a:spcPct val="90000"/>
-            </a:lnSpc>
-            <a:spcBef>
-              <a:spcPct val="0"/>
-            </a:spcBef>
-            <a:spcAft>
-              <a:spcPct val="35000"/>
-            </a:spcAft>
-            <a:buNone/>
-          </a:pPr>
-          <a:r>
-            <a:rPr lang="en-GB" sz="1800" kern="1200"/>
-            <a:t>Train the model on the "Train" portion</a:t>
-          </a:r>
-        </a:p>
-      </dsp:txBody>
-      <dsp:txXfrm>
-        <a:off x="2877083" y="1041604"/>
-        <a:ext cx="1932797" cy="1408742"/>
-      </dsp:txXfrm>
-    </dsp:sp>
-    <dsp:sp modelId="{E9F619BD-4076-E64B-B391-D47F7F10F680}">
-      <dsp:nvSpPr>
-        <dsp:cNvPr id="0" name=""/>
-        <dsp:cNvSpPr/>
-      </dsp:nvSpPr>
-      <dsp:spPr>
-        <a:xfrm>
-          <a:off x="5055754" y="1495439"/>
-          <a:ext cx="428336" cy="501072"/>
-        </a:xfrm>
-        <a:prstGeom prst="rightArrow">
-          <a:avLst>
-            <a:gd name="adj1" fmla="val 60000"/>
-            <a:gd name="adj2" fmla="val 50000"/>
-          </a:avLst>
-        </a:prstGeom>
-        <a:solidFill>
-          <a:schemeClr val="accent1">
-            <a:tint val="60000"/>
-            <a:hueOff val="0"/>
-            <a:satOff val="0"/>
-            <a:lumOff val="0"/>
-            <a:alphaOff val="0"/>
-          </a:schemeClr>
-        </a:solidFill>
-        <a:ln>
-          <a:noFill/>
-        </a:ln>
-        <a:effectLst/>
-      </dsp:spPr>
-      <dsp:style>
-        <a:lnRef idx="0">
-          <a:scrgbClr r="0" g="0" b="0"/>
-        </a:lnRef>
-        <a:fillRef idx="1">
-          <a:scrgbClr r="0" g="0" b="0"/>
-        </a:fillRef>
-        <a:effectRef idx="0">
-          <a:scrgbClr r="0" g="0" b="0"/>
-        </a:effectRef>
-        <a:fontRef idx="minor">
-          <a:schemeClr val="lt1"/>
-        </a:fontRef>
-      </dsp:style>
-      <dsp:txBody>
-        <a:bodyPr spcFirstLastPara="0" vert="horz" wrap="square" lIns="0" tIns="0" rIns="0" bIns="0" numCol="1" spcCol="1270" anchor="ctr" anchorCtr="0">
-          <a:noAutofit/>
-        </a:bodyPr>
-        <a:lstStyle/>
-        <a:p>
-          <a:pPr marL="0" lvl="0" indent="0" algn="ctr" defTabSz="622300">
-            <a:lnSpc>
-              <a:spcPct val="90000"/>
-            </a:lnSpc>
-            <a:spcBef>
-              <a:spcPct val="0"/>
-            </a:spcBef>
-            <a:spcAft>
-              <a:spcPct val="35000"/>
-            </a:spcAft>
-            <a:buNone/>
-          </a:pPr>
-          <a:endParaRPr lang="en-GB" sz="1400" kern="1200"/>
-        </a:p>
-      </dsp:txBody>
-      <dsp:txXfrm>
-        <a:off x="5055754" y="1595653"/>
-        <a:ext cx="299835" cy="300644"/>
-      </dsp:txXfrm>
-    </dsp:sp>
-    <dsp:sp modelId="{BDCF990A-B367-BD49-BEF2-9218403EC3E8}">
-      <dsp:nvSpPr>
-        <dsp:cNvPr id="0" name=""/>
-        <dsp:cNvSpPr/>
-      </dsp:nvSpPr>
-      <dsp:spPr>
-        <a:xfrm>
-          <a:off x="5661890" y="997776"/>
-          <a:ext cx="2020453" cy="1496398"/>
-        </a:xfrm>
-        <a:prstGeom prst="roundRect">
-          <a:avLst>
-            <a:gd name="adj" fmla="val 10000"/>
-          </a:avLst>
-        </a:prstGeom>
-        <a:solidFill>
-          <a:schemeClr val="accent1">
-            <a:hueOff val="0"/>
-            <a:satOff val="0"/>
-            <a:lumOff val="0"/>
-            <a:alphaOff val="0"/>
-          </a:schemeClr>
-        </a:solidFill>
-        <a:ln w="12700" cap="flat" cmpd="sng" algn="ctr">
-          <a:solidFill>
-            <a:schemeClr val="lt1">
-              <a:hueOff val="0"/>
-              <a:satOff val="0"/>
-              <a:lumOff val="0"/>
-              <a:alphaOff val="0"/>
-            </a:schemeClr>
-          </a:solidFill>
-          <a:prstDash val="solid"/>
-          <a:miter lim="800000"/>
-        </a:ln>
-        <a:effectLst/>
-      </dsp:spPr>
-      <dsp:style>
-        <a:lnRef idx="2">
-          <a:scrgbClr r="0" g="0" b="0"/>
-        </a:lnRef>
-        <a:fillRef idx="1">
-          <a:scrgbClr r="0" g="0" b="0"/>
-        </a:fillRef>
-        <a:effectRef idx="0">
-          <a:scrgbClr r="0" g="0" b="0"/>
-        </a:effectRef>
-        <a:fontRef idx="minor">
-          <a:schemeClr val="lt1"/>
-        </a:fontRef>
-      </dsp:style>
-      <dsp:txBody>
-        <a:bodyPr spcFirstLastPara="0" vert="horz" wrap="square" lIns="68580" tIns="68580" rIns="68580" bIns="68580" numCol="1" spcCol="1270" anchor="ctr" anchorCtr="0">
-          <a:noAutofit/>
-        </a:bodyPr>
-        <a:lstStyle/>
-        <a:p>
-          <a:pPr marL="0" lvl="0" indent="0" algn="ctr" defTabSz="800100">
-            <a:lnSpc>
-              <a:spcPct val="90000"/>
-            </a:lnSpc>
-            <a:spcBef>
-              <a:spcPct val="0"/>
-            </a:spcBef>
-            <a:spcAft>
-              <a:spcPct val="35000"/>
-            </a:spcAft>
-            <a:buNone/>
-          </a:pPr>
-          <a:r>
-            <a:rPr lang="en-GB" sz="1800" kern="1200"/>
-            <a:t>Evaluate the model on the "Test" portion</a:t>
-          </a:r>
-        </a:p>
-      </dsp:txBody>
-      <dsp:txXfrm>
-        <a:off x="5705718" y="1041604"/>
-        <a:ext cx="1932797" cy="1408742"/>
-      </dsp:txXfrm>
-    </dsp:sp>
-    <dsp:sp modelId="{E6668D6B-03E5-0841-88B3-001E65CF5C90}">
-      <dsp:nvSpPr>
-        <dsp:cNvPr id="0" name=""/>
-        <dsp:cNvSpPr/>
-      </dsp:nvSpPr>
-      <dsp:spPr>
-        <a:xfrm>
-          <a:off x="7884389" y="1495439"/>
-          <a:ext cx="428336" cy="501072"/>
-        </a:xfrm>
-        <a:prstGeom prst="rightArrow">
-          <a:avLst>
-            <a:gd name="adj1" fmla="val 60000"/>
-            <a:gd name="adj2" fmla="val 50000"/>
-          </a:avLst>
-        </a:prstGeom>
-        <a:solidFill>
-          <a:schemeClr val="accent1">
-            <a:tint val="60000"/>
-            <a:hueOff val="0"/>
-            <a:satOff val="0"/>
-            <a:lumOff val="0"/>
-            <a:alphaOff val="0"/>
-          </a:schemeClr>
-        </a:solidFill>
-        <a:ln>
-          <a:noFill/>
-        </a:ln>
-        <a:effectLst/>
-      </dsp:spPr>
-      <dsp:style>
-        <a:lnRef idx="0">
-          <a:scrgbClr r="0" g="0" b="0"/>
-        </a:lnRef>
-        <a:fillRef idx="1">
-          <a:scrgbClr r="0" g="0" b="0"/>
-        </a:fillRef>
-        <a:effectRef idx="0">
-          <a:scrgbClr r="0" g="0" b="0"/>
-        </a:effectRef>
-        <a:fontRef idx="minor">
-          <a:schemeClr val="lt1"/>
-        </a:fontRef>
-      </dsp:style>
-      <dsp:txBody>
-        <a:bodyPr spcFirstLastPara="0" vert="horz" wrap="square" lIns="0" tIns="0" rIns="0" bIns="0" numCol="1" spcCol="1270" anchor="ctr" anchorCtr="0">
-          <a:noAutofit/>
-        </a:bodyPr>
-        <a:lstStyle/>
-        <a:p>
-          <a:pPr marL="0" lvl="0" indent="0" algn="ctr" defTabSz="622300">
-            <a:lnSpc>
-              <a:spcPct val="90000"/>
-            </a:lnSpc>
-            <a:spcBef>
-              <a:spcPct val="0"/>
-            </a:spcBef>
-            <a:spcAft>
-              <a:spcPct val="35000"/>
-            </a:spcAft>
-            <a:buNone/>
-          </a:pPr>
-          <a:endParaRPr lang="en-GB" sz="1400" kern="1200"/>
-        </a:p>
-      </dsp:txBody>
-      <dsp:txXfrm>
-        <a:off x="7884389" y="1595653"/>
-        <a:ext cx="299835" cy="300644"/>
-      </dsp:txXfrm>
-    </dsp:sp>
-    <dsp:sp modelId="{E3D48B01-FC7F-9C48-9813-9ED0190360B1}">
-      <dsp:nvSpPr>
-        <dsp:cNvPr id="0" name=""/>
-        <dsp:cNvSpPr/>
-      </dsp:nvSpPr>
-      <dsp:spPr>
-        <a:xfrm>
-          <a:off x="8490525" y="997776"/>
-          <a:ext cx="2020453" cy="1496398"/>
-        </a:xfrm>
-        <a:prstGeom prst="roundRect">
-          <a:avLst>
-            <a:gd name="adj" fmla="val 10000"/>
-          </a:avLst>
-        </a:prstGeom>
-        <a:solidFill>
-          <a:schemeClr val="accent1">
-            <a:hueOff val="0"/>
-            <a:satOff val="0"/>
-            <a:lumOff val="0"/>
-            <a:alphaOff val="0"/>
-          </a:schemeClr>
-        </a:solidFill>
-        <a:ln w="12700" cap="flat" cmpd="sng" algn="ctr">
-          <a:solidFill>
-            <a:schemeClr val="lt1">
-              <a:hueOff val="0"/>
-              <a:satOff val="0"/>
-              <a:lumOff val="0"/>
-              <a:alphaOff val="0"/>
-            </a:schemeClr>
-          </a:solidFill>
-          <a:prstDash val="solid"/>
-          <a:miter lim="800000"/>
-        </a:ln>
-        <a:effectLst/>
-      </dsp:spPr>
-      <dsp:style>
-        <a:lnRef idx="2">
-          <a:scrgbClr r="0" g="0" b="0"/>
-        </a:lnRef>
-        <a:fillRef idx="1">
-          <a:scrgbClr r="0" g="0" b="0"/>
-        </a:fillRef>
-        <a:effectRef idx="0">
-          <a:scrgbClr r="0" g="0" b="0"/>
-        </a:effectRef>
-        <a:fontRef idx="minor">
-          <a:schemeClr val="lt1"/>
-        </a:fontRef>
-      </dsp:style>
-      <dsp:txBody>
-        <a:bodyPr spcFirstLastPara="0" vert="horz" wrap="square" lIns="68580" tIns="68580" rIns="68580" bIns="68580" numCol="1" spcCol="1270" anchor="ctr" anchorCtr="0">
-          <a:noAutofit/>
-        </a:bodyPr>
-        <a:lstStyle/>
-        <a:p>
-          <a:pPr marL="0" lvl="0" indent="0" algn="ctr" defTabSz="800100">
-            <a:lnSpc>
-              <a:spcPct val="90000"/>
-            </a:lnSpc>
-            <a:spcBef>
-              <a:spcPct val="0"/>
-            </a:spcBef>
-            <a:spcAft>
-              <a:spcPct val="35000"/>
-            </a:spcAft>
-            <a:buNone/>
-          </a:pPr>
-          <a:r>
-            <a:rPr lang="en-GB" sz="1800" kern="1200"/>
-            <a:t>Compare the metrics on the "Train" and on the "Test" portion of the dataset</a:t>
-          </a:r>
-        </a:p>
-      </dsp:txBody>
-      <dsp:txXfrm>
-        <a:off x="8534353" y="1041604"/>
-        <a:ext cx="1932797" cy="1408742"/>
-      </dsp:txXfrm>
-    </dsp:sp>
-  </dsp:spTree>
-</dsp:drawing>
-</file>
-
-<file path=ppt/diagrams/layout1.xml><?xml version="1.0" encoding="utf-8"?>
-<dgm:layoutDef xmlns:dgm="http://schemas.openxmlformats.org/drawingml/2006/diagram" xmlns:a="http://schemas.openxmlformats.org/drawingml/2006/main" uniqueId="urn:microsoft.com/office/officeart/2005/8/layout/process1">
-  <dgm:title val=""/>
-  <dgm:desc val=""/>
-  <dgm:catLst>
-    <dgm:cat type="process" pri="1000"/>
-    <dgm:cat type="convert" pri="15000"/>
-  </dgm:catLst>
-  <dgm:sampData useDef="1">
-    <dgm:dataModel>
-      <dgm:ptLst/>
-      <dgm:bg/>
-      <dgm:whole/>
-    </dgm:dataModel>
-  </dgm:sampData>
-  <dgm:styleData>
-    <dgm:dataModel>
-      <dgm:ptLst>
-        <dgm:pt modelId="0" type="doc"/>
-        <dgm:pt modelId="1"/>
-        <dgm:pt modelId="2"/>
-      </dgm:ptLst>
-      <dgm:cxnLst>
-        <dgm:cxn modelId="3" srcId="0" destId="1" srcOrd="0" destOrd="0"/>
-        <dgm:cxn modelId="4" srcId="0" destId="2" srcOrd="1" destOrd="0"/>
-      </dgm:cxnLst>
-      <dgm:bg/>
-      <dgm:whole/>
-    </dgm:dataModel>
-  </dgm:styleData>
-  <dgm:clrData>
-    <dgm:dataModel>
-      <dgm:ptLst>
-        <dgm:pt modelId="0" type="doc"/>
-        <dgm:pt modelId="1"/>
-        <dgm:pt modelId="2"/>
-        <dgm:pt modelId="3"/>
-        <dgm:pt modelId="4"/>
-      </dgm:ptLst>
-      <dgm:cxnLst>
-        <dgm:cxn modelId="5" srcId="0" destId="1" srcOrd="0" destOrd="0"/>
-        <dgm:cxn modelId="6" srcId="0" destId="2" srcOrd="1" destOrd="0"/>
-        <dgm:cxn modelId="7" srcId="0" destId="3" srcOrd="2" destOrd="0"/>
-        <dgm:cxn modelId="8" srcId="0" destId="4" srcOrd="3" destOrd="0"/>
-      </dgm:cxnLst>
-      <dgm:bg/>
-      <dgm:whole/>
-    </dgm:dataModel>
-  </dgm:clrData>
-  <dgm:layoutNode name="Name0">
-    <dgm:varLst>
-      <dgm:dir/>
-      <dgm:resizeHandles val="exact"/>
-    </dgm:varLst>
-    <dgm:choose name="Name1">
-      <dgm:if name="Name2" func="var" arg="dir" op="equ" val="norm">
-        <dgm:alg type="lin"/>
-      </dgm:if>
-      <dgm:else name="Name3">
-        <dgm:alg type="lin">
-          <dgm:param type="linDir" val="fromR"/>
-        </dgm:alg>
-      </dgm:else>
-    </dgm:choose>
-    <dgm:shape xmlns:r="http://schemas.openxmlformats.org/officeDocument/2006/relationships" r:blip="">
-      <dgm:adjLst/>
-    </dgm:shape>
-    <dgm:presOf/>
-    <dgm:constrLst>
-      <dgm:constr type="w" for="ch" ptType="node" refType="w"/>
-      <dgm:constr type="h" for="ch" ptType="node" op="equ"/>
-      <dgm:constr type="primFontSz" for="ch" ptType="node" op="equ" val="65"/>
-      <dgm:constr type="w" for="ch" ptType="sibTrans" refType="w" refFor="ch" refPtType="node" op="equ" fact="0.4"/>
-      <dgm:constr type="h" for="ch" ptType="sibTrans" op="equ"/>
-      <dgm:constr type="primFontSz" for="des" forName="connectorText" op="equ" val="55"/>
-      <dgm:constr type="primFontSz" for="des" forName="connectorText" refType="primFontSz" refFor="ch" refPtType="node" op="lte" fact="0.8"/>
-    </dgm:constrLst>
-    <dgm:ruleLst/>
-    <dgm:forEach name="nodesForEach" axis="ch" ptType="node">
-      <dgm:layoutNode name="node">
-        <dgm:varLst>
-          <dgm:bulletEnabled val="1"/>
-        </dgm:varLst>
-        <dgm:alg type="tx"/>
-        <dgm:shape xmlns:r="http://schemas.openxmlformats.org/officeDocument/2006/relationships" type="roundRect" r:blip="">
-          <dgm:adjLst>
-            <dgm:adj idx="1" val="0.1"/>
-          </dgm:adjLst>
-        </dgm:shape>
-        <dgm:presOf axis="desOrSelf" ptType="node"/>
-        <dgm:constrLst>
-          <dgm:constr type="h" refType="w" fact="0.6"/>
-          <dgm:constr type="tMarg" refType="primFontSz" fact="0.3"/>
-          <dgm:constr type="bMarg" refType="primFontSz" fact="0.3"/>
-          <dgm:constr type="lMarg" refType="primFontSz" fact="0.3"/>
-          <dgm:constr type="rMarg" refType="primFontSz" fact="0.3"/>
-        </dgm:constrLst>
-        <dgm:ruleLst>
-          <dgm:rule type="primFontSz" val="18" fact="NaN" max="NaN"/>
-          <dgm:rule type="h" val="NaN" fact="1.5" max="NaN"/>
-          <dgm:rule type="primFontSz" val="5" fact="NaN" max="NaN"/>
-          <dgm:rule type="h" val="INF" fact="NaN" max="NaN"/>
-        </dgm:ruleLst>
-      </dgm:layoutNode>
-      <dgm:forEach name="sibTransForEach" axis="followSib" ptType="sibTrans" cnt="1">
-        <dgm:layoutNode name="sibTrans">
-          <dgm:alg type="conn">
-            <dgm:param type="begPts" val="auto"/>
-            <dgm:param type="endPts" val="auto"/>
-          </dgm:alg>
-          <dgm:shape xmlns:r="http://schemas.openxmlformats.org/officeDocument/2006/relationships" type="conn" r:blip="">
-            <dgm:adjLst/>
-          </dgm:shape>
-          <dgm:presOf axis="self"/>
-          <dgm:constrLst>
-            <dgm:constr type="h" refType="w" fact="0.62"/>
-            <dgm:constr type="connDist"/>
-            <dgm:constr type="begPad" refType="connDist" fact="0.25"/>
-            <dgm:constr type="endPad" refType="connDist" fact="0.22"/>
-          </dgm:constrLst>
-          <dgm:ruleLst/>
-          <dgm:layoutNode name="connectorText">
-            <dgm:alg type="tx">
-              <dgm:param type="autoTxRot" val="grav"/>
-            </dgm:alg>
-            <dgm:shape xmlns:r="http://schemas.openxmlformats.org/officeDocument/2006/relationships" type="conn" r:blip="" hideGeom="1">
-              <dgm:adjLst/>
-            </dgm:shape>
-            <dgm:presOf axis="self"/>
-            <dgm:constrLst>
-              <dgm:constr type="lMarg"/>
-              <dgm:constr type="rMarg"/>
-              <dgm:constr type="tMarg"/>
-              <dgm:constr type="bMarg"/>
-            </dgm:constrLst>
-            <dgm:ruleLst>
-              <dgm:rule type="primFontSz" val="5" fact="NaN" max="NaN"/>
-            </dgm:ruleLst>
-          </dgm:layoutNode>
-        </dgm:layoutNode>
-      </dgm:forEach>
-    </dgm:forEach>
-  </dgm:layoutNode>
-</dgm:layoutDef>
-</file>
-
-<file path=ppt/diagrams/quickStyle1.xml><?xml version="1.0" encoding="utf-8"?>
-<dgm:styleDef xmlns:dgm="http://schemas.openxmlformats.org/drawingml/2006/diagram" xmlns:a="http://schemas.openxmlformats.org/drawingml/2006/main" uniqueId="urn:microsoft.com/office/officeart/2005/8/quickstyle/simple1">
-  <dgm:title val=""/>
-  <dgm:desc val=""/>
-  <dgm:catLst>
-    <dgm:cat type="simple" pri="10100"/>
-  </dgm:catLst>
-  <dgm:scene3d>
-    <a:camera prst="orthographicFront"/>
-    <a:lightRig rig="threePt" dir="t"/>
-  </dgm:scene3d>
-  <dgm:styleLbl name="node0">
-    <dgm:scene3d>
-      <a:camera prst="orthographicFront"/>
-      <a:lightRig rig="threePt" dir="t"/>
-    </dgm:scene3d>
-    <dgm:sp3d/>
-    <dgm:txPr/>
-    <dgm:style>
-      <a:lnRef idx="2">
-        <a:scrgbClr r="0" g="0" b="0"/>
-      </a:lnRef>
-      <a:fillRef idx="1">
-        <a:scrgbClr r="0" g="0" b="0"/>
-      </a:fillRef>
-      <a:effectRef idx="0">
-        <a:scrgbClr r="0" g="0" b="0"/>
-      </a:effectRef>
-      <a:fontRef idx="minor">
-        <a:schemeClr val="lt1"/>
-      </a:fontRef>
-    </dgm:style>
-  </dgm:styleLbl>
-  <dgm:styleLbl name="lnNode1">
-    <dgm:scene3d>
-      <a:camera prst="orthographicFront"/>
-      <a:lightRig rig="threePt" dir="t"/>
-    </dgm:scene3d>
-    <dgm:sp3d/>
-    <dgm:txPr/>
-    <dgm:style>
-      <a:lnRef idx="2">
-        <a:scrgbClr r="0" g="0" b="0"/>
-      </a:lnRef>
-      <a:fillRef idx="1">
-        <a:scrgbClr r="0" g="0" b="0"/>
-      </a:fillRef>
-      <a:effectRef idx="0">
-        <a:scrgbClr r="0" g="0" b="0"/>
-      </a:effectRef>
-      <a:fontRef idx="minor">
-        <a:schemeClr val="lt1"/>
-      </a:fontRef>
-    </dgm:style>
-  </dgm:styleLbl>
-  <dgm:styleLbl name="vennNode1">
-    <dgm:scene3d>
-      <a:camera prst="orthographicFront"/>
-      <a:lightRig rig="threePt" dir="t"/>
-    </dgm:scene3d>
-    <dgm:sp3d/>
-    <dgm:txPr/>
-    <dgm:style>
-      <a:lnRef idx="2">
-        <a:scrgbClr r="0" g="0" b="0"/>
-      </a:lnRef>
-      <a:fillRef idx="1">
-        <a:scrgbClr r="0" g="0" b="0"/>
-      </a:fillRef>
-      <a:effectRef idx="0">
-        <a:scrgbClr r="0" g="0" b="0"/>
-      </a:effectRef>
-      <a:fontRef idx="minor">
-        <a:schemeClr val="tx1"/>
-      </a:fontRef>
-    </dgm:style>
-  </dgm:styleLbl>
-  <dgm:styleLbl name="alignNode1">
-    <dgm:scene3d>
-      <a:camera prst="orthographicFront"/>
-      <a:lightRig rig="threePt" dir="t"/>
-    </dgm:scene3d>
-    <dgm:sp3d/>
-    <dgm:txPr/>
-    <dgm:style>
-      <a:lnRef idx="2">
-        <a:scrgbClr r="0" g="0" b="0"/>
-      </a:lnRef>
-      <a:fillRef idx="1">
-        <a:scrgbClr r="0" g="0" b="0"/>
-      </a:fillRef>
-      <a:effectRef idx="0">
-        <a:scrgbClr r="0" g="0" b="0"/>
-      </a:effectRef>
-      <a:fontRef idx="minor">
-        <a:schemeClr val="lt1"/>
-      </a:fontRef>
-    </dgm:style>
-  </dgm:styleLbl>
-  <dgm:styleLbl name="node1">
-    <dgm:scene3d>
-      <a:camera prst="orthographicFront"/>
-      <a:lightRig rig="threePt" dir="t"/>
-    </dgm:scene3d>
-    <dgm:sp3d/>
-    <dgm:txPr/>
-    <dgm:style>
-      <a:lnRef idx="2">
-        <a:scrgbClr r="0" g="0" b="0"/>
-      </a:lnRef>
-      <a:fillRef idx="1">
-        <a:scrgbClr r="0" g="0" b="0"/>
-      </a:fillRef>
-      <a:effectRef idx="0">
-        <a:scrgbClr r="0" g="0" b="0"/>
-      </a:effectRef>
-      <a:fontRef idx="minor">
-        <a:schemeClr val="lt1"/>
-      </a:fontRef>
-    </dgm:style>
-  </dgm:styleLbl>
-  <dgm:styleLbl name="node2">
-    <dgm:scene3d>
-      <a:camera prst="orthographicFront"/>
-      <a:lightRig rig="threePt" dir="t"/>
-    </dgm:scene3d>
-    <dgm:sp3d/>
-    <dgm:txPr/>
-    <dgm:style>
-      <a:lnRef idx="2">
-        <a:scrgbClr r="0" g="0" b="0"/>
-      </a:lnRef>
-      <a:fillRef idx="1">
-        <a:scrgbClr r="0" g="0" b="0"/>
-      </a:fillRef>
-      <a:effectRef idx="0">
-        <a:scrgbClr r="0" g="0" b="0"/>
-      </a:effectRef>
-      <a:fontRef idx="minor">
-        <a:schemeClr val="lt1"/>
-      </a:fontRef>
-    </dgm:style>
-  </dgm:styleLbl>
-  <dgm:styleLbl name="node3">
-    <dgm:scene3d>
-      <a:camera prst="orthographicFront"/>
-      <a:lightRig rig="threePt" dir="t"/>
-    </dgm:scene3d>
-    <dgm:sp3d/>
-    <dgm:txPr/>
-    <dgm:style>
-      <a:lnRef idx="2">
-        <a:scrgbClr r="0" g="0" b="0"/>
-      </a:lnRef>
-      <a:fillRef idx="1">
-        <a:scrgbClr r="0" g="0" b="0"/>
-      </a:fillRef>
-      <a:effectRef idx="0">
-        <a:scrgbClr r="0" g="0" b="0"/>
-      </a:effectRef>
-      <a:fontRef idx="minor">
-        <a:schemeClr val="lt1"/>
-      </a:fontRef>
-    </dgm:style>
-  </dgm:styleLbl>
-  <dgm:styleLbl name="node4">
-    <dgm:scene3d>
-      <a:camera prst="orthographicFront"/>
-      <a:lightRig rig="threePt" dir="t"/>
-    </dgm:scene3d>
-    <dgm:sp3d/>
-    <dgm:txPr/>
-    <dgm:style>
-      <a:lnRef idx="2">
-        <a:scrgbClr r="0" g="0" b="0"/>
-      </a:lnRef>
-      <a:fillRef idx="1">
-        <a:scrgbClr r="0" g="0" b="0"/>
-      </a:fillRef>
-      <a:effectRef idx="0">
-        <a:scrgbClr r="0" g="0" b="0"/>
-      </a:effectRef>
-      <a:fontRef idx="minor">
-        <a:schemeClr val="lt1"/>
-      </a:fontRef>
-    </dgm:style>
-  </dgm:styleLbl>
-  <dgm:styleLbl name="fgImgPlace1">
-    <dgm:scene3d>
-      <a:camera prst="orthographicFront"/>
-      <a:lightRig rig="threePt" dir="t"/>
-    </dgm:scene3d>
-    <dgm:sp3d/>
-    <dgm:txPr/>
-    <dgm:style>
-      <a:lnRef idx="2">
-        <a:scrgbClr r="0" g="0" b="0"/>
-      </a:lnRef>
-      <a:fillRef idx="1">
-        <a:scrgbClr r="0" g="0" b="0"/>
-      </a:fillRef>
-      <a:effectRef idx="0">
-        <a:scrgbClr r="0" g="0" b="0"/>
-      </a:effectRef>
-      <a:fontRef idx="minor"/>
-    </dgm:style>
-  </dgm:styleLbl>
-  <dgm:styleLbl name="alignImgPlace1">
-    <dgm:scene3d>
-      <a:camera prst="orthographicFront"/>
-      <a:lightRig rig="threePt" dir="t"/>
-    </dgm:scene3d>
-    <dgm:sp3d/>
-    <dgm:txPr/>
-    <dgm:style>
-      <a:lnRef idx="2">
-        <a:scrgbClr r="0" g="0" b="0"/>
-      </a:lnRef>
-      <a:fillRef idx="1">
-        <a:scrgbClr r="0" g="0" b="0"/>
-      </a:fillRef>
-      <a:effectRef idx="0">
-        <a:scrgbClr r="0" g="0" b="0"/>
-      </a:effectRef>
-      <a:fontRef idx="minor"/>
-    </dgm:style>
-  </dgm:styleLbl>
-  <dgm:styleLbl name="bgImgPlace1">
-    <dgm:scene3d>
-      <a:camera prst="orthographicFront"/>
-      <a:lightRig rig="threePt" dir="t"/>
-    </dgm:scene3d>
-    <dgm:sp3d/>
-    <dgm:txPr/>
-    <dgm:style>
-      <a:lnRef idx="2">
-        <a:scrgbClr r="0" g="0" b="0"/>
-      </a:lnRef>
-      <a:fillRef idx="1">
-        <a:scrgbClr r="0" g="0" b="0"/>
-      </a:fillRef>
-      <a:effectRef idx="0">
-        <a:scrgbClr r="0" g="0" b="0"/>
-      </a:effectRef>
-      <a:fontRef idx="minor"/>
-    </dgm:style>
-  </dgm:styleLbl>
-  <dgm:styleLbl name="sibTrans2D1">
-    <dgm:scene3d>
-      <a:camera prst="orthographicFront"/>
-      <a:lightRig rig="threePt" dir="t"/>
-    </dgm:scene3d>
-    <dgm:sp3d/>
-    <dgm:txPr/>
-    <dgm:style>
-      <a:lnRef idx="0">
-        <a:scrgbClr r="0" g="0" b="0"/>
-      </a:lnRef>
-      <a:fillRef idx="1">
-        <a:scrgbClr r="0" g="0" b="0"/>
-      </a:fillRef>
-      <a:effectRef idx="0">
-        <a:scrgbClr r="0" g="0" b="0"/>
-      </a:effectRef>
-      <a:fontRef idx="minor">
-        <a:schemeClr val="lt1"/>
-      </a:fontRef>
-    </dgm:style>
-  </dgm:styleLbl>
-  <dgm:styleLbl name="fgSibTrans2D1">
-    <dgm:scene3d>
-      <a:camera prst="orthographicFront"/>
-      <a:lightRig rig="threePt" dir="t"/>
-    </dgm:scene3d>
-    <dgm:sp3d/>
-    <dgm:txPr/>
-    <dgm:style>
-      <a:lnRef idx="0">
-        <a:scrgbClr r="0" g="0" b="0"/>
-      </a:lnRef>
-      <a:fillRef idx="1">
-        <a:scrgbClr r="0" g="0" b="0"/>
-      </a:fillRef>
-      <a:effectRef idx="0">
-        <a:scrgbClr r="0" g="0" b="0"/>
-      </a:effectRef>
-      <a:fontRef idx="minor">
-        <a:schemeClr val="lt1"/>
-      </a:fontRef>
-    </dgm:style>
-  </dgm:styleLbl>
-  <dgm:styleLbl name="bgSibTrans2D1">
-    <dgm:scene3d>
-      <a:camera prst="orthographicFront"/>
-      <a:lightRig rig="threePt" dir="t"/>
-    </dgm:scene3d>
-    <dgm:sp3d/>
-    <dgm:txPr/>
-    <dgm:style>
-      <a:lnRef idx="0">
-        <a:scrgbClr r="0" g="0" b="0"/>
-      </a:lnRef>
-      <a:fillRef idx="1">
-        <a:scrgbClr r="0" g="0" b="0"/>
-      </a:fillRef>
-      <a:effectRef idx="0">
-        <a:scrgbClr r="0" g="0" b="0"/>
-      </a:effectRef>
-      <a:fontRef idx="minor">
-        <a:schemeClr val="lt1"/>
-      </a:fontRef>
-    </dgm:style>
-  </dgm:styleLbl>
-  <dgm:styleLbl name="sibTrans1D1">
-    <dgm:scene3d>
-      <a:camera prst="orthographicFront"/>
-      <a:lightRig rig="threePt" dir="t"/>
-    </dgm:scene3d>
-    <dgm:sp3d/>
-    <dgm:txPr/>
-    <dgm:style>
-      <a:lnRef idx="1">
-        <a:scrgbClr r="0" g="0" b="0"/>
-      </a:lnRef>
-      <a:fillRef idx="0">
-        <a:scrgbClr r="0" g="0" b="0"/>
-      </a:fillRef>
-      <a:effectRef idx="0">
-        <a:scrgbClr r="0" g="0" b="0"/>
-      </a:effectRef>
-      <a:fontRef idx="minor"/>
-    </dgm:style>
-  </dgm:styleLbl>
-  <dgm:styleLbl name="callout">
-    <dgm:scene3d>
-      <a:camera prst="orthographicFront"/>
-      <a:lightRig rig="threePt" dir="t"/>
-    </dgm:scene3d>
-    <dgm:sp3d/>
-    <dgm:txPr/>
-    <dgm:style>
-      <a:lnRef idx="2">
-        <a:scrgbClr r="0" g="0" b="0"/>
-      </a:lnRef>
-      <a:fillRef idx="1">
-        <a:scrgbClr r="0" g="0" b="0"/>
-      </a:fillRef>
-      <a:effectRef idx="0">
-        <a:scrgbClr r="0" g="0" b="0"/>
-      </a:effectRef>
-      <a:fontRef idx="minor"/>
-    </dgm:style>
-  </dgm:styleLbl>
-  <dgm:styleLbl name="asst0">
-    <dgm:scene3d>
-      <a:camera prst="orthographicFront"/>
-      <a:lightRig rig="threePt" dir="t"/>
-    </dgm:scene3d>
-    <dgm:sp3d/>
-    <dgm:txPr/>
-    <dgm:style>
-      <a:lnRef idx="2">
-        <a:scrgbClr r="0" g="0" b="0"/>
-      </a:lnRef>
-      <a:fillRef idx="1">
-        <a:scrgbClr r="0" g="0" b="0"/>
-      </a:fillRef>
-      <a:effectRef idx="0">
-        <a:scrgbClr r="0" g="0" b="0"/>
-      </a:effectRef>
-      <a:fontRef idx="minor">
-        <a:schemeClr val="lt1"/>
-      </a:fontRef>
-    </dgm:style>
-  </dgm:styleLbl>
-  <dgm:styleLbl name="asst1">
-    <dgm:scene3d>
-      <a:camera prst="orthographicFront"/>
-      <a:lightRig rig="threePt" dir="t"/>
-    </dgm:scene3d>
-    <dgm:sp3d/>
-    <dgm:txPr/>
-    <dgm:style>
-      <a:lnRef idx="2">
-        <a:scrgbClr r="0" g="0" b="0"/>
-      </a:lnRef>
-      <a:fillRef idx="1">
-        <a:scrgbClr r="0" g="0" b="0"/>
-      </a:fillRef>
-      <a:effectRef idx="0">
-        <a:scrgbClr r="0" g="0" b="0"/>
-      </a:effectRef>
-      <a:fontRef idx="minor">
-        <a:schemeClr val="lt1"/>
-      </a:fontRef>
-    </dgm:style>
-  </dgm:styleLbl>
-  <dgm:styleLbl name="asst2">
-    <dgm:scene3d>
-      <a:camera prst="orthographicFront"/>
-      <a:lightRig rig="threePt" dir="t"/>
-    </dgm:scene3d>
-    <dgm:sp3d/>
-    <dgm:txPr/>
-    <dgm:style>
-      <a:lnRef idx="2">
-        <a:scrgbClr r="0" g="0" b="0"/>
-      </a:lnRef>
-      <a:fillRef idx="1">
-        <a:scrgbClr r="0" g="0" b="0"/>
-      </a:fillRef>
-      <a:effectRef idx="0">
-        <a:scrgbClr r="0" g="0" b="0"/>
-      </a:effectRef>
-      <a:fontRef idx="minor">
-        <a:schemeClr val="lt1"/>
-      </a:fontRef>
-    </dgm:style>
-  </dgm:styleLbl>
-  <dgm:styleLbl name="asst3">
-    <dgm:scene3d>
-      <a:camera prst="orthographicFront"/>
-      <a:lightRig rig="threePt" dir="t"/>
-    </dgm:scene3d>
-    <dgm:sp3d/>
-    <dgm:txPr/>
-    <dgm:style>
-      <a:lnRef idx="2">
-        <a:scrgbClr r="0" g="0" b="0"/>
-      </a:lnRef>
-      <a:fillRef idx="1">
-        <a:scrgbClr r="0" g="0" b="0"/>
-      </a:fillRef>
-      <a:effectRef idx="0">
-        <a:scrgbClr r="0" g="0" b="0"/>
-      </a:effectRef>
-      <a:fontRef idx="minor">
-        <a:schemeClr val="lt1"/>
-      </a:fontRef>
-    </dgm:style>
-  </dgm:styleLbl>
-  <dgm:styleLbl name="asst4">
-    <dgm:scene3d>
-      <a:camera prst="orthographicFront"/>
-      <a:lightRig rig="threePt" dir="t"/>
-    </dgm:scene3d>
-    <dgm:sp3d/>
-    <dgm:txPr/>
-    <dgm:style>
-      <a:lnRef idx="2">
-        <a:scrgbClr r="0" g="0" b="0"/>
-      </a:lnRef>
-      <a:fillRef idx="1">
-        <a:scrgbClr r="0" g="0" b="0"/>
-      </a:fillRef>
-      <a:effectRef idx="0">
-        <a:scrgbClr r="0" g="0" b="0"/>
-      </a:effectRef>
-      <a:fontRef idx="minor">
-        <a:schemeClr val="lt1"/>
-      </a:fontRef>
-    </dgm:style>
-  </dgm:styleLbl>
-  <dgm:styleLbl name="parChTrans2D1">
-    <dgm:scene3d>
-      <a:camera prst="orthographicFront"/>
-      <a:lightRig rig="threePt" dir="t"/>
-    </dgm:scene3d>
-    <dgm:sp3d/>
-    <dgm:txPr/>
-    <dgm:style>
-      <a:lnRef idx="2">
-        <a:scrgbClr r="0" g="0" b="0"/>
-      </a:lnRef>
-      <a:fillRef idx="1">
-        <a:scrgbClr r="0" g="0" b="0"/>
-      </a:fillRef>
-      <a:effectRef idx="0">
-        <a:scrgbClr r="0" g="0" b="0"/>
-      </a:effectRef>
-      <a:fontRef idx="minor">
-        <a:schemeClr val="lt1"/>
-      </a:fontRef>
-    </dgm:style>
-  </dgm:styleLbl>
-  <dgm:styleLbl name="parChTrans2D2">
-    <dgm:scene3d>
-      <a:camera prst="orthographicFront"/>
-      <a:lightRig rig="threePt" dir="t"/>
-    </dgm:scene3d>
-    <dgm:sp3d/>
-    <dgm:txPr/>
-    <dgm:style>
-      <a:lnRef idx="2">
-        <a:scrgbClr r="0" g="0" b="0"/>
-      </a:lnRef>
-      <a:fillRef idx="1">
-        <a:scrgbClr r="0" g="0" b="0"/>
-      </a:fillRef>
-      <a:effectRef idx="0">
-        <a:scrgbClr r="0" g="0" b="0"/>
-      </a:effectRef>
-      <a:fontRef idx="minor">
-        <a:schemeClr val="lt1"/>
-      </a:fontRef>
-    </dgm:style>
-  </dgm:styleLbl>
-  <dgm:styleLbl name="parChTrans2D3">
-    <dgm:scene3d>
-      <a:camera prst="orthographicFront"/>
-      <a:lightRig rig="threePt" dir="t"/>
-    </dgm:scene3d>
-    <dgm:sp3d/>
-    <dgm:txPr/>
-    <dgm:style>
-      <a:lnRef idx="2">
-        <a:scrgbClr r="0" g="0" b="0"/>
-      </a:lnRef>
-      <a:fillRef idx="1">
-        <a:scrgbClr r="0" g="0" b="0"/>
-      </a:fillRef>
-      <a:effectRef idx="0">
-        <a:scrgbClr r="0" g="0" b="0"/>
-      </a:effectRef>
-      <a:fontRef idx="minor">
-        <a:schemeClr val="lt1"/>
-      </a:fontRef>
-    </dgm:style>
-  </dgm:styleLbl>
-  <dgm:styleLbl name="parChTrans2D4">
-    <dgm:scene3d>
-      <a:camera prst="orthographicFront"/>
-      <a:lightRig rig="threePt" dir="t"/>
-    </dgm:scene3d>
-    <dgm:sp3d/>
-    <dgm:txPr/>
-    <dgm:style>
-      <a:lnRef idx="2">
-        <a:scrgbClr r="0" g="0" b="0"/>
-      </a:lnRef>
-      <a:fillRef idx="1">
-        <a:scrgbClr r="0" g="0" b="0"/>
-      </a:fillRef>
-      <a:effectRef idx="0">
-        <a:scrgbClr r="0" g="0" b="0"/>
-      </a:effectRef>
-      <a:fontRef idx="minor">
-        <a:schemeClr val="lt1"/>
-      </a:fontRef>
-    </dgm:style>
-  </dgm:styleLbl>
-  <dgm:styleLbl name="parChTrans1D1">
-    <dgm:scene3d>
-      <a:camera prst="orthographicFront"/>
-      <a:lightRig rig="threePt" dir="t"/>
-    </dgm:scene3d>
-    <dgm:sp3d/>
-    <dgm:txPr/>
-    <dgm:style>
-      <a:lnRef idx="2">
-        <a:scrgbClr r="0" g="0" b="0"/>
-      </a:lnRef>
-      <a:fillRef idx="0">
-        <a:scrgbClr r="0" g="0" b="0"/>
-      </a:fillRef>
-      <a:effectRef idx="0">
-        <a:scrgbClr r="0" g="0" b="0"/>
-      </a:effectRef>
-      <a:fontRef idx="minor"/>
-    </dgm:style>
-  </dgm:styleLbl>
-  <dgm:styleLbl name="parChTrans1D2">
-    <dgm:scene3d>
-      <a:camera prst="orthographicFront"/>
-      <a:lightRig rig="threePt" dir="t"/>
-    </dgm:scene3d>
-    <dgm:sp3d/>
-    <dgm:txPr/>
-    <dgm:style>
-      <a:lnRef idx="2">
-        <a:scrgbClr r="0" g="0" b="0"/>
-      </a:lnRef>
-      <a:fillRef idx="0">
-        <a:scrgbClr r="0" g="0" b="0"/>
-      </a:fillRef>
-      <a:effectRef idx="0">
-        <a:scrgbClr r="0" g="0" b="0"/>
-      </a:effectRef>
-      <a:fontRef idx="minor"/>
-    </dgm:style>
-  </dgm:styleLbl>
-  <dgm:styleLbl name="parChTrans1D3">
-    <dgm:scene3d>
-      <a:camera prst="orthographicFront"/>
-      <a:lightRig rig="threePt" dir="t"/>
-    </dgm:scene3d>
-    <dgm:sp3d/>
-    <dgm:txPr/>
-    <dgm:style>
-      <a:lnRef idx="2">
-        <a:scrgbClr r="0" g="0" b="0"/>
-      </a:lnRef>
-      <a:fillRef idx="0">
-        <a:scrgbClr r="0" g="0" b="0"/>
-      </a:fillRef>
-      <a:effectRef idx="0">
-        <a:scrgbClr r="0" g="0" b="0"/>
-      </a:effectRef>
-      <a:fontRef idx="minor"/>
-    </dgm:style>
-  </dgm:styleLbl>
-  <dgm:styleLbl name="parChTrans1D4">
-    <dgm:scene3d>
-      <a:camera prst="orthographicFront"/>
-      <a:lightRig rig="threePt" dir="t"/>
-    </dgm:scene3d>
-    <dgm:sp3d/>
-    <dgm:txPr/>
-    <dgm:style>
-      <a:lnRef idx="2">
-        <a:scrgbClr r="0" g="0" b="0"/>
-      </a:lnRef>
-      <a:fillRef idx="0">
-        <a:scrgbClr r="0" g="0" b="0"/>
-      </a:fillRef>
-      <a:effectRef idx="0">
-        <a:scrgbClr r="0" g="0" b="0"/>
-      </a:effectRef>
-      <a:fontRef idx="minor"/>
-    </dgm:style>
-  </dgm:styleLbl>
-  <dgm:styleLbl name="fgAcc1">
-    <dgm:scene3d>
-      <a:camera prst="orthographicFront"/>
-      <a:lightRig rig="threePt" dir="t"/>
-    </dgm:scene3d>
-    <dgm:sp3d/>
-    <dgm:txPr/>
-    <dgm:style>
-      <a:lnRef idx="2">
-        <a:scrgbClr r="0" g="0" b="0"/>
-      </a:lnRef>
-      <a:fillRef idx="1">
-        <a:scrgbClr r="0" g="0" b="0"/>
-      </a:fillRef>
-      <a:effectRef idx="0">
-        <a:scrgbClr r="0" g="0" b="0"/>
-      </a:effectRef>
-      <a:fontRef idx="minor"/>
-    </dgm:style>
-  </dgm:styleLbl>
-  <dgm:styleLbl name="conFgAcc1">
-    <dgm:scene3d>
-      <a:camera prst="orthographicFront"/>
-      <a:lightRig rig="threePt" dir="t"/>
-    </dgm:scene3d>
-    <dgm:sp3d/>
-    <dgm:txPr/>
-    <dgm:style>
-      <a:lnRef idx="2">
-        <a:scrgbClr r="0" g="0" b="0"/>
-      </a:lnRef>
-      <a:fillRef idx="1">
-        <a:scrgbClr r="0" g="0" b="0"/>
-      </a:fillRef>
-      <a:effectRef idx="0">
-        <a:scrgbClr r="0" g="0" b="0"/>
-      </a:effectRef>
-      <a:fontRef idx="minor"/>
-    </dgm:style>
-  </dgm:styleLbl>
-  <dgm:styleLbl name="alignAcc1">
-    <dgm:scene3d>
-      <a:camera prst="orthographicFront"/>
-      <a:lightRig rig="threePt" dir="t"/>
-    </dgm:scene3d>
-    <dgm:sp3d/>
-    <dgm:txPr/>
-    <dgm:style>
-      <a:lnRef idx="2">
-        <a:scrgbClr r="0" g="0" b="0"/>
-      </a:lnRef>
-      <a:fillRef idx="1">
-        <a:scrgbClr r="0" g="0" b="0"/>
-      </a:fillRef>
-      <a:effectRef idx="0">
-        <a:scrgbClr r="0" g="0" b="0"/>
-      </a:effectRef>
-      <a:fontRef idx="minor"/>
-    </dgm:style>
-  </dgm:styleLbl>
-  <dgm:styleLbl name="trAlignAcc1">
-    <dgm:scene3d>
-      <a:camera prst="orthographicFront"/>
-      <a:lightRig rig="threePt" dir="t"/>
-    </dgm:scene3d>
-    <dgm:sp3d/>
-    <dgm:txPr/>
-    <dgm:style>
-      <a:lnRef idx="1">
-        <a:scrgbClr r="0" g="0" b="0"/>
-      </a:lnRef>
-      <a:fillRef idx="1">
-        <a:scrgbClr r="0" g="0" b="0"/>
-      </a:fillRef>
-      <a:effectRef idx="0">
-        <a:scrgbClr r="0" g="0" b="0"/>
-      </a:effectRef>
-      <a:fontRef idx="minor"/>
-    </dgm:style>
-  </dgm:styleLbl>
-  <dgm:styleLbl name="bgAcc1">
-    <dgm:scene3d>
-      <a:camera prst="orthographicFront"/>
-      <a:lightRig rig="threePt" dir="t"/>
-    </dgm:scene3d>
-    <dgm:sp3d/>
-    <dgm:txPr/>
-    <dgm:style>
-      <a:lnRef idx="2">
-        <a:scrgbClr r="0" g="0" b="0"/>
-      </a:lnRef>
-      <a:fillRef idx="1">
-        <a:scrgbClr r="0" g="0" b="0"/>
-      </a:fillRef>
-      <a:effectRef idx="0">
-        <a:scrgbClr r="0" g="0" b="0"/>
-      </a:effectRef>
-      <a:fontRef idx="minor"/>
-    </dgm:style>
-  </dgm:styleLbl>
-  <dgm:styleLbl name="solidFgAcc1">
-    <dgm:scene3d>
-      <a:camera prst="orthographicFront"/>
-      <a:lightRig rig="threePt" dir="t"/>
-    </dgm:scene3d>
-    <dgm:sp3d/>
-    <dgm:txPr/>
-    <dgm:style>
-      <a:lnRef idx="2">
-        <a:scrgbClr r="0" g="0" b="0"/>
-      </a:lnRef>
-      <a:fillRef idx="1">
-        <a:scrgbClr r="0" g="0" b="0"/>
-      </a:fillRef>
-      <a:effectRef idx="0">
-        <a:scrgbClr r="0" g="0" b="0"/>
-      </a:effectRef>
-      <a:fontRef idx="minor"/>
-    </dgm:style>
-  </dgm:styleLbl>
-  <dgm:styleLbl name="solidAlignAcc1">
-    <dgm:scene3d>
-      <a:camera prst="orthographicFront"/>
-      <a:lightRig rig="threePt" dir="t"/>
-    </dgm:scene3d>
-    <dgm:sp3d/>
-    <dgm:txPr/>
-    <dgm:style>
-      <a:lnRef idx="2">
-        <a:scrgbClr r="0" g="0" b="0"/>
-      </a:lnRef>
-      <a:fillRef idx="1">
-        <a:scrgbClr r="0" g="0" b="0"/>
-      </a:fillRef>
-      <a:effectRef idx="0">
-        <a:scrgbClr r="0" g="0" b="0"/>
-      </a:effectRef>
-      <a:fontRef idx="minor"/>
-    </dgm:style>
-  </dgm:styleLbl>
-  <dgm:styleLbl name="solidBgAcc1">
-    <dgm:scene3d>
-      <a:camera prst="orthographicFront"/>
-      <a:lightRig rig="threePt" dir="t"/>
-    </dgm:scene3d>
-    <dgm:sp3d/>
-    <dgm:txPr/>
-    <dgm:style>
-      <a:lnRef idx="2">
-        <a:scrgbClr r="0" g="0" b="0"/>
-      </a:lnRef>
-      <a:fillRef idx="1">
-        <a:scrgbClr r="0" g="0" b="0"/>
-      </a:fillRef>
-      <a:effectRef idx="0">
-        <a:scrgbClr r="0" g="0" b="0"/>
-      </a:effectRef>
-      <a:fontRef idx="minor"/>
-    </dgm:style>
-  </dgm:styleLbl>
-  <dgm:styleLbl name="fgAccFollowNode1">
-    <dgm:scene3d>
-      <a:camera prst="orthographicFront"/>
-      <a:lightRig rig="threePt" dir="t"/>
-    </dgm:scene3d>
-    <dgm:sp3d/>
-    <dgm:txPr/>
-    <dgm:style>
-      <a:lnRef idx="2">
-        <a:scrgbClr r="0" g="0" b="0"/>
-      </a:lnRef>
-      <a:fillRef idx="1">
-        <a:scrgbClr r="0" g="0" b="0"/>
-      </a:fillRef>
-      <a:effectRef idx="0">
-        <a:scrgbClr r="0" g="0" b="0"/>
-      </a:effectRef>
-      <a:fontRef idx="minor"/>
-    </dgm:style>
-  </dgm:styleLbl>
-  <dgm:styleLbl name="alignAccFollowNode1">
-    <dgm:scene3d>
-      <a:camera prst="orthographicFront"/>
-      <a:lightRig rig="threePt" dir="t"/>
-    </dgm:scene3d>
-    <dgm:sp3d/>
-    <dgm:txPr/>
-    <dgm:style>
-      <a:lnRef idx="2">
-        <a:scrgbClr r="0" g="0" b="0"/>
-      </a:lnRef>
-      <a:fillRef idx="1">
-        <a:scrgbClr r="0" g="0" b="0"/>
-      </a:fillRef>
-      <a:effectRef idx="0">
-        <a:scrgbClr r="0" g="0" b="0"/>
-      </a:effectRef>
-      <a:fontRef idx="minor"/>
-    </dgm:style>
-  </dgm:styleLbl>
-  <dgm:styleLbl name="bgAccFollowNode1">
-    <dgm:scene3d>
-      <a:camera prst="orthographicFront"/>
-      <a:lightRig rig="threePt" dir="t"/>
-    </dgm:scene3d>
-    <dgm:sp3d/>
-    <dgm:txPr/>
-    <dgm:style>
-      <a:lnRef idx="2">
-        <a:scrgbClr r="0" g="0" b="0"/>
-      </a:lnRef>
-      <a:fillRef idx="1">
-        <a:scrgbClr r="0" g="0" b="0"/>
-      </a:fillRef>
-      <a:effectRef idx="0">
-        <a:scrgbClr r="0" g="0" b="0"/>
-      </a:effectRef>
-      <a:fontRef idx="minor"/>
-    </dgm:style>
-  </dgm:styleLbl>
-  <dgm:styleLbl name="fgAcc0">
-    <dgm:scene3d>
-      <a:camera prst="orthographicFront"/>
-      <a:lightRig rig="threePt" dir="t"/>
-    </dgm:scene3d>
-    <dgm:sp3d/>
-    <dgm:txPr/>
-    <dgm:style>
-      <a:lnRef idx="2">
-        <a:scrgbClr r="0" g="0" b="0"/>
-      </a:lnRef>
-      <a:fillRef idx="1">
-        <a:scrgbClr r="0" g="0" b="0"/>
-      </a:fillRef>
-      <a:effectRef idx="0">
-        <a:scrgbClr r="0" g="0" b="0"/>
-      </a:effectRef>
-      <a:fontRef idx="minor"/>
-    </dgm:style>
-  </dgm:styleLbl>
-  <dgm:styleLbl name="fgAcc2">
-    <dgm:scene3d>
-      <a:camera prst="orthographicFront"/>
-      <a:lightRig rig="threePt" dir="t"/>
-    </dgm:scene3d>
-    <dgm:sp3d/>
-    <dgm:txPr/>
-    <dgm:style>
-      <a:lnRef idx="2">
-        <a:scrgbClr r="0" g="0" b="0"/>
-      </a:lnRef>
-      <a:fillRef idx="1">
-        <a:scrgbClr r="0" g="0" b="0"/>
-      </a:fillRef>
-      <a:effectRef idx="0">
-        <a:scrgbClr r="0" g="0" b="0"/>
-      </a:effectRef>
-      <a:fontRef idx="minor"/>
-    </dgm:style>
-  </dgm:styleLbl>
-  <dgm:styleLbl name="fgAcc3">
-    <dgm:scene3d>
-      <a:camera prst="orthographicFront"/>
-      <a:lightRig rig="threePt" dir="t"/>
-    </dgm:scene3d>
-    <dgm:sp3d/>
-    <dgm:txPr/>
-    <dgm:style>
-      <a:lnRef idx="2">
-        <a:scrgbClr r="0" g="0" b="0"/>
-      </a:lnRef>
-      <a:fillRef idx="1">
-        <a:scrgbClr r="0" g="0" b="0"/>
-      </a:fillRef>
-      <a:effectRef idx="0">
-        <a:scrgbClr r="0" g="0" b="0"/>
-      </a:effectRef>
-      <a:fontRef idx="minor"/>
-    </dgm:style>
-  </dgm:styleLbl>
-  <dgm:styleLbl name="fgAcc4">
-    <dgm:scene3d>
-      <a:camera prst="orthographicFront"/>
-      <a:lightRig rig="threePt" dir="t"/>
-    </dgm:scene3d>
-    <dgm:sp3d/>
-    <dgm:txPr/>
-    <dgm:style>
-      <a:lnRef idx="2">
-        <a:scrgbClr r="0" g="0" b="0"/>
-      </a:lnRef>
-      <a:fillRef idx="1">
-        <a:scrgbClr r="0" g="0" b="0"/>
-      </a:fillRef>
-      <a:effectRef idx="0">
-        <a:scrgbClr r="0" g="0" b="0"/>
-      </a:effectRef>
-      <a:fontRef idx="minor"/>
-    </dgm:style>
-  </dgm:styleLbl>
-  <dgm:styleLbl name="bgShp">
-    <dgm:scene3d>
-      <a:camera prst="orthographicFront"/>
-      <a:lightRig rig="threePt" dir="t"/>
-    </dgm:scene3d>
-    <dgm:sp3d/>
-    <dgm:txPr/>
-    <dgm:style>
-      <a:lnRef idx="0">
-        <a:scrgbClr r="0" g="0" b="0"/>
-      </a:lnRef>
-      <a:fillRef idx="1">
-        <a:scrgbClr r="0" g="0" b="0"/>
-      </a:fillRef>
-      <a:effectRef idx="0">
-        <a:scrgbClr r="0" g="0" b="0"/>
-      </a:effectRef>
-      <a:fontRef idx="minor"/>
-    </dgm:style>
-  </dgm:styleLbl>
-  <dgm:styleLbl name="dkBgShp">
-    <dgm:scene3d>
-      <a:camera prst="orthographicFront"/>
-      <a:lightRig rig="threePt" dir="t"/>
-    </dgm:scene3d>
-    <dgm:sp3d/>
-    <dgm:txPr/>
-    <dgm:style>
-      <a:lnRef idx="0">
-        <a:scrgbClr r="0" g="0" b="0"/>
-      </a:lnRef>
-      <a:fillRef idx="1">
-        <a:scrgbClr r="0" g="0" b="0"/>
-      </a:fillRef>
-      <a:effectRef idx="0">
-        <a:scrgbClr r="0" g="0" b="0"/>
-      </a:effectRef>
-      <a:fontRef idx="minor"/>
-    </dgm:style>
-  </dgm:styleLbl>
-  <dgm:styleLbl name="trBgShp">
-    <dgm:scene3d>
-      <a:camera prst="orthographicFront"/>
-      <a:lightRig rig="threePt" dir="t"/>
-    </dgm:scene3d>
-    <dgm:sp3d/>
-    <dgm:txPr/>
-    <dgm:style>
-      <a:lnRef idx="0">
-        <a:scrgbClr r="0" g="0" b="0"/>
-      </a:lnRef>
-      <a:fillRef idx="1">
-        <a:scrgbClr r="0" g="0" b="0"/>
-      </a:fillRef>
-      <a:effectRef idx="0">
-        <a:scrgbClr r="0" g="0" b="0"/>
-      </a:effectRef>
-      <a:fontRef idx="minor"/>
-    </dgm:style>
-  </dgm:styleLbl>
-  <dgm:styleLbl name="fgShp">
-    <dgm:scene3d>
-      <a:camera prst="orthographicFront"/>
-      <a:lightRig rig="threePt" dir="t"/>
-    </dgm:scene3d>
-    <dgm:sp3d/>
-    <dgm:txPr/>
-    <dgm:style>
-      <a:lnRef idx="2">
-        <a:scrgbClr r="0" g="0" b="0"/>
-      </a:lnRef>
-      <a:fillRef idx="1">
-        <a:scrgbClr r="0" g="0" b="0"/>
-      </a:fillRef>
-      <a:effectRef idx="0">
-        <a:scrgbClr r="0" g="0" b="0"/>
-      </a:effectRef>
-      <a:fontRef idx="minor"/>
-    </dgm:style>
-  </dgm:styleLbl>
-  <dgm:styleLbl name="revTx">
-    <dgm:scene3d>
-      <a:camera prst="orthographicFront"/>
-      <a:lightRig rig="threePt" dir="t"/>
-    </dgm:scene3d>
-    <dgm:sp3d/>
-    <dgm:txPr/>
-    <dgm:style>
-      <a:lnRef idx="0">
-        <a:scrgbClr r="0" g="0" b="0"/>
-      </a:lnRef>
-      <a:fillRef idx="0">
-        <a:scrgbClr r="0" g="0" b="0"/>
-      </a:fillRef>
-      <a:effectRef idx="0">
-        <a:scrgbClr r="0" g="0" b="0"/>
-      </a:effectRef>
-      <a:fontRef idx="minor"/>
-    </dgm:style>
-  </dgm:styleLbl>
-</dgm:styleDef>
 </file>
 
 <file path=ppt/notesMasters/notesMaster1.xml><?xml version="1.0" encoding="utf-8"?>
@@ -2939,7 +222,7 @@
             <a:fld id="{A11A53A9-77FE-6042-9312-ED8F79CC72C2}" type="datetimeFigureOut">
               <a:rPr lang="en-CH"/>
               <a:pPr/>
-              <a:t>18.08.22</a:t>
+              <a:t>23.08.22</a:t>
             </a:fld>
             <a:endParaRPr lang="en-CH"/>
           </a:p>
@@ -3464,7 +747,7 @@
           <a:lstStyle/>
           <a:p>
             <a:fld id="{16FC06C0-F52A-8E4F-A3E4-F3C3F43B281A}" type="datetimeFigureOut">
-              <a:t>18.08.22</a:t>
+              <a:t>23.08.22</a:t>
             </a:fld>
             <a:endParaRPr lang="en-CH"/>
           </a:p>
@@ -3662,7 +945,7 @@
           <a:lstStyle/>
           <a:p>
             <a:fld id="{16FC06C0-F52A-8E4F-A3E4-F3C3F43B281A}" type="datetimeFigureOut">
-              <a:t>18.08.22</a:t>
+              <a:t>23.08.22</a:t>
             </a:fld>
             <a:endParaRPr lang="en-CH"/>
           </a:p>
@@ -3870,7 +1153,7 @@
           <a:lstStyle/>
           <a:p>
             <a:fld id="{16FC06C0-F52A-8E4F-A3E4-F3C3F43B281A}" type="datetimeFigureOut">
-              <a:t>18.08.22</a:t>
+              <a:t>23.08.22</a:t>
             </a:fld>
             <a:endParaRPr lang="en-CH"/>
           </a:p>
@@ -4068,7 +1351,7 @@
           <a:lstStyle/>
           <a:p>
             <a:fld id="{16FC06C0-F52A-8E4F-A3E4-F3C3F43B281A}" type="datetimeFigureOut">
-              <a:t>18.08.22</a:t>
+              <a:t>23.08.22</a:t>
             </a:fld>
             <a:endParaRPr lang="en-CH"/>
           </a:p>
@@ -4342,7 +1625,7 @@
           <a:lstStyle/>
           <a:p>
             <a:fld id="{16FC06C0-F52A-8E4F-A3E4-F3C3F43B281A}" type="datetimeFigureOut">
-              <a:t>18.08.22</a:t>
+              <a:t>23.08.22</a:t>
             </a:fld>
             <a:endParaRPr lang="en-CH"/>
           </a:p>
@@ -4608,7 +1891,7 @@
           <a:lstStyle/>
           <a:p>
             <a:fld id="{16FC06C0-F52A-8E4F-A3E4-F3C3F43B281A}" type="datetimeFigureOut">
-              <a:t>18.08.22</a:t>
+              <a:t>23.08.22</a:t>
             </a:fld>
             <a:endParaRPr lang="en-CH"/>
           </a:p>
@@ -5021,7 +2304,7 @@
           <a:lstStyle/>
           <a:p>
             <a:fld id="{16FC06C0-F52A-8E4F-A3E4-F3C3F43B281A}" type="datetimeFigureOut">
-              <a:t>18.08.22</a:t>
+              <a:t>23.08.22</a:t>
             </a:fld>
             <a:endParaRPr lang="en-CH"/>
           </a:p>
@@ -5161,7 +2444,7 @@
           <a:lstStyle/>
           <a:p>
             <a:fld id="{16FC06C0-F52A-8E4F-A3E4-F3C3F43B281A}" type="datetimeFigureOut">
-              <a:t>18.08.22</a:t>
+              <a:t>23.08.22</a:t>
             </a:fld>
             <a:endParaRPr lang="en-CH"/>
           </a:p>
@@ -5272,7 +2555,7 @@
           <a:lstStyle/>
           <a:p>
             <a:fld id="{16FC06C0-F52A-8E4F-A3E4-F3C3F43B281A}" type="datetimeFigureOut">
-              <a:t>18.08.22</a:t>
+              <a:t>23.08.22</a:t>
             </a:fld>
             <a:endParaRPr lang="en-CH"/>
           </a:p>
@@ -5583,7 +2866,7 @@
           <a:lstStyle/>
           <a:p>
             <a:fld id="{16FC06C0-F52A-8E4F-A3E4-F3C3F43B281A}" type="datetimeFigureOut">
-              <a:t>18.08.22</a:t>
+              <a:t>23.08.22</a:t>
             </a:fld>
             <a:endParaRPr lang="en-CH"/>
           </a:p>
@@ -5870,7 +3153,7 @@
           <a:lstStyle/>
           <a:p>
             <a:fld id="{16FC06C0-F52A-8E4F-A3E4-F3C3F43B281A}" type="datetimeFigureOut">
-              <a:t>18.08.22</a:t>
+              <a:t>23.08.22</a:t>
             </a:fld>
             <a:endParaRPr lang="en-CH"/>
           </a:p>
@@ -6114,7 +3397,7 @@
             <a:fld id="{16FC06C0-F52A-8E4F-A3E4-F3C3F43B281A}" type="datetimeFigureOut">
               <a:rPr lang="en-CH"/>
               <a:pPr/>
-              <a:t>18.08.22</a:t>
+              <a:t>23.08.22</a:t>
             </a:fld>
             <a:endParaRPr lang="en-CH"/>
           </a:p>
@@ -6787,7 +4070,7 @@
           <p:cNvPr id="2" name="Title 1">
             <a:extLst>
               <a:ext uri="{FF2B5EF4-FFF2-40B4-BE49-F238E27FC236}">
-                <a16:creationId xmlns:a16="http://schemas.microsoft.com/office/drawing/2014/main" id="{8BB9B4CC-2BA2-A3CA-C300-97474FB64365}"/>
+                <a16:creationId xmlns:a16="http://schemas.microsoft.com/office/drawing/2014/main" id="{1474A96B-1C1B-17C6-911D-502A8D4E359A}"/>
               </a:ext>
             </a:extLst>
           </p:cNvPr>
@@ -6805,90 +4088,286 @@
           <a:p>
             <a:r>
               <a:rPr lang="en-CH"/>
-              <a:t>Overfitting VII</a:t>
-            </a:r>
-          </a:p>
-        </p:txBody>
-      </p:sp>
-      <p:graphicFrame>
-        <p:nvGraphicFramePr>
-          <p:cNvPr id="6" name="Content Placeholder 5">
-            <a:extLst>
-              <a:ext uri="{FF2B5EF4-FFF2-40B4-BE49-F238E27FC236}">
-                <a16:creationId xmlns:a16="http://schemas.microsoft.com/office/drawing/2014/main" id="{D679C36D-0A75-FD55-99EC-006CD12B8AC8}"/>
-              </a:ext>
-            </a:extLst>
-          </p:cNvPr>
-          <p:cNvGraphicFramePr>
-            <a:graphicFrameLocks noGrp="1"/>
-          </p:cNvGraphicFramePr>
+              <a:t>Hold-out Approach</a:t>
+            </a:r>
+          </a:p>
+        </p:txBody>
+      </p:sp>
+      <p:sp>
+        <p:nvSpPr>
+          <p:cNvPr id="3" name="Content Placeholder 2">
+            <a:extLst>
+              <a:ext uri="{FF2B5EF4-FFF2-40B4-BE49-F238E27FC236}">
+                <a16:creationId xmlns:a16="http://schemas.microsoft.com/office/drawing/2014/main" id="{68D9107E-8052-8E10-6224-B1361DB1EB84}"/>
+              </a:ext>
+            </a:extLst>
+          </p:cNvPr>
+          <p:cNvSpPr>
+            <a:spLocks noGrp="1"/>
+          </p:cNvSpPr>
           <p:nvPr>
             <p:ph idx="1"/>
-            <p:extLst>
-              <p:ext uri="{D42A27DB-BD31-4B8C-83A1-F6EECF244321}">
-                <p14:modId xmlns:p14="http://schemas.microsoft.com/office/powerpoint/2010/main" val="213238748"/>
-              </p:ext>
-            </p:extLst>
-          </p:nvPr>
-        </p:nvGraphicFramePr>
-        <p:xfrm>
-          <a:off x="838200" y="2685011"/>
-          <a:ext cx="10515600" cy="3491952"/>
-        </p:xfrm>
-        <a:graphic>
-          <a:graphicData uri="http://schemas.openxmlformats.org/drawingml/2006/diagram">
-            <dgm:relIds xmlns:dgm="http://schemas.openxmlformats.org/drawingml/2006/diagram" xmlns:r="http://schemas.openxmlformats.org/officeDocument/2006/relationships" r:dm="rId2" r:lo="rId3" r:qs="rId4" r:cs="rId5"/>
-          </a:graphicData>
-        </a:graphic>
-      </p:graphicFrame>
-      <p:sp>
-        <p:nvSpPr>
-          <p:cNvPr id="7" name="TextBox 6">
-            <a:extLst>
-              <a:ext uri="{FF2B5EF4-FFF2-40B4-BE49-F238E27FC236}">
-                <a16:creationId xmlns:a16="http://schemas.microsoft.com/office/drawing/2014/main" id="{6F734652-1F67-9601-1AAA-FBCF4E399B94}"/>
-              </a:ext>
-            </a:extLst>
-          </p:cNvPr>
-          <p:cNvSpPr txBox="1"/>
-          <p:nvPr/>
+          </p:nvPr>
         </p:nvSpPr>
         <p:spPr>
           <a:xfrm>
-            <a:off x="838200" y="2061556"/>
-            <a:ext cx="4620176" cy="523220"/>
-          </a:xfrm>
-          <a:prstGeom prst="rect">
-            <a:avLst/>
-          </a:prstGeom>
-          <a:noFill/>
-        </p:spPr>
-        <p:txBody>
-          <a:bodyPr wrap="none" rtlCol="0">
-            <a:spAutoFit/>
+            <a:off x="838200" y="2074333"/>
+            <a:ext cx="10515600" cy="4102630"/>
+          </a:xfrm>
+        </p:spPr>
+        <p:txBody>
+          <a:bodyPr>
+            <a:normAutofit/>
           </a:bodyPr>
           <a:lstStyle/>
           <a:p>
-            <a:r>
-              <a:rPr lang="en-CH" sz="2800">
-                <a:latin typeface="Arial" panose="020B0604020202020204" pitchFamily="34" charset="0"/>
-                <a:cs typeface="Arial" panose="020B0604020202020204" pitchFamily="34" charset="0"/>
+            <a:pPr marL="0" indent="0">
+              <a:buNone/>
+            </a:pPr>
+            <a:r>
+              <a:rPr lang="en-CH" sz="3600"/>
+              <a:t>If the </a:t>
+            </a:r>
+            <a:r>
+              <a:rPr lang="en-CH" sz="3600" i="1"/>
+              <a:t>train</a:t>
+            </a:r>
+            <a:r>
+              <a:rPr lang="en-CH" sz="3600"/>
+              <a:t> and </a:t>
+            </a:r>
+            <a:r>
+              <a:rPr lang="en-CH" sz="3600" i="1"/>
+              <a:t>test</a:t>
+            </a:r>
+            <a:r>
+              <a:rPr lang="en-CH" sz="3600"/>
+              <a:t> value of (for example) the error is similar </a:t>
+            </a:r>
+            <a:r>
+              <a:rPr lang="en-CH" sz="3600">
+                <a:sym typeface="Wingdings" pitchFamily="2" charset="2"/>
               </a:rPr>
-              <a:t>Process to detect overfitting</a:t>
-            </a:r>
+              <a:t> the model generalise well (kind of, at least it behaves similary on the two sets)</a:t>
+            </a:r>
+          </a:p>
+          <a:p>
+            <a:pPr marL="0" indent="0">
+              <a:buNone/>
+            </a:pPr>
+            <a:endParaRPr lang="en-CH" sz="3600">
+              <a:sym typeface="Wingdings" pitchFamily="2" charset="2"/>
+            </a:endParaRPr>
+          </a:p>
+          <a:p>
+            <a:pPr marL="0" indent="0">
+              <a:buNone/>
+            </a:pPr>
+            <a:r>
+              <a:rPr lang="en-CH" sz="3600"/>
+              <a:t>If the </a:t>
+            </a:r>
+            <a:r>
+              <a:rPr lang="en-CH" sz="3600" i="1"/>
+              <a:t>train</a:t>
+            </a:r>
+            <a:r>
+              <a:rPr lang="en-CH" sz="3600"/>
+              <a:t> and </a:t>
+            </a:r>
+            <a:r>
+              <a:rPr lang="en-CH" sz="3600" i="1"/>
+              <a:t>test</a:t>
+            </a:r>
+            <a:r>
+              <a:rPr lang="en-CH" sz="3600"/>
+              <a:t> value of (for example) the error is different </a:t>
+            </a:r>
+            <a:r>
+              <a:rPr lang="en-CH" sz="3600">
+                <a:sym typeface="Wingdings" pitchFamily="2" charset="2"/>
+              </a:rPr>
+              <a:t> the model generalise badly (kind of, it behaves differetly on the two sets)</a:t>
+            </a:r>
+          </a:p>
+          <a:p>
+            <a:pPr marL="0" indent="0">
+              <a:buNone/>
+            </a:pPr>
+            <a:endParaRPr lang="en-CH" sz="3600">
+              <a:sym typeface="Wingdings" pitchFamily="2" charset="2"/>
+            </a:endParaRPr>
+          </a:p>
+          <a:p>
+            <a:pPr marL="0" indent="0">
+              <a:buNone/>
+            </a:pPr>
+            <a:endParaRPr lang="en-CH" sz="3600"/>
           </a:p>
         </p:txBody>
       </p:sp>
     </p:spTree>
     <p:extLst>
       <p:ext uri="{BB962C8B-B14F-4D97-AF65-F5344CB8AC3E}">
-        <p14:creationId xmlns:p14="http://schemas.microsoft.com/office/powerpoint/2010/main" val="703558801"/>
+        <p14:creationId xmlns:p14="http://schemas.microsoft.com/office/powerpoint/2010/main" val="2591011608"/>
       </p:ext>
     </p:extLst>
   </p:cSld>
   <p:clrMapOvr>
     <a:masterClrMapping/>
   </p:clrMapOvr>
+  <p:timing>
+    <p:tnLst>
+      <p:par>
+        <p:cTn id="1" dur="indefinite" restart="never" nodeType="tmRoot">
+          <p:childTnLst>
+            <p:seq concurrent="1" nextAc="seek">
+              <p:cTn id="2" dur="indefinite" nodeType="mainSeq">
+                <p:childTnLst>
+                  <p:par>
+                    <p:cTn id="3" fill="hold">
+                      <p:stCondLst>
+                        <p:cond delay="indefinite"/>
+                      </p:stCondLst>
+                      <p:childTnLst>
+                        <p:par>
+                          <p:cTn id="4" fill="hold">
+                            <p:stCondLst>
+                              <p:cond delay="0"/>
+                            </p:stCondLst>
+                            <p:childTnLst>
+                              <p:par>
+                                <p:cTn id="5" presetID="10" presetClass="entr" presetSubtype="0" fill="hold" nodeType="clickEffect">
+                                  <p:stCondLst>
+                                    <p:cond delay="0"/>
+                                  </p:stCondLst>
+                                  <p:childTnLst>
+                                    <p:set>
+                                      <p:cBhvr>
+                                        <p:cTn id="6" dur="1" fill="hold">
+                                          <p:stCondLst>
+                                            <p:cond delay="0"/>
+                                          </p:stCondLst>
+                                        </p:cTn>
+                                        <p:tgtEl>
+                                          <p:spTgt spid="3">
+                                            <p:txEl>
+                                              <p:pRg st="0" end="0"/>
+                                            </p:txEl>
+                                          </p:spTgt>
+                                        </p:tgtEl>
+                                        <p:attrNameLst>
+                                          <p:attrName>style.visibility</p:attrName>
+                                        </p:attrNameLst>
+                                      </p:cBhvr>
+                                      <p:to>
+                                        <p:strVal val="visible"/>
+                                      </p:to>
+                                    </p:set>
+                                    <p:animEffect transition="in" filter="fade">
+                                      <p:cBhvr>
+                                        <p:cTn id="7" dur="500"/>
+                                        <p:tgtEl>
+                                          <p:spTgt spid="3">
+                                            <p:txEl>
+                                              <p:pRg st="0" end="0"/>
+                                            </p:txEl>
+                                          </p:spTgt>
+                                        </p:tgtEl>
+                                      </p:cBhvr>
+                                    </p:animEffect>
+                                  </p:childTnLst>
+                                </p:cTn>
+                              </p:par>
+                            </p:childTnLst>
+                          </p:cTn>
+                        </p:par>
+                      </p:childTnLst>
+                    </p:cTn>
+                  </p:par>
+                  <p:par>
+                    <p:cTn id="8" fill="hold">
+                      <p:stCondLst>
+                        <p:cond delay="indefinite"/>
+                      </p:stCondLst>
+                      <p:childTnLst>
+                        <p:par>
+                          <p:cTn id="9" fill="hold">
+                            <p:stCondLst>
+                              <p:cond delay="0"/>
+                            </p:stCondLst>
+                            <p:childTnLst>
+                              <p:par>
+                                <p:cTn id="10" presetID="10" presetClass="entr" presetSubtype="0" fill="hold" nodeType="clickEffect">
+                                  <p:stCondLst>
+                                    <p:cond delay="0"/>
+                                  </p:stCondLst>
+                                  <p:childTnLst>
+                                    <p:set>
+                                      <p:cBhvr>
+                                        <p:cTn id="11" dur="1" fill="hold">
+                                          <p:stCondLst>
+                                            <p:cond delay="0"/>
+                                          </p:stCondLst>
+                                        </p:cTn>
+                                        <p:tgtEl>
+                                          <p:spTgt spid="3">
+                                            <p:txEl>
+                                              <p:pRg st="2" end="2"/>
+                                            </p:txEl>
+                                          </p:spTgt>
+                                        </p:tgtEl>
+                                        <p:attrNameLst>
+                                          <p:attrName>style.visibility</p:attrName>
+                                        </p:attrNameLst>
+                                      </p:cBhvr>
+                                      <p:to>
+                                        <p:strVal val="visible"/>
+                                      </p:to>
+                                    </p:set>
+                                    <p:animEffect transition="in" filter="fade">
+                                      <p:cBhvr>
+                                        <p:cTn id="12" dur="500"/>
+                                        <p:tgtEl>
+                                          <p:spTgt spid="3">
+                                            <p:txEl>
+                                              <p:pRg st="2" end="2"/>
+                                            </p:txEl>
+                                          </p:spTgt>
+                                        </p:tgtEl>
+                                      </p:cBhvr>
+                                    </p:animEffect>
+                                  </p:childTnLst>
+                                </p:cTn>
+                              </p:par>
+                            </p:childTnLst>
+                          </p:cTn>
+                        </p:par>
+                      </p:childTnLst>
+                    </p:cTn>
+                  </p:par>
+                </p:childTnLst>
+              </p:cTn>
+              <p:prevCondLst>
+                <p:cond evt="onPrev" delay="0">
+                  <p:tgtEl>
+                    <p:sldTgt/>
+                  </p:tgtEl>
+                </p:cond>
+              </p:prevCondLst>
+              <p:nextCondLst>
+                <p:cond evt="onNext" delay="0">
+                  <p:tgtEl>
+                    <p:sldTgt/>
+                  </p:tgtEl>
+                </p:cond>
+              </p:nextCondLst>
+            </p:seq>
+          </p:childTnLst>
+        </p:cTn>
+      </p:par>
+    </p:tnLst>
+  </p:timing>
 </p:sld>
 </file>
 
@@ -6909,89 +4388,216 @@
           <a:chExt cx="0" cy="0"/>
         </a:xfrm>
       </p:grpSpPr>
-      <p:sp>
-        <p:nvSpPr>
-          <p:cNvPr id="2" name="Title 1">
-            <a:extLst>
-              <a:ext uri="{FF2B5EF4-FFF2-40B4-BE49-F238E27FC236}">
-                <a16:creationId xmlns:a16="http://schemas.microsoft.com/office/drawing/2014/main" id="{A0C9EE60-C40C-29B4-BC51-E070137E5610}"/>
-              </a:ext>
-            </a:extLst>
-          </p:cNvPr>
-          <p:cNvSpPr>
-            <a:spLocks noGrp="1"/>
-          </p:cNvSpPr>
-          <p:nvPr>
-            <p:ph type="title"/>
-          </p:nvPr>
-        </p:nvSpPr>
-        <p:spPr/>
-        <p:txBody>
-          <a:bodyPr/>
-          <a:lstStyle/>
-          <a:p>
-            <a:r>
-              <a:rPr lang="en-CH"/>
-              <a:t>Bias-Variance Trade-off</a:t>
-            </a:r>
-          </a:p>
-        </p:txBody>
-      </p:sp>
       <p:pic>
         <p:nvPicPr>
-          <p:cNvPr id="1026" name="Picture 2" descr="The intuition behind bias and variance | by Seth Mottaghinejad | Towards  Data Science">
-            <a:extLst>
-              <a:ext uri="{FF2B5EF4-FFF2-40B4-BE49-F238E27FC236}">
-                <a16:creationId xmlns:a16="http://schemas.microsoft.com/office/drawing/2014/main" id="{4CCE66F8-5ABC-A071-A90A-3EB44AB82B87}"/>
+          <p:cNvPr id="4" name="Content Placeholder 3">
+            <a:extLst>
+              <a:ext uri="{FF2B5EF4-FFF2-40B4-BE49-F238E27FC236}">
+                <a16:creationId xmlns:a16="http://schemas.microsoft.com/office/drawing/2014/main" id="{BADBE0DF-89CE-2FC6-7FDC-B674A1DF7DBA}"/>
               </a:ext>
             </a:extLst>
           </p:cNvPr>
           <p:cNvPicPr>
-            <a:picLocks noGrp="1" noChangeAspect="1" noChangeArrowheads="1"/>
+            <a:picLocks noGrp="1" noChangeAspect="1"/>
           </p:cNvPicPr>
           <p:nvPr>
             <p:ph idx="1"/>
           </p:nvPr>
         </p:nvPicPr>
-        <p:blipFill>
-          <a:blip r:embed="rId2">
-            <a:extLst>
-              <a:ext uri="{28A0092B-C50C-407E-A947-70E740481C1C}">
-                <a14:useLocalDpi xmlns:a14="http://schemas.microsoft.com/office/drawing/2010/main" val="0"/>
-              </a:ext>
-            </a:extLst>
-          </a:blip>
-          <a:srcRect/>
-          <a:stretch>
-            <a:fillRect/>
-          </a:stretch>
+        <p:blipFill rotWithShape="1">
+          <a:blip r:embed="rId2"/>
+          <a:srcRect t="5099"/>
+          <a:stretch/>
         </p:blipFill>
-        <p:spPr bwMode="auto">
+        <p:spPr>
           <a:xfrm>
-            <a:off x="1383723" y="2063390"/>
-            <a:ext cx="6882186" cy="4354036"/>
+            <a:off x="688571" y="1078419"/>
+            <a:ext cx="10515600" cy="1925857"/>
+          </a:xfrm>
+          <a:prstGeom prst="rect">
+            <a:avLst/>
+          </a:prstGeom>
+        </p:spPr>
+      </p:pic>
+      <p:sp>
+        <p:nvSpPr>
+          <p:cNvPr id="8" name="TextBox 7">
+            <a:extLst>
+              <a:ext uri="{FF2B5EF4-FFF2-40B4-BE49-F238E27FC236}">
+                <a16:creationId xmlns:a16="http://schemas.microsoft.com/office/drawing/2014/main" id="{8C9F5C12-38E0-E6A3-3D8D-A73351F15033}"/>
+              </a:ext>
+            </a:extLst>
+          </p:cNvPr>
+          <p:cNvSpPr txBox="1"/>
+          <p:nvPr/>
+        </p:nvSpPr>
+        <p:spPr>
+          <a:xfrm>
+            <a:off x="916478" y="3429000"/>
+            <a:ext cx="10359044" cy="2350580"/>
           </a:xfrm>
           <a:prstGeom prst="rect">
             <a:avLst/>
           </a:prstGeom>
           <a:noFill/>
-          <a:extLst>
-            <a:ext uri="{909E8E84-426E-40DD-AFC4-6F175D3DCCD1}">
-              <a14:hiddenFill xmlns:a14="http://schemas.microsoft.com/office/drawing/2010/main">
-                <a:solidFill>
-                  <a:srgbClr val="FFFFFF"/>
-                </a:solidFill>
-              </a14:hiddenFill>
-            </a:ext>
-          </a:extLst>
-        </p:spPr>
-      </p:pic>
-      <p:sp>
-        <p:nvSpPr>
-          <p:cNvPr id="4" name="TextBox 3">
-            <a:extLst>
-              <a:ext uri="{FF2B5EF4-FFF2-40B4-BE49-F238E27FC236}">
-                <a16:creationId xmlns:a16="http://schemas.microsoft.com/office/drawing/2014/main" id="{1D959196-B178-5F06-3503-CC3726956AC5}"/>
+        </p:spPr>
+        <p:txBody>
+          <a:bodyPr wrap="square">
+            <a:spAutoFit/>
+          </a:bodyPr>
+          <a:lstStyle/>
+          <a:p>
+            <a:pPr marL="285750" marR="547370" lvl="0" indent="-285750">
+              <a:lnSpc>
+                <a:spcPts val="1600"/>
+              </a:lnSpc>
+              <a:spcBef>
+                <a:spcPts val="600"/>
+              </a:spcBef>
+              <a:spcAft>
+                <a:spcPts val="1000"/>
+              </a:spcAft>
+              <a:buFont typeface="Arial" panose="020B0604020202020204" pitchFamily="34" charset="0"/>
+              <a:buChar char="•"/>
+              <a:tabLst>
+                <a:tab pos="594360" algn="l"/>
+              </a:tabLst>
+            </a:pPr>
+            <a:r>
+              <a:rPr lang="en-GB" b="1">
+                <a:effectLst/>
+                <a:latin typeface="Arial" panose="020B0604020202020204" pitchFamily="34" charset="0"/>
+                <a:ea typeface="Calibri" panose="020F0502020204030204" pitchFamily="34" charset="0"/>
+                <a:cs typeface="Arial" panose="020B0604020202020204" pitchFamily="34" charset="0"/>
+              </a:rPr>
+              <a:t>Case A</a:t>
+            </a:r>
+            <a:r>
+              <a:rPr lang="en-GB">
+                <a:effectLst/>
+                <a:latin typeface="Arial" panose="020B0604020202020204" pitchFamily="34" charset="0"/>
+                <a:ea typeface="Calibri" panose="020F0502020204030204" pitchFamily="34" charset="0"/>
+                <a:cs typeface="Arial" panose="020B0604020202020204" pitchFamily="34" charset="0"/>
+              </a:rPr>
+              <a:t>: here we are overfitting (high variance), because we are doing very well on the training set, but our model generalizes very badly to our dev set</a:t>
+            </a:r>
+          </a:p>
+          <a:p>
+            <a:pPr marL="285750" marR="547370" lvl="0" indent="-285750">
+              <a:lnSpc>
+                <a:spcPts val="1600"/>
+              </a:lnSpc>
+              <a:spcBef>
+                <a:spcPts val="600"/>
+              </a:spcBef>
+              <a:spcAft>
+                <a:spcPts val="1000"/>
+              </a:spcAft>
+              <a:buFont typeface="Arial" panose="020B0604020202020204" pitchFamily="34" charset="0"/>
+              <a:buChar char="•"/>
+              <a:tabLst>
+                <a:tab pos="594360" algn="l"/>
+              </a:tabLst>
+            </a:pPr>
+            <a:r>
+              <a:rPr lang="en-GB" b="1">
+                <a:effectLst/>
+                <a:latin typeface="Arial" panose="020B0604020202020204" pitchFamily="34" charset="0"/>
+                <a:ea typeface="Calibri" panose="020F0502020204030204" pitchFamily="34" charset="0"/>
+                <a:cs typeface="Arial" panose="020B0604020202020204" pitchFamily="34" charset="0"/>
+              </a:rPr>
+              <a:t>Case B</a:t>
+            </a:r>
+            <a:r>
+              <a:rPr lang="en-GB">
+                <a:effectLst/>
+                <a:latin typeface="Arial" panose="020B0604020202020204" pitchFamily="34" charset="0"/>
+                <a:ea typeface="Calibri" panose="020F0502020204030204" pitchFamily="34" charset="0"/>
+                <a:cs typeface="Arial" panose="020B0604020202020204" pitchFamily="34" charset="0"/>
+              </a:rPr>
+              <a:t>: here we see a problem with high bias, meaning that our model is not doing very well generally, on both datasets </a:t>
+            </a:r>
+          </a:p>
+          <a:p>
+            <a:pPr marL="285750" marR="547370" lvl="0" indent="-285750">
+              <a:lnSpc>
+                <a:spcPts val="1600"/>
+              </a:lnSpc>
+              <a:spcBef>
+                <a:spcPts val="600"/>
+              </a:spcBef>
+              <a:spcAft>
+                <a:spcPts val="1000"/>
+              </a:spcAft>
+              <a:buFont typeface="Arial" panose="020B0604020202020204" pitchFamily="34" charset="0"/>
+              <a:buChar char="•"/>
+              <a:tabLst>
+                <a:tab pos="594360" algn="l"/>
+              </a:tabLst>
+            </a:pPr>
+            <a:r>
+              <a:rPr lang="en-GB" b="1">
+                <a:effectLst/>
+                <a:latin typeface="Arial" panose="020B0604020202020204" pitchFamily="34" charset="0"/>
+                <a:ea typeface="Calibri" panose="020F0502020204030204" pitchFamily="34" charset="0"/>
+                <a:cs typeface="Arial" panose="020B0604020202020204" pitchFamily="34" charset="0"/>
+              </a:rPr>
+              <a:t>Case C</a:t>
+            </a:r>
+            <a:r>
+              <a:rPr lang="en-GB">
+                <a:effectLst/>
+                <a:latin typeface="Arial" panose="020B0604020202020204" pitchFamily="34" charset="0"/>
+                <a:ea typeface="Calibri" panose="020F0502020204030204" pitchFamily="34" charset="0"/>
+                <a:cs typeface="Arial" panose="020B0604020202020204" pitchFamily="34" charset="0"/>
+              </a:rPr>
+              <a:t>: here we have a high bias (the model cannot predict very well the training set) and high variance (the model does not generalize well on the dev set).</a:t>
+            </a:r>
+          </a:p>
+          <a:p>
+            <a:pPr marL="285750" marR="547370" lvl="0" indent="-285750">
+              <a:lnSpc>
+                <a:spcPts val="1600"/>
+              </a:lnSpc>
+              <a:spcBef>
+                <a:spcPts val="600"/>
+              </a:spcBef>
+              <a:spcAft>
+                <a:spcPts val="1000"/>
+              </a:spcAft>
+              <a:buFont typeface="Arial" panose="020B0604020202020204" pitchFamily="34" charset="0"/>
+              <a:buChar char="•"/>
+              <a:tabLst>
+                <a:tab pos="594360" algn="l"/>
+              </a:tabLst>
+            </a:pPr>
+            <a:r>
+              <a:rPr lang="en-GB" b="1">
+                <a:effectLst/>
+                <a:latin typeface="Arial" panose="020B0604020202020204" pitchFamily="34" charset="0"/>
+                <a:ea typeface="Calibri" panose="020F0502020204030204" pitchFamily="34" charset="0"/>
+                <a:cs typeface="Arial" panose="020B0604020202020204" pitchFamily="34" charset="0"/>
+              </a:rPr>
+              <a:t>Case D</a:t>
+            </a:r>
+            <a:r>
+              <a:rPr lang="en-GB">
+                <a:effectLst/>
+                <a:latin typeface="Arial" panose="020B0604020202020204" pitchFamily="34" charset="0"/>
+                <a:ea typeface="Calibri" panose="020F0502020204030204" pitchFamily="34" charset="0"/>
+                <a:cs typeface="Arial" panose="020B0604020202020204" pitchFamily="34" charset="0"/>
+              </a:rPr>
+              <a:t>: here everything seems ok. Good error on the train set and good on the dev set. That is a good candidate for our best model.</a:t>
+            </a:r>
+          </a:p>
+        </p:txBody>
+      </p:sp>
+      <p:sp>
+        <p:nvSpPr>
+          <p:cNvPr id="9" name="TextBox 8">
+            <a:extLst>
+              <a:ext uri="{FF2B5EF4-FFF2-40B4-BE49-F238E27FC236}">
+                <a16:creationId xmlns:a16="http://schemas.microsoft.com/office/drawing/2014/main" id="{8A69186B-8E61-59F9-D4CD-E5F55CDB9FFD}"/>
               </a:ext>
             </a:extLst>
           </p:cNvPr>
@@ -7000,8 +4606,8 @@
         </p:nvSpPr>
         <p:spPr>
           <a:xfrm>
-            <a:off x="7248698" y="2782669"/>
-            <a:ext cx="2493824" cy="646331"/>
+            <a:off x="7233585" y="6596390"/>
+            <a:ext cx="5572954" cy="261610"/>
           </a:xfrm>
           <a:prstGeom prst="rect">
             <a:avLst/>
@@ -7009,238 +4615,28 @@
           <a:noFill/>
         </p:spPr>
         <p:txBody>
-          <a:bodyPr wrap="none" rtlCol="0">
+          <a:bodyPr wrap="square">
             <a:spAutoFit/>
           </a:bodyPr>
           <a:lstStyle/>
           <a:p>
             <a:r>
-              <a:rPr lang="en-CH">
-                <a:solidFill>
-                  <a:srgbClr val="C00000"/>
-                </a:solidFill>
+              <a:rPr lang="en-GB" sz="1050">
+                <a:latin typeface="Arial" panose="020B0604020202020204" pitchFamily="34" charset="0"/>
               </a:rPr>
-              <a:t>Metric evaluated on the </a:t>
-            </a:r>
-          </a:p>
-          <a:p>
-            <a:r>
-              <a:rPr lang="en-CH">
-                <a:solidFill>
-                  <a:srgbClr val="C00000"/>
-                </a:solidFill>
+              <a:t>U. Michelucci, </a:t>
+            </a:r>
+            <a:r>
+              <a:rPr lang="en-GB" sz="1050" i="1">
+                <a:latin typeface="Arial" panose="020B0604020202020204" pitchFamily="34" charset="0"/>
               </a:rPr>
-              <a:t>“test” dataset</a:t>
-            </a:r>
-          </a:p>
-        </p:txBody>
-      </p:sp>
-      <p:cxnSp>
-        <p:nvCxnSpPr>
-          <p:cNvPr id="6" name="Straight Arrow Connector 5">
-            <a:extLst>
-              <a:ext uri="{FF2B5EF4-FFF2-40B4-BE49-F238E27FC236}">
-                <a16:creationId xmlns:a16="http://schemas.microsoft.com/office/drawing/2014/main" id="{8E5C2EF9-A868-D8E8-0C5E-24506C2FF073}"/>
-              </a:ext>
-            </a:extLst>
-          </p:cNvPr>
-          <p:cNvCxnSpPr>
-            <a:stCxn id="4" idx="1"/>
-          </p:cNvCxnSpPr>
-          <p:nvPr/>
-        </p:nvCxnSpPr>
-        <p:spPr>
-          <a:xfrm flipH="1">
-            <a:off x="5918662" y="3105835"/>
-            <a:ext cx="1330036" cy="1474478"/>
-          </a:xfrm>
-          <a:prstGeom prst="straightConnector1">
-            <a:avLst/>
-          </a:prstGeom>
-          <a:ln w="28575">
-            <a:solidFill>
-              <a:srgbClr val="C00000"/>
-            </a:solidFill>
-            <a:tailEnd type="triangle"/>
-          </a:ln>
-        </p:spPr>
-        <p:style>
-          <a:lnRef idx="1">
-            <a:schemeClr val="accent1"/>
-          </a:lnRef>
-          <a:fillRef idx="0">
-            <a:schemeClr val="accent1"/>
-          </a:fillRef>
-          <a:effectRef idx="0">
-            <a:schemeClr val="accent1"/>
-          </a:effectRef>
-          <a:fontRef idx="minor">
-            <a:schemeClr val="tx1"/>
-          </a:fontRef>
-        </p:style>
-      </p:cxnSp>
-      <p:sp>
-        <p:nvSpPr>
-          <p:cNvPr id="7" name="TextBox 6">
-            <a:extLst>
-              <a:ext uri="{FF2B5EF4-FFF2-40B4-BE49-F238E27FC236}">
-                <a16:creationId xmlns:a16="http://schemas.microsoft.com/office/drawing/2014/main" id="{0BD63917-047A-908E-089F-1A8A04A6FFAD}"/>
-              </a:ext>
-            </a:extLst>
-          </p:cNvPr>
-          <p:cNvSpPr txBox="1"/>
-          <p:nvPr/>
-        </p:nvSpPr>
-        <p:spPr>
-          <a:xfrm>
-            <a:off x="8314453" y="3701225"/>
-            <a:ext cx="2493824" cy="646331"/>
-          </a:xfrm>
-          <a:prstGeom prst="rect">
-            <a:avLst/>
-          </a:prstGeom>
-          <a:noFill/>
-        </p:spPr>
-        <p:txBody>
-          <a:bodyPr wrap="none" rtlCol="0">
-            <a:spAutoFit/>
-          </a:bodyPr>
-          <a:lstStyle/>
-          <a:p>
-            <a:r>
-              <a:rPr lang="en-CH">
-                <a:solidFill>
-                  <a:schemeClr val="accent1"/>
-                </a:solidFill>
+              <a:t>Applied Deep Learning with TensorFlow 2</a:t>
+            </a:r>
+            <a:r>
+              <a:rPr lang="en-GB" sz="1050">
+                <a:latin typeface="Arial" panose="020B0604020202020204" pitchFamily="34" charset="0"/>
               </a:rPr>
-              <a:t>Metric evaluated on the </a:t>
-            </a:r>
-          </a:p>
-          <a:p>
-            <a:r>
-              <a:rPr lang="en-CH">
-                <a:solidFill>
-                  <a:schemeClr val="accent1"/>
-                </a:solidFill>
-              </a:rPr>
-              <a:t>“train” dataset</a:t>
-            </a:r>
-          </a:p>
-        </p:txBody>
-      </p:sp>
-      <p:cxnSp>
-        <p:nvCxnSpPr>
-          <p:cNvPr id="8" name="Straight Arrow Connector 7">
-            <a:extLst>
-              <a:ext uri="{FF2B5EF4-FFF2-40B4-BE49-F238E27FC236}">
-                <a16:creationId xmlns:a16="http://schemas.microsoft.com/office/drawing/2014/main" id="{1A37836A-D1A0-1D20-7DD1-E5591B00798C}"/>
-              </a:ext>
-            </a:extLst>
-          </p:cNvPr>
-          <p:cNvCxnSpPr>
-            <a:stCxn id="7" idx="1"/>
-          </p:cNvCxnSpPr>
-          <p:nvPr/>
-        </p:nvCxnSpPr>
-        <p:spPr>
-          <a:xfrm flipH="1">
-            <a:off x="6984417" y="4024391"/>
-            <a:ext cx="1330036" cy="1474478"/>
-          </a:xfrm>
-          <a:prstGeom prst="straightConnector1">
-            <a:avLst/>
-          </a:prstGeom>
-          <a:ln w="28575">
-            <a:solidFill>
-              <a:srgbClr val="0070C0"/>
-            </a:solidFill>
-            <a:tailEnd type="triangle"/>
-          </a:ln>
-        </p:spPr>
-        <p:style>
-          <a:lnRef idx="1">
-            <a:schemeClr val="accent1"/>
-          </a:lnRef>
-          <a:fillRef idx="0">
-            <a:schemeClr val="accent1"/>
-          </a:fillRef>
-          <a:effectRef idx="0">
-            <a:schemeClr val="accent1"/>
-          </a:effectRef>
-          <a:fontRef idx="minor">
-            <a:schemeClr val="tx1"/>
-          </a:fontRef>
-        </p:style>
-      </p:cxnSp>
-      <p:sp>
-        <p:nvSpPr>
-          <p:cNvPr id="9" name="TextBox 8">
-            <a:extLst>
-              <a:ext uri="{FF2B5EF4-FFF2-40B4-BE49-F238E27FC236}">
-                <a16:creationId xmlns:a16="http://schemas.microsoft.com/office/drawing/2014/main" id="{6773120A-C3CC-50E1-AF2B-C054450511D5}"/>
-              </a:ext>
-            </a:extLst>
-          </p:cNvPr>
-          <p:cNvSpPr txBox="1"/>
-          <p:nvPr/>
-        </p:nvSpPr>
-        <p:spPr>
-          <a:xfrm>
-            <a:off x="9579425" y="6550223"/>
-            <a:ext cx="2612575" cy="307777"/>
-          </a:xfrm>
-          <a:prstGeom prst="rect">
-            <a:avLst/>
-          </a:prstGeom>
-          <a:noFill/>
-        </p:spPr>
-        <p:txBody>
-          <a:bodyPr wrap="none" rtlCol="0">
-            <a:spAutoFit/>
-          </a:bodyPr>
-          <a:lstStyle/>
-          <a:p>
-            <a:r>
-              <a:rPr lang="en-CH" sz="1400"/>
-              <a:t>Image © Towarddatascience.com</a:t>
-            </a:r>
-          </a:p>
-        </p:txBody>
-      </p:sp>
-      <p:sp>
-        <p:nvSpPr>
-          <p:cNvPr id="10" name="TextBox 9">
-            <a:extLst>
-              <a:ext uri="{FF2B5EF4-FFF2-40B4-BE49-F238E27FC236}">
-                <a16:creationId xmlns:a16="http://schemas.microsoft.com/office/drawing/2014/main" id="{66219D28-49AE-9D42-99C0-067B8F670832}"/>
-              </a:ext>
-            </a:extLst>
-          </p:cNvPr>
-          <p:cNvSpPr txBox="1"/>
-          <p:nvPr/>
-        </p:nvSpPr>
-        <p:spPr>
-          <a:xfrm rot="16200000">
-            <a:off x="1044073" y="2803026"/>
-            <a:ext cx="582211" cy="307777"/>
-          </a:xfrm>
-          <a:prstGeom prst="rect">
-            <a:avLst/>
-          </a:prstGeom>
-          <a:noFill/>
-        </p:spPr>
-        <p:txBody>
-          <a:bodyPr wrap="none" rtlCol="0">
-            <a:spAutoFit/>
-          </a:bodyPr>
-          <a:lstStyle/>
-          <a:p>
-            <a:r>
-              <a:rPr lang="en-CH" sz="1400">
-                <a:latin typeface="Arial" panose="020B0604020202020204" pitchFamily="34" charset="0"/>
-                <a:cs typeface="Arial" panose="020B0604020202020204" pitchFamily="34" charset="0"/>
-              </a:rPr>
-              <a:t>Error</a:t>
+              <a:t>, Springer Nature, 2022</a:t>
             </a:r>
           </a:p>
         </p:txBody>
@@ -7248,7 +4644,7 @@
     </p:spTree>
     <p:extLst>
       <p:ext uri="{BB962C8B-B14F-4D97-AF65-F5344CB8AC3E}">
-        <p14:creationId xmlns:p14="http://schemas.microsoft.com/office/powerpoint/2010/main" val="3344288166"/>
+        <p14:creationId xmlns:p14="http://schemas.microsoft.com/office/powerpoint/2010/main" val="3637424865"/>
       </p:ext>
     </p:extLst>
   </p:cSld>
@@ -7280,7 +4676,7 @@
           <p:cNvPr id="2" name="Title 1">
             <a:extLst>
               <a:ext uri="{FF2B5EF4-FFF2-40B4-BE49-F238E27FC236}">
-                <a16:creationId xmlns:a16="http://schemas.microsoft.com/office/drawing/2014/main" id="{FE02FA5B-E50A-6C8F-EEF6-67BF8D923F50}"/>
+                <a16:creationId xmlns:a16="http://schemas.microsoft.com/office/drawing/2014/main" id="{A0C9EE60-C40C-29B4-BC51-E070137E5610}"/>
               </a:ext>
             </a:extLst>
           </p:cNvPr>
@@ -7298,88 +4694,315 @@
           <a:p>
             <a:r>
               <a:rPr lang="en-CH"/>
-              <a:t>Variance and Bias</a:t>
+              <a:t>Bias-Variance Trade-off</a:t>
             </a:r>
           </a:p>
         </p:txBody>
       </p:sp>
       <p:pic>
         <p:nvPicPr>
-          <p:cNvPr id="4" name="Content Placeholder 3">
-            <a:extLst>
-              <a:ext uri="{FF2B5EF4-FFF2-40B4-BE49-F238E27FC236}">
-                <a16:creationId xmlns:a16="http://schemas.microsoft.com/office/drawing/2014/main" id="{D3B23091-3C08-110F-DFB6-F7FB639B000A}"/>
+          <p:cNvPr id="1026" name="Picture 2" descr="The intuition behind bias and variance | by Seth Mottaghinejad | Towards  Data Science">
+            <a:extLst>
+              <a:ext uri="{FF2B5EF4-FFF2-40B4-BE49-F238E27FC236}">
+                <a16:creationId xmlns:a16="http://schemas.microsoft.com/office/drawing/2014/main" id="{4CCE66F8-5ABC-A071-A90A-3EB44AB82B87}"/>
               </a:ext>
             </a:extLst>
           </p:cNvPr>
           <p:cNvPicPr>
-            <a:picLocks noGrp="1" noChangeAspect="1"/>
+            <a:picLocks noGrp="1" noChangeAspect="1" noChangeArrowheads="1"/>
           </p:cNvPicPr>
           <p:nvPr>
             <p:ph idx="1"/>
           </p:nvPr>
         </p:nvPicPr>
         <p:blipFill>
-          <a:blip r:embed="rId2"/>
+          <a:blip r:embed="rId2">
+            <a:extLst>
+              <a:ext uri="{28A0092B-C50C-407E-A947-70E740481C1C}">
+                <a14:useLocalDpi xmlns:a14="http://schemas.microsoft.com/office/drawing/2010/main" val="0"/>
+              </a:ext>
+            </a:extLst>
+          </a:blip>
+          <a:srcRect/>
           <a:stretch>
             <a:fillRect/>
           </a:stretch>
         </p:blipFill>
-        <p:spPr>
+        <p:spPr bwMode="auto">
           <a:xfrm>
-            <a:off x="3338642" y="1825625"/>
-            <a:ext cx="5514716" cy="4351338"/>
-          </a:xfrm>
-          <a:prstGeom prst="rect">
-            <a:avLst/>
-          </a:prstGeom>
-        </p:spPr>
-      </p:pic>
-      <p:sp>
-        <p:nvSpPr>
-          <p:cNvPr id="5" name="TextBox 4">
-            <a:extLst>
-              <a:ext uri="{FF2B5EF4-FFF2-40B4-BE49-F238E27FC236}">
-                <a16:creationId xmlns:a16="http://schemas.microsoft.com/office/drawing/2014/main" id="{C6F57AF2-43E6-731D-9A6F-860181138FCD}"/>
-              </a:ext>
-            </a:extLst>
-          </p:cNvPr>
-          <p:cNvSpPr txBox="1"/>
-          <p:nvPr/>
-        </p:nvSpPr>
-        <p:spPr>
-          <a:xfrm>
-            <a:off x="7233585" y="6596390"/>
-            <a:ext cx="5572954" cy="261610"/>
+            <a:off x="1383723" y="2063390"/>
+            <a:ext cx="6882186" cy="4354036"/>
           </a:xfrm>
           <a:prstGeom prst="rect">
             <a:avLst/>
           </a:prstGeom>
           <a:noFill/>
-        </p:spPr>
-        <p:txBody>
-          <a:bodyPr wrap="square">
+          <a:extLst>
+            <a:ext uri="{909E8E84-426E-40DD-AFC4-6F175D3DCCD1}">
+              <a14:hiddenFill xmlns:a14="http://schemas.microsoft.com/office/drawing/2010/main">
+                <a:solidFill>
+                  <a:srgbClr val="FFFFFF"/>
+                </a:solidFill>
+              </a14:hiddenFill>
+            </a:ext>
+          </a:extLst>
+        </p:spPr>
+      </p:pic>
+      <p:sp>
+        <p:nvSpPr>
+          <p:cNvPr id="4" name="TextBox 3">
+            <a:extLst>
+              <a:ext uri="{FF2B5EF4-FFF2-40B4-BE49-F238E27FC236}">
+                <a16:creationId xmlns:a16="http://schemas.microsoft.com/office/drawing/2014/main" id="{1D959196-B178-5F06-3503-CC3726956AC5}"/>
+              </a:ext>
+            </a:extLst>
+          </p:cNvPr>
+          <p:cNvSpPr txBox="1"/>
+          <p:nvPr/>
+        </p:nvSpPr>
+        <p:spPr>
+          <a:xfrm>
+            <a:off x="7248698" y="2782669"/>
+            <a:ext cx="2345450" cy="646331"/>
+          </a:xfrm>
+          <a:prstGeom prst="rect">
+            <a:avLst/>
+          </a:prstGeom>
+          <a:noFill/>
+        </p:spPr>
+        <p:txBody>
+          <a:bodyPr wrap="none" rtlCol="0">
             <a:spAutoFit/>
           </a:bodyPr>
           <a:lstStyle/>
           <a:p>
             <a:r>
-              <a:rPr lang="en-GB" sz="1050">
+              <a:rPr lang="en-CH">
+                <a:solidFill>
+                  <a:srgbClr val="C00000"/>
+                </a:solidFill>
+              </a:rPr>
+              <a:t>Error evaluated on the </a:t>
+            </a:r>
+          </a:p>
+          <a:p>
+            <a:r>
+              <a:rPr lang="en-CH">
+                <a:solidFill>
+                  <a:srgbClr val="C00000"/>
+                </a:solidFill>
+              </a:rPr>
+              <a:t>“test” dataset</a:t>
+            </a:r>
+          </a:p>
+        </p:txBody>
+      </p:sp>
+      <p:cxnSp>
+        <p:nvCxnSpPr>
+          <p:cNvPr id="6" name="Straight Arrow Connector 5">
+            <a:extLst>
+              <a:ext uri="{FF2B5EF4-FFF2-40B4-BE49-F238E27FC236}">
+                <a16:creationId xmlns:a16="http://schemas.microsoft.com/office/drawing/2014/main" id="{8E5C2EF9-A868-D8E8-0C5E-24506C2FF073}"/>
+              </a:ext>
+            </a:extLst>
+          </p:cNvPr>
+          <p:cNvCxnSpPr>
+            <a:stCxn id="4" idx="1"/>
+          </p:cNvCxnSpPr>
+          <p:nvPr/>
+        </p:nvCxnSpPr>
+        <p:spPr>
+          <a:xfrm flipH="1">
+            <a:off x="5918662" y="3105835"/>
+            <a:ext cx="1330036" cy="1474478"/>
+          </a:xfrm>
+          <a:prstGeom prst="straightConnector1">
+            <a:avLst/>
+          </a:prstGeom>
+          <a:ln w="28575">
+            <a:solidFill>
+              <a:srgbClr val="C00000"/>
+            </a:solidFill>
+            <a:tailEnd type="triangle"/>
+          </a:ln>
+        </p:spPr>
+        <p:style>
+          <a:lnRef idx="1">
+            <a:schemeClr val="accent1"/>
+          </a:lnRef>
+          <a:fillRef idx="0">
+            <a:schemeClr val="accent1"/>
+          </a:fillRef>
+          <a:effectRef idx="0">
+            <a:schemeClr val="accent1"/>
+          </a:effectRef>
+          <a:fontRef idx="minor">
+            <a:schemeClr val="tx1"/>
+          </a:fontRef>
+        </p:style>
+      </p:cxnSp>
+      <p:sp>
+        <p:nvSpPr>
+          <p:cNvPr id="7" name="TextBox 6">
+            <a:extLst>
+              <a:ext uri="{FF2B5EF4-FFF2-40B4-BE49-F238E27FC236}">
+                <a16:creationId xmlns:a16="http://schemas.microsoft.com/office/drawing/2014/main" id="{0BD63917-047A-908E-089F-1A8A04A6FFAD}"/>
+              </a:ext>
+            </a:extLst>
+          </p:cNvPr>
+          <p:cNvSpPr txBox="1"/>
+          <p:nvPr/>
+        </p:nvSpPr>
+        <p:spPr>
+          <a:xfrm>
+            <a:off x="8314453" y="3701225"/>
+            <a:ext cx="2345450" cy="646331"/>
+          </a:xfrm>
+          <a:prstGeom prst="rect">
+            <a:avLst/>
+          </a:prstGeom>
+          <a:noFill/>
+        </p:spPr>
+        <p:txBody>
+          <a:bodyPr wrap="none" rtlCol="0">
+            <a:spAutoFit/>
+          </a:bodyPr>
+          <a:lstStyle/>
+          <a:p>
+            <a:r>
+              <a:rPr lang="en-CH">
+                <a:solidFill>
+                  <a:schemeClr val="accent1"/>
+                </a:solidFill>
+              </a:rPr>
+              <a:t>Error evaluated on the </a:t>
+            </a:r>
+          </a:p>
+          <a:p>
+            <a:r>
+              <a:rPr lang="en-CH">
+                <a:solidFill>
+                  <a:schemeClr val="accent1"/>
+                </a:solidFill>
+              </a:rPr>
+              <a:t>“train” dataset</a:t>
+            </a:r>
+          </a:p>
+        </p:txBody>
+      </p:sp>
+      <p:cxnSp>
+        <p:nvCxnSpPr>
+          <p:cNvPr id="8" name="Straight Arrow Connector 7">
+            <a:extLst>
+              <a:ext uri="{FF2B5EF4-FFF2-40B4-BE49-F238E27FC236}">
+                <a16:creationId xmlns:a16="http://schemas.microsoft.com/office/drawing/2014/main" id="{1A37836A-D1A0-1D20-7DD1-E5591B00798C}"/>
+              </a:ext>
+            </a:extLst>
+          </p:cNvPr>
+          <p:cNvCxnSpPr>
+            <a:stCxn id="7" idx="1"/>
+          </p:cNvCxnSpPr>
+          <p:nvPr/>
+        </p:nvCxnSpPr>
+        <p:spPr>
+          <a:xfrm flipH="1">
+            <a:off x="6984417" y="4024391"/>
+            <a:ext cx="1330036" cy="1474478"/>
+          </a:xfrm>
+          <a:prstGeom prst="straightConnector1">
+            <a:avLst/>
+          </a:prstGeom>
+          <a:ln w="28575">
+            <a:solidFill>
+              <a:srgbClr val="0070C0"/>
+            </a:solidFill>
+            <a:tailEnd type="triangle"/>
+          </a:ln>
+        </p:spPr>
+        <p:style>
+          <a:lnRef idx="1">
+            <a:schemeClr val="accent1"/>
+          </a:lnRef>
+          <a:fillRef idx="0">
+            <a:schemeClr val="accent1"/>
+          </a:fillRef>
+          <a:effectRef idx="0">
+            <a:schemeClr val="accent1"/>
+          </a:effectRef>
+          <a:fontRef idx="minor">
+            <a:schemeClr val="tx1"/>
+          </a:fontRef>
+        </p:style>
+      </p:cxnSp>
+      <p:sp>
+        <p:nvSpPr>
+          <p:cNvPr id="9" name="TextBox 8">
+            <a:extLst>
+              <a:ext uri="{FF2B5EF4-FFF2-40B4-BE49-F238E27FC236}">
+                <a16:creationId xmlns:a16="http://schemas.microsoft.com/office/drawing/2014/main" id="{6773120A-C3CC-50E1-AF2B-C054450511D5}"/>
+              </a:ext>
+            </a:extLst>
+          </p:cNvPr>
+          <p:cNvSpPr txBox="1"/>
+          <p:nvPr/>
+        </p:nvSpPr>
+        <p:spPr>
+          <a:xfrm>
+            <a:off x="9579425" y="6550223"/>
+            <a:ext cx="2612575" cy="307777"/>
+          </a:xfrm>
+          <a:prstGeom prst="rect">
+            <a:avLst/>
+          </a:prstGeom>
+          <a:noFill/>
+        </p:spPr>
+        <p:txBody>
+          <a:bodyPr wrap="none" rtlCol="0">
+            <a:spAutoFit/>
+          </a:bodyPr>
+          <a:lstStyle/>
+          <a:p>
+            <a:r>
+              <a:rPr lang="en-CH" sz="1400"/>
+              <a:t>Image © Towarddatascience.com</a:t>
+            </a:r>
+          </a:p>
+        </p:txBody>
+      </p:sp>
+      <p:sp>
+        <p:nvSpPr>
+          <p:cNvPr id="10" name="TextBox 9">
+            <a:extLst>
+              <a:ext uri="{FF2B5EF4-FFF2-40B4-BE49-F238E27FC236}">
+                <a16:creationId xmlns:a16="http://schemas.microsoft.com/office/drawing/2014/main" id="{66219D28-49AE-9D42-99C0-067B8F670832}"/>
+              </a:ext>
+            </a:extLst>
+          </p:cNvPr>
+          <p:cNvSpPr txBox="1"/>
+          <p:nvPr/>
+        </p:nvSpPr>
+        <p:spPr>
+          <a:xfrm rot="16200000">
+            <a:off x="1044073" y="2803026"/>
+            <a:ext cx="582211" cy="307777"/>
+          </a:xfrm>
+          <a:prstGeom prst="rect">
+            <a:avLst/>
+          </a:prstGeom>
+          <a:noFill/>
+        </p:spPr>
+        <p:txBody>
+          <a:bodyPr wrap="none" rtlCol="0">
+            <a:spAutoFit/>
+          </a:bodyPr>
+          <a:lstStyle/>
+          <a:p>
+            <a:r>
+              <a:rPr lang="en-CH" sz="1400">
                 <a:latin typeface="Arial" panose="020B0604020202020204" pitchFamily="34" charset="0"/>
+                <a:cs typeface="Arial" panose="020B0604020202020204" pitchFamily="34" charset="0"/>
               </a:rPr>
-              <a:t>U. Michelucci, </a:t>
-            </a:r>
-            <a:r>
-              <a:rPr lang="en-GB" sz="1050" i="1">
-                <a:latin typeface="Arial" panose="020B0604020202020204" pitchFamily="34" charset="0"/>
-              </a:rPr>
-              <a:t>Applied Deep Learning with TensorFlow 2</a:t>
-            </a:r>
-            <a:r>
-              <a:rPr lang="en-GB" sz="1050">
-                <a:latin typeface="Arial" panose="020B0604020202020204" pitchFamily="34" charset="0"/>
-              </a:rPr>
-              <a:t>, Springer Nature, 2022</a:t>
+              <a:t>Error</a:t>
             </a:r>
           </a:p>
         </p:txBody>
@@ -7387,7 +5010,7 @@
     </p:spTree>
     <p:extLst>
       <p:ext uri="{BB962C8B-B14F-4D97-AF65-F5344CB8AC3E}">
-        <p14:creationId xmlns:p14="http://schemas.microsoft.com/office/powerpoint/2010/main" val="2290454121"/>
+        <p14:creationId xmlns:p14="http://schemas.microsoft.com/office/powerpoint/2010/main" val="3344288166"/>
       </p:ext>
     </p:extLst>
   </p:cSld>
@@ -7419,7 +5042,7 @@
           <p:cNvPr id="2" name="Title 1">
             <a:extLst>
               <a:ext uri="{FF2B5EF4-FFF2-40B4-BE49-F238E27FC236}">
-                <a16:creationId xmlns:a16="http://schemas.microsoft.com/office/drawing/2014/main" id="{94FACC52-3218-DDEB-3FF2-D2D7228384AB}"/>
+                <a16:creationId xmlns:a16="http://schemas.microsoft.com/office/drawing/2014/main" id="{FE02FA5B-E50A-6C8F-EEF6-67BF8D923F50}"/>
               </a:ext>
             </a:extLst>
           </p:cNvPr>
@@ -7437,78 +5060,96 @@
           <a:p>
             <a:r>
               <a:rPr lang="en-CH"/>
-              <a:t>Essence of overfitting</a:t>
-            </a:r>
-          </a:p>
-        </p:txBody>
-      </p:sp>
-      <p:sp>
-        <p:nvSpPr>
-          <p:cNvPr id="3" name="Content Placeholder 2">
-            <a:extLst>
-              <a:ext uri="{FF2B5EF4-FFF2-40B4-BE49-F238E27FC236}">
-                <a16:creationId xmlns:a16="http://schemas.microsoft.com/office/drawing/2014/main" id="{3E564DD8-825B-74E7-B53E-695F0DFE9C59}"/>
-              </a:ext>
-            </a:extLst>
-          </p:cNvPr>
-          <p:cNvSpPr>
-            <a:spLocks noGrp="1"/>
-          </p:cNvSpPr>
+              <a:t>Variance and Bias</a:t>
+            </a:r>
+          </a:p>
+        </p:txBody>
+      </p:sp>
+      <p:pic>
+        <p:nvPicPr>
+          <p:cNvPr id="4" name="Content Placeholder 3">
+            <a:extLst>
+              <a:ext uri="{FF2B5EF4-FFF2-40B4-BE49-F238E27FC236}">
+                <a16:creationId xmlns:a16="http://schemas.microsoft.com/office/drawing/2014/main" id="{D3B23091-3C08-110F-DFB6-F7FB639B000A}"/>
+              </a:ext>
+            </a:extLst>
+          </p:cNvPr>
+          <p:cNvPicPr>
+            <a:picLocks noGrp="1" noChangeAspect="1"/>
+          </p:cNvPicPr>
           <p:nvPr>
             <p:ph idx="1"/>
           </p:nvPr>
-        </p:nvSpPr>
+        </p:nvPicPr>
+        <p:blipFill>
+          <a:blip r:embed="rId2"/>
+          <a:stretch>
+            <a:fillRect/>
+          </a:stretch>
+        </p:blipFill>
         <p:spPr>
           <a:xfrm>
-            <a:off x="838200" y="2468879"/>
-            <a:ext cx="10515600" cy="3708083"/>
-          </a:xfrm>
-        </p:spPr>
-        <p:txBody>
-          <a:bodyPr/>
-          <a:lstStyle/>
-          <a:p>
-            <a:pPr marL="0" indent="0">
-              <a:buNone/>
-            </a:pPr>
-            <a:r>
-              <a:rPr lang="en-US" b="1"/>
-              <a:t>Note</a:t>
-            </a:r>
-            <a:r>
-              <a:rPr lang="en-US"/>
-              <a:t> The essence of </a:t>
-            </a:r>
-            <a:r>
-              <a:rPr lang="en-US" b="1"/>
-              <a:t>overfitting</a:t>
-            </a:r>
-            <a:r>
-              <a:rPr lang="en-US"/>
-              <a:t> is to have unknowingly extracted some of the residual variation (i.e. the noise) as if that variation represented underlying model structure. The opposite is called </a:t>
-            </a:r>
-            <a:r>
-              <a:rPr lang="en-US" b="1"/>
-              <a:t>underfitting</a:t>
-            </a:r>
-            <a:r>
-              <a:rPr lang="en-US"/>
-              <a:t> when the model cannot capture the structure of the data</a:t>
-            </a:r>
-            <a:r>
-              <a:rPr lang="en-CH">
-                <a:effectLst/>
+            <a:off x="3338642" y="1825625"/>
+            <a:ext cx="5514716" cy="4351338"/>
+          </a:xfrm>
+          <a:prstGeom prst="rect">
+            <a:avLst/>
+          </a:prstGeom>
+        </p:spPr>
+      </p:pic>
+      <p:sp>
+        <p:nvSpPr>
+          <p:cNvPr id="5" name="TextBox 4">
+            <a:extLst>
+              <a:ext uri="{FF2B5EF4-FFF2-40B4-BE49-F238E27FC236}">
+                <a16:creationId xmlns:a16="http://schemas.microsoft.com/office/drawing/2014/main" id="{C6F57AF2-43E6-731D-9A6F-860181138FCD}"/>
+              </a:ext>
+            </a:extLst>
+          </p:cNvPr>
+          <p:cNvSpPr txBox="1"/>
+          <p:nvPr/>
+        </p:nvSpPr>
+        <p:spPr>
+          <a:xfrm>
+            <a:off x="7233585" y="6596390"/>
+            <a:ext cx="5572954" cy="261610"/>
+          </a:xfrm>
+          <a:prstGeom prst="rect">
+            <a:avLst/>
+          </a:prstGeom>
+          <a:noFill/>
+        </p:spPr>
+        <p:txBody>
+          <a:bodyPr wrap="square">
+            <a:spAutoFit/>
+          </a:bodyPr>
+          <a:lstStyle/>
+          <a:p>
+            <a:r>
+              <a:rPr lang="en-GB" sz="1050">
+                <a:latin typeface="Arial" panose="020B0604020202020204" pitchFamily="34" charset="0"/>
               </a:rPr>
-              <a:t> </a:t>
-            </a:r>
-            <a:endParaRPr lang="en-CH"/>
+              <a:t>U. Michelucci, </a:t>
+            </a:r>
+            <a:r>
+              <a:rPr lang="en-GB" sz="1050" i="1">
+                <a:latin typeface="Arial" panose="020B0604020202020204" pitchFamily="34" charset="0"/>
+              </a:rPr>
+              <a:t>Applied Deep Learning with TensorFlow 2</a:t>
+            </a:r>
+            <a:r>
+              <a:rPr lang="en-GB" sz="1050">
+                <a:latin typeface="Arial" panose="020B0604020202020204" pitchFamily="34" charset="0"/>
+              </a:rPr>
+              <a:t>, Springer Nature, 2022</a:t>
+            </a:r>
           </a:p>
         </p:txBody>
       </p:sp>
     </p:spTree>
     <p:extLst>
       <p:ext uri="{BB962C8B-B14F-4D97-AF65-F5344CB8AC3E}">
-        <p14:creationId xmlns:p14="http://schemas.microsoft.com/office/powerpoint/2010/main" val="849770155"/>
+        <p14:creationId xmlns:p14="http://schemas.microsoft.com/office/powerpoint/2010/main" val="2290454121"/>
       </p:ext>
     </p:extLst>
   </p:cSld>
@@ -7535,263 +5176,101 @@
           <a:chExt cx="0" cy="0"/>
         </a:xfrm>
       </p:grpSpPr>
-      <p:pic>
-        <p:nvPicPr>
-          <p:cNvPr id="4" name="Content Placeholder 3">
-            <a:extLst>
-              <a:ext uri="{FF2B5EF4-FFF2-40B4-BE49-F238E27FC236}">
-                <a16:creationId xmlns:a16="http://schemas.microsoft.com/office/drawing/2014/main" id="{BADBE0DF-89CE-2FC6-7FDC-B674A1DF7DBA}"/>
-              </a:ext>
-            </a:extLst>
-          </p:cNvPr>
-          <p:cNvPicPr>
-            <a:picLocks noGrp="1" noChangeAspect="1"/>
-          </p:cNvPicPr>
+      <p:sp>
+        <p:nvSpPr>
+          <p:cNvPr id="2" name="Title 1">
+            <a:extLst>
+              <a:ext uri="{FF2B5EF4-FFF2-40B4-BE49-F238E27FC236}">
+                <a16:creationId xmlns:a16="http://schemas.microsoft.com/office/drawing/2014/main" id="{94FACC52-3218-DDEB-3FF2-D2D7228384AB}"/>
+              </a:ext>
+            </a:extLst>
+          </p:cNvPr>
+          <p:cNvSpPr>
+            <a:spLocks noGrp="1"/>
+          </p:cNvSpPr>
+          <p:nvPr>
+            <p:ph type="title"/>
+          </p:nvPr>
+        </p:nvSpPr>
+        <p:spPr/>
+        <p:txBody>
+          <a:bodyPr/>
+          <a:lstStyle/>
+          <a:p>
+            <a:r>
+              <a:rPr lang="en-CH"/>
+              <a:t>Essence of overfitting</a:t>
+            </a:r>
+          </a:p>
+        </p:txBody>
+      </p:sp>
+      <p:sp>
+        <p:nvSpPr>
+          <p:cNvPr id="3" name="Content Placeholder 2">
+            <a:extLst>
+              <a:ext uri="{FF2B5EF4-FFF2-40B4-BE49-F238E27FC236}">
+                <a16:creationId xmlns:a16="http://schemas.microsoft.com/office/drawing/2014/main" id="{3E564DD8-825B-74E7-B53E-695F0DFE9C59}"/>
+              </a:ext>
+            </a:extLst>
+          </p:cNvPr>
+          <p:cNvSpPr>
+            <a:spLocks noGrp="1"/>
+          </p:cNvSpPr>
           <p:nvPr>
             <p:ph idx="1"/>
           </p:nvPr>
-        </p:nvPicPr>
-        <p:blipFill rotWithShape="1">
-          <a:blip r:embed="rId2"/>
-          <a:srcRect t="5099"/>
-          <a:stretch/>
-        </p:blipFill>
+        </p:nvSpPr>
         <p:spPr>
           <a:xfrm>
-            <a:off x="688571" y="1078419"/>
-            <a:ext cx="10515600" cy="1925857"/>
-          </a:xfrm>
-          <a:prstGeom prst="rect">
-            <a:avLst/>
-          </a:prstGeom>
-        </p:spPr>
-      </p:pic>
-      <p:sp>
-        <p:nvSpPr>
-          <p:cNvPr id="8" name="TextBox 7">
-            <a:extLst>
-              <a:ext uri="{FF2B5EF4-FFF2-40B4-BE49-F238E27FC236}">
-                <a16:creationId xmlns:a16="http://schemas.microsoft.com/office/drawing/2014/main" id="{8C9F5C12-38E0-E6A3-3D8D-A73351F15033}"/>
-              </a:ext>
-            </a:extLst>
-          </p:cNvPr>
-          <p:cNvSpPr txBox="1"/>
-          <p:nvPr/>
-        </p:nvSpPr>
-        <p:spPr>
-          <a:xfrm>
-            <a:off x="916478" y="3429000"/>
-            <a:ext cx="10359044" cy="2350580"/>
-          </a:xfrm>
-          <a:prstGeom prst="rect">
-            <a:avLst/>
-          </a:prstGeom>
-          <a:noFill/>
-        </p:spPr>
-        <p:txBody>
-          <a:bodyPr wrap="square">
-            <a:spAutoFit/>
-          </a:bodyPr>
-          <a:lstStyle/>
-          <a:p>
-            <a:pPr marL="285750" marR="547370" lvl="0" indent="-285750">
-              <a:lnSpc>
-                <a:spcPts val="1600"/>
-              </a:lnSpc>
-              <a:spcBef>
-                <a:spcPts val="600"/>
-              </a:spcBef>
-              <a:spcAft>
-                <a:spcPts val="1000"/>
-              </a:spcAft>
-              <a:buFont typeface="Arial" panose="020B0604020202020204" pitchFamily="34" charset="0"/>
-              <a:buChar char="•"/>
-              <a:tabLst>
-                <a:tab pos="594360" algn="l"/>
-              </a:tabLst>
+            <a:off x="838200" y="2468879"/>
+            <a:ext cx="10515600" cy="3708083"/>
+          </a:xfrm>
+        </p:spPr>
+        <p:txBody>
+          <a:bodyPr/>
+          <a:lstStyle/>
+          <a:p>
+            <a:pPr marL="0" indent="0">
+              <a:buNone/>
             </a:pPr>
             <a:r>
-              <a:rPr lang="en-GB" b="1">
+              <a:rPr lang="en-US" b="1"/>
+              <a:t>Note</a:t>
+            </a:r>
+            <a:r>
+              <a:rPr lang="en-US"/>
+              <a:t> The essence of </a:t>
+            </a:r>
+            <a:r>
+              <a:rPr lang="en-US" b="1"/>
+              <a:t>overfitting</a:t>
+            </a:r>
+            <a:r>
+              <a:rPr lang="en-US"/>
+              <a:t> is to have unknowingly extracted some of the residual variation (i.e. the noise) as if that variation represented underlying model structure. The opposite is called </a:t>
+            </a:r>
+            <a:r>
+              <a:rPr lang="en-US" b="1"/>
+              <a:t>underfitting</a:t>
+            </a:r>
+            <a:r>
+              <a:rPr lang="en-US"/>
+              <a:t> when the model cannot capture the structure of the data</a:t>
+            </a:r>
+            <a:r>
+              <a:rPr lang="en-CH">
                 <a:effectLst/>
-                <a:latin typeface="Arial" panose="020B0604020202020204" pitchFamily="34" charset="0"/>
-                <a:ea typeface="Calibri" panose="020F0502020204030204" pitchFamily="34" charset="0"/>
-                <a:cs typeface="Arial" panose="020B0604020202020204" pitchFamily="34" charset="0"/>
               </a:rPr>
-              <a:t>Case A</a:t>
-            </a:r>
-            <a:r>
-              <a:rPr lang="en-GB">
-                <a:effectLst/>
-                <a:latin typeface="Arial" panose="020B0604020202020204" pitchFamily="34" charset="0"/>
-                <a:ea typeface="Calibri" panose="020F0502020204030204" pitchFamily="34" charset="0"/>
-                <a:cs typeface="Arial" panose="020B0604020202020204" pitchFamily="34" charset="0"/>
-              </a:rPr>
-              <a:t>: here we are overfitting (high variance), because we are doing very well on the training set, but our model generalizes very badly to our dev set (check again Figure 15-8).</a:t>
-            </a:r>
-          </a:p>
-          <a:p>
-            <a:pPr marL="285750" marR="547370" lvl="0" indent="-285750">
-              <a:lnSpc>
-                <a:spcPts val="1600"/>
-              </a:lnSpc>
-              <a:spcBef>
-                <a:spcPts val="600"/>
-              </a:spcBef>
-              <a:spcAft>
-                <a:spcPts val="1000"/>
-              </a:spcAft>
-              <a:buFont typeface="Arial" panose="020B0604020202020204" pitchFamily="34" charset="0"/>
-              <a:buChar char="•"/>
-              <a:tabLst>
-                <a:tab pos="594360" algn="l"/>
-              </a:tabLst>
-            </a:pPr>
-            <a:r>
-              <a:rPr lang="en-GB" b="1">
-                <a:effectLst/>
-                <a:latin typeface="Arial" panose="020B0604020202020204" pitchFamily="34" charset="0"/>
-                <a:ea typeface="Calibri" panose="020F0502020204030204" pitchFamily="34" charset="0"/>
-                <a:cs typeface="Arial" panose="020B0604020202020204" pitchFamily="34" charset="0"/>
-              </a:rPr>
-              <a:t>Case B</a:t>
-            </a:r>
-            <a:r>
-              <a:rPr lang="en-GB">
-                <a:effectLst/>
-                <a:latin typeface="Arial" panose="020B0604020202020204" pitchFamily="34" charset="0"/>
-                <a:ea typeface="Calibri" panose="020F0502020204030204" pitchFamily="34" charset="0"/>
-                <a:cs typeface="Arial" panose="020B0604020202020204" pitchFamily="34" charset="0"/>
-              </a:rPr>
-              <a:t>: here we see a problem with high bias, meaning that our model is not doing very well generally, on both datasets (check again Figure 15-9)</a:t>
-            </a:r>
-          </a:p>
-          <a:p>
-            <a:pPr marL="285750" marR="547370" lvl="0" indent="-285750">
-              <a:lnSpc>
-                <a:spcPts val="1600"/>
-              </a:lnSpc>
-              <a:spcBef>
-                <a:spcPts val="600"/>
-              </a:spcBef>
-              <a:spcAft>
-                <a:spcPts val="1000"/>
-              </a:spcAft>
-              <a:buFont typeface="Arial" panose="020B0604020202020204" pitchFamily="34" charset="0"/>
-              <a:buChar char="•"/>
-              <a:tabLst>
-                <a:tab pos="594360" algn="l"/>
-              </a:tabLst>
-            </a:pPr>
-            <a:r>
-              <a:rPr lang="en-GB" b="1">
-                <a:effectLst/>
-                <a:latin typeface="Arial" panose="020B0604020202020204" pitchFamily="34" charset="0"/>
-                <a:ea typeface="Calibri" panose="020F0502020204030204" pitchFamily="34" charset="0"/>
-                <a:cs typeface="Arial" panose="020B0604020202020204" pitchFamily="34" charset="0"/>
-              </a:rPr>
-              <a:t>Case C</a:t>
-            </a:r>
-            <a:r>
-              <a:rPr lang="en-GB">
-                <a:effectLst/>
-                <a:latin typeface="Arial" panose="020B0604020202020204" pitchFamily="34" charset="0"/>
-                <a:ea typeface="Calibri" panose="020F0502020204030204" pitchFamily="34" charset="0"/>
-                <a:cs typeface="Arial" panose="020B0604020202020204" pitchFamily="34" charset="0"/>
-              </a:rPr>
-              <a:t>: here we have a high bias (the model cannot predict very well the training set) and high variance (the model does not generalize well on the dev set).</a:t>
-            </a:r>
-          </a:p>
-          <a:p>
-            <a:pPr marL="285750" marR="547370" lvl="0" indent="-285750">
-              <a:lnSpc>
-                <a:spcPts val="1600"/>
-              </a:lnSpc>
-              <a:spcBef>
-                <a:spcPts val="600"/>
-              </a:spcBef>
-              <a:spcAft>
-                <a:spcPts val="1000"/>
-              </a:spcAft>
-              <a:buFont typeface="Arial" panose="020B0604020202020204" pitchFamily="34" charset="0"/>
-              <a:buChar char="•"/>
-              <a:tabLst>
-                <a:tab pos="594360" algn="l"/>
-              </a:tabLst>
-            </a:pPr>
-            <a:r>
-              <a:rPr lang="en-GB" b="1">
-                <a:effectLst/>
-                <a:latin typeface="Arial" panose="020B0604020202020204" pitchFamily="34" charset="0"/>
-                <a:ea typeface="Calibri" panose="020F0502020204030204" pitchFamily="34" charset="0"/>
-                <a:cs typeface="Arial" panose="020B0604020202020204" pitchFamily="34" charset="0"/>
-              </a:rPr>
-              <a:t>Case D</a:t>
-            </a:r>
-            <a:r>
-              <a:rPr lang="en-GB">
-                <a:effectLst/>
-                <a:latin typeface="Arial" panose="020B0604020202020204" pitchFamily="34" charset="0"/>
-                <a:ea typeface="Calibri" panose="020F0502020204030204" pitchFamily="34" charset="0"/>
-                <a:cs typeface="Arial" panose="020B0604020202020204" pitchFamily="34" charset="0"/>
-              </a:rPr>
-              <a:t>: here everything seems ok. Good error on the train set and good on the dev set. That is a good candidate for our best model.</a:t>
-            </a:r>
-          </a:p>
-        </p:txBody>
-      </p:sp>
-      <p:sp>
-        <p:nvSpPr>
-          <p:cNvPr id="9" name="TextBox 8">
-            <a:extLst>
-              <a:ext uri="{FF2B5EF4-FFF2-40B4-BE49-F238E27FC236}">
-                <a16:creationId xmlns:a16="http://schemas.microsoft.com/office/drawing/2014/main" id="{8A69186B-8E61-59F9-D4CD-E5F55CDB9FFD}"/>
-              </a:ext>
-            </a:extLst>
-          </p:cNvPr>
-          <p:cNvSpPr txBox="1"/>
-          <p:nvPr/>
-        </p:nvSpPr>
-        <p:spPr>
-          <a:xfrm>
-            <a:off x="7233585" y="6596390"/>
-            <a:ext cx="5572954" cy="261610"/>
-          </a:xfrm>
-          <a:prstGeom prst="rect">
-            <a:avLst/>
-          </a:prstGeom>
-          <a:noFill/>
-        </p:spPr>
-        <p:txBody>
-          <a:bodyPr wrap="square">
-            <a:spAutoFit/>
-          </a:bodyPr>
-          <a:lstStyle/>
-          <a:p>
-            <a:r>
-              <a:rPr lang="en-GB" sz="1050">
-                <a:latin typeface="Arial" panose="020B0604020202020204" pitchFamily="34" charset="0"/>
-              </a:rPr>
-              <a:t>U. Michelucci, </a:t>
-            </a:r>
-            <a:r>
-              <a:rPr lang="en-GB" sz="1050" i="1">
-                <a:latin typeface="Arial" panose="020B0604020202020204" pitchFamily="34" charset="0"/>
-              </a:rPr>
-              <a:t>Applied Deep Learning with TensorFlow 2</a:t>
-            </a:r>
-            <a:r>
-              <a:rPr lang="en-GB" sz="1050">
-                <a:latin typeface="Arial" panose="020B0604020202020204" pitchFamily="34" charset="0"/>
-              </a:rPr>
-              <a:t>, Springer Nature, 2022</a:t>
-            </a:r>
+              <a:t> </a:t>
+            </a:r>
+            <a:endParaRPr lang="en-CH"/>
           </a:p>
         </p:txBody>
       </p:sp>
     </p:spTree>
     <p:extLst>
       <p:ext uri="{BB962C8B-B14F-4D97-AF65-F5344CB8AC3E}">
-        <p14:creationId xmlns:p14="http://schemas.microsoft.com/office/powerpoint/2010/main" val="3637424865"/>
+        <p14:creationId xmlns:p14="http://schemas.microsoft.com/office/powerpoint/2010/main" val="849770155"/>
       </p:ext>
     </p:extLst>
   </p:cSld>
@@ -8043,7 +5522,7 @@
           <p:cNvPr id="2" name="Title 1">
             <a:extLst>
               <a:ext uri="{FF2B5EF4-FFF2-40B4-BE49-F238E27FC236}">
-                <a16:creationId xmlns:a16="http://schemas.microsoft.com/office/drawing/2014/main" id="{A4FCF0FC-8349-2418-7816-F08CE876E67B}"/>
+                <a16:creationId xmlns:a16="http://schemas.microsoft.com/office/drawing/2014/main" id="{31DA2FAD-F752-2AA6-4A02-DEDA4AA6BE7A}"/>
               </a:ext>
             </a:extLst>
           </p:cNvPr>
@@ -8054,101 +5533,842 @@
             <p:ph type="title"/>
           </p:nvPr>
         </p:nvSpPr>
+        <p:spPr/>
+        <p:txBody>
+          <a:bodyPr/>
+          <a:lstStyle/>
+          <a:p>
+            <a:r>
+              <a:rPr lang="en-CH"/>
+              <a:t>Hold-out Approach with multiple splits</a:t>
+            </a:r>
+          </a:p>
+        </p:txBody>
+      </p:sp>
+      <p:sp>
+        <p:nvSpPr>
+          <p:cNvPr id="7" name="Rectangle 6">
+            <a:extLst>
+              <a:ext uri="{FF2B5EF4-FFF2-40B4-BE49-F238E27FC236}">
+                <a16:creationId xmlns:a16="http://schemas.microsoft.com/office/drawing/2014/main" id="{A1E1C258-6B31-987F-F798-4F795A5F8D82}"/>
+              </a:ext>
+            </a:extLst>
+          </p:cNvPr>
+          <p:cNvSpPr/>
+          <p:nvPr/>
+        </p:nvSpPr>
         <p:spPr>
           <a:xfrm>
-            <a:off x="239683" y="689321"/>
-            <a:ext cx="10515600" cy="1325563"/>
-          </a:xfrm>
-        </p:spPr>
-        <p:txBody>
-          <a:bodyPr/>
-          <a:lstStyle/>
-          <a:p>
-            <a:r>
-              <a:rPr lang="en-CH"/>
-              <a:t>How to communicate results from ML models</a:t>
-            </a:r>
-          </a:p>
-        </p:txBody>
-      </p:sp>
-      <p:sp>
-        <p:nvSpPr>
-          <p:cNvPr id="3" name="Content Placeholder 2">
-            <a:extLst>
-              <a:ext uri="{FF2B5EF4-FFF2-40B4-BE49-F238E27FC236}">
-                <a16:creationId xmlns:a16="http://schemas.microsoft.com/office/drawing/2014/main" id="{453B4384-689E-0387-368F-83B706E481B7}"/>
-              </a:ext>
-            </a:extLst>
-          </p:cNvPr>
-          <p:cNvSpPr>
-            <a:spLocks noGrp="1"/>
-          </p:cNvSpPr>
-          <p:nvPr>
-            <p:ph idx="1"/>
-          </p:nvPr>
+            <a:off x="1446720" y="3211946"/>
+            <a:ext cx="6533805" cy="798022"/>
+          </a:xfrm>
+          <a:prstGeom prst="rect">
+            <a:avLst/>
+          </a:prstGeom>
+          <a:solidFill>
+            <a:schemeClr val="accent4">
+              <a:lumMod val="40000"/>
+              <a:lumOff val="60000"/>
+            </a:schemeClr>
+          </a:solidFill>
+        </p:spPr>
+        <p:style>
+          <a:lnRef idx="2">
+            <a:schemeClr val="accent1">
+              <a:shade val="50000"/>
+            </a:schemeClr>
+          </a:lnRef>
+          <a:fillRef idx="1">
+            <a:schemeClr val="accent1"/>
+          </a:fillRef>
+          <a:effectRef idx="0">
+            <a:schemeClr val="accent1"/>
+          </a:effectRef>
+          <a:fontRef idx="minor">
+            <a:schemeClr val="lt1"/>
+          </a:fontRef>
+        </p:style>
+        <p:txBody>
+          <a:bodyPr rtlCol="0" anchor="ctr"/>
+          <a:lstStyle/>
+          <a:p>
+            <a:pPr algn="ctr"/>
+            <a:r>
+              <a:rPr lang="en-CH" sz="2800">
+                <a:solidFill>
+                  <a:schemeClr val="tx1"/>
+                </a:solidFill>
+                <a:latin typeface="Arial" panose="020B0604020202020204" pitchFamily="34" charset="0"/>
+                <a:cs typeface="Arial" panose="020B0604020202020204" pitchFamily="34" charset="0"/>
+              </a:rPr>
+              <a:t>Training Set</a:t>
+            </a:r>
+          </a:p>
+        </p:txBody>
+      </p:sp>
+      <p:sp>
+        <p:nvSpPr>
+          <p:cNvPr id="3" name="Rectangle 2">
+            <a:extLst>
+              <a:ext uri="{FF2B5EF4-FFF2-40B4-BE49-F238E27FC236}">
+                <a16:creationId xmlns:a16="http://schemas.microsoft.com/office/drawing/2014/main" id="{B45E3B45-1621-5708-F838-571DEB3B4893}"/>
+              </a:ext>
+            </a:extLst>
+          </p:cNvPr>
+          <p:cNvSpPr/>
+          <p:nvPr/>
         </p:nvSpPr>
         <p:spPr>
           <a:xfrm>
-            <a:off x="846512" y="2224636"/>
-            <a:ext cx="10515600" cy="4351338"/>
-          </a:xfrm>
-        </p:spPr>
-        <p:txBody>
-          <a:bodyPr>
-            <a:normAutofit/>
+            <a:off x="8105216" y="3211946"/>
+            <a:ext cx="2194560" cy="798022"/>
+          </a:xfrm>
+          <a:prstGeom prst="rect">
+            <a:avLst/>
+          </a:prstGeom>
+          <a:solidFill>
+            <a:schemeClr val="accent4">
+              <a:lumMod val="40000"/>
+              <a:lumOff val="60000"/>
+            </a:schemeClr>
+          </a:solidFill>
+        </p:spPr>
+        <p:style>
+          <a:lnRef idx="2">
+            <a:schemeClr val="accent1">
+              <a:shade val="50000"/>
+            </a:schemeClr>
+          </a:lnRef>
+          <a:fillRef idx="1">
+            <a:schemeClr val="accent1"/>
+          </a:fillRef>
+          <a:effectRef idx="0">
+            <a:schemeClr val="accent1"/>
+          </a:effectRef>
+          <a:fontRef idx="minor">
+            <a:schemeClr val="lt1"/>
+          </a:fontRef>
+        </p:style>
+        <p:txBody>
+          <a:bodyPr rtlCol="0" anchor="ctr"/>
+          <a:lstStyle/>
+          <a:p>
+            <a:pPr algn="ctr"/>
+            <a:r>
+              <a:rPr lang="en-CH" sz="2800">
+                <a:solidFill>
+                  <a:schemeClr val="tx1"/>
+                </a:solidFill>
+                <a:latin typeface="Arial" panose="020B0604020202020204" pitchFamily="34" charset="0"/>
+                <a:cs typeface="Arial" panose="020B0604020202020204" pitchFamily="34" charset="0"/>
+              </a:rPr>
+              <a:t>Test Set</a:t>
+            </a:r>
+          </a:p>
+        </p:txBody>
+      </p:sp>
+      <p:sp>
+        <p:nvSpPr>
+          <p:cNvPr id="4" name="Rectangle 3">
+            <a:extLst>
+              <a:ext uri="{FF2B5EF4-FFF2-40B4-BE49-F238E27FC236}">
+                <a16:creationId xmlns:a16="http://schemas.microsoft.com/office/drawing/2014/main" id="{985F6410-85BD-7044-B6F2-41B707A9708E}"/>
+              </a:ext>
+            </a:extLst>
+          </p:cNvPr>
+          <p:cNvSpPr/>
+          <p:nvPr/>
+        </p:nvSpPr>
+        <p:spPr>
+          <a:xfrm>
+            <a:off x="1446721" y="2122978"/>
+            <a:ext cx="8853055" cy="798022"/>
+          </a:xfrm>
+          <a:prstGeom prst="rect">
+            <a:avLst/>
+          </a:prstGeom>
+        </p:spPr>
+        <p:style>
+          <a:lnRef idx="2">
+            <a:schemeClr val="accent1">
+              <a:shade val="50000"/>
+            </a:schemeClr>
+          </a:lnRef>
+          <a:fillRef idx="1">
+            <a:schemeClr val="accent1"/>
+          </a:fillRef>
+          <a:effectRef idx="0">
+            <a:schemeClr val="accent1"/>
+          </a:effectRef>
+          <a:fontRef idx="minor">
+            <a:schemeClr val="lt1"/>
+          </a:fontRef>
+        </p:style>
+        <p:txBody>
+          <a:bodyPr rtlCol="0" anchor="ctr"/>
+          <a:lstStyle/>
+          <a:p>
+            <a:pPr algn="ctr"/>
+            <a:r>
+              <a:rPr lang="en-CH" sz="2800">
+                <a:latin typeface="Arial" panose="020B0604020202020204" pitchFamily="34" charset="0"/>
+                <a:cs typeface="Arial" panose="020B0604020202020204" pitchFamily="34" charset="0"/>
+              </a:rPr>
+              <a:t>Dataset</a:t>
+            </a:r>
+          </a:p>
+        </p:txBody>
+      </p:sp>
+      <p:sp>
+        <p:nvSpPr>
+          <p:cNvPr id="5" name="Rounded Rectangle 4">
+            <a:extLst>
+              <a:ext uri="{FF2B5EF4-FFF2-40B4-BE49-F238E27FC236}">
+                <a16:creationId xmlns:a16="http://schemas.microsoft.com/office/drawing/2014/main" id="{DE96796D-9F23-C832-26F7-450E1D9451B6}"/>
+              </a:ext>
+            </a:extLst>
+          </p:cNvPr>
+          <p:cNvSpPr/>
+          <p:nvPr/>
+        </p:nvSpPr>
+        <p:spPr>
+          <a:xfrm>
+            <a:off x="1446720" y="4300914"/>
+            <a:ext cx="6533805" cy="407323"/>
+          </a:xfrm>
+          <a:prstGeom prst="roundRect">
+            <a:avLst/>
+          </a:prstGeom>
+          <a:solidFill>
+            <a:schemeClr val="accent6">
+              <a:lumMod val="40000"/>
+              <a:lumOff val="60000"/>
+            </a:schemeClr>
+          </a:solidFill>
+        </p:spPr>
+        <p:style>
+          <a:lnRef idx="2">
+            <a:schemeClr val="accent1">
+              <a:shade val="50000"/>
+            </a:schemeClr>
+          </a:lnRef>
+          <a:fillRef idx="1">
+            <a:schemeClr val="accent1"/>
+          </a:fillRef>
+          <a:effectRef idx="0">
+            <a:schemeClr val="accent1"/>
+          </a:effectRef>
+          <a:fontRef idx="minor">
+            <a:schemeClr val="lt1"/>
+          </a:fontRef>
+        </p:style>
+        <p:txBody>
+          <a:bodyPr rtlCol="0" anchor="ctr"/>
+          <a:lstStyle/>
+          <a:p>
+            <a:pPr algn="ctr"/>
+            <a:r>
+              <a:rPr lang="en-CH">
+                <a:solidFill>
+                  <a:schemeClr val="tx1"/>
+                </a:solidFill>
+                <a:latin typeface="Arial" panose="020B0604020202020204" pitchFamily="34" charset="0"/>
+                <a:cs typeface="Arial" panose="020B0604020202020204" pitchFamily="34" charset="0"/>
+              </a:rPr>
+              <a:t>Train the model</a:t>
+            </a:r>
+          </a:p>
+        </p:txBody>
+      </p:sp>
+      <p:sp>
+        <p:nvSpPr>
+          <p:cNvPr id="8" name="Rounded Rectangle 7">
+            <a:extLst>
+              <a:ext uri="{FF2B5EF4-FFF2-40B4-BE49-F238E27FC236}">
+                <a16:creationId xmlns:a16="http://schemas.microsoft.com/office/drawing/2014/main" id="{73148958-095D-D617-9E70-893A807CED67}"/>
+              </a:ext>
+            </a:extLst>
+          </p:cNvPr>
+          <p:cNvSpPr/>
+          <p:nvPr/>
+        </p:nvSpPr>
+        <p:spPr>
+          <a:xfrm>
+            <a:off x="8105216" y="4300914"/>
+            <a:ext cx="2194560" cy="407323"/>
+          </a:xfrm>
+          <a:prstGeom prst="roundRect">
+            <a:avLst/>
+          </a:prstGeom>
+          <a:solidFill>
+            <a:schemeClr val="accent2">
+              <a:lumMod val="40000"/>
+              <a:lumOff val="60000"/>
+            </a:schemeClr>
+          </a:solidFill>
+        </p:spPr>
+        <p:style>
+          <a:lnRef idx="2">
+            <a:schemeClr val="accent1">
+              <a:shade val="50000"/>
+            </a:schemeClr>
+          </a:lnRef>
+          <a:fillRef idx="1">
+            <a:schemeClr val="accent1"/>
+          </a:fillRef>
+          <a:effectRef idx="0">
+            <a:schemeClr val="accent1"/>
+          </a:effectRef>
+          <a:fontRef idx="minor">
+            <a:schemeClr val="lt1"/>
+          </a:fontRef>
+        </p:style>
+        <p:txBody>
+          <a:bodyPr rtlCol="0" anchor="ctr"/>
+          <a:lstStyle/>
+          <a:p>
+            <a:pPr algn="ctr"/>
+            <a:r>
+              <a:rPr lang="en-CH">
+                <a:solidFill>
+                  <a:schemeClr val="tx1"/>
+                </a:solidFill>
+                <a:latin typeface="Arial" panose="020B0604020202020204" pitchFamily="34" charset="0"/>
+                <a:cs typeface="Arial" panose="020B0604020202020204" pitchFamily="34" charset="0"/>
+              </a:rPr>
+              <a:t>Evaluate the model</a:t>
+            </a:r>
+          </a:p>
+        </p:txBody>
+      </p:sp>
+      <p:sp>
+        <p:nvSpPr>
+          <p:cNvPr id="11" name="TextBox 10">
+            <a:extLst>
+              <a:ext uri="{FF2B5EF4-FFF2-40B4-BE49-F238E27FC236}">
+                <a16:creationId xmlns:a16="http://schemas.microsoft.com/office/drawing/2014/main" id="{62398207-D864-3DF1-DBDF-4D14E8AC75E9}"/>
+              </a:ext>
+            </a:extLst>
+          </p:cNvPr>
+          <p:cNvSpPr txBox="1"/>
+          <p:nvPr/>
+        </p:nvSpPr>
+        <p:spPr>
+          <a:xfrm>
+            <a:off x="3633839" y="5248563"/>
+            <a:ext cx="2159566" cy="369332"/>
+          </a:xfrm>
+          <a:prstGeom prst="rect">
+            <a:avLst/>
+          </a:prstGeom>
+          <a:noFill/>
+        </p:spPr>
+        <p:txBody>
+          <a:bodyPr wrap="none" rtlCol="0">
+            <a:spAutoFit/>
           </a:bodyPr>
           <a:lstStyle/>
           <a:p>
-            <a:pPr marL="0" indent="0">
-              <a:buNone/>
-            </a:pPr>
-            <a:r>
-              <a:rPr lang="en-CH" sz="3200"/>
-              <a:t>When communicating results from ML models:</a:t>
-            </a:r>
-          </a:p>
-          <a:p>
-            <a:pPr marL="0" indent="0">
-              <a:buNone/>
-            </a:pPr>
-            <a:endParaRPr lang="en-CH" sz="3200"/>
-          </a:p>
-          <a:p>
-            <a:pPr>
-              <a:buFont typeface="Wingdings" pitchFamily="2" charset="2"/>
-              <a:buChar char="à"/>
-            </a:pPr>
-            <a:r>
-              <a:rPr lang="en-CH" sz="3200">
-                <a:sym typeface="Wingdings" pitchFamily="2" charset="2"/>
+            <a:r>
+              <a:rPr lang="en-CH">
+                <a:latin typeface="Arial" panose="020B0604020202020204" pitchFamily="34" charset="0"/>
+                <a:cs typeface="Arial" panose="020B0604020202020204" pitchFamily="34" charset="0"/>
               </a:rPr>
-              <a:t>Always estimate expected value (mean) and variance (or standard deviations) of relevant metrics.</a:t>
-            </a:r>
-          </a:p>
-          <a:p>
-            <a:pPr marL="0" indent="0">
-              <a:buNone/>
-            </a:pPr>
-            <a:r>
-              <a:rPr lang="en-CH" sz="3200">
-                <a:sym typeface="Wingdings" pitchFamily="2" charset="2"/>
+              <a:t>Evaluate the metric</a:t>
+            </a:r>
+          </a:p>
+        </p:txBody>
+      </p:sp>
+      <p:sp>
+        <p:nvSpPr>
+          <p:cNvPr id="12" name="TextBox 11">
+            <a:extLst>
+              <a:ext uri="{FF2B5EF4-FFF2-40B4-BE49-F238E27FC236}">
+                <a16:creationId xmlns:a16="http://schemas.microsoft.com/office/drawing/2014/main" id="{E6167B6D-B840-FFE0-C425-D3E56A3FD34C}"/>
+              </a:ext>
+            </a:extLst>
+          </p:cNvPr>
+          <p:cNvSpPr txBox="1"/>
+          <p:nvPr/>
+        </p:nvSpPr>
+        <p:spPr>
+          <a:xfrm>
+            <a:off x="8113529" y="5248563"/>
+            <a:ext cx="2159566" cy="369332"/>
+          </a:xfrm>
+          <a:prstGeom prst="rect">
+            <a:avLst/>
+          </a:prstGeom>
+          <a:noFill/>
+        </p:spPr>
+        <p:txBody>
+          <a:bodyPr wrap="none" rtlCol="0">
+            <a:spAutoFit/>
+          </a:bodyPr>
+          <a:lstStyle/>
+          <a:p>
+            <a:r>
+              <a:rPr lang="en-CH">
+                <a:latin typeface="Arial" panose="020B0604020202020204" pitchFamily="34" charset="0"/>
+                <a:cs typeface="Arial" panose="020B0604020202020204" pitchFamily="34" charset="0"/>
               </a:rPr>
-              <a:t>Never only communicate one single number.</a:t>
-            </a:r>
-            <a:endParaRPr lang="en-CH" sz="3200"/>
+              <a:t>Evaluate the metric</a:t>
+            </a:r>
+          </a:p>
+        </p:txBody>
+      </p:sp>
+      <p:cxnSp>
+        <p:nvCxnSpPr>
+          <p:cNvPr id="14" name="Straight Arrow Connector 13">
+            <a:extLst>
+              <a:ext uri="{FF2B5EF4-FFF2-40B4-BE49-F238E27FC236}">
+                <a16:creationId xmlns:a16="http://schemas.microsoft.com/office/drawing/2014/main" id="{614B76F4-AC6F-B7E3-C0CF-318E4E7D24D4}"/>
+              </a:ext>
+            </a:extLst>
+          </p:cNvPr>
+          <p:cNvCxnSpPr>
+            <a:stCxn id="5" idx="2"/>
+            <a:endCxn id="11" idx="0"/>
+          </p:cNvCxnSpPr>
+          <p:nvPr/>
+        </p:nvCxnSpPr>
+        <p:spPr>
+          <a:xfrm flipH="1">
+            <a:off x="4713622" y="4708237"/>
+            <a:ext cx="1" cy="540326"/>
+          </a:xfrm>
+          <a:prstGeom prst="straightConnector1">
+            <a:avLst/>
+          </a:prstGeom>
+          <a:ln>
+            <a:tailEnd type="triangle"/>
+          </a:ln>
+        </p:spPr>
+        <p:style>
+          <a:lnRef idx="1">
+            <a:schemeClr val="accent1"/>
+          </a:lnRef>
+          <a:fillRef idx="0">
+            <a:schemeClr val="accent1"/>
+          </a:fillRef>
+          <a:effectRef idx="0">
+            <a:schemeClr val="accent1"/>
+          </a:effectRef>
+          <a:fontRef idx="minor">
+            <a:schemeClr val="tx1"/>
+          </a:fontRef>
+        </p:style>
+      </p:cxnSp>
+      <p:cxnSp>
+        <p:nvCxnSpPr>
+          <p:cNvPr id="16" name="Straight Arrow Connector 15">
+            <a:extLst>
+              <a:ext uri="{FF2B5EF4-FFF2-40B4-BE49-F238E27FC236}">
+                <a16:creationId xmlns:a16="http://schemas.microsoft.com/office/drawing/2014/main" id="{B55547CA-9F90-5291-0617-C0568C9C0FBD}"/>
+              </a:ext>
+            </a:extLst>
+          </p:cNvPr>
+          <p:cNvCxnSpPr>
+            <a:stCxn id="8" idx="2"/>
+            <a:endCxn id="12" idx="0"/>
+          </p:cNvCxnSpPr>
+          <p:nvPr/>
+        </p:nvCxnSpPr>
+        <p:spPr>
+          <a:xfrm flipH="1">
+            <a:off x="9193312" y="4708237"/>
+            <a:ext cx="9184" cy="540326"/>
+          </a:xfrm>
+          <a:prstGeom prst="straightConnector1">
+            <a:avLst/>
+          </a:prstGeom>
+          <a:ln>
+            <a:tailEnd type="triangle"/>
+          </a:ln>
+        </p:spPr>
+        <p:style>
+          <a:lnRef idx="1">
+            <a:schemeClr val="accent1"/>
+          </a:lnRef>
+          <a:fillRef idx="0">
+            <a:schemeClr val="accent1"/>
+          </a:fillRef>
+          <a:effectRef idx="0">
+            <a:schemeClr val="accent1"/>
+          </a:effectRef>
+          <a:fontRef idx="minor">
+            <a:schemeClr val="tx1"/>
+          </a:fontRef>
+        </p:style>
+      </p:cxnSp>
+      <p:cxnSp>
+        <p:nvCxnSpPr>
+          <p:cNvPr id="23" name="Straight Arrow Connector 22">
+            <a:extLst>
+              <a:ext uri="{FF2B5EF4-FFF2-40B4-BE49-F238E27FC236}">
+                <a16:creationId xmlns:a16="http://schemas.microsoft.com/office/drawing/2014/main" id="{6B5DCED6-F6C2-89C9-F0F9-F21704A54DDA}"/>
+              </a:ext>
+            </a:extLst>
+          </p:cNvPr>
+          <p:cNvCxnSpPr>
+            <a:stCxn id="12" idx="2"/>
+            <a:endCxn id="4" idx="3"/>
+          </p:cNvCxnSpPr>
+          <p:nvPr/>
+        </p:nvCxnSpPr>
+        <p:spPr>
+          <a:xfrm rot="5400000" flipH="1" flipV="1">
+            <a:off x="8198591" y="3516710"/>
+            <a:ext cx="3095906" cy="1106464"/>
+          </a:xfrm>
+          <a:prstGeom prst="bentConnector4">
+            <a:avLst>
+              <a:gd name="adj1" fmla="val -7384"/>
+              <a:gd name="adj2" fmla="val 171163"/>
+            </a:avLst>
+          </a:prstGeom>
+          <a:ln>
+            <a:tailEnd type="triangle"/>
+          </a:ln>
+        </p:spPr>
+        <p:style>
+          <a:lnRef idx="1">
+            <a:schemeClr val="accent1"/>
+          </a:lnRef>
+          <a:fillRef idx="0">
+            <a:schemeClr val="accent1"/>
+          </a:fillRef>
+          <a:effectRef idx="0">
+            <a:schemeClr val="accent1"/>
+          </a:effectRef>
+          <a:fontRef idx="minor">
+            <a:schemeClr val="tx1"/>
+          </a:fontRef>
+        </p:style>
+      </p:cxnSp>
+      <p:sp>
+        <p:nvSpPr>
+          <p:cNvPr id="25" name="TextBox 24">
+            <a:extLst>
+              <a:ext uri="{FF2B5EF4-FFF2-40B4-BE49-F238E27FC236}">
+                <a16:creationId xmlns:a16="http://schemas.microsoft.com/office/drawing/2014/main" id="{9F04B78E-0C4C-0D1D-3E6B-89D9AF874597}"/>
+              </a:ext>
+            </a:extLst>
+          </p:cNvPr>
+          <p:cNvSpPr txBox="1"/>
+          <p:nvPr/>
+        </p:nvSpPr>
+        <p:spPr>
+          <a:xfrm rot="16200000">
+            <a:off x="10446481" y="3943470"/>
+            <a:ext cx="966931" cy="369332"/>
+          </a:xfrm>
+          <a:prstGeom prst="rect">
+            <a:avLst/>
+          </a:prstGeom>
+          <a:noFill/>
+        </p:spPr>
+        <p:txBody>
+          <a:bodyPr wrap="none" rtlCol="0">
+            <a:spAutoFit/>
+          </a:bodyPr>
+          <a:lstStyle/>
+          <a:p>
+            <a:r>
+              <a:rPr lang="en-CH">
+                <a:latin typeface="Arial" panose="020B0604020202020204" pitchFamily="34" charset="0"/>
+                <a:cs typeface="Arial" panose="020B0604020202020204" pitchFamily="34" charset="0"/>
+              </a:rPr>
+              <a:t>N times</a:t>
+            </a:r>
+          </a:p>
+        </p:txBody>
+      </p:sp>
+      <p:cxnSp>
+        <p:nvCxnSpPr>
+          <p:cNvPr id="28" name="Straight Arrow Connector 27">
+            <a:extLst>
+              <a:ext uri="{FF2B5EF4-FFF2-40B4-BE49-F238E27FC236}">
+                <a16:creationId xmlns:a16="http://schemas.microsoft.com/office/drawing/2014/main" id="{A380F747-780B-48AC-F5D8-460AEF17C6B5}"/>
+              </a:ext>
+            </a:extLst>
+          </p:cNvPr>
+          <p:cNvCxnSpPr>
+            <a:stCxn id="11" idx="2"/>
+            <a:endCxn id="4" idx="1"/>
+          </p:cNvCxnSpPr>
+          <p:nvPr/>
+        </p:nvCxnSpPr>
+        <p:spPr>
+          <a:xfrm rot="5400000" flipH="1">
+            <a:off x="1532219" y="2436492"/>
+            <a:ext cx="3095906" cy="3266901"/>
+          </a:xfrm>
+          <a:prstGeom prst="bentConnector4">
+            <a:avLst>
+              <a:gd name="adj1" fmla="val -7384"/>
+              <a:gd name="adj2" fmla="val 106997"/>
+            </a:avLst>
+          </a:prstGeom>
+          <a:ln>
+            <a:tailEnd type="triangle"/>
+          </a:ln>
+        </p:spPr>
+        <p:style>
+          <a:lnRef idx="1">
+            <a:schemeClr val="accent1"/>
+          </a:lnRef>
+          <a:fillRef idx="0">
+            <a:schemeClr val="accent1"/>
+          </a:fillRef>
+          <a:effectRef idx="0">
+            <a:schemeClr val="accent1"/>
+          </a:effectRef>
+          <a:fontRef idx="minor">
+            <a:schemeClr val="tx1"/>
+          </a:fontRef>
+        </p:style>
+      </p:cxnSp>
+      <p:sp>
+        <p:nvSpPr>
+          <p:cNvPr id="29" name="TextBox 28">
+            <a:extLst>
+              <a:ext uri="{FF2B5EF4-FFF2-40B4-BE49-F238E27FC236}">
+                <a16:creationId xmlns:a16="http://schemas.microsoft.com/office/drawing/2014/main" id="{AE6A3D7D-414C-0E8B-517B-1EC64394E12F}"/>
+              </a:ext>
+            </a:extLst>
+          </p:cNvPr>
+          <p:cNvSpPr txBox="1"/>
+          <p:nvPr/>
+        </p:nvSpPr>
+        <p:spPr>
+          <a:xfrm rot="16200000">
+            <a:off x="555836" y="3885275"/>
+            <a:ext cx="966931" cy="369332"/>
+          </a:xfrm>
+          <a:prstGeom prst="rect">
+            <a:avLst/>
+          </a:prstGeom>
+          <a:noFill/>
+        </p:spPr>
+        <p:txBody>
+          <a:bodyPr wrap="none" rtlCol="0">
+            <a:spAutoFit/>
+          </a:bodyPr>
+          <a:lstStyle/>
+          <a:p>
+            <a:r>
+              <a:rPr lang="en-CH">
+                <a:latin typeface="Arial" panose="020B0604020202020204" pitchFamily="34" charset="0"/>
+                <a:cs typeface="Arial" panose="020B0604020202020204" pitchFamily="34" charset="0"/>
+              </a:rPr>
+              <a:t>N times</a:t>
+            </a:r>
           </a:p>
         </p:txBody>
       </p:sp>
     </p:spTree>
     <p:extLst>
       <p:ext uri="{BB962C8B-B14F-4D97-AF65-F5344CB8AC3E}">
-        <p14:creationId xmlns:p14="http://schemas.microsoft.com/office/powerpoint/2010/main" val="3586848883"/>
+        <p14:creationId xmlns:p14="http://schemas.microsoft.com/office/powerpoint/2010/main" val="3524606498"/>
       </p:ext>
     </p:extLst>
   </p:cSld>
   <p:clrMapOvr>
     <a:masterClrMapping/>
   </p:clrMapOvr>
+  <p:timing>
+    <p:tnLst>
+      <p:par>
+        <p:cTn id="1" dur="indefinite" restart="never" nodeType="tmRoot">
+          <p:childTnLst>
+            <p:seq concurrent="1" nextAc="seek">
+              <p:cTn id="2" dur="indefinite" nodeType="mainSeq">
+                <p:childTnLst>
+                  <p:par>
+                    <p:cTn id="3" fill="hold">
+                      <p:stCondLst>
+                        <p:cond delay="indefinite"/>
+                      </p:stCondLst>
+                      <p:childTnLst>
+                        <p:par>
+                          <p:cTn id="4" fill="hold">
+                            <p:stCondLst>
+                              <p:cond delay="0"/>
+                            </p:stCondLst>
+                            <p:childTnLst>
+                              <p:par>
+                                <p:cTn id="5" presetID="10" presetClass="entr" presetSubtype="0" fill="hold" nodeType="clickEffect">
+                                  <p:stCondLst>
+                                    <p:cond delay="0"/>
+                                  </p:stCondLst>
+                                  <p:childTnLst>
+                                    <p:set>
+                                      <p:cBhvr>
+                                        <p:cTn id="6" dur="1" fill="hold">
+                                          <p:stCondLst>
+                                            <p:cond delay="0"/>
+                                          </p:stCondLst>
+                                        </p:cTn>
+                                        <p:tgtEl>
+                                          <p:spTgt spid="28"/>
+                                        </p:tgtEl>
+                                        <p:attrNameLst>
+                                          <p:attrName>style.visibility</p:attrName>
+                                        </p:attrNameLst>
+                                      </p:cBhvr>
+                                      <p:to>
+                                        <p:strVal val="visible"/>
+                                      </p:to>
+                                    </p:set>
+                                    <p:animEffect transition="in" filter="fade">
+                                      <p:cBhvr>
+                                        <p:cTn id="7" dur="500"/>
+                                        <p:tgtEl>
+                                          <p:spTgt spid="28"/>
+                                        </p:tgtEl>
+                                      </p:cBhvr>
+                                    </p:animEffect>
+                                  </p:childTnLst>
+                                </p:cTn>
+                              </p:par>
+                              <p:par>
+                                <p:cTn id="8" presetID="10" presetClass="entr" presetSubtype="0" fill="hold" grpId="0" nodeType="withEffect">
+                                  <p:stCondLst>
+                                    <p:cond delay="0"/>
+                                  </p:stCondLst>
+                                  <p:childTnLst>
+                                    <p:set>
+                                      <p:cBhvr>
+                                        <p:cTn id="9" dur="1" fill="hold">
+                                          <p:stCondLst>
+                                            <p:cond delay="0"/>
+                                          </p:stCondLst>
+                                        </p:cTn>
+                                        <p:tgtEl>
+                                          <p:spTgt spid="29"/>
+                                        </p:tgtEl>
+                                        <p:attrNameLst>
+                                          <p:attrName>style.visibility</p:attrName>
+                                        </p:attrNameLst>
+                                      </p:cBhvr>
+                                      <p:to>
+                                        <p:strVal val="visible"/>
+                                      </p:to>
+                                    </p:set>
+                                    <p:animEffect transition="in" filter="fade">
+                                      <p:cBhvr>
+                                        <p:cTn id="10" dur="500"/>
+                                        <p:tgtEl>
+                                          <p:spTgt spid="29"/>
+                                        </p:tgtEl>
+                                      </p:cBhvr>
+                                    </p:animEffect>
+                                  </p:childTnLst>
+                                </p:cTn>
+                              </p:par>
+                              <p:par>
+                                <p:cTn id="11" presetID="10" presetClass="entr" presetSubtype="0" fill="hold" nodeType="withEffect">
+                                  <p:stCondLst>
+                                    <p:cond delay="0"/>
+                                  </p:stCondLst>
+                                  <p:childTnLst>
+                                    <p:set>
+                                      <p:cBhvr>
+                                        <p:cTn id="12" dur="1" fill="hold">
+                                          <p:stCondLst>
+                                            <p:cond delay="0"/>
+                                          </p:stCondLst>
+                                        </p:cTn>
+                                        <p:tgtEl>
+                                          <p:spTgt spid="23"/>
+                                        </p:tgtEl>
+                                        <p:attrNameLst>
+                                          <p:attrName>style.visibility</p:attrName>
+                                        </p:attrNameLst>
+                                      </p:cBhvr>
+                                      <p:to>
+                                        <p:strVal val="visible"/>
+                                      </p:to>
+                                    </p:set>
+                                    <p:animEffect transition="in" filter="fade">
+                                      <p:cBhvr>
+                                        <p:cTn id="13" dur="500"/>
+                                        <p:tgtEl>
+                                          <p:spTgt spid="23"/>
+                                        </p:tgtEl>
+                                      </p:cBhvr>
+                                    </p:animEffect>
+                                  </p:childTnLst>
+                                </p:cTn>
+                              </p:par>
+                              <p:par>
+                                <p:cTn id="14" presetID="10" presetClass="entr" presetSubtype="0" fill="hold" grpId="0" nodeType="withEffect">
+                                  <p:stCondLst>
+                                    <p:cond delay="0"/>
+                                  </p:stCondLst>
+                                  <p:childTnLst>
+                                    <p:set>
+                                      <p:cBhvr>
+                                        <p:cTn id="15" dur="1" fill="hold">
+                                          <p:stCondLst>
+                                            <p:cond delay="0"/>
+                                          </p:stCondLst>
+                                        </p:cTn>
+                                        <p:tgtEl>
+                                          <p:spTgt spid="25"/>
+                                        </p:tgtEl>
+                                        <p:attrNameLst>
+                                          <p:attrName>style.visibility</p:attrName>
+                                        </p:attrNameLst>
+                                      </p:cBhvr>
+                                      <p:to>
+                                        <p:strVal val="visible"/>
+                                      </p:to>
+                                    </p:set>
+                                    <p:animEffect transition="in" filter="fade">
+                                      <p:cBhvr>
+                                        <p:cTn id="16" dur="500"/>
+                                        <p:tgtEl>
+                                          <p:spTgt spid="25"/>
+                                        </p:tgtEl>
+                                      </p:cBhvr>
+                                    </p:animEffect>
+                                  </p:childTnLst>
+                                </p:cTn>
+                              </p:par>
+                            </p:childTnLst>
+                          </p:cTn>
+                        </p:par>
+                      </p:childTnLst>
+                    </p:cTn>
+                  </p:par>
+                </p:childTnLst>
+              </p:cTn>
+              <p:prevCondLst>
+                <p:cond evt="onPrev" delay="0">
+                  <p:tgtEl>
+                    <p:sldTgt/>
+                  </p:tgtEl>
+                </p:cond>
+              </p:prevCondLst>
+              <p:nextCondLst>
+                <p:cond evt="onNext" delay="0">
+                  <p:tgtEl>
+                    <p:sldTgt/>
+                  </p:tgtEl>
+                </p:cond>
+              </p:nextCondLst>
+            </p:seq>
+          </p:childTnLst>
+        </p:cTn>
+      </p:par>
+    </p:tnLst>
+    <p:bldLst>
+      <p:bldP spid="25" grpId="0"/>
+      <p:bldP spid="29" grpId="0"/>
+    </p:bldLst>
+  </p:timing>
 </p:sld>
 </file>
 
@@ -8174,7 +6394,7 @@
           <p:cNvPr id="2" name="Title 1">
             <a:extLst>
               <a:ext uri="{FF2B5EF4-FFF2-40B4-BE49-F238E27FC236}">
-                <a16:creationId xmlns:a16="http://schemas.microsoft.com/office/drawing/2014/main" id="{6ED076FA-A1B8-DE87-9EE2-156C783B9242}"/>
+                <a16:creationId xmlns:a16="http://schemas.microsoft.com/office/drawing/2014/main" id="{A4FCF0FC-8349-2418-7816-F08CE876E67B}"/>
               </a:ext>
             </a:extLst>
           </p:cNvPr>
@@ -8185,14 +6405,19 @@
             <p:ph type="title"/>
           </p:nvPr>
         </p:nvSpPr>
-        <p:spPr/>
+        <p:spPr>
+          <a:xfrm>
+            <a:off x="239683" y="689321"/>
+            <a:ext cx="10515600" cy="1325563"/>
+          </a:xfrm>
+        </p:spPr>
         <p:txBody>
           <a:bodyPr/>
           <a:lstStyle/>
           <a:p>
             <a:r>
               <a:rPr lang="en-CH"/>
-              <a:t>Main Validation techniques</a:t>
+              <a:t>How to communicate results from ML models</a:t>
             </a:r>
           </a:p>
         </p:txBody>
@@ -8202,7 +6427,7 @@
           <p:cNvPr id="3" name="Content Placeholder 2">
             <a:extLst>
               <a:ext uri="{FF2B5EF4-FFF2-40B4-BE49-F238E27FC236}">
-                <a16:creationId xmlns:a16="http://schemas.microsoft.com/office/drawing/2014/main" id="{BFF4B53A-A6EC-9924-E843-8340E72F82D4}"/>
+                <a16:creationId xmlns:a16="http://schemas.microsoft.com/office/drawing/2014/main" id="{453B4384-689E-0387-368F-83B706E481B7}"/>
               </a:ext>
             </a:extLst>
           </p:cNvPr>
@@ -8215,8 +6440,8 @@
         </p:nvSpPr>
         <p:spPr>
           <a:xfrm>
-            <a:off x="838200" y="2034283"/>
-            <a:ext cx="10515600" cy="4142680"/>
+            <a:off x="846512" y="2224636"/>
+            <a:ext cx="10515600" cy="4351338"/>
           </a:xfrm>
         </p:spPr>
         <p:txBody>
@@ -8225,104 +6450,50 @@
           </a:bodyPr>
           <a:lstStyle/>
           <a:p>
-            <a:r>
-              <a:rPr lang="en-CH" sz="3600"/>
-              <a:t>Hold-out approach (multiple Train-test split approach)</a:t>
-            </a:r>
-          </a:p>
-          <a:p>
-            <a:r>
-              <a:rPr lang="en-GB" sz="3600"/>
-              <a:t>K</a:t>
-            </a:r>
-            <a:r>
-              <a:rPr lang="en-CH" sz="3600"/>
-              <a:t>-fold cross validation</a:t>
-            </a:r>
-          </a:p>
-          <a:p>
             <a:pPr marL="0" indent="0">
               <a:buNone/>
             </a:pPr>
             <a:r>
-              <a:rPr lang="en-CH" sz="3600"/>
-              <a:t>Additional Methods not discussed today:</a:t>
-            </a:r>
-          </a:p>
-          <a:p>
-            <a:r>
-              <a:rPr lang="en-CH" sz="3600"/>
-              <a:t>Bootstrap, Leave-one-out Cross Validation, k-Fold Cross Validation, Jackknife, Subsampling…</a:t>
-            </a:r>
-          </a:p>
-        </p:txBody>
-      </p:sp>
-      <p:sp>
-        <p:nvSpPr>
-          <p:cNvPr id="5" name="TextBox 4">
-            <a:extLst>
-              <a:ext uri="{FF2B5EF4-FFF2-40B4-BE49-F238E27FC236}">
-                <a16:creationId xmlns:a16="http://schemas.microsoft.com/office/drawing/2014/main" id="{0323073E-2EC2-8B7B-562E-51D6BF1C7103}"/>
-              </a:ext>
-            </a:extLst>
-          </p:cNvPr>
-          <p:cNvSpPr txBox="1"/>
-          <p:nvPr/>
-        </p:nvSpPr>
-        <p:spPr>
-          <a:xfrm>
-            <a:off x="714893" y="6311900"/>
-            <a:ext cx="11177850" cy="461665"/>
-          </a:xfrm>
-          <a:prstGeom prst="rect">
-            <a:avLst/>
-          </a:prstGeom>
-          <a:noFill/>
-        </p:spPr>
-        <p:txBody>
-          <a:bodyPr wrap="square">
-            <a:spAutoFit/>
-          </a:bodyPr>
-          <a:lstStyle/>
-          <a:p>
-            <a:r>
-              <a:rPr lang="en-GB" sz="1200" b="0" i="0" u="none" strike="noStrike">
-                <a:solidFill>
-                  <a:srgbClr val="222222"/>
-                </a:solidFill>
-                <a:effectLst/>
-                <a:latin typeface="Arial" panose="020B0604020202020204" pitchFamily="34" charset="0"/>
+              <a:rPr lang="en-CH" sz="3200"/>
+              <a:t>When communicating results from ML models:</a:t>
+            </a:r>
+          </a:p>
+          <a:p>
+            <a:pPr marL="0" indent="0">
+              <a:buNone/>
+            </a:pPr>
+            <a:endParaRPr lang="en-CH" sz="3200"/>
+          </a:p>
+          <a:p>
+            <a:pPr>
+              <a:buFont typeface="Wingdings" pitchFamily="2" charset="2"/>
+              <a:buChar char="à"/>
+            </a:pPr>
+            <a:r>
+              <a:rPr lang="en-CH" sz="3200">
+                <a:sym typeface="Wingdings" pitchFamily="2" charset="2"/>
               </a:rPr>
-              <a:t>Michelucci, Umberto, and Francesca Venturini. "Estimating neural network’s performance with bootstrap: A tutorial." </a:t>
-            </a:r>
-            <a:r>
-              <a:rPr lang="en-GB" sz="1200" b="0" i="1" u="none" strike="noStrike">
-                <a:solidFill>
-                  <a:srgbClr val="222222"/>
-                </a:solidFill>
-                <a:effectLst/>
-                <a:latin typeface="Arial" panose="020B0604020202020204" pitchFamily="34" charset="0"/>
+              <a:t>Always estimate expected value (mean) and variance (or standard deviations) of relevant metrics.</a:t>
+            </a:r>
+          </a:p>
+          <a:p>
+            <a:pPr marL="0" indent="0">
+              <a:buNone/>
+            </a:pPr>
+            <a:r>
+              <a:rPr lang="en-CH" sz="3200">
+                <a:sym typeface="Wingdings" pitchFamily="2" charset="2"/>
               </a:rPr>
-              <a:t>Machine Learning and Knowledge Extraction</a:t>
-            </a:r>
-            <a:r>
-              <a:rPr lang="en-GB" sz="1200" b="0" i="0" u="none" strike="noStrike">
-                <a:solidFill>
-                  <a:srgbClr val="222222"/>
-                </a:solidFill>
-                <a:effectLst/>
-                <a:latin typeface="Arial" panose="020B0604020202020204" pitchFamily="34" charset="0"/>
-              </a:rPr>
-              <a:t> 3.2 (2021): 357-373.</a:t>
-            </a:r>
-            <a:endParaRPr lang="en-CH" sz="1200"/>
+              <a:t>Never only communicate one single number.</a:t>
+            </a:r>
+            <a:endParaRPr lang="en-CH" sz="3200"/>
           </a:p>
         </p:txBody>
       </p:sp>
     </p:spTree>
     <p:extLst>
       <p:ext uri="{BB962C8B-B14F-4D97-AF65-F5344CB8AC3E}">
-        <p14:creationId xmlns:p14="http://schemas.microsoft.com/office/powerpoint/2010/main" val="4114002545"/>
+        <p14:creationId xmlns:p14="http://schemas.microsoft.com/office/powerpoint/2010/main" val="3586848883"/>
       </p:ext>
     </p:extLst>
   </p:cSld>
@@ -8354,7 +6525,7 @@
           <p:cNvPr id="2" name="Title 1">
             <a:extLst>
               <a:ext uri="{FF2B5EF4-FFF2-40B4-BE49-F238E27FC236}">
-                <a16:creationId xmlns:a16="http://schemas.microsoft.com/office/drawing/2014/main" id="{31DA2FAD-F752-2AA6-4A02-DEDA4AA6BE7A}"/>
+                <a16:creationId xmlns:a16="http://schemas.microsoft.com/office/drawing/2014/main" id="{6ED076FA-A1B8-DE87-9EE2-156C783B9242}"/>
               </a:ext>
             </a:extLst>
           </p:cNvPr>
@@ -8372,47 +6543,137 @@
           <a:p>
             <a:r>
               <a:rPr lang="en-CH"/>
-              <a:t>Hold-out Approach</a:t>
-            </a:r>
-          </a:p>
-        </p:txBody>
-      </p:sp>
-      <p:pic>
-        <p:nvPicPr>
-          <p:cNvPr id="5" name="Content Placeholder 4">
-            <a:extLst>
-              <a:ext uri="{FF2B5EF4-FFF2-40B4-BE49-F238E27FC236}">
-                <a16:creationId xmlns:a16="http://schemas.microsoft.com/office/drawing/2014/main" id="{2006C99D-0A03-657A-7D7C-68EFD204B27C}"/>
-              </a:ext>
-            </a:extLst>
-          </p:cNvPr>
-          <p:cNvPicPr>
-            <a:picLocks noGrp="1" noChangeAspect="1"/>
-          </p:cNvPicPr>
+              <a:t>Main Validation techniques</a:t>
+            </a:r>
+          </a:p>
+        </p:txBody>
+      </p:sp>
+      <p:sp>
+        <p:nvSpPr>
+          <p:cNvPr id="3" name="Content Placeholder 2">
+            <a:extLst>
+              <a:ext uri="{FF2B5EF4-FFF2-40B4-BE49-F238E27FC236}">
+                <a16:creationId xmlns:a16="http://schemas.microsoft.com/office/drawing/2014/main" id="{BFF4B53A-A6EC-9924-E843-8340E72F82D4}"/>
+              </a:ext>
+            </a:extLst>
+          </p:cNvPr>
+          <p:cNvSpPr>
+            <a:spLocks noGrp="1"/>
+          </p:cNvSpPr>
           <p:nvPr>
             <p:ph idx="1"/>
           </p:nvPr>
-        </p:nvPicPr>
-        <p:blipFill>
-          <a:blip r:embed="rId2"/>
-          <a:stretch>
-            <a:fillRect/>
-          </a:stretch>
-        </p:blipFill>
+        </p:nvSpPr>
         <p:spPr>
           <a:xfrm>
-            <a:off x="838200" y="1924844"/>
-            <a:ext cx="10515600" cy="4152900"/>
+            <a:off x="838200" y="2034283"/>
+            <a:ext cx="10515600" cy="4142680"/>
+          </a:xfrm>
+        </p:spPr>
+        <p:txBody>
+          <a:bodyPr>
+            <a:normAutofit/>
+          </a:bodyPr>
+          <a:lstStyle/>
+          <a:p>
+            <a:r>
+              <a:rPr lang="en-CH" sz="3600"/>
+              <a:t>Hold-out approach (multiple Train-test split approach)</a:t>
+            </a:r>
+          </a:p>
+          <a:p>
+            <a:r>
+              <a:rPr lang="en-GB" sz="3600"/>
+              <a:t>K</a:t>
+            </a:r>
+            <a:r>
+              <a:rPr lang="en-CH" sz="3600"/>
+              <a:t>-fold cross validation</a:t>
+            </a:r>
+          </a:p>
+          <a:p>
+            <a:pPr marL="0" indent="0">
+              <a:buNone/>
+            </a:pPr>
+            <a:r>
+              <a:rPr lang="en-CH" sz="3600"/>
+              <a:t>Additional Methods not discussed today:</a:t>
+            </a:r>
+          </a:p>
+          <a:p>
+            <a:r>
+              <a:rPr lang="en-CH" sz="3600"/>
+              <a:t>Bootstrap, Leave-one-out Cross Validation, Jackknife, Subsampling, etc.</a:t>
+            </a:r>
+          </a:p>
+        </p:txBody>
+      </p:sp>
+      <p:sp>
+        <p:nvSpPr>
+          <p:cNvPr id="5" name="TextBox 4">
+            <a:extLst>
+              <a:ext uri="{FF2B5EF4-FFF2-40B4-BE49-F238E27FC236}">
+                <a16:creationId xmlns:a16="http://schemas.microsoft.com/office/drawing/2014/main" id="{0323073E-2EC2-8B7B-562E-51D6BF1C7103}"/>
+              </a:ext>
+            </a:extLst>
+          </p:cNvPr>
+          <p:cNvSpPr txBox="1"/>
+          <p:nvPr/>
+        </p:nvSpPr>
+        <p:spPr>
+          <a:xfrm>
+            <a:off x="714893" y="6311900"/>
+            <a:ext cx="11177850" cy="461665"/>
           </a:xfrm>
           <a:prstGeom prst="rect">
             <a:avLst/>
           </a:prstGeom>
-        </p:spPr>
-      </p:pic>
+          <a:noFill/>
+        </p:spPr>
+        <p:txBody>
+          <a:bodyPr wrap="square">
+            <a:spAutoFit/>
+          </a:bodyPr>
+          <a:lstStyle/>
+          <a:p>
+            <a:r>
+              <a:rPr lang="en-GB" sz="1200" b="0" i="0" u="none" strike="noStrike">
+                <a:solidFill>
+                  <a:srgbClr val="222222"/>
+                </a:solidFill>
+                <a:effectLst/>
+                <a:latin typeface="Arial" panose="020B0604020202020204" pitchFamily="34" charset="0"/>
+              </a:rPr>
+              <a:t>Michelucci, Umberto, and Francesca Venturini. "Estimating neural network’s performance with bootstrap: A tutorial." </a:t>
+            </a:r>
+            <a:r>
+              <a:rPr lang="en-GB" sz="1200" b="0" i="1" u="none" strike="noStrike">
+                <a:solidFill>
+                  <a:srgbClr val="222222"/>
+                </a:solidFill>
+                <a:effectLst/>
+                <a:latin typeface="Arial" panose="020B0604020202020204" pitchFamily="34" charset="0"/>
+              </a:rPr>
+              <a:t>Machine Learning and Knowledge Extraction</a:t>
+            </a:r>
+            <a:r>
+              <a:rPr lang="en-GB" sz="1200" b="0" i="0" u="none" strike="noStrike">
+                <a:solidFill>
+                  <a:srgbClr val="222222"/>
+                </a:solidFill>
+                <a:effectLst/>
+                <a:latin typeface="Arial" panose="020B0604020202020204" pitchFamily="34" charset="0"/>
+              </a:rPr>
+              <a:t> 3.2 (2021): 357-373.</a:t>
+            </a:r>
+            <a:endParaRPr lang="en-CH" sz="1200"/>
+          </a:p>
+        </p:txBody>
+      </p:sp>
     </p:spTree>
     <p:extLst>
       <p:ext uri="{BB962C8B-B14F-4D97-AF65-F5344CB8AC3E}">
-        <p14:creationId xmlns:p14="http://schemas.microsoft.com/office/powerpoint/2010/main" val="2679928314"/>
+        <p14:creationId xmlns:p14="http://schemas.microsoft.com/office/powerpoint/2010/main" val="4114002545"/>
       </p:ext>
     </p:extLst>
   </p:cSld>
@@ -8663,6 +6924,69 @@
 </p:sld>
 </file>
 
+<file path=ppt/slides/slide21.xml><?xml version="1.0" encoding="utf-8"?>
+<p:sld xmlns:a="http://schemas.openxmlformats.org/drawingml/2006/main" xmlns:r="http://schemas.openxmlformats.org/officeDocument/2006/relationships" xmlns:p="http://schemas.openxmlformats.org/presentationml/2006/main">
+  <p:cSld>
+    <p:spTree>
+      <p:nvGrpSpPr>
+        <p:cNvPr id="1" name=""/>
+        <p:cNvGrpSpPr/>
+        <p:nvPr/>
+      </p:nvGrpSpPr>
+      <p:grpSpPr>
+        <a:xfrm>
+          <a:off x="0" y="0"/>
+          <a:ext cx="0" cy="0"/>
+          <a:chOff x="0" y="0"/>
+          <a:chExt cx="0" cy="0"/>
+        </a:xfrm>
+      </p:grpSpPr>
+      <p:sp>
+        <p:nvSpPr>
+          <p:cNvPr id="2" name="Title 1">
+            <a:extLst>
+              <a:ext uri="{FF2B5EF4-FFF2-40B4-BE49-F238E27FC236}">
+                <a16:creationId xmlns:a16="http://schemas.microsoft.com/office/drawing/2014/main" id="{105C8E75-0D83-9859-E9DD-27339278CD95}"/>
+              </a:ext>
+            </a:extLst>
+          </p:cNvPr>
+          <p:cNvSpPr>
+            <a:spLocks noGrp="1"/>
+          </p:cNvSpPr>
+          <p:nvPr>
+            <p:ph type="title"/>
+          </p:nvPr>
+        </p:nvSpPr>
+        <p:spPr>
+          <a:xfrm>
+            <a:off x="831850" y="1709739"/>
+            <a:ext cx="10515600" cy="2455862"/>
+          </a:xfrm>
+        </p:spPr>
+        <p:txBody>
+          <a:bodyPr/>
+          <a:lstStyle/>
+          <a:p>
+            <a:r>
+              <a:rPr lang="en-CH"/>
+              <a:t>Comparing Models</a:t>
+            </a:r>
+          </a:p>
+        </p:txBody>
+      </p:sp>
+    </p:spTree>
+    <p:extLst>
+      <p:ext uri="{BB962C8B-B14F-4D97-AF65-F5344CB8AC3E}">
+        <p14:creationId xmlns:p14="http://schemas.microsoft.com/office/powerpoint/2010/main" val="1693191574"/>
+      </p:ext>
+    </p:extLst>
+  </p:cSld>
+  <p:clrMapOvr>
+    <a:masterClrMapping/>
+  </p:clrMapOvr>
+</p:sld>
+</file>
+
 <file path=ppt/slides/slide3.xml><?xml version="1.0" encoding="utf-8"?>
 <p:sld xmlns:a="http://schemas.openxmlformats.org/drawingml/2006/main" xmlns:r="http://schemas.openxmlformats.org/officeDocument/2006/relationships" xmlns:p="http://schemas.openxmlformats.org/presentationml/2006/main">
   <p:cSld>
@@ -8685,7 +7009,7 @@
           <p:cNvPr id="2" name="Title 1">
             <a:extLst>
               <a:ext uri="{FF2B5EF4-FFF2-40B4-BE49-F238E27FC236}">
-                <a16:creationId xmlns:a16="http://schemas.microsoft.com/office/drawing/2014/main" id="{B221511D-C15C-D484-8F93-2D874AFC4FEE}"/>
+                <a16:creationId xmlns:a16="http://schemas.microsoft.com/office/drawing/2014/main" id="{494AAE05-9D9D-1F06-B892-AE81D0BB35BC}"/>
               </a:ext>
             </a:extLst>
           </p:cNvPr>
@@ -8703,71 +7027,126 @@
           <a:p>
             <a:r>
               <a:rPr lang="en-CH"/>
-              <a:t>Agenda</a:t>
-            </a:r>
-          </a:p>
-        </p:txBody>
-      </p:sp>
-      <p:sp>
-        <p:nvSpPr>
-          <p:cNvPr id="3" name="Content Placeholder 2">
-            <a:extLst>
-              <a:ext uri="{FF2B5EF4-FFF2-40B4-BE49-F238E27FC236}">
-                <a16:creationId xmlns:a16="http://schemas.microsoft.com/office/drawing/2014/main" id="{6CCA6937-055C-7EE6-73CF-5CFDA79493B0}"/>
-              </a:ext>
-            </a:extLst>
-          </p:cNvPr>
-          <p:cNvSpPr>
-            <a:spLocks noGrp="1"/>
-          </p:cNvSpPr>
+              <a:t>Overfitting I</a:t>
+            </a:r>
+          </a:p>
+        </p:txBody>
+      </p:sp>
+      <p:pic>
+        <p:nvPicPr>
+          <p:cNvPr id="4" name="Content Placeholder 3">
+            <a:extLst>
+              <a:ext uri="{FF2B5EF4-FFF2-40B4-BE49-F238E27FC236}">
+                <a16:creationId xmlns:a16="http://schemas.microsoft.com/office/drawing/2014/main" id="{3F722C38-A64D-F2CD-1780-51CEED6BA07A}"/>
+              </a:ext>
+            </a:extLst>
+          </p:cNvPr>
+          <p:cNvPicPr>
+            <a:picLocks noGrp="1" noChangeAspect="1"/>
+          </p:cNvPicPr>
           <p:nvPr>
             <p:ph idx="1"/>
           </p:nvPr>
-        </p:nvSpPr>
-        <p:spPr/>
-        <p:txBody>
-          <a:bodyPr/>
-          <a:lstStyle/>
-          <a:p>
-            <a:r>
-              <a:rPr lang="en-CH"/>
-              <a:t>Definition of overfitting</a:t>
-            </a:r>
-          </a:p>
-          <a:p>
-            <a:r>
-              <a:rPr lang="en-CH"/>
-              <a:t>Detection of overfitting with two datasets</a:t>
-            </a:r>
-          </a:p>
-          <a:p>
-            <a:r>
-              <a:rPr lang="en-CH"/>
-              <a:t>Definition of Variance and Bias</a:t>
-            </a:r>
-          </a:p>
-          <a:p>
-            <a:r>
-              <a:rPr lang="en-CH"/>
-              <a:t>Bias-Variance trade-off</a:t>
-            </a:r>
-          </a:p>
-          <a:p>
-            <a:r>
-              <a:rPr lang="en-CH"/>
-              <a:t>Exercise and Experiment (hands-on)</a:t>
-            </a:r>
-          </a:p>
-          <a:p>
-            <a:r>
-              <a:rPr lang="en-CH"/>
-              <a:t>How to present results from ML Models</a:t>
-            </a:r>
-          </a:p>
-          <a:p>
-            <a:r>
-              <a:rPr lang="en-CH"/>
-              <a:t>Main validation techniques (hold-out and K-fold cross validation)</a:t>
+        </p:nvPicPr>
+        <p:blipFill>
+          <a:blip r:embed="rId2"/>
+          <a:stretch>
+            <a:fillRect/>
+          </a:stretch>
+        </p:blipFill>
+        <p:spPr>
+          <a:xfrm>
+            <a:off x="1439993" y="1815351"/>
+            <a:ext cx="7236633" cy="4351338"/>
+          </a:xfrm>
+          <a:prstGeom prst="rect">
+            <a:avLst/>
+          </a:prstGeom>
+        </p:spPr>
+      </p:pic>
+      <p:sp>
+        <p:nvSpPr>
+          <p:cNvPr id="5" name="TextBox 4">
+            <a:extLst>
+              <a:ext uri="{FF2B5EF4-FFF2-40B4-BE49-F238E27FC236}">
+                <a16:creationId xmlns:a16="http://schemas.microsoft.com/office/drawing/2014/main" id="{8B1B0ADE-797E-09DB-B5D8-57ECE75BDBBA}"/>
+              </a:ext>
+            </a:extLst>
+          </p:cNvPr>
+          <p:cNvSpPr txBox="1"/>
+          <p:nvPr/>
+        </p:nvSpPr>
+        <p:spPr>
+          <a:xfrm>
+            <a:off x="8876871" y="2167847"/>
+            <a:ext cx="2630184" cy="1200329"/>
+          </a:xfrm>
+          <a:prstGeom prst="rect">
+            <a:avLst/>
+          </a:prstGeom>
+          <a:noFill/>
+        </p:spPr>
+        <p:txBody>
+          <a:bodyPr wrap="square" rtlCol="0">
+            <a:spAutoFit/>
+          </a:bodyPr>
+          <a:lstStyle/>
+          <a:p>
+            <a:r>
+              <a:rPr lang="en-CH">
+                <a:latin typeface="Arial" panose="020B0604020202020204" pitchFamily="34" charset="0"/>
+                <a:cs typeface="Arial" panose="020B0604020202020204" pitchFamily="34" charset="0"/>
+              </a:rPr>
+              <a:t>Let us consider a set of data generated from a quadratic formula with some noise added.</a:t>
+            </a:r>
+          </a:p>
+        </p:txBody>
+      </p:sp>
+      <p:sp>
+        <p:nvSpPr>
+          <p:cNvPr id="6" name="TextBox 5">
+            <a:extLst>
+              <a:ext uri="{FF2B5EF4-FFF2-40B4-BE49-F238E27FC236}">
+                <a16:creationId xmlns:a16="http://schemas.microsoft.com/office/drawing/2014/main" id="{F156AB80-EB6A-964F-F57A-548A294D2078}"/>
+              </a:ext>
+            </a:extLst>
+          </p:cNvPr>
+          <p:cNvSpPr txBox="1"/>
+          <p:nvPr/>
+        </p:nvSpPr>
+        <p:spPr>
+          <a:xfrm>
+            <a:off x="7233585" y="6596390"/>
+            <a:ext cx="5572954" cy="261610"/>
+          </a:xfrm>
+          <a:prstGeom prst="rect">
+            <a:avLst/>
+          </a:prstGeom>
+          <a:noFill/>
+        </p:spPr>
+        <p:txBody>
+          <a:bodyPr wrap="square">
+            <a:spAutoFit/>
+          </a:bodyPr>
+          <a:lstStyle/>
+          <a:p>
+            <a:r>
+              <a:rPr lang="en-GB" sz="1050">
+                <a:latin typeface="Arial" panose="020B0604020202020204" pitchFamily="34" charset="0"/>
+              </a:rPr>
+              <a:t>U. Michelucci, </a:t>
+            </a:r>
+            <a:r>
+              <a:rPr lang="en-GB" sz="1050" i="1">
+                <a:latin typeface="Arial" panose="020B0604020202020204" pitchFamily="34" charset="0"/>
+              </a:rPr>
+              <a:t>Applied Deep Learning with TensorFlow 2</a:t>
+            </a:r>
+            <a:r>
+              <a:rPr lang="en-GB" sz="1050">
+                <a:latin typeface="Arial" panose="020B0604020202020204" pitchFamily="34" charset="0"/>
+              </a:rPr>
+              <a:t>, Springer Nature, 2022</a:t>
             </a:r>
           </a:p>
         </p:txBody>
@@ -8775,7 +7154,7 @@
     </p:spTree>
     <p:extLst>
       <p:ext uri="{BB962C8B-B14F-4D97-AF65-F5344CB8AC3E}">
-        <p14:creationId xmlns:p14="http://schemas.microsoft.com/office/powerpoint/2010/main" val="3680011005"/>
+        <p14:creationId xmlns:p14="http://schemas.microsoft.com/office/powerpoint/2010/main" val="3547688039"/>
       </p:ext>
     </p:extLst>
   </p:cSld>
@@ -8825,17 +7204,130 @@
           <a:p>
             <a:r>
               <a:rPr lang="en-CH"/>
-              <a:t>Overfitting I</a:t>
+              <a:t>Overfitting II</a:t>
+            </a:r>
+          </a:p>
+        </p:txBody>
+      </p:sp>
+      <p:sp>
+        <p:nvSpPr>
+          <p:cNvPr id="5" name="TextBox 4">
+            <a:extLst>
+              <a:ext uri="{FF2B5EF4-FFF2-40B4-BE49-F238E27FC236}">
+                <a16:creationId xmlns:a16="http://schemas.microsoft.com/office/drawing/2014/main" id="{8B1B0ADE-797E-09DB-B5D8-57ECE75BDBBA}"/>
+              </a:ext>
+            </a:extLst>
+          </p:cNvPr>
+          <p:cNvSpPr txBox="1"/>
+          <p:nvPr/>
+        </p:nvSpPr>
+        <p:spPr>
+          <a:xfrm>
+            <a:off x="8876871" y="2167847"/>
+            <a:ext cx="2630184" cy="1754326"/>
+          </a:xfrm>
+          <a:prstGeom prst="rect">
+            <a:avLst/>
+          </a:prstGeom>
+          <a:noFill/>
+        </p:spPr>
+        <p:txBody>
+          <a:bodyPr wrap="square" rtlCol="0">
+            <a:spAutoFit/>
+          </a:bodyPr>
+          <a:lstStyle/>
+          <a:p>
+            <a:r>
+              <a:rPr lang="en-US">
+                <a:latin typeface="Arial" panose="020B0604020202020204" pitchFamily="34" charset="0"/>
+                <a:cs typeface="Arial" panose="020B0604020202020204" pitchFamily="34" charset="0"/>
+              </a:rPr>
+              <a:t>The linear model misses the main features of the data being too simple. In this case the model has </a:t>
+            </a:r>
+            <a:r>
+              <a:rPr lang="en-US" b="1">
+                <a:latin typeface="Arial" panose="020B0604020202020204" pitchFamily="34" charset="0"/>
+                <a:cs typeface="Arial" panose="020B0604020202020204" pitchFamily="34" charset="0"/>
+              </a:rPr>
+              <a:t>high bias</a:t>
+            </a:r>
+            <a:r>
+              <a:rPr lang="en-US">
+                <a:latin typeface="Arial" panose="020B0604020202020204" pitchFamily="34" charset="0"/>
+                <a:cs typeface="Arial" panose="020B0604020202020204" pitchFamily="34" charset="0"/>
+              </a:rPr>
+              <a:t>.</a:t>
+            </a:r>
+            <a:r>
+              <a:rPr lang="en-CH">
+                <a:effectLst/>
+                <a:latin typeface="Arial" panose="020B0604020202020204" pitchFamily="34" charset="0"/>
+                <a:cs typeface="Arial" panose="020B0604020202020204" pitchFamily="34" charset="0"/>
+              </a:rPr>
+              <a:t> </a:t>
+            </a:r>
+            <a:endParaRPr lang="en-CH">
+              <a:latin typeface="Arial" panose="020B0604020202020204" pitchFamily="34" charset="0"/>
+              <a:cs typeface="Arial" panose="020B0604020202020204" pitchFamily="34" charset="0"/>
+            </a:endParaRPr>
+          </a:p>
+        </p:txBody>
+      </p:sp>
+      <p:sp>
+        <p:nvSpPr>
+          <p:cNvPr id="6" name="TextBox 5">
+            <a:extLst>
+              <a:ext uri="{FF2B5EF4-FFF2-40B4-BE49-F238E27FC236}">
+                <a16:creationId xmlns:a16="http://schemas.microsoft.com/office/drawing/2014/main" id="{F156AB80-EB6A-964F-F57A-548A294D2078}"/>
+              </a:ext>
+            </a:extLst>
+          </p:cNvPr>
+          <p:cNvSpPr txBox="1"/>
+          <p:nvPr/>
+        </p:nvSpPr>
+        <p:spPr>
+          <a:xfrm>
+            <a:off x="7233585" y="6596390"/>
+            <a:ext cx="5572954" cy="261610"/>
+          </a:xfrm>
+          <a:prstGeom prst="rect">
+            <a:avLst/>
+          </a:prstGeom>
+          <a:noFill/>
+        </p:spPr>
+        <p:txBody>
+          <a:bodyPr wrap="square">
+            <a:spAutoFit/>
+          </a:bodyPr>
+          <a:lstStyle/>
+          <a:p>
+            <a:r>
+              <a:rPr lang="en-GB" sz="1050">
+                <a:latin typeface="Arial" panose="020B0604020202020204" pitchFamily="34" charset="0"/>
+              </a:rPr>
+              <a:t>U. Michelucci, </a:t>
+            </a:r>
+            <a:r>
+              <a:rPr lang="en-GB" sz="1050" i="1">
+                <a:latin typeface="Arial" panose="020B0604020202020204" pitchFamily="34" charset="0"/>
+              </a:rPr>
+              <a:t>Applied Deep Learning with TensorFlow 2</a:t>
+            </a:r>
+            <a:r>
+              <a:rPr lang="en-GB" sz="1050">
+                <a:latin typeface="Arial" panose="020B0604020202020204" pitchFamily="34" charset="0"/>
+              </a:rPr>
+              <a:t>, Springer Nature, 2022</a:t>
             </a:r>
           </a:p>
         </p:txBody>
       </p:sp>
       <p:pic>
         <p:nvPicPr>
-          <p:cNvPr id="4" name="Content Placeholder 3">
-            <a:extLst>
-              <a:ext uri="{FF2B5EF4-FFF2-40B4-BE49-F238E27FC236}">
-                <a16:creationId xmlns:a16="http://schemas.microsoft.com/office/drawing/2014/main" id="{3F722C38-A64D-F2CD-1780-51CEED6BA07A}"/>
+          <p:cNvPr id="9" name="Content Placeholder 8">
+            <a:extLst>
+              <a:ext uri="{FF2B5EF4-FFF2-40B4-BE49-F238E27FC236}">
+                <a16:creationId xmlns:a16="http://schemas.microsoft.com/office/drawing/2014/main" id="{F04F6FA2-8B91-D3B4-977D-B834A487AEB9}"/>
               </a:ext>
             </a:extLst>
           </p:cNvPr>
@@ -8854,105 +7346,18 @@
         </p:blipFill>
         <p:spPr>
           <a:xfrm>
-            <a:off x="1439993" y="1815351"/>
-            <a:ext cx="7236633" cy="4351338"/>
+            <a:off x="1424297" y="1835899"/>
+            <a:ext cx="6918704" cy="4351338"/>
           </a:xfrm>
           <a:prstGeom prst="rect">
             <a:avLst/>
           </a:prstGeom>
         </p:spPr>
       </p:pic>
-      <p:sp>
-        <p:nvSpPr>
-          <p:cNvPr id="5" name="TextBox 4">
-            <a:extLst>
-              <a:ext uri="{FF2B5EF4-FFF2-40B4-BE49-F238E27FC236}">
-                <a16:creationId xmlns:a16="http://schemas.microsoft.com/office/drawing/2014/main" id="{8B1B0ADE-797E-09DB-B5D8-57ECE75BDBBA}"/>
-              </a:ext>
-            </a:extLst>
-          </p:cNvPr>
-          <p:cNvSpPr txBox="1"/>
-          <p:nvPr/>
-        </p:nvSpPr>
-        <p:spPr>
-          <a:xfrm>
-            <a:off x="8876871" y="2167847"/>
-            <a:ext cx="2630184" cy="646331"/>
-          </a:xfrm>
-          <a:prstGeom prst="rect">
-            <a:avLst/>
-          </a:prstGeom>
-          <a:noFill/>
-        </p:spPr>
-        <p:txBody>
-          <a:bodyPr wrap="square" rtlCol="0">
-            <a:spAutoFit/>
-          </a:bodyPr>
-          <a:lstStyle/>
-          <a:p>
-            <a:r>
-              <a:rPr lang="en-CH">
-                <a:latin typeface="Arial" panose="020B0604020202020204" pitchFamily="34" charset="0"/>
-                <a:cs typeface="Arial" panose="020B0604020202020204" pitchFamily="34" charset="0"/>
-              </a:rPr>
-              <a:t>Let us consider a set of data with some noise.</a:t>
-            </a:r>
-          </a:p>
-        </p:txBody>
-      </p:sp>
-      <p:sp>
-        <p:nvSpPr>
-          <p:cNvPr id="6" name="TextBox 5">
-            <a:extLst>
-              <a:ext uri="{FF2B5EF4-FFF2-40B4-BE49-F238E27FC236}">
-                <a16:creationId xmlns:a16="http://schemas.microsoft.com/office/drawing/2014/main" id="{F156AB80-EB6A-964F-F57A-548A294D2078}"/>
-              </a:ext>
-            </a:extLst>
-          </p:cNvPr>
-          <p:cNvSpPr txBox="1"/>
-          <p:nvPr/>
-        </p:nvSpPr>
-        <p:spPr>
-          <a:xfrm>
-            <a:off x="7233585" y="6596390"/>
-            <a:ext cx="5572954" cy="261610"/>
-          </a:xfrm>
-          <a:prstGeom prst="rect">
-            <a:avLst/>
-          </a:prstGeom>
-          <a:noFill/>
-        </p:spPr>
-        <p:txBody>
-          <a:bodyPr wrap="square">
-            <a:spAutoFit/>
-          </a:bodyPr>
-          <a:lstStyle/>
-          <a:p>
-            <a:r>
-              <a:rPr lang="en-GB" sz="1050">
-                <a:latin typeface="Arial" panose="020B0604020202020204" pitchFamily="34" charset="0"/>
-              </a:rPr>
-              <a:t>U. Michelucci, </a:t>
-            </a:r>
-            <a:r>
-              <a:rPr lang="en-GB" sz="1050" i="1">
-                <a:latin typeface="Arial" panose="020B0604020202020204" pitchFamily="34" charset="0"/>
-              </a:rPr>
-              <a:t>Applied Deep Learning with TensorFlow 2</a:t>
-            </a:r>
-            <a:r>
-              <a:rPr lang="en-GB" sz="1050">
-                <a:latin typeface="Arial" panose="020B0604020202020204" pitchFamily="34" charset="0"/>
-              </a:rPr>
-              <a:t>, Springer Nature, 2022</a:t>
-            </a:r>
-          </a:p>
-        </p:txBody>
-      </p:sp>
     </p:spTree>
     <p:extLst>
       <p:ext uri="{BB962C8B-B14F-4D97-AF65-F5344CB8AC3E}">
-        <p14:creationId xmlns:p14="http://schemas.microsoft.com/office/powerpoint/2010/main" val="3547688039"/>
+        <p14:creationId xmlns:p14="http://schemas.microsoft.com/office/powerpoint/2010/main" val="922797232"/>
       </p:ext>
     </p:extLst>
   </p:cSld>
@@ -9002,7 +7407,7 @@
           <a:p>
             <a:r>
               <a:rPr lang="en-CH"/>
-              <a:t>Overfitting II</a:t>
+              <a:t>Overfitting III</a:t>
             </a:r>
           </a:p>
         </p:txBody>
@@ -9021,8 +7426,8 @@
         </p:nvSpPr>
         <p:spPr>
           <a:xfrm>
-            <a:off x="8876871" y="2167847"/>
-            <a:ext cx="2630184" cy="1754326"/>
+            <a:off x="8644115" y="2126741"/>
+            <a:ext cx="2630184" cy="646331"/>
           </a:xfrm>
           <a:prstGeom prst="rect">
             <a:avLst/>
@@ -9040,29 +7445,7 @@
                 <a:latin typeface="Arial" panose="020B0604020202020204" pitchFamily="34" charset="0"/>
                 <a:cs typeface="Arial" panose="020B0604020202020204" pitchFamily="34" charset="0"/>
               </a:rPr>
-              <a:t>The linear model misses the main features of the data being too simple. In this case the model has </a:t>
-            </a:r>
-            <a:r>
-              <a:rPr lang="en-US" b="1">
-                <a:latin typeface="Arial" panose="020B0604020202020204" pitchFamily="34" charset="0"/>
-                <a:cs typeface="Arial" panose="020B0604020202020204" pitchFamily="34" charset="0"/>
-              </a:rPr>
-              <a:t>high bias</a:t>
-            </a:r>
-            <a:r>
-              <a:rPr lang="en-US">
-                <a:latin typeface="Arial" panose="020B0604020202020204" pitchFamily="34" charset="0"/>
-                <a:cs typeface="Arial" panose="020B0604020202020204" pitchFamily="34" charset="0"/>
-              </a:rPr>
-              <a:t>.</a:t>
-            </a:r>
-            <a:r>
-              <a:rPr lang="en-CH">
-                <a:effectLst/>
-                <a:latin typeface="Arial" panose="020B0604020202020204" pitchFamily="34" charset="0"/>
-                <a:cs typeface="Arial" panose="020B0604020202020204" pitchFamily="34" charset="0"/>
-              </a:rPr>
-              <a:t> </a:t>
+              <a:t>The result (red line) for a 2-degree polynomial.</a:t>
             </a:r>
             <a:endParaRPr lang="en-CH">
               <a:latin typeface="Arial" panose="020B0604020202020204" pitchFamily="34" charset="0"/>
@@ -9122,10 +7505,10 @@
       </p:sp>
       <p:pic>
         <p:nvPicPr>
-          <p:cNvPr id="9" name="Content Placeholder 8">
-            <a:extLst>
-              <a:ext uri="{FF2B5EF4-FFF2-40B4-BE49-F238E27FC236}">
-                <a16:creationId xmlns:a16="http://schemas.microsoft.com/office/drawing/2014/main" id="{F04F6FA2-8B91-D3B4-977D-B834A487AEB9}"/>
+          <p:cNvPr id="12" name="Content Placeholder 11">
+            <a:extLst>
+              <a:ext uri="{FF2B5EF4-FFF2-40B4-BE49-F238E27FC236}">
+                <a16:creationId xmlns:a16="http://schemas.microsoft.com/office/drawing/2014/main" id="{3C118E95-B582-5A1A-5D0E-4C09EA668284}"/>
               </a:ext>
             </a:extLst>
           </p:cNvPr>
@@ -9144,8 +7527,8 @@
         </p:blipFill>
         <p:spPr>
           <a:xfrm>
-            <a:off x="1424297" y="1835899"/>
-            <a:ext cx="6918704" cy="4351338"/>
+            <a:off x="1222989" y="1808999"/>
+            <a:ext cx="7052697" cy="4351338"/>
           </a:xfrm>
           <a:prstGeom prst="rect">
             <a:avLst/>
@@ -9155,7 +7538,7 @@
     </p:spTree>
     <p:extLst>
       <p:ext uri="{BB962C8B-B14F-4D97-AF65-F5344CB8AC3E}">
-        <p14:creationId xmlns:p14="http://schemas.microsoft.com/office/powerpoint/2010/main" val="922797232"/>
+        <p14:creationId xmlns:p14="http://schemas.microsoft.com/office/powerpoint/2010/main" val="4037209105"/>
       </p:ext>
     </p:extLst>
   </p:cSld>
@@ -9205,7 +7588,7 @@
           <a:p>
             <a:r>
               <a:rPr lang="en-CH"/>
-              <a:t>Overfitting III</a:t>
+              <a:t>Overfitting IV</a:t>
             </a:r>
           </a:p>
         </p:txBody>
@@ -9225,7 +7608,7 @@
         <p:spPr>
           <a:xfrm>
             <a:off x="8644115" y="2126741"/>
-            <a:ext cx="2630184" cy="646331"/>
+            <a:ext cx="2630184" cy="2308324"/>
           </a:xfrm>
           <a:prstGeom prst="rect">
             <a:avLst/>
@@ -9243,13 +7626,46 @@
                 <a:latin typeface="Arial" panose="020B0604020202020204" pitchFamily="34" charset="0"/>
                 <a:cs typeface="Arial" panose="020B0604020202020204" pitchFamily="34" charset="0"/>
               </a:rPr>
-              <a:t>The result (red line) for a 2-degree polynomial.</a:t>
-            </a:r>
+              <a:t>The result for a 21-degree polynomial model.</a:t>
+            </a:r>
+            <a:r>
+              <a:rPr lang="en-CH">
+                <a:effectLst/>
+                <a:latin typeface="Arial" panose="020B0604020202020204" pitchFamily="34" charset="0"/>
+                <a:cs typeface="Arial" panose="020B0604020202020204" pitchFamily="34" charset="0"/>
+              </a:rPr>
+              <a:t> </a:t>
+            </a:r>
+          </a:p>
+          <a:p>
             <a:endParaRPr lang="en-CH">
               <a:latin typeface="Arial" panose="020B0604020202020204" pitchFamily="34" charset="0"/>
               <a:cs typeface="Arial" panose="020B0604020202020204" pitchFamily="34" charset="0"/>
             </a:endParaRPr>
           </a:p>
+          <a:p>
+            <a:r>
+              <a:rPr lang="en-CH">
+                <a:latin typeface="Arial" panose="020B0604020202020204" pitchFamily="34" charset="0"/>
+                <a:cs typeface="Arial" panose="020B0604020202020204" pitchFamily="34" charset="0"/>
+              </a:rPr>
+              <a:t>Here we talk about </a:t>
+            </a:r>
+            <a:r>
+              <a:rPr lang="en-CH" b="1">
+                <a:latin typeface="Arial" panose="020B0604020202020204" pitchFamily="34" charset="0"/>
+                <a:cs typeface="Arial" panose="020B0604020202020204" pitchFamily="34" charset="0"/>
+              </a:rPr>
+              <a:t>overfitting</a:t>
+            </a:r>
+            <a:r>
+              <a:rPr lang="en-CH">
+                <a:latin typeface="Arial" panose="020B0604020202020204" pitchFamily="34" charset="0"/>
+                <a:cs typeface="Arial" panose="020B0604020202020204" pitchFamily="34" charset="0"/>
+              </a:rPr>
+              <a:t>, since the model capture the noise present in the data.</a:t>
+            </a:r>
+          </a:p>
         </p:txBody>
       </p:sp>
       <p:sp>
@@ -9303,10 +7719,10 @@
       </p:sp>
       <p:pic>
         <p:nvPicPr>
-          <p:cNvPr id="12" name="Content Placeholder 11">
-            <a:extLst>
-              <a:ext uri="{FF2B5EF4-FFF2-40B4-BE49-F238E27FC236}">
-                <a16:creationId xmlns:a16="http://schemas.microsoft.com/office/drawing/2014/main" id="{3C118E95-B582-5A1A-5D0E-4C09EA668284}"/>
+          <p:cNvPr id="7" name="Content Placeholder 6">
+            <a:extLst>
+              <a:ext uri="{FF2B5EF4-FFF2-40B4-BE49-F238E27FC236}">
+                <a16:creationId xmlns:a16="http://schemas.microsoft.com/office/drawing/2014/main" id="{DBE4EA75-B711-6D17-D9EC-FCF321BC5EB2}"/>
               </a:ext>
             </a:extLst>
           </p:cNvPr>
@@ -9325,8 +7741,8 @@
         </p:blipFill>
         <p:spPr>
           <a:xfrm>
-            <a:off x="1222989" y="1808999"/>
-            <a:ext cx="7052697" cy="4351338"/>
+            <a:off x="917701" y="1842250"/>
+            <a:ext cx="7236291" cy="4351338"/>
           </a:xfrm>
           <a:prstGeom prst="rect">
             <a:avLst/>
@@ -9336,7 +7752,7 @@
     </p:spTree>
     <p:extLst>
       <p:ext uri="{BB962C8B-B14F-4D97-AF65-F5344CB8AC3E}">
-        <p14:creationId xmlns:p14="http://schemas.microsoft.com/office/powerpoint/2010/main" val="4037209105"/>
+        <p14:creationId xmlns:p14="http://schemas.microsoft.com/office/powerpoint/2010/main" val="1426733995"/>
       </p:ext>
     </p:extLst>
   </p:cSld>
@@ -9368,7 +7784,7 @@
           <p:cNvPr id="2" name="Title 1">
             <a:extLst>
               <a:ext uri="{FF2B5EF4-FFF2-40B4-BE49-F238E27FC236}">
-                <a16:creationId xmlns:a16="http://schemas.microsoft.com/office/drawing/2014/main" id="{494AAE05-9D9D-1F06-B892-AE81D0BB35BC}"/>
+                <a16:creationId xmlns:a16="http://schemas.microsoft.com/office/drawing/2014/main" id="{A5A1B1F8-6920-8C08-8E38-3E88B7F056F9}"/>
               </a:ext>
             </a:extLst>
           </p:cNvPr>
@@ -9386,177 +7802,192 @@
           <a:p>
             <a:r>
               <a:rPr lang="en-CH"/>
-              <a:t>Overfitting IV</a:t>
-            </a:r>
-          </a:p>
-        </p:txBody>
-      </p:sp>
-      <p:sp>
-        <p:nvSpPr>
-          <p:cNvPr id="5" name="TextBox 4">
-            <a:extLst>
-              <a:ext uri="{FF2B5EF4-FFF2-40B4-BE49-F238E27FC236}">
-                <a16:creationId xmlns:a16="http://schemas.microsoft.com/office/drawing/2014/main" id="{8B1B0ADE-797E-09DB-B5D8-57ECE75BDBBA}"/>
-              </a:ext>
-            </a:extLst>
-          </p:cNvPr>
-          <p:cNvSpPr txBox="1"/>
-          <p:nvPr/>
+              <a:t>Overfitting V</a:t>
+            </a:r>
+          </a:p>
+        </p:txBody>
+      </p:sp>
+      <p:sp>
+        <p:nvSpPr>
+          <p:cNvPr id="3" name="Content Placeholder 2">
+            <a:extLst>
+              <a:ext uri="{FF2B5EF4-FFF2-40B4-BE49-F238E27FC236}">
+                <a16:creationId xmlns:a16="http://schemas.microsoft.com/office/drawing/2014/main" id="{5ED86B54-C1EB-2C60-8E8A-2C5BA8292433}"/>
+              </a:ext>
+            </a:extLst>
+          </p:cNvPr>
+          <p:cNvSpPr>
+            <a:spLocks noGrp="1"/>
+          </p:cNvSpPr>
+          <p:nvPr>
+            <p:ph idx="1"/>
+          </p:nvPr>
         </p:nvSpPr>
         <p:spPr>
           <a:xfrm>
-            <a:off x="8644115" y="2126741"/>
-            <a:ext cx="2630184" cy="2308324"/>
-          </a:xfrm>
-          <a:prstGeom prst="rect">
-            <a:avLst/>
-          </a:prstGeom>
-          <a:noFill/>
-        </p:spPr>
-        <p:txBody>
-          <a:bodyPr wrap="square" rtlCol="0">
-            <a:spAutoFit/>
+            <a:off x="838200" y="2026919"/>
+            <a:ext cx="10515600" cy="4073843"/>
+          </a:xfrm>
+        </p:spPr>
+        <p:txBody>
+          <a:bodyPr>
+            <a:normAutofit lnSpcReduction="10000"/>
           </a:bodyPr>
           <a:lstStyle/>
           <a:p>
-            <a:r>
-              <a:rPr lang="en-US">
-                <a:latin typeface="Arial" panose="020B0604020202020204" pitchFamily="34" charset="0"/>
-                <a:cs typeface="Arial" panose="020B0604020202020204" pitchFamily="34" charset="0"/>
-              </a:rPr>
-              <a:t>The result for a 21-degree polynomial model.</a:t>
-            </a:r>
-            <a:r>
-              <a:rPr lang="en-CH">
-                <a:effectLst/>
-                <a:latin typeface="Arial" panose="020B0604020202020204" pitchFamily="34" charset="0"/>
-                <a:cs typeface="Arial" panose="020B0604020202020204" pitchFamily="34" charset="0"/>
-              </a:rPr>
-              <a:t> </a:t>
-            </a:r>
-          </a:p>
-          <a:p>
-            <a:endParaRPr lang="en-CH">
-              <a:latin typeface="Arial" panose="020B0604020202020204" pitchFamily="34" charset="0"/>
-              <a:cs typeface="Arial" panose="020B0604020202020204" pitchFamily="34" charset="0"/>
-            </a:endParaRPr>
-          </a:p>
-          <a:p>
-            <a:r>
-              <a:rPr lang="en-CH">
-                <a:latin typeface="Arial" panose="020B0604020202020204" pitchFamily="34" charset="0"/>
-                <a:cs typeface="Arial" panose="020B0604020202020204" pitchFamily="34" charset="0"/>
-              </a:rPr>
-              <a:t>Here we talk about </a:t>
-            </a:r>
-            <a:r>
-              <a:rPr lang="en-CH" b="1">
-                <a:latin typeface="Arial" panose="020B0604020202020204" pitchFamily="34" charset="0"/>
-                <a:cs typeface="Arial" panose="020B0604020202020204" pitchFamily="34" charset="0"/>
-              </a:rPr>
-              <a:t>overfitting</a:t>
-            </a:r>
-            <a:r>
-              <a:rPr lang="en-CH">
-                <a:latin typeface="Arial" panose="020B0604020202020204" pitchFamily="34" charset="0"/>
-                <a:cs typeface="Arial" panose="020B0604020202020204" pitchFamily="34" charset="0"/>
-              </a:rPr>
-              <a:t>, since the model capture the noise present in the data.</a:t>
-            </a:r>
-          </a:p>
-        </p:txBody>
-      </p:sp>
-      <p:sp>
-        <p:nvSpPr>
-          <p:cNvPr id="6" name="TextBox 5">
-            <a:extLst>
-              <a:ext uri="{FF2B5EF4-FFF2-40B4-BE49-F238E27FC236}">
-                <a16:creationId xmlns:a16="http://schemas.microsoft.com/office/drawing/2014/main" id="{F156AB80-EB6A-964F-F57A-548A294D2078}"/>
-              </a:ext>
-            </a:extLst>
-          </p:cNvPr>
-          <p:cNvSpPr txBox="1"/>
-          <p:nvPr/>
-        </p:nvSpPr>
-        <p:spPr>
-          <a:xfrm>
-            <a:off x="7233585" y="6596390"/>
-            <a:ext cx="5572954" cy="261610"/>
-          </a:xfrm>
-          <a:prstGeom prst="rect">
-            <a:avLst/>
-          </a:prstGeom>
-          <a:noFill/>
-        </p:spPr>
-        <p:txBody>
-          <a:bodyPr wrap="square">
-            <a:spAutoFit/>
-          </a:bodyPr>
-          <a:lstStyle/>
-          <a:p>
-            <a:r>
-              <a:rPr lang="en-GB" sz="1050">
-                <a:latin typeface="Arial" panose="020B0604020202020204" pitchFamily="34" charset="0"/>
-              </a:rPr>
-              <a:t>U. Michelucci, </a:t>
-            </a:r>
-            <a:r>
-              <a:rPr lang="en-GB" sz="1050" i="1">
-                <a:latin typeface="Arial" panose="020B0604020202020204" pitchFamily="34" charset="0"/>
-              </a:rPr>
-              <a:t>Applied Deep Learning with TensorFlow 2</a:t>
-            </a:r>
-            <a:r>
-              <a:rPr lang="en-GB" sz="1050">
-                <a:latin typeface="Arial" panose="020B0604020202020204" pitchFamily="34" charset="0"/>
-              </a:rPr>
-              <a:t>, Springer Nature, 2022</a:t>
-            </a:r>
-          </a:p>
-        </p:txBody>
-      </p:sp>
-      <p:pic>
-        <p:nvPicPr>
-          <p:cNvPr id="7" name="Content Placeholder 6">
-            <a:extLst>
-              <a:ext uri="{FF2B5EF4-FFF2-40B4-BE49-F238E27FC236}">
-                <a16:creationId xmlns:a16="http://schemas.microsoft.com/office/drawing/2014/main" id="{DBE4EA75-B711-6D17-D9EC-FCF321BC5EB2}"/>
-              </a:ext>
-            </a:extLst>
-          </p:cNvPr>
-          <p:cNvPicPr>
-            <a:picLocks noGrp="1" noChangeAspect="1"/>
-          </p:cNvPicPr>
-          <p:nvPr>
-            <p:ph idx="1"/>
-          </p:nvPr>
-        </p:nvPicPr>
-        <p:blipFill>
-          <a:blip r:embed="rId2"/>
-          <a:stretch>
-            <a:fillRect/>
-          </a:stretch>
-        </p:blipFill>
-        <p:spPr>
-          <a:xfrm>
-            <a:off x="917701" y="1842250"/>
-            <a:ext cx="7236291" cy="4351338"/>
-          </a:xfrm>
-          <a:prstGeom prst="rect">
-            <a:avLst/>
-          </a:prstGeom>
-        </p:spPr>
-      </p:pic>
+            <a:pPr marL="0" indent="0">
+              <a:buNone/>
+            </a:pPr>
+            <a:r>
+              <a:rPr lang="en-US" sz="3200"/>
+              <a:t>A model may, due to its flexibility, learn patterns that are due to noise, errors or simply wrong data</a:t>
+            </a:r>
+            <a:r>
+              <a:rPr lang="en-CH" sz="3200"/>
+              <a:t>.</a:t>
+            </a:r>
+          </a:p>
+          <a:p>
+            <a:pPr marL="0" indent="0">
+              <a:buNone/>
+            </a:pPr>
+            <a:endParaRPr lang="en-CH" sz="3200"/>
+          </a:p>
+          <a:p>
+            <a:pPr marL="0" indent="0">
+              <a:buNone/>
+            </a:pPr>
+            <a:r>
+              <a:rPr lang="en-CH" sz="3200"/>
+              <a:t>How can we detect it? How can we visualise its occur</a:t>
+            </a:r>
+            <a:r>
+              <a:rPr lang="en-GB" sz="3200"/>
+              <a:t>r</a:t>
+            </a:r>
+            <a:r>
+              <a:rPr lang="en-CH" sz="3200"/>
+              <a:t>ence?</a:t>
+            </a:r>
+          </a:p>
+          <a:p>
+            <a:pPr marL="0" indent="0">
+              <a:buNone/>
+            </a:pPr>
+            <a:endParaRPr lang="en-CH" sz="3200"/>
+          </a:p>
+          <a:p>
+            <a:pPr marL="0" indent="0" algn="ctr">
+              <a:buNone/>
+            </a:pPr>
+            <a:r>
+              <a:rPr lang="en-CH" sz="3200"/>
+              <a:t>When overfitting occurs, the model evaluated on unseen data will have a bad performance.</a:t>
+            </a:r>
+          </a:p>
+        </p:txBody>
+      </p:sp>
     </p:spTree>
     <p:extLst>
       <p:ext uri="{BB962C8B-B14F-4D97-AF65-F5344CB8AC3E}">
-        <p14:creationId xmlns:p14="http://schemas.microsoft.com/office/powerpoint/2010/main" val="1426733995"/>
+        <p14:creationId xmlns:p14="http://schemas.microsoft.com/office/powerpoint/2010/main" val="3184738573"/>
       </p:ext>
     </p:extLst>
   </p:cSld>
   <p:clrMapOvr>
     <a:masterClrMapping/>
   </p:clrMapOvr>
+  <p:timing>
+    <p:tnLst>
+      <p:par>
+        <p:cTn id="1" dur="indefinite" restart="never" nodeType="tmRoot">
+          <p:childTnLst>
+            <p:seq concurrent="1" nextAc="seek">
+              <p:cTn id="2" dur="indefinite" nodeType="mainSeq">
+                <p:childTnLst>
+                  <p:par>
+                    <p:cTn id="3" fill="hold">
+                      <p:stCondLst>
+                        <p:cond delay="indefinite"/>
+                      </p:stCondLst>
+                      <p:childTnLst>
+                        <p:par>
+                          <p:cTn id="4" fill="hold">
+                            <p:stCondLst>
+                              <p:cond delay="0"/>
+                            </p:stCondLst>
+                            <p:childTnLst>
+                              <p:par>
+                                <p:cTn id="5" presetID="10" presetClass="entr" presetSubtype="0" fill="hold" nodeType="clickEffect">
+                                  <p:stCondLst>
+                                    <p:cond delay="0"/>
+                                  </p:stCondLst>
+                                  <p:childTnLst>
+                                    <p:set>
+                                      <p:cBhvr>
+                                        <p:cTn id="6" dur="1" fill="hold">
+                                          <p:stCondLst>
+                                            <p:cond delay="0"/>
+                                          </p:stCondLst>
+                                        </p:cTn>
+                                        <p:tgtEl>
+                                          <p:spTgt spid="3">
+                                            <p:txEl>
+                                              <p:pRg st="4" end="4"/>
+                                            </p:txEl>
+                                          </p:spTgt>
+                                        </p:tgtEl>
+                                        <p:attrNameLst>
+                                          <p:attrName>style.visibility</p:attrName>
+                                        </p:attrNameLst>
+                                      </p:cBhvr>
+                                      <p:to>
+                                        <p:strVal val="visible"/>
+                                      </p:to>
+                                    </p:set>
+                                    <p:animEffect transition="in" filter="fade">
+                                      <p:cBhvr>
+                                        <p:cTn id="7" dur="500"/>
+                                        <p:tgtEl>
+                                          <p:spTgt spid="3">
+                                            <p:txEl>
+                                              <p:pRg st="4" end="4"/>
+                                            </p:txEl>
+                                          </p:spTgt>
+                                        </p:tgtEl>
+                                      </p:cBhvr>
+                                    </p:animEffect>
+                                  </p:childTnLst>
+                                </p:cTn>
+                              </p:par>
+                            </p:childTnLst>
+                          </p:cTn>
+                        </p:par>
+                      </p:childTnLst>
+                    </p:cTn>
+                  </p:par>
+                </p:childTnLst>
+              </p:cTn>
+              <p:prevCondLst>
+                <p:cond evt="onPrev" delay="0">
+                  <p:tgtEl>
+                    <p:sldTgt/>
+                  </p:tgtEl>
+                </p:cond>
+              </p:prevCondLst>
+              <p:nextCondLst>
+                <p:cond evt="onNext" delay="0">
+                  <p:tgtEl>
+                    <p:sldTgt/>
+                  </p:tgtEl>
+                </p:cond>
+              </p:nextCondLst>
+            </p:seq>
+          </p:childTnLst>
+        </p:cTn>
+      </p:par>
+    </p:tnLst>
+  </p:timing>
 </p:sld>
 </file>
 
@@ -9582,7 +8013,7 @@
           <p:cNvPr id="2" name="Title 1">
             <a:extLst>
               <a:ext uri="{FF2B5EF4-FFF2-40B4-BE49-F238E27FC236}">
-                <a16:creationId xmlns:a16="http://schemas.microsoft.com/office/drawing/2014/main" id="{A5A1B1F8-6920-8C08-8E38-3E88B7F056F9}"/>
+                <a16:creationId xmlns:a16="http://schemas.microsoft.com/office/drawing/2014/main" id="{8BB9B4CC-2BA2-A3CA-C300-97474FB64365}"/>
               </a:ext>
             </a:extLst>
           </p:cNvPr>
@@ -9600,7 +8031,7 @@
           <a:p>
             <a:r>
               <a:rPr lang="en-CH"/>
-              <a:t>Overfitting V</a:t>
+              <a:t>Overfitting VI</a:t>
             </a:r>
           </a:p>
         </p:txBody>
@@ -9610,7 +8041,7 @@
           <p:cNvPr id="3" name="Content Placeholder 2">
             <a:extLst>
               <a:ext uri="{FF2B5EF4-FFF2-40B4-BE49-F238E27FC236}">
-                <a16:creationId xmlns:a16="http://schemas.microsoft.com/office/drawing/2014/main" id="{5ED86B54-C1EB-2C60-8E8A-2C5BA8292433}"/>
+                <a16:creationId xmlns:a16="http://schemas.microsoft.com/office/drawing/2014/main" id="{BC0F699F-AA7D-6F7A-7B1D-0A71D8C6B16A}"/>
               </a:ext>
             </a:extLst>
           </p:cNvPr>
@@ -9621,65 +8052,143 @@
             <p:ph idx="1"/>
           </p:nvPr>
         </p:nvSpPr>
-        <p:spPr>
-          <a:xfrm>
-            <a:off x="838200" y="2103119"/>
-            <a:ext cx="10515600" cy="4073843"/>
-          </a:xfrm>
-        </p:spPr>
-        <p:txBody>
-          <a:bodyPr>
-            <a:normAutofit/>
-          </a:bodyPr>
-          <a:lstStyle/>
+        <p:spPr/>
+        <p:txBody>
+          <a:bodyPr/>
+          <a:lstStyle/>
+          <a:p>
+            <a:endParaRPr lang="en-CH"/>
+          </a:p>
           <a:p>
             <a:pPr marL="0" indent="0">
               <a:buNone/>
             </a:pPr>
             <a:r>
-              <a:rPr lang="en-US" sz="3200"/>
-              <a:t>A network may, due to its flexibility, learn patterns that are due to noise, errors or simply wrong data</a:t>
-            </a:r>
-            <a:r>
-              <a:rPr lang="en-CH" sz="3200"/>
-              <a:t>.</a:t>
-            </a:r>
-          </a:p>
-          <a:p>
-            <a:pPr marL="0" indent="0">
+              <a:rPr lang="en-CH"/>
+              <a:t>In 99.9999% of cases a visualisation is not possible, so how can we detect it?</a:t>
+            </a:r>
+          </a:p>
+          <a:p>
+            <a:endParaRPr lang="en-CH"/>
+          </a:p>
+          <a:p>
+            <a:endParaRPr lang="en-CH"/>
+          </a:p>
+          <a:p>
+            <a:pPr marL="0" indent="0" algn="ctr">
               <a:buNone/>
             </a:pPr>
-            <a:endParaRPr lang="en-CH" sz="3200"/>
-          </a:p>
-          <a:p>
-            <a:pPr marL="0" indent="0">
-              <a:buNone/>
-            </a:pPr>
-            <a:r>
-              <a:rPr lang="en-CH" sz="3200"/>
-              <a:t>How can we detect it? How can we visualise its occur</a:t>
-            </a:r>
-            <a:r>
-              <a:rPr lang="en-GB" sz="3200"/>
-              <a:t>r</a:t>
-            </a:r>
-            <a:r>
-              <a:rPr lang="en-CH" sz="3200"/>
-              <a:t>ence?</a:t>
-            </a:r>
+            <a:r>
+              <a:rPr lang="en-CH">
+                <a:sym typeface="Wingdings" pitchFamily="2" charset="2"/>
+              </a:rPr>
+              <a:t> To detect it we need to split our dataset in two portion, and use the two parts in a smart way.</a:t>
+            </a:r>
+            <a:endParaRPr lang="en-CH"/>
           </a:p>
         </p:txBody>
       </p:sp>
     </p:spTree>
     <p:extLst>
       <p:ext uri="{BB962C8B-B14F-4D97-AF65-F5344CB8AC3E}">
-        <p14:creationId xmlns:p14="http://schemas.microsoft.com/office/powerpoint/2010/main" val="3184738573"/>
+        <p14:creationId xmlns:p14="http://schemas.microsoft.com/office/powerpoint/2010/main" val="36811579"/>
       </p:ext>
     </p:extLst>
   </p:cSld>
   <p:clrMapOvr>
     <a:masterClrMapping/>
   </p:clrMapOvr>
+  <p:timing>
+    <p:tnLst>
+      <p:par>
+        <p:cTn id="1" dur="indefinite" restart="never" nodeType="tmRoot">
+          <p:childTnLst>
+            <p:seq concurrent="1" nextAc="seek">
+              <p:cTn id="2" dur="indefinite" nodeType="mainSeq">
+                <p:childTnLst>
+                  <p:par>
+                    <p:cTn id="3" fill="hold">
+                      <p:stCondLst>
+                        <p:cond delay="indefinite"/>
+                      </p:stCondLst>
+                      <p:childTnLst>
+                        <p:par>
+                          <p:cTn id="4" fill="hold">
+                            <p:stCondLst>
+                              <p:cond delay="0"/>
+                            </p:stCondLst>
+                            <p:childTnLst>
+                              <p:par>
+                                <p:cTn id="5" presetID="10" presetClass="entr" presetSubtype="0" fill="hold" nodeType="clickEffect">
+                                  <p:stCondLst>
+                                    <p:cond delay="0"/>
+                                  </p:stCondLst>
+                                  <p:childTnLst>
+                                    <p:set>
+                                      <p:cBhvr>
+                                        <p:cTn id="6" dur="1" fill="hold">
+                                          <p:stCondLst>
+                                            <p:cond delay="0"/>
+                                          </p:stCondLst>
+                                        </p:cTn>
+                                        <p:tgtEl>
+                                          <p:spTgt spid="3">
+                                            <p:txEl>
+                                              <p:pRg st="4" end="4"/>
+                                            </p:txEl>
+                                          </p:spTgt>
+                                        </p:tgtEl>
+                                        <p:attrNameLst>
+                                          <p:attrName>style.visibility</p:attrName>
+                                        </p:attrNameLst>
+                                      </p:cBhvr>
+                                      <p:to>
+                                        <p:strVal val="visible"/>
+                                      </p:to>
+                                    </p:set>
+                                    <p:animEffect transition="in" filter="fade">
+                                      <p:cBhvr>
+                                        <p:cTn id="7" dur="500"/>
+                                        <p:tgtEl>
+                                          <p:spTgt spid="3">
+                                            <p:txEl>
+                                              <p:pRg st="4" end="4"/>
+                                            </p:txEl>
+                                          </p:spTgt>
+                                        </p:tgtEl>
+                                      </p:cBhvr>
+                                    </p:animEffect>
+                                  </p:childTnLst>
+                                </p:cTn>
+                              </p:par>
+                            </p:childTnLst>
+                          </p:cTn>
+                        </p:par>
+                      </p:childTnLst>
+                    </p:cTn>
+                  </p:par>
+                </p:childTnLst>
+              </p:cTn>
+              <p:prevCondLst>
+                <p:cond evt="onPrev" delay="0">
+                  <p:tgtEl>
+                    <p:sldTgt/>
+                  </p:tgtEl>
+                </p:cond>
+              </p:prevCondLst>
+              <p:nextCondLst>
+                <p:cond evt="onNext" delay="0">
+                  <p:tgtEl>
+                    <p:sldTgt/>
+                  </p:tgtEl>
+                </p:cond>
+              </p:nextCondLst>
+            </p:seq>
+          </p:childTnLst>
+        </p:cTn>
+      </p:par>
+    </p:tnLst>
+  </p:timing>
 </p:sld>
 </file>
 
@@ -9705,7 +8214,7 @@
           <p:cNvPr id="2" name="Title 1">
             <a:extLst>
               <a:ext uri="{FF2B5EF4-FFF2-40B4-BE49-F238E27FC236}">
-                <a16:creationId xmlns:a16="http://schemas.microsoft.com/office/drawing/2014/main" id="{8BB9B4CC-2BA2-A3CA-C300-97474FB64365}"/>
+                <a16:creationId xmlns:a16="http://schemas.microsoft.com/office/drawing/2014/main" id="{31DA2FAD-F752-2AA6-4A02-DEDA4AA6BE7A}"/>
               </a:ext>
             </a:extLst>
           </p:cNvPr>
@@ -9723,70 +8232,1361 @@
           <a:p>
             <a:r>
               <a:rPr lang="en-CH"/>
-              <a:t>Overfitting VI</a:t>
-            </a:r>
-          </a:p>
-        </p:txBody>
-      </p:sp>
-      <p:sp>
-        <p:nvSpPr>
-          <p:cNvPr id="3" name="Content Placeholder 2">
-            <a:extLst>
-              <a:ext uri="{FF2B5EF4-FFF2-40B4-BE49-F238E27FC236}">
-                <a16:creationId xmlns:a16="http://schemas.microsoft.com/office/drawing/2014/main" id="{BC0F699F-AA7D-6F7A-7B1D-0A71D8C6B16A}"/>
-              </a:ext>
-            </a:extLst>
-          </p:cNvPr>
-          <p:cNvSpPr>
-            <a:spLocks noGrp="1"/>
-          </p:cNvSpPr>
-          <p:nvPr>
-            <p:ph idx="1"/>
-          </p:nvPr>
-        </p:nvSpPr>
-        <p:spPr/>
-        <p:txBody>
-          <a:bodyPr/>
-          <a:lstStyle/>
-          <a:p>
-            <a:endParaRPr lang="en-CH"/>
-          </a:p>
-          <a:p>
-            <a:r>
-              <a:rPr lang="en-CH"/>
-              <a:t>In most cases a visualisation is not possible, so how can we detect it?</a:t>
-            </a:r>
-          </a:p>
-          <a:p>
-            <a:endParaRPr lang="en-CH"/>
-          </a:p>
-          <a:p>
-            <a:endParaRPr lang="en-CH"/>
-          </a:p>
-          <a:p>
-            <a:pPr marL="0" indent="0">
-              <a:buNone/>
-            </a:pPr>
+              <a:t>Hold-out Approach</a:t>
+            </a:r>
+          </a:p>
+        </p:txBody>
+      </p:sp>
+      <p:sp>
+        <p:nvSpPr>
+          <p:cNvPr id="7" name="Rectangle 6">
+            <a:extLst>
+              <a:ext uri="{FF2B5EF4-FFF2-40B4-BE49-F238E27FC236}">
+                <a16:creationId xmlns:a16="http://schemas.microsoft.com/office/drawing/2014/main" id="{A1E1C258-6B31-987F-F798-4F795A5F8D82}"/>
+              </a:ext>
+            </a:extLst>
+          </p:cNvPr>
+          <p:cNvSpPr/>
+          <p:nvPr/>
+        </p:nvSpPr>
+        <p:spPr>
+          <a:xfrm>
+            <a:off x="1429787" y="3034146"/>
+            <a:ext cx="6533805" cy="798022"/>
+          </a:xfrm>
+          <a:prstGeom prst="rect">
+            <a:avLst/>
+          </a:prstGeom>
+          <a:solidFill>
+            <a:schemeClr val="accent4">
+              <a:lumMod val="40000"/>
+              <a:lumOff val="60000"/>
+            </a:schemeClr>
+          </a:solidFill>
+        </p:spPr>
+        <p:style>
+          <a:lnRef idx="2">
+            <a:schemeClr val="accent1">
+              <a:shade val="50000"/>
+            </a:schemeClr>
+          </a:lnRef>
+          <a:fillRef idx="1">
+            <a:schemeClr val="accent1"/>
+          </a:fillRef>
+          <a:effectRef idx="0">
+            <a:schemeClr val="accent1"/>
+          </a:effectRef>
+          <a:fontRef idx="minor">
+            <a:schemeClr val="lt1"/>
+          </a:fontRef>
+        </p:style>
+        <p:txBody>
+          <a:bodyPr rtlCol="0" anchor="ctr"/>
+          <a:lstStyle/>
+          <a:p>
+            <a:pPr algn="ctr"/>
+            <a:r>
+              <a:rPr lang="en-CH" sz="2800">
+                <a:solidFill>
+                  <a:schemeClr val="tx1"/>
+                </a:solidFill>
+                <a:latin typeface="Arial" panose="020B0604020202020204" pitchFamily="34" charset="0"/>
+                <a:cs typeface="Arial" panose="020B0604020202020204" pitchFamily="34" charset="0"/>
+              </a:rPr>
+              <a:t>Training Set</a:t>
+            </a:r>
+          </a:p>
+        </p:txBody>
+      </p:sp>
+      <p:sp>
+        <p:nvSpPr>
+          <p:cNvPr id="3" name="Rectangle 2">
+            <a:extLst>
+              <a:ext uri="{FF2B5EF4-FFF2-40B4-BE49-F238E27FC236}">
+                <a16:creationId xmlns:a16="http://schemas.microsoft.com/office/drawing/2014/main" id="{B45E3B45-1621-5708-F838-571DEB3B4893}"/>
+              </a:ext>
+            </a:extLst>
+          </p:cNvPr>
+          <p:cNvSpPr/>
+          <p:nvPr/>
+        </p:nvSpPr>
+        <p:spPr>
+          <a:xfrm>
+            <a:off x="8088283" y="3034146"/>
+            <a:ext cx="2194560" cy="798022"/>
+          </a:xfrm>
+          <a:prstGeom prst="rect">
+            <a:avLst/>
+          </a:prstGeom>
+          <a:solidFill>
+            <a:schemeClr val="accent4">
+              <a:lumMod val="40000"/>
+              <a:lumOff val="60000"/>
+            </a:schemeClr>
+          </a:solidFill>
+        </p:spPr>
+        <p:style>
+          <a:lnRef idx="2">
+            <a:schemeClr val="accent1">
+              <a:shade val="50000"/>
+            </a:schemeClr>
+          </a:lnRef>
+          <a:fillRef idx="1">
+            <a:schemeClr val="accent1"/>
+          </a:fillRef>
+          <a:effectRef idx="0">
+            <a:schemeClr val="accent1"/>
+          </a:effectRef>
+          <a:fontRef idx="minor">
+            <a:schemeClr val="lt1"/>
+          </a:fontRef>
+        </p:style>
+        <p:txBody>
+          <a:bodyPr rtlCol="0" anchor="ctr"/>
+          <a:lstStyle/>
+          <a:p>
+            <a:pPr algn="ctr"/>
+            <a:r>
+              <a:rPr lang="en-CH" sz="2800">
+                <a:solidFill>
+                  <a:schemeClr val="tx1"/>
+                </a:solidFill>
+                <a:latin typeface="Arial" panose="020B0604020202020204" pitchFamily="34" charset="0"/>
+                <a:cs typeface="Arial" panose="020B0604020202020204" pitchFamily="34" charset="0"/>
+              </a:rPr>
+              <a:t>Test Set</a:t>
+            </a:r>
+          </a:p>
+        </p:txBody>
+      </p:sp>
+      <p:sp>
+        <p:nvSpPr>
+          <p:cNvPr id="4" name="Rectangle 3">
+            <a:extLst>
+              <a:ext uri="{FF2B5EF4-FFF2-40B4-BE49-F238E27FC236}">
+                <a16:creationId xmlns:a16="http://schemas.microsoft.com/office/drawing/2014/main" id="{985F6410-85BD-7044-B6F2-41B707A9708E}"/>
+              </a:ext>
+            </a:extLst>
+          </p:cNvPr>
+          <p:cNvSpPr/>
+          <p:nvPr/>
+        </p:nvSpPr>
+        <p:spPr>
+          <a:xfrm>
+            <a:off x="1429788" y="1945178"/>
+            <a:ext cx="8853055" cy="798022"/>
+          </a:xfrm>
+          <a:prstGeom prst="rect">
+            <a:avLst/>
+          </a:prstGeom>
+        </p:spPr>
+        <p:style>
+          <a:lnRef idx="2">
+            <a:schemeClr val="accent1">
+              <a:shade val="50000"/>
+            </a:schemeClr>
+          </a:lnRef>
+          <a:fillRef idx="1">
+            <a:schemeClr val="accent1"/>
+          </a:fillRef>
+          <a:effectRef idx="0">
+            <a:schemeClr val="accent1"/>
+          </a:effectRef>
+          <a:fontRef idx="minor">
+            <a:schemeClr val="lt1"/>
+          </a:fontRef>
+        </p:style>
+        <p:txBody>
+          <a:bodyPr rtlCol="0" anchor="ctr"/>
+          <a:lstStyle/>
+          <a:p>
+            <a:pPr algn="ctr"/>
+            <a:r>
+              <a:rPr lang="en-CH" sz="2800">
+                <a:latin typeface="Arial" panose="020B0604020202020204" pitchFamily="34" charset="0"/>
+                <a:cs typeface="Arial" panose="020B0604020202020204" pitchFamily="34" charset="0"/>
+              </a:rPr>
+              <a:t>Dataset</a:t>
+            </a:r>
+          </a:p>
+        </p:txBody>
+      </p:sp>
+      <p:sp>
+        <p:nvSpPr>
+          <p:cNvPr id="5" name="Rounded Rectangle 4">
+            <a:extLst>
+              <a:ext uri="{FF2B5EF4-FFF2-40B4-BE49-F238E27FC236}">
+                <a16:creationId xmlns:a16="http://schemas.microsoft.com/office/drawing/2014/main" id="{DE96796D-9F23-C832-26F7-450E1D9451B6}"/>
+              </a:ext>
+            </a:extLst>
+          </p:cNvPr>
+          <p:cNvSpPr/>
+          <p:nvPr/>
+        </p:nvSpPr>
+        <p:spPr>
+          <a:xfrm>
+            <a:off x="1429787" y="4123114"/>
+            <a:ext cx="6533805" cy="407323"/>
+          </a:xfrm>
+          <a:prstGeom prst="roundRect">
+            <a:avLst/>
+          </a:prstGeom>
+          <a:solidFill>
+            <a:schemeClr val="accent6">
+              <a:lumMod val="40000"/>
+              <a:lumOff val="60000"/>
+            </a:schemeClr>
+          </a:solidFill>
+        </p:spPr>
+        <p:style>
+          <a:lnRef idx="2">
+            <a:schemeClr val="accent1">
+              <a:shade val="50000"/>
+            </a:schemeClr>
+          </a:lnRef>
+          <a:fillRef idx="1">
+            <a:schemeClr val="accent1"/>
+          </a:fillRef>
+          <a:effectRef idx="0">
+            <a:schemeClr val="accent1"/>
+          </a:effectRef>
+          <a:fontRef idx="minor">
+            <a:schemeClr val="lt1"/>
+          </a:fontRef>
+        </p:style>
+        <p:txBody>
+          <a:bodyPr rtlCol="0" anchor="ctr"/>
+          <a:lstStyle/>
+          <a:p>
+            <a:pPr algn="ctr"/>
             <a:r>
               <a:rPr lang="en-CH">
-                <a:sym typeface="Wingdings" pitchFamily="2" charset="2"/>
+                <a:solidFill>
+                  <a:schemeClr val="tx1"/>
+                </a:solidFill>
+                <a:latin typeface="Arial" panose="020B0604020202020204" pitchFamily="34" charset="0"/>
+                <a:cs typeface="Arial" panose="020B0604020202020204" pitchFamily="34" charset="0"/>
               </a:rPr>
-              <a:t> To detect it we need to split our dataset in two portion, and use them in a smart way.</a:t>
-            </a:r>
-            <a:endParaRPr lang="en-CH"/>
-          </a:p>
-        </p:txBody>
-      </p:sp>
+              <a:t>Train the model</a:t>
+            </a:r>
+          </a:p>
+        </p:txBody>
+      </p:sp>
+      <p:sp>
+        <p:nvSpPr>
+          <p:cNvPr id="8" name="Rounded Rectangle 7">
+            <a:extLst>
+              <a:ext uri="{FF2B5EF4-FFF2-40B4-BE49-F238E27FC236}">
+                <a16:creationId xmlns:a16="http://schemas.microsoft.com/office/drawing/2014/main" id="{73148958-095D-D617-9E70-893A807CED67}"/>
+              </a:ext>
+            </a:extLst>
+          </p:cNvPr>
+          <p:cNvSpPr/>
+          <p:nvPr/>
+        </p:nvSpPr>
+        <p:spPr>
+          <a:xfrm>
+            <a:off x="8088283" y="4123114"/>
+            <a:ext cx="2194560" cy="407323"/>
+          </a:xfrm>
+          <a:prstGeom prst="roundRect">
+            <a:avLst/>
+          </a:prstGeom>
+          <a:solidFill>
+            <a:schemeClr val="accent2">
+              <a:lumMod val="40000"/>
+              <a:lumOff val="60000"/>
+            </a:schemeClr>
+          </a:solidFill>
+        </p:spPr>
+        <p:style>
+          <a:lnRef idx="2">
+            <a:schemeClr val="accent1">
+              <a:shade val="50000"/>
+            </a:schemeClr>
+          </a:lnRef>
+          <a:fillRef idx="1">
+            <a:schemeClr val="accent1"/>
+          </a:fillRef>
+          <a:effectRef idx="0">
+            <a:schemeClr val="accent1"/>
+          </a:effectRef>
+          <a:fontRef idx="minor">
+            <a:schemeClr val="lt1"/>
+          </a:fontRef>
+        </p:style>
+        <p:txBody>
+          <a:bodyPr rtlCol="0" anchor="ctr"/>
+          <a:lstStyle/>
+          <a:p>
+            <a:pPr algn="ctr"/>
+            <a:r>
+              <a:rPr lang="en-CH">
+                <a:solidFill>
+                  <a:schemeClr val="tx1"/>
+                </a:solidFill>
+                <a:latin typeface="Arial" panose="020B0604020202020204" pitchFamily="34" charset="0"/>
+                <a:cs typeface="Arial" panose="020B0604020202020204" pitchFamily="34" charset="0"/>
+              </a:rPr>
+              <a:t>Evaluate the model</a:t>
+            </a:r>
+          </a:p>
+        </p:txBody>
+      </p:sp>
+      <p:sp>
+        <p:nvSpPr>
+          <p:cNvPr id="11" name="TextBox 10">
+            <a:extLst>
+              <a:ext uri="{FF2B5EF4-FFF2-40B4-BE49-F238E27FC236}">
+                <a16:creationId xmlns:a16="http://schemas.microsoft.com/office/drawing/2014/main" id="{62398207-D864-3DF1-DBDF-4D14E8AC75E9}"/>
+              </a:ext>
+            </a:extLst>
+          </p:cNvPr>
+          <p:cNvSpPr txBox="1"/>
+          <p:nvPr/>
+        </p:nvSpPr>
+        <p:spPr>
+          <a:xfrm>
+            <a:off x="3616906" y="5070763"/>
+            <a:ext cx="2159566" cy="369332"/>
+          </a:xfrm>
+          <a:prstGeom prst="rect">
+            <a:avLst/>
+          </a:prstGeom>
+          <a:noFill/>
+        </p:spPr>
+        <p:txBody>
+          <a:bodyPr wrap="none" rtlCol="0">
+            <a:spAutoFit/>
+          </a:bodyPr>
+          <a:lstStyle/>
+          <a:p>
+            <a:r>
+              <a:rPr lang="en-CH">
+                <a:latin typeface="Arial" panose="020B0604020202020204" pitchFamily="34" charset="0"/>
+                <a:cs typeface="Arial" panose="020B0604020202020204" pitchFamily="34" charset="0"/>
+              </a:rPr>
+              <a:t>Evaluate the metric</a:t>
+            </a:r>
+          </a:p>
+        </p:txBody>
+      </p:sp>
+      <p:sp>
+        <p:nvSpPr>
+          <p:cNvPr id="12" name="TextBox 11">
+            <a:extLst>
+              <a:ext uri="{FF2B5EF4-FFF2-40B4-BE49-F238E27FC236}">
+                <a16:creationId xmlns:a16="http://schemas.microsoft.com/office/drawing/2014/main" id="{E6167B6D-B840-FFE0-C425-D3E56A3FD34C}"/>
+              </a:ext>
+            </a:extLst>
+          </p:cNvPr>
+          <p:cNvSpPr txBox="1"/>
+          <p:nvPr/>
+        </p:nvSpPr>
+        <p:spPr>
+          <a:xfrm>
+            <a:off x="8096596" y="5070763"/>
+            <a:ext cx="2159566" cy="369332"/>
+          </a:xfrm>
+          <a:prstGeom prst="rect">
+            <a:avLst/>
+          </a:prstGeom>
+          <a:noFill/>
+        </p:spPr>
+        <p:txBody>
+          <a:bodyPr wrap="none" rtlCol="0">
+            <a:spAutoFit/>
+          </a:bodyPr>
+          <a:lstStyle/>
+          <a:p>
+            <a:r>
+              <a:rPr lang="en-CH">
+                <a:latin typeface="Arial" panose="020B0604020202020204" pitchFamily="34" charset="0"/>
+                <a:cs typeface="Arial" panose="020B0604020202020204" pitchFamily="34" charset="0"/>
+              </a:rPr>
+              <a:t>Evaluate the metric</a:t>
+            </a:r>
+          </a:p>
+        </p:txBody>
+      </p:sp>
+      <p:cxnSp>
+        <p:nvCxnSpPr>
+          <p:cNvPr id="14" name="Straight Arrow Connector 13">
+            <a:extLst>
+              <a:ext uri="{FF2B5EF4-FFF2-40B4-BE49-F238E27FC236}">
+                <a16:creationId xmlns:a16="http://schemas.microsoft.com/office/drawing/2014/main" id="{614B76F4-AC6F-B7E3-C0CF-318E4E7D24D4}"/>
+              </a:ext>
+            </a:extLst>
+          </p:cNvPr>
+          <p:cNvCxnSpPr>
+            <a:stCxn id="5" idx="2"/>
+            <a:endCxn id="11" idx="0"/>
+          </p:cNvCxnSpPr>
+          <p:nvPr/>
+        </p:nvCxnSpPr>
+        <p:spPr>
+          <a:xfrm flipH="1">
+            <a:off x="4696689" y="4530437"/>
+            <a:ext cx="1" cy="540326"/>
+          </a:xfrm>
+          <a:prstGeom prst="straightConnector1">
+            <a:avLst/>
+          </a:prstGeom>
+          <a:ln>
+            <a:tailEnd type="triangle"/>
+          </a:ln>
+        </p:spPr>
+        <p:style>
+          <a:lnRef idx="1">
+            <a:schemeClr val="accent1"/>
+          </a:lnRef>
+          <a:fillRef idx="0">
+            <a:schemeClr val="accent1"/>
+          </a:fillRef>
+          <a:effectRef idx="0">
+            <a:schemeClr val="accent1"/>
+          </a:effectRef>
+          <a:fontRef idx="minor">
+            <a:schemeClr val="tx1"/>
+          </a:fontRef>
+        </p:style>
+      </p:cxnSp>
+      <p:cxnSp>
+        <p:nvCxnSpPr>
+          <p:cNvPr id="16" name="Straight Arrow Connector 15">
+            <a:extLst>
+              <a:ext uri="{FF2B5EF4-FFF2-40B4-BE49-F238E27FC236}">
+                <a16:creationId xmlns:a16="http://schemas.microsoft.com/office/drawing/2014/main" id="{B55547CA-9F90-5291-0617-C0568C9C0FBD}"/>
+              </a:ext>
+            </a:extLst>
+          </p:cNvPr>
+          <p:cNvCxnSpPr>
+            <a:stCxn id="8" idx="2"/>
+            <a:endCxn id="12" idx="0"/>
+          </p:cNvCxnSpPr>
+          <p:nvPr/>
+        </p:nvCxnSpPr>
+        <p:spPr>
+          <a:xfrm flipH="1">
+            <a:off x="9176379" y="4530437"/>
+            <a:ext cx="9184" cy="540326"/>
+          </a:xfrm>
+          <a:prstGeom prst="straightConnector1">
+            <a:avLst/>
+          </a:prstGeom>
+          <a:ln>
+            <a:tailEnd type="triangle"/>
+          </a:ln>
+        </p:spPr>
+        <p:style>
+          <a:lnRef idx="1">
+            <a:schemeClr val="accent1"/>
+          </a:lnRef>
+          <a:fillRef idx="0">
+            <a:schemeClr val="accent1"/>
+          </a:fillRef>
+          <a:effectRef idx="0">
+            <a:schemeClr val="accent1"/>
+          </a:effectRef>
+          <a:fontRef idx="minor">
+            <a:schemeClr val="tx1"/>
+          </a:fontRef>
+        </p:style>
+      </p:cxnSp>
+      <p:sp>
+        <p:nvSpPr>
+          <p:cNvPr id="17" name="Rectangle 16">
+            <a:extLst>
+              <a:ext uri="{FF2B5EF4-FFF2-40B4-BE49-F238E27FC236}">
+                <a16:creationId xmlns:a16="http://schemas.microsoft.com/office/drawing/2014/main" id="{CAFC9566-B312-6A81-CD2D-9606A441D20B}"/>
+              </a:ext>
+            </a:extLst>
+          </p:cNvPr>
+          <p:cNvSpPr/>
+          <p:nvPr/>
+        </p:nvSpPr>
+        <p:spPr>
+          <a:xfrm>
+            <a:off x="8031328" y="2974748"/>
+            <a:ext cx="2323405" cy="936852"/>
+          </a:xfrm>
+          <a:prstGeom prst="rect">
+            <a:avLst/>
+          </a:prstGeom>
+          <a:noFill/>
+          <a:ln w="38100">
+            <a:solidFill>
+              <a:srgbClr val="FF0000"/>
+            </a:solidFill>
+          </a:ln>
+        </p:spPr>
+        <p:style>
+          <a:lnRef idx="2">
+            <a:schemeClr val="accent2"/>
+          </a:lnRef>
+          <a:fillRef idx="1">
+            <a:schemeClr val="lt1"/>
+          </a:fillRef>
+          <a:effectRef idx="0">
+            <a:schemeClr val="accent2"/>
+          </a:effectRef>
+          <a:fontRef idx="minor">
+            <a:schemeClr val="dk1"/>
+          </a:fontRef>
+        </p:style>
+        <p:txBody>
+          <a:bodyPr rtlCol="0" anchor="ctr"/>
+          <a:lstStyle/>
+          <a:p>
+            <a:pPr algn="ctr"/>
+            <a:endParaRPr lang="en-CH">
+              <a:solidFill>
+                <a:schemeClr val="tx1"/>
+              </a:solidFill>
+            </a:endParaRPr>
+          </a:p>
+        </p:txBody>
+      </p:sp>
+      <p:sp>
+        <p:nvSpPr>
+          <p:cNvPr id="18" name="TextBox 17">
+            <a:extLst>
+              <a:ext uri="{FF2B5EF4-FFF2-40B4-BE49-F238E27FC236}">
+                <a16:creationId xmlns:a16="http://schemas.microsoft.com/office/drawing/2014/main" id="{AE523FFE-F5C3-1C5E-A8C2-250CE5F5C4EE}"/>
+              </a:ext>
+            </a:extLst>
+          </p:cNvPr>
+          <p:cNvSpPr txBox="1"/>
+          <p:nvPr/>
+        </p:nvSpPr>
+        <p:spPr>
+          <a:xfrm>
+            <a:off x="7670127" y="861520"/>
+            <a:ext cx="3962944" cy="523220"/>
+          </a:xfrm>
+          <a:prstGeom prst="rect">
+            <a:avLst/>
+          </a:prstGeom>
+          <a:noFill/>
+        </p:spPr>
+        <p:txBody>
+          <a:bodyPr wrap="none" rtlCol="0">
+            <a:spAutoFit/>
+          </a:bodyPr>
+          <a:lstStyle/>
+          <a:p>
+            <a:r>
+              <a:rPr lang="en-CH" sz="2800">
+                <a:solidFill>
+                  <a:srgbClr val="FF0000"/>
+                </a:solidFill>
+                <a:latin typeface="Arial" panose="020B0604020202020204" pitchFamily="34" charset="0"/>
+                <a:cs typeface="Arial" panose="020B0604020202020204" pitchFamily="34" charset="0"/>
+              </a:rPr>
+              <a:t>Also called Hold-out set</a:t>
+            </a:r>
+          </a:p>
+        </p:txBody>
+      </p:sp>
+      <p:cxnSp>
+        <p:nvCxnSpPr>
+          <p:cNvPr id="19" name="Straight Arrow Connector 18">
+            <a:extLst>
+              <a:ext uri="{FF2B5EF4-FFF2-40B4-BE49-F238E27FC236}">
+                <a16:creationId xmlns:a16="http://schemas.microsoft.com/office/drawing/2014/main" id="{E289F189-81B4-E8AD-8179-8E8F31586FAC}"/>
+              </a:ext>
+            </a:extLst>
+          </p:cNvPr>
+          <p:cNvCxnSpPr>
+            <a:cxnSpLocks/>
+            <a:stCxn id="18" idx="2"/>
+            <a:endCxn id="17" idx="0"/>
+          </p:cNvCxnSpPr>
+          <p:nvPr/>
+        </p:nvCxnSpPr>
+        <p:spPr>
+          <a:xfrm flipH="1">
+            <a:off x="9193031" y="1384740"/>
+            <a:ext cx="458568" cy="1590008"/>
+          </a:xfrm>
+          <a:prstGeom prst="straightConnector1">
+            <a:avLst/>
+          </a:prstGeom>
+          <a:ln w="12700">
+            <a:solidFill>
+              <a:srgbClr val="FF0000"/>
+            </a:solidFill>
+            <a:tailEnd type="triangle"/>
+          </a:ln>
+        </p:spPr>
+        <p:style>
+          <a:lnRef idx="1">
+            <a:schemeClr val="accent1"/>
+          </a:lnRef>
+          <a:fillRef idx="0">
+            <a:schemeClr val="accent1"/>
+          </a:fillRef>
+          <a:effectRef idx="0">
+            <a:schemeClr val="accent1"/>
+          </a:effectRef>
+          <a:fontRef idx="minor">
+            <a:schemeClr val="tx1"/>
+          </a:fontRef>
+        </p:style>
+      </p:cxnSp>
+      <p:sp>
+        <p:nvSpPr>
+          <p:cNvPr id="6" name="TextBox 5">
+            <a:extLst>
+              <a:ext uri="{FF2B5EF4-FFF2-40B4-BE49-F238E27FC236}">
+                <a16:creationId xmlns:a16="http://schemas.microsoft.com/office/drawing/2014/main" id="{CAA8112A-3EC5-11AC-9DFA-CF007CD3CE7E}"/>
+              </a:ext>
+            </a:extLst>
+          </p:cNvPr>
+          <p:cNvSpPr txBox="1"/>
+          <p:nvPr/>
+        </p:nvSpPr>
+        <p:spPr>
+          <a:xfrm>
+            <a:off x="5338359" y="5811814"/>
+            <a:ext cx="3365024" cy="369332"/>
+          </a:xfrm>
+          <a:prstGeom prst="rect">
+            <a:avLst/>
+          </a:prstGeom>
+          <a:noFill/>
+        </p:spPr>
+        <p:txBody>
+          <a:bodyPr wrap="none" rtlCol="0">
+            <a:spAutoFit/>
+          </a:bodyPr>
+          <a:lstStyle/>
+          <a:p>
+            <a:r>
+              <a:rPr lang="en-CH">
+                <a:latin typeface="Arial" panose="020B0604020202020204" pitchFamily="34" charset="0"/>
+                <a:cs typeface="Arial" panose="020B0604020202020204" pitchFamily="34" charset="0"/>
+              </a:rPr>
+              <a:t>Compare the two metric values</a:t>
+            </a:r>
+          </a:p>
+        </p:txBody>
+      </p:sp>
+      <p:cxnSp>
+        <p:nvCxnSpPr>
+          <p:cNvPr id="10" name="Straight Arrow Connector 9">
+            <a:extLst>
+              <a:ext uri="{FF2B5EF4-FFF2-40B4-BE49-F238E27FC236}">
+                <a16:creationId xmlns:a16="http://schemas.microsoft.com/office/drawing/2014/main" id="{6107F222-881F-0C8D-890D-F83445408080}"/>
+              </a:ext>
+            </a:extLst>
+          </p:cNvPr>
+          <p:cNvCxnSpPr>
+            <a:stCxn id="11" idx="2"/>
+            <a:endCxn id="6" idx="1"/>
+          </p:cNvCxnSpPr>
+          <p:nvPr/>
+        </p:nvCxnSpPr>
+        <p:spPr>
+          <a:xfrm rot="16200000" flipH="1">
+            <a:off x="4739332" y="5397452"/>
+            <a:ext cx="556385" cy="641670"/>
+          </a:xfrm>
+          <a:prstGeom prst="bentConnector2">
+            <a:avLst/>
+          </a:prstGeom>
+          <a:ln>
+            <a:tailEnd type="triangle"/>
+          </a:ln>
+        </p:spPr>
+        <p:style>
+          <a:lnRef idx="1">
+            <a:schemeClr val="accent1"/>
+          </a:lnRef>
+          <a:fillRef idx="0">
+            <a:schemeClr val="accent1"/>
+          </a:fillRef>
+          <a:effectRef idx="0">
+            <a:schemeClr val="accent1"/>
+          </a:effectRef>
+          <a:fontRef idx="minor">
+            <a:schemeClr val="tx1"/>
+          </a:fontRef>
+        </p:style>
+      </p:cxnSp>
+      <p:cxnSp>
+        <p:nvCxnSpPr>
+          <p:cNvPr id="15" name="Straight Arrow Connector 14">
+            <a:extLst>
+              <a:ext uri="{FF2B5EF4-FFF2-40B4-BE49-F238E27FC236}">
+                <a16:creationId xmlns:a16="http://schemas.microsoft.com/office/drawing/2014/main" id="{00D0E43B-DB63-3D89-56B5-802279D6880D}"/>
+              </a:ext>
+            </a:extLst>
+          </p:cNvPr>
+          <p:cNvCxnSpPr>
+            <a:stCxn id="12" idx="2"/>
+            <a:endCxn id="6" idx="3"/>
+          </p:cNvCxnSpPr>
+          <p:nvPr/>
+        </p:nvCxnSpPr>
+        <p:spPr>
+          <a:xfrm rot="5400000">
+            <a:off x="8661689" y="5481789"/>
+            <a:ext cx="556385" cy="472996"/>
+          </a:xfrm>
+          <a:prstGeom prst="bentConnector2">
+            <a:avLst/>
+          </a:prstGeom>
+          <a:ln>
+            <a:tailEnd type="triangle"/>
+          </a:ln>
+        </p:spPr>
+        <p:style>
+          <a:lnRef idx="1">
+            <a:schemeClr val="accent1"/>
+          </a:lnRef>
+          <a:fillRef idx="0">
+            <a:schemeClr val="accent1"/>
+          </a:fillRef>
+          <a:effectRef idx="0">
+            <a:schemeClr val="accent1"/>
+          </a:effectRef>
+          <a:fontRef idx="minor">
+            <a:schemeClr val="tx1"/>
+          </a:fontRef>
+        </p:style>
+      </p:cxnSp>
     </p:spTree>
     <p:extLst>
       <p:ext uri="{BB962C8B-B14F-4D97-AF65-F5344CB8AC3E}">
-        <p14:creationId xmlns:p14="http://schemas.microsoft.com/office/powerpoint/2010/main" val="36811579"/>
+        <p14:creationId xmlns:p14="http://schemas.microsoft.com/office/powerpoint/2010/main" val="3846449854"/>
       </p:ext>
     </p:extLst>
   </p:cSld>
   <p:clrMapOvr>
     <a:masterClrMapping/>
   </p:clrMapOvr>
+  <p:timing>
+    <p:tnLst>
+      <p:par>
+        <p:cTn id="1" dur="indefinite" restart="never" nodeType="tmRoot">
+          <p:childTnLst>
+            <p:seq concurrent="1" nextAc="seek">
+              <p:cTn id="2" dur="indefinite" nodeType="mainSeq">
+                <p:childTnLst>
+                  <p:par>
+                    <p:cTn id="3" fill="hold">
+                      <p:stCondLst>
+                        <p:cond delay="indefinite"/>
+                      </p:stCondLst>
+                      <p:childTnLst>
+                        <p:par>
+                          <p:cTn id="4" fill="hold">
+                            <p:stCondLst>
+                              <p:cond delay="0"/>
+                            </p:stCondLst>
+                            <p:childTnLst>
+                              <p:par>
+                                <p:cTn id="5" presetID="10" presetClass="entr" presetSubtype="0" fill="hold" grpId="0" nodeType="clickEffect">
+                                  <p:stCondLst>
+                                    <p:cond delay="0"/>
+                                  </p:stCondLst>
+                                  <p:childTnLst>
+                                    <p:set>
+                                      <p:cBhvr>
+                                        <p:cTn id="6" dur="1" fill="hold">
+                                          <p:stCondLst>
+                                            <p:cond delay="0"/>
+                                          </p:stCondLst>
+                                        </p:cTn>
+                                        <p:tgtEl>
+                                          <p:spTgt spid="7"/>
+                                        </p:tgtEl>
+                                        <p:attrNameLst>
+                                          <p:attrName>style.visibility</p:attrName>
+                                        </p:attrNameLst>
+                                      </p:cBhvr>
+                                      <p:to>
+                                        <p:strVal val="visible"/>
+                                      </p:to>
+                                    </p:set>
+                                    <p:animEffect transition="in" filter="fade">
+                                      <p:cBhvr>
+                                        <p:cTn id="7" dur="500"/>
+                                        <p:tgtEl>
+                                          <p:spTgt spid="7"/>
+                                        </p:tgtEl>
+                                      </p:cBhvr>
+                                    </p:animEffect>
+                                  </p:childTnLst>
+                                </p:cTn>
+                              </p:par>
+                              <p:par>
+                                <p:cTn id="8" presetID="10" presetClass="entr" presetSubtype="0" fill="hold" grpId="0" nodeType="withEffect">
+                                  <p:stCondLst>
+                                    <p:cond delay="0"/>
+                                  </p:stCondLst>
+                                  <p:childTnLst>
+                                    <p:set>
+                                      <p:cBhvr>
+                                        <p:cTn id="9" dur="1" fill="hold">
+                                          <p:stCondLst>
+                                            <p:cond delay="0"/>
+                                          </p:stCondLst>
+                                        </p:cTn>
+                                        <p:tgtEl>
+                                          <p:spTgt spid="3"/>
+                                        </p:tgtEl>
+                                        <p:attrNameLst>
+                                          <p:attrName>style.visibility</p:attrName>
+                                        </p:attrNameLst>
+                                      </p:cBhvr>
+                                      <p:to>
+                                        <p:strVal val="visible"/>
+                                      </p:to>
+                                    </p:set>
+                                    <p:animEffect transition="in" filter="fade">
+                                      <p:cBhvr>
+                                        <p:cTn id="10" dur="500"/>
+                                        <p:tgtEl>
+                                          <p:spTgt spid="3"/>
+                                        </p:tgtEl>
+                                      </p:cBhvr>
+                                    </p:animEffect>
+                                  </p:childTnLst>
+                                </p:cTn>
+                              </p:par>
+                            </p:childTnLst>
+                          </p:cTn>
+                        </p:par>
+                      </p:childTnLst>
+                    </p:cTn>
+                  </p:par>
+                  <p:par>
+                    <p:cTn id="11" fill="hold">
+                      <p:stCondLst>
+                        <p:cond delay="indefinite"/>
+                      </p:stCondLst>
+                      <p:childTnLst>
+                        <p:par>
+                          <p:cTn id="12" fill="hold">
+                            <p:stCondLst>
+                              <p:cond delay="0"/>
+                            </p:stCondLst>
+                            <p:childTnLst>
+                              <p:par>
+                                <p:cTn id="13" presetID="10" presetClass="entr" presetSubtype="0" fill="hold" grpId="0" nodeType="clickEffect">
+                                  <p:stCondLst>
+                                    <p:cond delay="0"/>
+                                  </p:stCondLst>
+                                  <p:childTnLst>
+                                    <p:set>
+                                      <p:cBhvr>
+                                        <p:cTn id="14" dur="1" fill="hold">
+                                          <p:stCondLst>
+                                            <p:cond delay="0"/>
+                                          </p:stCondLst>
+                                        </p:cTn>
+                                        <p:tgtEl>
+                                          <p:spTgt spid="5"/>
+                                        </p:tgtEl>
+                                        <p:attrNameLst>
+                                          <p:attrName>style.visibility</p:attrName>
+                                        </p:attrNameLst>
+                                      </p:cBhvr>
+                                      <p:to>
+                                        <p:strVal val="visible"/>
+                                      </p:to>
+                                    </p:set>
+                                    <p:animEffect transition="in" filter="fade">
+                                      <p:cBhvr>
+                                        <p:cTn id="15" dur="500"/>
+                                        <p:tgtEl>
+                                          <p:spTgt spid="5"/>
+                                        </p:tgtEl>
+                                      </p:cBhvr>
+                                    </p:animEffect>
+                                  </p:childTnLst>
+                                </p:cTn>
+                              </p:par>
+                              <p:par>
+                                <p:cTn id="16" presetID="10" presetClass="entr" presetSubtype="0" fill="hold" grpId="0" nodeType="withEffect">
+                                  <p:stCondLst>
+                                    <p:cond delay="0"/>
+                                  </p:stCondLst>
+                                  <p:childTnLst>
+                                    <p:set>
+                                      <p:cBhvr>
+                                        <p:cTn id="17" dur="1" fill="hold">
+                                          <p:stCondLst>
+                                            <p:cond delay="0"/>
+                                          </p:stCondLst>
+                                        </p:cTn>
+                                        <p:tgtEl>
+                                          <p:spTgt spid="8"/>
+                                        </p:tgtEl>
+                                        <p:attrNameLst>
+                                          <p:attrName>style.visibility</p:attrName>
+                                        </p:attrNameLst>
+                                      </p:cBhvr>
+                                      <p:to>
+                                        <p:strVal val="visible"/>
+                                      </p:to>
+                                    </p:set>
+                                    <p:animEffect transition="in" filter="fade">
+                                      <p:cBhvr>
+                                        <p:cTn id="18" dur="500"/>
+                                        <p:tgtEl>
+                                          <p:spTgt spid="8"/>
+                                        </p:tgtEl>
+                                      </p:cBhvr>
+                                    </p:animEffect>
+                                  </p:childTnLst>
+                                </p:cTn>
+                              </p:par>
+                            </p:childTnLst>
+                          </p:cTn>
+                        </p:par>
+                      </p:childTnLst>
+                    </p:cTn>
+                  </p:par>
+                  <p:par>
+                    <p:cTn id="19" fill="hold">
+                      <p:stCondLst>
+                        <p:cond delay="indefinite"/>
+                      </p:stCondLst>
+                      <p:childTnLst>
+                        <p:par>
+                          <p:cTn id="20" fill="hold">
+                            <p:stCondLst>
+                              <p:cond delay="0"/>
+                            </p:stCondLst>
+                            <p:childTnLst>
+                              <p:par>
+                                <p:cTn id="21" presetID="10" presetClass="entr" presetSubtype="0" fill="hold" nodeType="clickEffect">
+                                  <p:stCondLst>
+                                    <p:cond delay="0"/>
+                                  </p:stCondLst>
+                                  <p:childTnLst>
+                                    <p:set>
+                                      <p:cBhvr>
+                                        <p:cTn id="22" dur="1" fill="hold">
+                                          <p:stCondLst>
+                                            <p:cond delay="0"/>
+                                          </p:stCondLst>
+                                        </p:cTn>
+                                        <p:tgtEl>
+                                          <p:spTgt spid="14"/>
+                                        </p:tgtEl>
+                                        <p:attrNameLst>
+                                          <p:attrName>style.visibility</p:attrName>
+                                        </p:attrNameLst>
+                                      </p:cBhvr>
+                                      <p:to>
+                                        <p:strVal val="visible"/>
+                                      </p:to>
+                                    </p:set>
+                                    <p:animEffect transition="in" filter="fade">
+                                      <p:cBhvr>
+                                        <p:cTn id="23" dur="500"/>
+                                        <p:tgtEl>
+                                          <p:spTgt spid="14"/>
+                                        </p:tgtEl>
+                                      </p:cBhvr>
+                                    </p:animEffect>
+                                  </p:childTnLst>
+                                </p:cTn>
+                              </p:par>
+                              <p:par>
+                                <p:cTn id="24" presetID="10" presetClass="entr" presetSubtype="0" fill="hold" grpId="0" nodeType="withEffect">
+                                  <p:stCondLst>
+                                    <p:cond delay="0"/>
+                                  </p:stCondLst>
+                                  <p:childTnLst>
+                                    <p:set>
+                                      <p:cBhvr>
+                                        <p:cTn id="25" dur="1" fill="hold">
+                                          <p:stCondLst>
+                                            <p:cond delay="0"/>
+                                          </p:stCondLst>
+                                        </p:cTn>
+                                        <p:tgtEl>
+                                          <p:spTgt spid="11"/>
+                                        </p:tgtEl>
+                                        <p:attrNameLst>
+                                          <p:attrName>style.visibility</p:attrName>
+                                        </p:attrNameLst>
+                                      </p:cBhvr>
+                                      <p:to>
+                                        <p:strVal val="visible"/>
+                                      </p:to>
+                                    </p:set>
+                                    <p:animEffect transition="in" filter="fade">
+                                      <p:cBhvr>
+                                        <p:cTn id="26" dur="500"/>
+                                        <p:tgtEl>
+                                          <p:spTgt spid="11"/>
+                                        </p:tgtEl>
+                                      </p:cBhvr>
+                                    </p:animEffect>
+                                  </p:childTnLst>
+                                </p:cTn>
+                              </p:par>
+                              <p:par>
+                                <p:cTn id="27" presetID="10" presetClass="entr" presetSubtype="0" fill="hold" nodeType="withEffect">
+                                  <p:stCondLst>
+                                    <p:cond delay="0"/>
+                                  </p:stCondLst>
+                                  <p:childTnLst>
+                                    <p:set>
+                                      <p:cBhvr>
+                                        <p:cTn id="28" dur="1" fill="hold">
+                                          <p:stCondLst>
+                                            <p:cond delay="0"/>
+                                          </p:stCondLst>
+                                        </p:cTn>
+                                        <p:tgtEl>
+                                          <p:spTgt spid="16"/>
+                                        </p:tgtEl>
+                                        <p:attrNameLst>
+                                          <p:attrName>style.visibility</p:attrName>
+                                        </p:attrNameLst>
+                                      </p:cBhvr>
+                                      <p:to>
+                                        <p:strVal val="visible"/>
+                                      </p:to>
+                                    </p:set>
+                                    <p:animEffect transition="in" filter="fade">
+                                      <p:cBhvr>
+                                        <p:cTn id="29" dur="500"/>
+                                        <p:tgtEl>
+                                          <p:spTgt spid="16"/>
+                                        </p:tgtEl>
+                                      </p:cBhvr>
+                                    </p:animEffect>
+                                  </p:childTnLst>
+                                </p:cTn>
+                              </p:par>
+                              <p:par>
+                                <p:cTn id="30" presetID="10" presetClass="entr" presetSubtype="0" fill="hold" grpId="0" nodeType="withEffect">
+                                  <p:stCondLst>
+                                    <p:cond delay="0"/>
+                                  </p:stCondLst>
+                                  <p:childTnLst>
+                                    <p:set>
+                                      <p:cBhvr>
+                                        <p:cTn id="31" dur="1" fill="hold">
+                                          <p:stCondLst>
+                                            <p:cond delay="0"/>
+                                          </p:stCondLst>
+                                        </p:cTn>
+                                        <p:tgtEl>
+                                          <p:spTgt spid="12"/>
+                                        </p:tgtEl>
+                                        <p:attrNameLst>
+                                          <p:attrName>style.visibility</p:attrName>
+                                        </p:attrNameLst>
+                                      </p:cBhvr>
+                                      <p:to>
+                                        <p:strVal val="visible"/>
+                                      </p:to>
+                                    </p:set>
+                                    <p:animEffect transition="in" filter="fade">
+                                      <p:cBhvr>
+                                        <p:cTn id="32" dur="500"/>
+                                        <p:tgtEl>
+                                          <p:spTgt spid="12"/>
+                                        </p:tgtEl>
+                                      </p:cBhvr>
+                                    </p:animEffect>
+                                  </p:childTnLst>
+                                </p:cTn>
+                              </p:par>
+                            </p:childTnLst>
+                          </p:cTn>
+                        </p:par>
+                      </p:childTnLst>
+                    </p:cTn>
+                  </p:par>
+                  <p:par>
+                    <p:cTn id="33" fill="hold">
+                      <p:stCondLst>
+                        <p:cond delay="indefinite"/>
+                      </p:stCondLst>
+                      <p:childTnLst>
+                        <p:par>
+                          <p:cTn id="34" fill="hold">
+                            <p:stCondLst>
+                              <p:cond delay="0"/>
+                            </p:stCondLst>
+                            <p:childTnLst>
+                              <p:par>
+                                <p:cTn id="35" presetID="10" presetClass="entr" presetSubtype="0" fill="hold" grpId="0" nodeType="clickEffect">
+                                  <p:stCondLst>
+                                    <p:cond delay="0"/>
+                                  </p:stCondLst>
+                                  <p:childTnLst>
+                                    <p:set>
+                                      <p:cBhvr>
+                                        <p:cTn id="36" dur="1" fill="hold">
+                                          <p:stCondLst>
+                                            <p:cond delay="0"/>
+                                          </p:stCondLst>
+                                        </p:cTn>
+                                        <p:tgtEl>
+                                          <p:spTgt spid="17"/>
+                                        </p:tgtEl>
+                                        <p:attrNameLst>
+                                          <p:attrName>style.visibility</p:attrName>
+                                        </p:attrNameLst>
+                                      </p:cBhvr>
+                                      <p:to>
+                                        <p:strVal val="visible"/>
+                                      </p:to>
+                                    </p:set>
+                                    <p:animEffect transition="in" filter="fade">
+                                      <p:cBhvr>
+                                        <p:cTn id="37" dur="500"/>
+                                        <p:tgtEl>
+                                          <p:spTgt spid="17"/>
+                                        </p:tgtEl>
+                                      </p:cBhvr>
+                                    </p:animEffect>
+                                  </p:childTnLst>
+                                </p:cTn>
+                              </p:par>
+                              <p:par>
+                                <p:cTn id="38" presetID="10" presetClass="entr" presetSubtype="0" fill="hold" grpId="0" nodeType="withEffect">
+                                  <p:stCondLst>
+                                    <p:cond delay="0"/>
+                                  </p:stCondLst>
+                                  <p:childTnLst>
+                                    <p:set>
+                                      <p:cBhvr>
+                                        <p:cTn id="39" dur="1" fill="hold">
+                                          <p:stCondLst>
+                                            <p:cond delay="0"/>
+                                          </p:stCondLst>
+                                        </p:cTn>
+                                        <p:tgtEl>
+                                          <p:spTgt spid="18"/>
+                                        </p:tgtEl>
+                                        <p:attrNameLst>
+                                          <p:attrName>style.visibility</p:attrName>
+                                        </p:attrNameLst>
+                                      </p:cBhvr>
+                                      <p:to>
+                                        <p:strVal val="visible"/>
+                                      </p:to>
+                                    </p:set>
+                                    <p:animEffect transition="in" filter="fade">
+                                      <p:cBhvr>
+                                        <p:cTn id="40" dur="500"/>
+                                        <p:tgtEl>
+                                          <p:spTgt spid="18"/>
+                                        </p:tgtEl>
+                                      </p:cBhvr>
+                                    </p:animEffect>
+                                  </p:childTnLst>
+                                </p:cTn>
+                              </p:par>
+                              <p:par>
+                                <p:cTn id="41" presetID="10" presetClass="entr" presetSubtype="0" fill="hold" nodeType="withEffect">
+                                  <p:stCondLst>
+                                    <p:cond delay="0"/>
+                                  </p:stCondLst>
+                                  <p:childTnLst>
+                                    <p:set>
+                                      <p:cBhvr>
+                                        <p:cTn id="42" dur="1" fill="hold">
+                                          <p:stCondLst>
+                                            <p:cond delay="0"/>
+                                          </p:stCondLst>
+                                        </p:cTn>
+                                        <p:tgtEl>
+                                          <p:spTgt spid="19"/>
+                                        </p:tgtEl>
+                                        <p:attrNameLst>
+                                          <p:attrName>style.visibility</p:attrName>
+                                        </p:attrNameLst>
+                                      </p:cBhvr>
+                                      <p:to>
+                                        <p:strVal val="visible"/>
+                                      </p:to>
+                                    </p:set>
+                                    <p:animEffect transition="in" filter="fade">
+                                      <p:cBhvr>
+                                        <p:cTn id="43" dur="500"/>
+                                        <p:tgtEl>
+                                          <p:spTgt spid="19"/>
+                                        </p:tgtEl>
+                                      </p:cBhvr>
+                                    </p:animEffect>
+                                  </p:childTnLst>
+                                </p:cTn>
+                              </p:par>
+                            </p:childTnLst>
+                          </p:cTn>
+                        </p:par>
+                      </p:childTnLst>
+                    </p:cTn>
+                  </p:par>
+                  <p:par>
+                    <p:cTn id="44" fill="hold">
+                      <p:stCondLst>
+                        <p:cond delay="indefinite"/>
+                      </p:stCondLst>
+                      <p:childTnLst>
+                        <p:par>
+                          <p:cTn id="45" fill="hold">
+                            <p:stCondLst>
+                              <p:cond delay="0"/>
+                            </p:stCondLst>
+                            <p:childTnLst>
+                              <p:par>
+                                <p:cTn id="46" presetID="10" presetClass="entr" presetSubtype="0" fill="hold" nodeType="clickEffect">
+                                  <p:stCondLst>
+                                    <p:cond delay="0"/>
+                                  </p:stCondLst>
+                                  <p:childTnLst>
+                                    <p:set>
+                                      <p:cBhvr>
+                                        <p:cTn id="47" dur="1" fill="hold">
+                                          <p:stCondLst>
+                                            <p:cond delay="0"/>
+                                          </p:stCondLst>
+                                        </p:cTn>
+                                        <p:tgtEl>
+                                          <p:spTgt spid="15"/>
+                                        </p:tgtEl>
+                                        <p:attrNameLst>
+                                          <p:attrName>style.visibility</p:attrName>
+                                        </p:attrNameLst>
+                                      </p:cBhvr>
+                                      <p:to>
+                                        <p:strVal val="visible"/>
+                                      </p:to>
+                                    </p:set>
+                                    <p:animEffect transition="in" filter="fade">
+                                      <p:cBhvr>
+                                        <p:cTn id="48" dur="500"/>
+                                        <p:tgtEl>
+                                          <p:spTgt spid="15"/>
+                                        </p:tgtEl>
+                                      </p:cBhvr>
+                                    </p:animEffect>
+                                  </p:childTnLst>
+                                </p:cTn>
+                              </p:par>
+                              <p:par>
+                                <p:cTn id="49" presetID="10" presetClass="entr" presetSubtype="0" fill="hold" grpId="1" nodeType="withEffect">
+                                  <p:stCondLst>
+                                    <p:cond delay="0"/>
+                                  </p:stCondLst>
+                                  <p:childTnLst>
+                                    <p:set>
+                                      <p:cBhvr>
+                                        <p:cTn id="50" dur="1" fill="hold">
+                                          <p:stCondLst>
+                                            <p:cond delay="0"/>
+                                          </p:stCondLst>
+                                        </p:cTn>
+                                        <p:tgtEl>
+                                          <p:spTgt spid="6"/>
+                                        </p:tgtEl>
+                                        <p:attrNameLst>
+                                          <p:attrName>style.visibility</p:attrName>
+                                        </p:attrNameLst>
+                                      </p:cBhvr>
+                                      <p:to>
+                                        <p:strVal val="visible"/>
+                                      </p:to>
+                                    </p:set>
+                                    <p:animEffect transition="in" filter="fade">
+                                      <p:cBhvr>
+                                        <p:cTn id="51" dur="500"/>
+                                        <p:tgtEl>
+                                          <p:spTgt spid="6"/>
+                                        </p:tgtEl>
+                                      </p:cBhvr>
+                                    </p:animEffect>
+                                  </p:childTnLst>
+                                </p:cTn>
+                              </p:par>
+                              <p:par>
+                                <p:cTn id="52" presetID="10" presetClass="entr" presetSubtype="0" fill="hold" nodeType="withEffect">
+                                  <p:stCondLst>
+                                    <p:cond delay="0"/>
+                                  </p:stCondLst>
+                                  <p:childTnLst>
+                                    <p:set>
+                                      <p:cBhvr>
+                                        <p:cTn id="53" dur="1" fill="hold">
+                                          <p:stCondLst>
+                                            <p:cond delay="0"/>
+                                          </p:stCondLst>
+                                        </p:cTn>
+                                        <p:tgtEl>
+                                          <p:spTgt spid="10"/>
+                                        </p:tgtEl>
+                                        <p:attrNameLst>
+                                          <p:attrName>style.visibility</p:attrName>
+                                        </p:attrNameLst>
+                                      </p:cBhvr>
+                                      <p:to>
+                                        <p:strVal val="visible"/>
+                                      </p:to>
+                                    </p:set>
+                                    <p:animEffect transition="in" filter="fade">
+                                      <p:cBhvr>
+                                        <p:cTn id="54" dur="500"/>
+                                        <p:tgtEl>
+                                          <p:spTgt spid="10"/>
+                                        </p:tgtEl>
+                                      </p:cBhvr>
+                                    </p:animEffect>
+                                  </p:childTnLst>
+                                </p:cTn>
+                              </p:par>
+                            </p:childTnLst>
+                          </p:cTn>
+                        </p:par>
+                      </p:childTnLst>
+                    </p:cTn>
+                  </p:par>
+                </p:childTnLst>
+              </p:cTn>
+              <p:prevCondLst>
+                <p:cond evt="onPrev" delay="0">
+                  <p:tgtEl>
+                    <p:sldTgt/>
+                  </p:tgtEl>
+                </p:cond>
+              </p:prevCondLst>
+              <p:nextCondLst>
+                <p:cond evt="onNext" delay="0">
+                  <p:tgtEl>
+                    <p:sldTgt/>
+                  </p:tgtEl>
+                </p:cond>
+              </p:nextCondLst>
+            </p:seq>
+          </p:childTnLst>
+        </p:cTn>
+      </p:par>
+    </p:tnLst>
+    <p:bldLst>
+      <p:bldP spid="7" grpId="0" animBg="1"/>
+      <p:bldP spid="3" grpId="0" animBg="1"/>
+      <p:bldP spid="5" grpId="0" animBg="1"/>
+      <p:bldP spid="8" grpId="0" animBg="1"/>
+      <p:bldP spid="11" grpId="0"/>
+      <p:bldP spid="12" grpId="0"/>
+      <p:bldP spid="17" grpId="0" animBg="1"/>
+      <p:bldP spid="18" grpId="0"/>
+      <p:bldP spid="6" grpId="1"/>
+    </p:bldLst>
+  </p:timing>
 </p:sld>
 </file>
 
